--- a/ppt/prezi.pptx
+++ b/ppt/prezi.pptx
@@ -18579,7 +18579,7 @@
           <a:p>
             <a:fld id="{FC986574-F80F-4CC2-A923-9267EE346C6E}" type="datetimeFigureOut">
               <a:rPr lang="hu-HU" smtClean="0"/>
-              <a:t>2022. 12. 12.</a:t>
+              <a:t>2022. 12. 16.</a:t>
             </a:fld>
             <a:endParaRPr lang="hu-HU"/>
           </a:p>
@@ -20473,7 +20473,7 @@
           <a:p>
             <a:fld id="{2B23A63D-9524-4AB2-929F-89B21E00AA97}" type="datetimeFigureOut">
               <a:rPr lang="hu-HU" smtClean="0"/>
-              <a:t>2022. 12. 12.</a:t>
+              <a:t>2022. 12. 16.</a:t>
             </a:fld>
             <a:endParaRPr lang="hu-HU"/>
           </a:p>
@@ -20739,7 +20739,7 @@
           <a:p>
             <a:fld id="{2B23A63D-9524-4AB2-929F-89B21E00AA97}" type="datetimeFigureOut">
               <a:rPr lang="hu-HU" smtClean="0"/>
-              <a:t>2022. 12. 12.</a:t>
+              <a:t>2022. 12. 16.</a:t>
             </a:fld>
             <a:endParaRPr lang="hu-HU"/>
           </a:p>
@@ -20989,7 +20989,7 @@
           <a:p>
             <a:fld id="{2B23A63D-9524-4AB2-929F-89B21E00AA97}" type="datetimeFigureOut">
               <a:rPr lang="hu-HU" smtClean="0"/>
-              <a:t>2022. 12. 12.</a:t>
+              <a:t>2022. 12. 16.</a:t>
             </a:fld>
             <a:endParaRPr lang="hu-HU"/>
           </a:p>
@@ -21297,7 +21297,7 @@
           <a:p>
             <a:fld id="{2B23A63D-9524-4AB2-929F-89B21E00AA97}" type="datetimeFigureOut">
               <a:rPr lang="hu-HU" smtClean="0"/>
-              <a:t>2022. 12. 12.</a:t>
+              <a:t>2022. 12. 16.</a:t>
             </a:fld>
             <a:endParaRPr lang="hu-HU"/>
           </a:p>
@@ -21615,7 +21615,7 @@
           <a:p>
             <a:fld id="{2B23A63D-9524-4AB2-929F-89B21E00AA97}" type="datetimeFigureOut">
               <a:rPr lang="hu-HU" smtClean="0"/>
-              <a:t>2022. 12. 12.</a:t>
+              <a:t>2022. 12. 16.</a:t>
             </a:fld>
             <a:endParaRPr lang="hu-HU"/>
           </a:p>
@@ -21917,7 +21917,7 @@
           <a:p>
             <a:fld id="{2B23A63D-9524-4AB2-929F-89B21E00AA97}" type="datetimeFigureOut">
               <a:rPr lang="hu-HU" smtClean="0"/>
-              <a:t>2022. 12. 12.</a:t>
+              <a:t>2022. 12. 16.</a:t>
             </a:fld>
             <a:endParaRPr lang="hu-HU"/>
           </a:p>
@@ -22284,7 +22284,7 @@
           <a:p>
             <a:fld id="{2B23A63D-9524-4AB2-929F-89B21E00AA97}" type="datetimeFigureOut">
               <a:rPr lang="hu-HU" smtClean="0"/>
-              <a:t>2022. 12. 12.</a:t>
+              <a:t>2022. 12. 16.</a:t>
             </a:fld>
             <a:endParaRPr lang="hu-HU"/>
           </a:p>
@@ -22470,7 +22470,7 @@
           <a:p>
             <a:fld id="{2B23A63D-9524-4AB2-929F-89B21E00AA97}" type="datetimeFigureOut">
               <a:rPr lang="hu-HU" smtClean="0"/>
-              <a:t>2022. 12. 12.</a:t>
+              <a:t>2022. 12. 16.</a:t>
             </a:fld>
             <a:endParaRPr lang="hu-HU"/>
           </a:p>
@@ -22656,7 +22656,7 @@
           <a:p>
             <a:fld id="{2B23A63D-9524-4AB2-929F-89B21E00AA97}" type="datetimeFigureOut">
               <a:rPr lang="hu-HU" smtClean="0"/>
-              <a:t>2022. 12. 12.</a:t>
+              <a:t>2022. 12. 16.</a:t>
             </a:fld>
             <a:endParaRPr lang="hu-HU"/>
           </a:p>
@@ -22831,7 +22831,7 @@
           <a:p>
             <a:fld id="{2B23A63D-9524-4AB2-929F-89B21E00AA97}" type="datetimeFigureOut">
               <a:rPr lang="hu-HU" smtClean="0"/>
-              <a:t>2022. 12. 12.</a:t>
+              <a:t>2022. 12. 16.</a:t>
             </a:fld>
             <a:endParaRPr lang="hu-HU"/>
           </a:p>
@@ -23011,7 +23011,7 @@
           <a:p>
             <a:fld id="{2B23A63D-9524-4AB2-929F-89B21E00AA97}" type="datetimeFigureOut">
               <a:rPr lang="hu-HU" smtClean="0"/>
-              <a:t>2022. 12. 12.</a:t>
+              <a:t>2022. 12. 16.</a:t>
             </a:fld>
             <a:endParaRPr lang="hu-HU"/>
           </a:p>
@@ -23261,7 +23261,7 @@
           <a:p>
             <a:fld id="{2B23A63D-9524-4AB2-929F-89B21E00AA97}" type="datetimeFigureOut">
               <a:rPr lang="hu-HU" smtClean="0"/>
-              <a:t>2022. 12. 12.</a:t>
+              <a:t>2022. 12. 16.</a:t>
             </a:fld>
             <a:endParaRPr lang="hu-HU"/>
           </a:p>
@@ -23508,7 +23508,7 @@
           <a:p>
             <a:fld id="{2B23A63D-9524-4AB2-929F-89B21E00AA97}" type="datetimeFigureOut">
               <a:rPr lang="hu-HU" smtClean="0"/>
-              <a:t>2022. 12. 12.</a:t>
+              <a:t>2022. 12. 16.</a:t>
             </a:fld>
             <a:endParaRPr lang="hu-HU"/>
           </a:p>
@@ -23897,7 +23897,7 @@
           <a:p>
             <a:fld id="{2B23A63D-9524-4AB2-929F-89B21E00AA97}" type="datetimeFigureOut">
               <a:rPr lang="hu-HU" smtClean="0"/>
-              <a:t>2022. 12. 12.</a:t>
+              <a:t>2022. 12. 16.</a:t>
             </a:fld>
             <a:endParaRPr lang="hu-HU"/>
           </a:p>
@@ -24026,7 +24026,7 @@
           <a:p>
             <a:fld id="{2B23A63D-9524-4AB2-929F-89B21E00AA97}" type="datetimeFigureOut">
               <a:rPr lang="hu-HU" smtClean="0"/>
-              <a:t>2022. 12. 12.</a:t>
+              <a:t>2022. 12. 16.</a:t>
             </a:fld>
             <a:endParaRPr lang="hu-HU"/>
           </a:p>
@@ -24121,7 +24121,7 @@
           <a:p>
             <a:fld id="{2B23A63D-9524-4AB2-929F-89B21E00AA97}" type="datetimeFigureOut">
               <a:rPr lang="hu-HU" smtClean="0"/>
-              <a:t>2022. 12. 12.</a:t>
+              <a:t>2022. 12. 16.</a:t>
             </a:fld>
             <a:endParaRPr lang="hu-HU"/>
           </a:p>
@@ -24376,7 +24376,7 @@
           <a:p>
             <a:fld id="{2B23A63D-9524-4AB2-929F-89B21E00AA97}" type="datetimeFigureOut">
               <a:rPr lang="hu-HU" smtClean="0"/>
-              <a:t>2022. 12. 12.</a:t>
+              <a:t>2022. 12. 16.</a:t>
             </a:fld>
             <a:endParaRPr lang="hu-HU"/>
           </a:p>
@@ -24659,7 +24659,7 @@
           <a:p>
             <a:fld id="{2B23A63D-9524-4AB2-929F-89B21E00AA97}" type="datetimeFigureOut">
               <a:rPr lang="hu-HU" smtClean="0"/>
-              <a:t>2022. 12. 12.</a:t>
+              <a:t>2022. 12. 16.</a:t>
             </a:fld>
             <a:endParaRPr lang="hu-HU"/>
           </a:p>
@@ -25070,7 +25070,7 @@
           <a:p>
             <a:fld id="{2B23A63D-9524-4AB2-929F-89B21E00AA97}" type="datetimeFigureOut">
               <a:rPr lang="hu-HU" smtClean="0"/>
-              <a:t>2022. 12. 12.</a:t>
+              <a:t>2022. 12. 16.</a:t>
             </a:fld>
             <a:endParaRPr lang="hu-HU"/>
           </a:p>
@@ -25818,7 +25818,7 @@
         <p:spPr>
           <a:xfrm>
             <a:off x="300625" y="3230621"/>
-            <a:ext cx="5337018" cy="923330"/>
+            <a:ext cx="5337018" cy="1200329"/>
           </a:xfrm>
           <a:prstGeom prst="rect">
             <a:avLst/>
@@ -25857,6 +25857,12 @@
             <a:r>
               <a:rPr lang="hu-HU" dirty="0"/>
               <a:t> Márton</a:t>
+            </a:r>
+          </a:p>
+          <a:p>
+            <a:r>
+              <a:rPr lang="hu-HU" dirty="0"/>
+              <a:t>Külső konzulense: Dr. Szatmári Zoltán</a:t>
             </a:r>
           </a:p>
         </p:txBody>
@@ -27020,24 +27026,34 @@
               <a:t>(): </a:t>
             </a:r>
             <a:r>
+              <a:rPr lang="hu-HU" sz="1600" b="0">
+                <a:solidFill>
+                  <a:srgbClr val="267F99"/>
+                </a:solidFill>
+                <a:effectLst/>
+                <a:latin typeface="Consolas" panose="020B0609020204030204" pitchFamily="49" charset="0"/>
+              </a:rPr>
+              <a:t>Block</a:t>
+            </a:r>
+            <a:r>
+              <a:rPr lang="hu-HU" sz="1600" b="0">
+                <a:solidFill>
+                  <a:srgbClr val="000000"/>
+                </a:solidFill>
+                <a:effectLst/>
+                <a:latin typeface="Consolas" panose="020B0609020204030204" pitchFamily="49" charset="0"/>
+              </a:rPr>
+              <a:t> </a:t>
+            </a:r>
+            <a:r>
               <a:rPr lang="hu-HU" sz="1600" b="0" dirty="0">
                 <a:solidFill>
-                  <a:srgbClr val="267F99"/>
+                  <a:srgbClr val="000000"/>
                 </a:solidFill>
                 <a:effectLst/>
                 <a:latin typeface="Consolas" panose="020B0609020204030204" pitchFamily="49" charset="0"/>
               </a:rPr>
-              <a:t>Server</a:t>
-            </a:r>
-            <a:r>
-              <a:rPr lang="hu-HU" sz="1600" b="0" dirty="0">
-                <a:solidFill>
-                  <a:srgbClr val="000000"/>
-                </a:solidFill>
-                <a:effectLst/>
-                <a:latin typeface="Consolas" panose="020B0609020204030204" pitchFamily="49" charset="0"/>
-              </a:rPr>
-              <a:t> {</a:t>
+              <a:t>{</a:t>
             </a:r>
           </a:p>
           <a:p>

--- a/ppt/prezi.pptx
+++ b/ppt/prezi.pptx
@@ -3879,25 +3879,249 @@
 </file>
 
 <file path=ppt/diagrams/colors6.xml><?xml version="1.0" encoding="utf-8"?>
-<dgm:colorsDef xmlns:dgm="http://schemas.openxmlformats.org/drawingml/2006/diagram" xmlns:a="http://schemas.openxmlformats.org/drawingml/2006/main" uniqueId="urn:microsoft.com/office/officeart/2005/8/colors/accent1_2">
+<dgm:colorsDef xmlns:dgm="http://schemas.openxmlformats.org/drawingml/2006/diagram" xmlns:a="http://schemas.openxmlformats.org/drawingml/2006/main" uniqueId="urn:microsoft.com/office/officeart/2005/8/colors/accent1_1">
   <dgm:title val=""/>
   <dgm:desc val=""/>
   <dgm:catLst>
-    <dgm:cat type="accent1" pri="11200"/>
+    <dgm:cat type="accent1" pri="11100"/>
   </dgm:catLst>
   <dgm:styleLbl name="node0">
     <dgm:fillClrLst meth="repeat">
-      <a:schemeClr val="accent1"/>
+      <a:schemeClr val="lt1"/>
     </dgm:fillClrLst>
     <dgm:linClrLst meth="repeat">
+      <a:schemeClr val="accent1">
+        <a:shade val="80000"/>
+      </a:schemeClr>
+    </dgm:linClrLst>
+    <dgm:effectClrLst/>
+    <dgm:txLinClrLst/>
+    <dgm:txFillClrLst meth="repeat">
+      <a:schemeClr val="dk1"/>
+    </dgm:txFillClrLst>
+    <dgm:txEffectClrLst/>
+  </dgm:styleLbl>
+  <dgm:styleLbl name="alignNode1">
+    <dgm:fillClrLst meth="repeat">
       <a:schemeClr val="lt1"/>
+    </dgm:fillClrLst>
+    <dgm:linClrLst meth="repeat">
+      <a:schemeClr val="accent1">
+        <a:shade val="80000"/>
+      </a:schemeClr>
+    </dgm:linClrLst>
+    <dgm:effectClrLst/>
+    <dgm:txLinClrLst/>
+    <dgm:txFillClrLst meth="repeat">
+      <a:schemeClr val="dk1"/>
+    </dgm:txFillClrLst>
+    <dgm:txEffectClrLst/>
+  </dgm:styleLbl>
+  <dgm:styleLbl name="node1">
+    <dgm:fillClrLst meth="repeat">
+      <a:schemeClr val="lt1"/>
+    </dgm:fillClrLst>
+    <dgm:linClrLst meth="repeat">
+      <a:schemeClr val="accent1">
+        <a:shade val="80000"/>
+      </a:schemeClr>
+    </dgm:linClrLst>
+    <dgm:effectClrLst/>
+    <dgm:txLinClrLst/>
+    <dgm:txFillClrLst meth="repeat">
+      <a:schemeClr val="dk1"/>
+    </dgm:txFillClrLst>
+    <dgm:txEffectClrLst/>
+  </dgm:styleLbl>
+  <dgm:styleLbl name="lnNode1">
+    <dgm:fillClrLst meth="repeat">
+      <a:schemeClr val="lt1"/>
+    </dgm:fillClrLst>
+    <dgm:linClrLst meth="repeat">
+      <a:schemeClr val="accent1">
+        <a:shade val="80000"/>
+      </a:schemeClr>
+    </dgm:linClrLst>
+    <dgm:effectClrLst/>
+    <dgm:txLinClrLst/>
+    <dgm:txFillClrLst meth="repeat">
+      <a:schemeClr val="dk1"/>
+    </dgm:txFillClrLst>
+    <dgm:txEffectClrLst/>
+  </dgm:styleLbl>
+  <dgm:styleLbl name="vennNode1">
+    <dgm:fillClrLst meth="repeat">
+      <a:schemeClr val="lt1">
+        <a:alpha val="50000"/>
+      </a:schemeClr>
+    </dgm:fillClrLst>
+    <dgm:linClrLst meth="repeat">
+      <a:schemeClr val="accent1">
+        <a:shade val="80000"/>
+      </a:schemeClr>
     </dgm:linClrLst>
     <dgm:effectClrLst/>
     <dgm:txLinClrLst/>
     <dgm:txFillClrLst/>
     <dgm:txEffectClrLst/>
   </dgm:styleLbl>
-  <dgm:styleLbl name="alignNode1">
+  <dgm:styleLbl name="node2">
+    <dgm:fillClrLst meth="repeat">
+      <a:schemeClr val="lt1"/>
+    </dgm:fillClrLst>
+    <dgm:linClrLst meth="repeat">
+      <a:schemeClr val="accent1">
+        <a:shade val="80000"/>
+      </a:schemeClr>
+    </dgm:linClrLst>
+    <dgm:effectClrLst/>
+    <dgm:txLinClrLst/>
+    <dgm:txFillClrLst meth="repeat">
+      <a:schemeClr val="dk1"/>
+    </dgm:txFillClrLst>
+    <dgm:txEffectClrLst/>
+  </dgm:styleLbl>
+  <dgm:styleLbl name="node3">
+    <dgm:fillClrLst meth="repeat">
+      <a:schemeClr val="lt1"/>
+    </dgm:fillClrLst>
+    <dgm:linClrLst meth="repeat">
+      <a:schemeClr val="accent1">
+        <a:shade val="80000"/>
+      </a:schemeClr>
+    </dgm:linClrLst>
+    <dgm:effectClrLst/>
+    <dgm:txLinClrLst/>
+    <dgm:txFillClrLst meth="repeat">
+      <a:schemeClr val="dk1"/>
+    </dgm:txFillClrLst>
+    <dgm:txEffectClrLst/>
+  </dgm:styleLbl>
+  <dgm:styleLbl name="node4">
+    <dgm:fillClrLst meth="repeat">
+      <a:schemeClr val="lt1"/>
+    </dgm:fillClrLst>
+    <dgm:linClrLst meth="repeat">
+      <a:schemeClr val="accent1">
+        <a:shade val="80000"/>
+      </a:schemeClr>
+    </dgm:linClrLst>
+    <dgm:effectClrLst/>
+    <dgm:txLinClrLst/>
+    <dgm:txFillClrLst meth="repeat">
+      <a:schemeClr val="dk1"/>
+    </dgm:txFillClrLst>
+    <dgm:txEffectClrLst/>
+  </dgm:styleLbl>
+  <dgm:styleLbl name="fgImgPlace1">
+    <dgm:fillClrLst meth="repeat">
+      <a:schemeClr val="accent1">
+        <a:tint val="40000"/>
+      </a:schemeClr>
+    </dgm:fillClrLst>
+    <dgm:linClrLst meth="repeat">
+      <a:schemeClr val="accent1">
+        <a:shade val="80000"/>
+      </a:schemeClr>
+    </dgm:linClrLst>
+    <dgm:effectClrLst/>
+    <dgm:txLinClrLst/>
+    <dgm:txFillClrLst meth="repeat">
+      <a:schemeClr val="lt1"/>
+    </dgm:txFillClrLst>
+    <dgm:txEffectClrLst/>
+  </dgm:styleLbl>
+  <dgm:styleLbl name="alignImgPlace1">
+    <dgm:fillClrLst meth="repeat">
+      <a:schemeClr val="accent1">
+        <a:tint val="40000"/>
+      </a:schemeClr>
+    </dgm:fillClrLst>
+    <dgm:linClrLst meth="repeat">
+      <a:schemeClr val="accent1">
+        <a:shade val="80000"/>
+      </a:schemeClr>
+    </dgm:linClrLst>
+    <dgm:effectClrLst/>
+    <dgm:txLinClrLst/>
+    <dgm:txFillClrLst meth="repeat">
+      <a:schemeClr val="lt1"/>
+    </dgm:txFillClrLst>
+    <dgm:txEffectClrLst/>
+  </dgm:styleLbl>
+  <dgm:styleLbl name="bgImgPlace1">
+    <dgm:fillClrLst meth="repeat">
+      <a:schemeClr val="accent1">
+        <a:tint val="40000"/>
+      </a:schemeClr>
+    </dgm:fillClrLst>
+    <dgm:linClrLst meth="repeat">
+      <a:schemeClr val="accent1">
+        <a:shade val="80000"/>
+      </a:schemeClr>
+    </dgm:linClrLst>
+    <dgm:effectClrLst/>
+    <dgm:txLinClrLst/>
+    <dgm:txFillClrLst meth="repeat">
+      <a:schemeClr val="lt1"/>
+    </dgm:txFillClrLst>
+    <dgm:txEffectClrLst/>
+  </dgm:styleLbl>
+  <dgm:styleLbl name="sibTrans2D1">
+    <dgm:fillClrLst meth="repeat">
+      <a:schemeClr val="accent1">
+        <a:tint val="60000"/>
+      </a:schemeClr>
+    </dgm:fillClrLst>
+    <dgm:linClrLst meth="repeat">
+      <a:schemeClr val="accent1">
+        <a:tint val="60000"/>
+      </a:schemeClr>
+    </dgm:linClrLst>
+    <dgm:effectClrLst/>
+    <dgm:txLinClrLst/>
+    <dgm:txFillClrLst meth="repeat">
+      <a:schemeClr val="dk1"/>
+    </dgm:txFillClrLst>
+    <dgm:txEffectClrLst/>
+  </dgm:styleLbl>
+  <dgm:styleLbl name="fgSibTrans2D1">
+    <dgm:fillClrLst meth="repeat">
+      <a:schemeClr val="accent1">
+        <a:tint val="60000"/>
+      </a:schemeClr>
+    </dgm:fillClrLst>
+    <dgm:linClrLst meth="repeat">
+      <a:schemeClr val="accent1">
+        <a:tint val="60000"/>
+      </a:schemeClr>
+    </dgm:linClrLst>
+    <dgm:effectClrLst/>
+    <dgm:txLinClrLst/>
+    <dgm:txFillClrLst meth="repeat">
+      <a:schemeClr val="dk1"/>
+    </dgm:txFillClrLst>
+    <dgm:txEffectClrLst/>
+  </dgm:styleLbl>
+  <dgm:styleLbl name="bgSibTrans2D1">
+    <dgm:fillClrLst meth="repeat">
+      <a:schemeClr val="accent1">
+        <a:tint val="60000"/>
+      </a:schemeClr>
+    </dgm:fillClrLst>
+    <dgm:linClrLst meth="repeat">
+      <a:schemeClr val="accent1">
+        <a:tint val="60000"/>
+      </a:schemeClr>
+    </dgm:linClrLst>
+    <dgm:effectClrLst/>
+    <dgm:txLinClrLst/>
+    <dgm:txFillClrLst meth="repeat">
+      <a:schemeClr val="dk1"/>
+    </dgm:txFillClrLst>
+    <dgm:txEffectClrLst/>
+  </dgm:styleLbl>
+  <dgm:styleLbl name="sibTrans1D1">
     <dgm:fillClrLst meth="repeat">
       <a:schemeClr val="accent1"/>
     </dgm:fillClrLst>
@@ -3906,132 +4130,106 @@
     </dgm:linClrLst>
     <dgm:effectClrLst/>
     <dgm:txLinClrLst/>
-    <dgm:txFillClrLst/>
+    <dgm:txFillClrLst meth="repeat">
+      <a:schemeClr val="tx1"/>
+    </dgm:txFillClrLst>
     <dgm:txEffectClrLst/>
   </dgm:styleLbl>
-  <dgm:styleLbl name="node1">
+  <dgm:styleLbl name="callout">
     <dgm:fillClrLst meth="repeat">
       <a:schemeClr val="accent1"/>
     </dgm:fillClrLst>
     <dgm:linClrLst meth="repeat">
-      <a:schemeClr val="lt1"/>
-    </dgm:linClrLst>
-    <dgm:effectClrLst/>
-    <dgm:txLinClrLst/>
-    <dgm:txFillClrLst/>
-    <dgm:txEffectClrLst/>
-  </dgm:styleLbl>
-  <dgm:styleLbl name="lnNode1">
-    <dgm:fillClrLst meth="repeat">
       <a:schemeClr val="accent1"/>
-    </dgm:fillClrLst>
-    <dgm:linClrLst meth="repeat">
-      <a:schemeClr val="lt1"/>
-    </dgm:linClrLst>
-    <dgm:effectClrLst/>
-    <dgm:txLinClrLst/>
-    <dgm:txFillClrLst/>
-    <dgm:txEffectClrLst/>
-  </dgm:styleLbl>
-  <dgm:styleLbl name="vennNode1">
-    <dgm:fillClrLst meth="repeat">
-      <a:schemeClr val="accent1">
-        <a:alpha val="50000"/>
-      </a:schemeClr>
-    </dgm:fillClrLst>
-    <dgm:linClrLst meth="repeat">
-      <a:schemeClr val="lt1"/>
-    </dgm:linClrLst>
-    <dgm:effectClrLst/>
-    <dgm:txLinClrLst/>
-    <dgm:txFillClrLst/>
-    <dgm:txEffectClrLst/>
-  </dgm:styleLbl>
-  <dgm:styleLbl name="node2">
-    <dgm:fillClrLst meth="repeat">
-      <a:schemeClr val="accent1"/>
-    </dgm:fillClrLst>
-    <dgm:linClrLst meth="repeat">
-      <a:schemeClr val="lt1"/>
-    </dgm:linClrLst>
-    <dgm:effectClrLst/>
-    <dgm:txLinClrLst/>
-    <dgm:txFillClrLst/>
-    <dgm:txEffectClrLst/>
-  </dgm:styleLbl>
-  <dgm:styleLbl name="node3">
-    <dgm:fillClrLst meth="repeat">
-      <a:schemeClr val="accent1"/>
-    </dgm:fillClrLst>
-    <dgm:linClrLst meth="repeat">
-      <a:schemeClr val="lt1"/>
-    </dgm:linClrLst>
-    <dgm:effectClrLst/>
-    <dgm:txLinClrLst/>
-    <dgm:txFillClrLst/>
-    <dgm:txEffectClrLst/>
-  </dgm:styleLbl>
-  <dgm:styleLbl name="node4">
-    <dgm:fillClrLst meth="repeat">
-      <a:schemeClr val="accent1"/>
-    </dgm:fillClrLst>
-    <dgm:linClrLst meth="repeat">
-      <a:schemeClr val="lt1"/>
-    </dgm:linClrLst>
-    <dgm:effectClrLst/>
-    <dgm:txLinClrLst/>
-    <dgm:txFillClrLst/>
-    <dgm:txEffectClrLst/>
-  </dgm:styleLbl>
-  <dgm:styleLbl name="fgImgPlace1">
-    <dgm:fillClrLst meth="repeat">
-      <a:schemeClr val="accent1">
-        <a:tint val="50000"/>
-      </a:schemeClr>
-    </dgm:fillClrLst>
-    <dgm:linClrLst meth="repeat">
-      <a:schemeClr val="lt1"/>
     </dgm:linClrLst>
     <dgm:effectClrLst/>
     <dgm:txLinClrLst/>
     <dgm:txFillClrLst meth="repeat">
-      <a:schemeClr val="lt1"/>
+      <a:schemeClr val="tx1"/>
     </dgm:txFillClrLst>
     <dgm:txEffectClrLst/>
   </dgm:styleLbl>
-  <dgm:styleLbl name="alignImgPlace1">
+  <dgm:styleLbl name="asst0">
     <dgm:fillClrLst meth="repeat">
-      <a:schemeClr val="accent1">
-        <a:tint val="50000"/>
-      </a:schemeClr>
+      <a:schemeClr val="lt1"/>
     </dgm:fillClrLst>
     <dgm:linClrLst meth="repeat">
-      <a:schemeClr val="lt1"/>
+      <a:schemeClr val="accent1">
+        <a:shade val="80000"/>
+      </a:schemeClr>
     </dgm:linClrLst>
     <dgm:effectClrLst/>
     <dgm:txLinClrLst/>
     <dgm:txFillClrLst meth="repeat">
-      <a:schemeClr val="lt1"/>
+      <a:schemeClr val="dk1"/>
     </dgm:txFillClrLst>
     <dgm:txEffectClrLst/>
   </dgm:styleLbl>
-  <dgm:styleLbl name="bgImgPlace1">
+  <dgm:styleLbl name="asst1">
     <dgm:fillClrLst meth="repeat">
-      <a:schemeClr val="accent1">
-        <a:tint val="50000"/>
-      </a:schemeClr>
+      <a:schemeClr val="lt1"/>
     </dgm:fillClrLst>
     <dgm:linClrLst meth="repeat">
-      <a:schemeClr val="lt1"/>
+      <a:schemeClr val="accent1">
+        <a:shade val="80000"/>
+      </a:schemeClr>
     </dgm:linClrLst>
     <dgm:effectClrLst/>
     <dgm:txLinClrLst/>
     <dgm:txFillClrLst meth="repeat">
-      <a:schemeClr val="lt1"/>
+      <a:schemeClr val="dk1"/>
     </dgm:txFillClrLst>
     <dgm:txEffectClrLst/>
   </dgm:styleLbl>
-  <dgm:styleLbl name="sibTrans2D1">
+  <dgm:styleLbl name="asst2">
+    <dgm:fillClrLst meth="repeat">
+      <a:schemeClr val="lt1"/>
+    </dgm:fillClrLst>
+    <dgm:linClrLst meth="repeat">
+      <a:schemeClr val="accent1">
+        <a:shade val="80000"/>
+      </a:schemeClr>
+    </dgm:linClrLst>
+    <dgm:effectClrLst/>
+    <dgm:txLinClrLst/>
+    <dgm:txFillClrLst meth="repeat">
+      <a:schemeClr val="dk1"/>
+    </dgm:txFillClrLst>
+    <dgm:txEffectClrLst/>
+  </dgm:styleLbl>
+  <dgm:styleLbl name="asst3">
+    <dgm:fillClrLst meth="repeat">
+      <a:schemeClr val="lt1"/>
+    </dgm:fillClrLst>
+    <dgm:linClrLst meth="repeat">
+      <a:schemeClr val="accent1">
+        <a:shade val="80000"/>
+      </a:schemeClr>
+    </dgm:linClrLst>
+    <dgm:effectClrLst/>
+    <dgm:txLinClrLst/>
+    <dgm:txFillClrLst meth="repeat">
+      <a:schemeClr val="dk1"/>
+    </dgm:txFillClrLst>
+    <dgm:txEffectClrLst/>
+  </dgm:styleLbl>
+  <dgm:styleLbl name="asst4">
+    <dgm:fillClrLst meth="repeat">
+      <a:schemeClr val="lt1"/>
+    </dgm:fillClrLst>
+    <dgm:linClrLst meth="repeat">
+      <a:schemeClr val="accent1">
+        <a:shade val="80000"/>
+      </a:schemeClr>
+    </dgm:linClrLst>
+    <dgm:effectClrLst/>
+    <dgm:txLinClrLst/>
+    <dgm:txFillClrLst meth="repeat">
+      <a:schemeClr val="dk1"/>
+    </dgm:txFillClrLst>
+    <dgm:txEffectClrLst/>
+  </dgm:styleLbl>
+  <dgm:styleLbl name="parChTrans2D1">
     <dgm:fillClrLst meth="repeat">
       <a:schemeClr val="accent1">
         <a:tint val="60000"/>
@@ -4047,146 +4245,6 @@
     <dgm:txFillClrLst/>
     <dgm:txEffectClrLst/>
   </dgm:styleLbl>
-  <dgm:styleLbl name="fgSibTrans2D1">
-    <dgm:fillClrLst meth="repeat">
-      <a:schemeClr val="accent1">
-        <a:tint val="60000"/>
-      </a:schemeClr>
-    </dgm:fillClrLst>
-    <dgm:linClrLst meth="repeat">
-      <a:schemeClr val="accent1">
-        <a:tint val="60000"/>
-      </a:schemeClr>
-    </dgm:linClrLst>
-    <dgm:effectClrLst/>
-    <dgm:txLinClrLst/>
-    <dgm:txFillClrLst/>
-    <dgm:txEffectClrLst/>
-  </dgm:styleLbl>
-  <dgm:styleLbl name="bgSibTrans2D1">
-    <dgm:fillClrLst meth="repeat">
-      <a:schemeClr val="accent1">
-        <a:tint val="60000"/>
-      </a:schemeClr>
-    </dgm:fillClrLst>
-    <dgm:linClrLst meth="repeat">
-      <a:schemeClr val="accent1">
-        <a:tint val="60000"/>
-      </a:schemeClr>
-    </dgm:linClrLst>
-    <dgm:effectClrLst/>
-    <dgm:txLinClrLst/>
-    <dgm:txFillClrLst/>
-    <dgm:txEffectClrLst/>
-  </dgm:styleLbl>
-  <dgm:styleLbl name="sibTrans1D1">
-    <dgm:fillClrLst meth="repeat">
-      <a:schemeClr val="accent1"/>
-    </dgm:fillClrLst>
-    <dgm:linClrLst meth="repeat">
-      <a:schemeClr val="accent1"/>
-    </dgm:linClrLst>
-    <dgm:effectClrLst/>
-    <dgm:txLinClrLst/>
-    <dgm:txFillClrLst meth="repeat">
-      <a:schemeClr val="tx1"/>
-    </dgm:txFillClrLst>
-    <dgm:txEffectClrLst/>
-  </dgm:styleLbl>
-  <dgm:styleLbl name="callout">
-    <dgm:fillClrLst meth="repeat">
-      <a:schemeClr val="accent1"/>
-    </dgm:fillClrLst>
-    <dgm:linClrLst meth="repeat">
-      <a:schemeClr val="accent1">
-        <a:tint val="50000"/>
-      </a:schemeClr>
-    </dgm:linClrLst>
-    <dgm:effectClrLst/>
-    <dgm:txLinClrLst/>
-    <dgm:txFillClrLst meth="repeat">
-      <a:schemeClr val="tx1"/>
-    </dgm:txFillClrLst>
-    <dgm:txEffectClrLst/>
-  </dgm:styleLbl>
-  <dgm:styleLbl name="asst0">
-    <dgm:fillClrLst meth="repeat">
-      <a:schemeClr val="accent1"/>
-    </dgm:fillClrLst>
-    <dgm:linClrLst meth="repeat">
-      <a:schemeClr val="lt1"/>
-    </dgm:linClrLst>
-    <dgm:effectClrLst/>
-    <dgm:txLinClrLst/>
-    <dgm:txFillClrLst/>
-    <dgm:txEffectClrLst/>
-  </dgm:styleLbl>
-  <dgm:styleLbl name="asst1">
-    <dgm:fillClrLst meth="repeat">
-      <a:schemeClr val="accent1"/>
-    </dgm:fillClrLst>
-    <dgm:linClrLst meth="repeat">
-      <a:schemeClr val="lt1"/>
-    </dgm:linClrLst>
-    <dgm:effectClrLst/>
-    <dgm:txLinClrLst/>
-    <dgm:txFillClrLst/>
-    <dgm:txEffectClrLst/>
-  </dgm:styleLbl>
-  <dgm:styleLbl name="asst2">
-    <dgm:fillClrLst meth="repeat">
-      <a:schemeClr val="accent1"/>
-    </dgm:fillClrLst>
-    <dgm:linClrLst meth="repeat">
-      <a:schemeClr val="lt1"/>
-    </dgm:linClrLst>
-    <dgm:effectClrLst/>
-    <dgm:txLinClrLst/>
-    <dgm:txFillClrLst/>
-    <dgm:txEffectClrLst/>
-  </dgm:styleLbl>
-  <dgm:styleLbl name="asst3">
-    <dgm:fillClrLst meth="repeat">
-      <a:schemeClr val="accent1"/>
-    </dgm:fillClrLst>
-    <dgm:linClrLst meth="repeat">
-      <a:schemeClr val="lt1"/>
-    </dgm:linClrLst>
-    <dgm:effectClrLst/>
-    <dgm:txLinClrLst/>
-    <dgm:txFillClrLst/>
-    <dgm:txEffectClrLst/>
-  </dgm:styleLbl>
-  <dgm:styleLbl name="asst4">
-    <dgm:fillClrLst meth="repeat">
-      <a:schemeClr val="accent1"/>
-    </dgm:fillClrLst>
-    <dgm:linClrLst meth="repeat">
-      <a:schemeClr val="lt1"/>
-    </dgm:linClrLst>
-    <dgm:effectClrLst/>
-    <dgm:txLinClrLst/>
-    <dgm:txFillClrLst/>
-    <dgm:txEffectClrLst/>
-  </dgm:styleLbl>
-  <dgm:styleLbl name="parChTrans2D1">
-    <dgm:fillClrLst meth="repeat">
-      <a:schemeClr val="accent1">
-        <a:tint val="60000"/>
-      </a:schemeClr>
-    </dgm:fillClrLst>
-    <dgm:linClrLst meth="repeat">
-      <a:schemeClr val="accent1">
-        <a:tint val="60000"/>
-      </a:schemeClr>
-    </dgm:linClrLst>
-    <dgm:effectClrLst/>
-    <dgm:txLinClrLst/>
-    <dgm:txFillClrLst meth="repeat">
-      <a:schemeClr val="lt1"/>
-    </dgm:txFillClrLst>
-    <dgm:txEffectClrLst/>
-  </dgm:styleLbl>
   <dgm:styleLbl name="parChTrans2D2">
     <dgm:fillClrLst meth="repeat">
       <a:schemeClr val="accent1"/>
@@ -4196,9 +4254,7 @@
     </dgm:linClrLst>
     <dgm:effectClrLst/>
     <dgm:txLinClrLst/>
-    <dgm:txFillClrLst meth="repeat">
-      <a:schemeClr val="lt1"/>
-    </dgm:txFillClrLst>
+    <dgm:txFillClrLst/>
     <dgm:txEffectClrLst/>
   </dgm:styleLbl>
   <dgm:styleLbl name="parChTrans2D3">
@@ -4210,9 +4266,7 @@
     </dgm:linClrLst>
     <dgm:effectClrLst/>
     <dgm:txLinClrLst/>
-    <dgm:txFillClrLst meth="repeat">
-      <a:schemeClr val="lt1"/>
-    </dgm:txFillClrLst>
+    <dgm:txFillClrLst/>
     <dgm:txEffectClrLst/>
   </dgm:styleLbl>
   <dgm:styleLbl name="parChTrans2D4">
@@ -4295,8 +4349,9 @@
   </dgm:styleLbl>
   <dgm:styleLbl name="fgAcc1">
     <dgm:fillClrLst meth="repeat">
-      <a:schemeClr val="lt1">
+      <a:schemeClr val="accent1">
         <a:alpha val="90000"/>
+        <a:tint val="40000"/>
       </a:schemeClr>
     </dgm:fillClrLst>
     <dgm:linClrLst meth="repeat">
@@ -4311,8 +4366,9 @@
   </dgm:styleLbl>
   <dgm:styleLbl name="conFgAcc1">
     <dgm:fillClrLst meth="repeat">
-      <a:schemeClr val="lt1">
+      <a:schemeClr val="accent1">
         <a:alpha val="90000"/>
+        <a:tint val="40000"/>
       </a:schemeClr>
     </dgm:fillClrLst>
     <dgm:linClrLst meth="repeat">
@@ -4327,8 +4383,9 @@
   </dgm:styleLbl>
   <dgm:styleLbl name="alignAcc1">
     <dgm:fillClrLst meth="repeat">
-      <a:schemeClr val="lt1">
+      <a:schemeClr val="accent1">
         <a:alpha val="90000"/>
+        <a:tint val="40000"/>
       </a:schemeClr>
     </dgm:fillClrLst>
     <dgm:linClrLst meth="repeat">
@@ -4343,8 +4400,9 @@
   </dgm:styleLbl>
   <dgm:styleLbl name="trAlignAcc1">
     <dgm:fillClrLst meth="repeat">
-      <a:schemeClr val="lt1">
+      <a:schemeClr val="accent1">
         <a:alpha val="40000"/>
+        <a:tint val="40000"/>
       </a:schemeClr>
     </dgm:fillClrLst>
     <dgm:linClrLst meth="repeat">
@@ -4359,8 +4417,9 @@
   </dgm:styleLbl>
   <dgm:styleLbl name="bgAcc1">
     <dgm:fillClrLst meth="repeat">
-      <a:schemeClr val="lt1">
+      <a:schemeClr val="accent1">
         <a:alpha val="90000"/>
+        <a:tint val="40000"/>
       </a:schemeClr>
     </dgm:fillClrLst>
     <dgm:linClrLst meth="repeat">
@@ -4417,7 +4476,7 @@
   </dgm:styleLbl>
   <dgm:styleLbl name="fgAccFollowNode1">
     <dgm:fillClrLst meth="repeat">
-      <a:schemeClr val="accent1">
+      <a:schemeClr val="lt1">
         <a:alpha val="90000"/>
         <a:tint val="40000"/>
       </a:schemeClr>
@@ -4425,7 +4484,6 @@
     <dgm:linClrLst meth="repeat">
       <a:schemeClr val="accent1">
         <a:alpha val="90000"/>
-        <a:tint val="40000"/>
       </a:schemeClr>
     </dgm:linClrLst>
     <dgm:effectClrLst/>
@@ -4437,7 +4495,7 @@
   </dgm:styleLbl>
   <dgm:styleLbl name="alignAccFollowNode1">
     <dgm:fillClrLst meth="repeat">
-      <a:schemeClr val="accent1">
+      <a:schemeClr val="lt1">
         <a:alpha val="90000"/>
         <a:tint val="40000"/>
       </a:schemeClr>
@@ -4445,7 +4503,6 @@
     <dgm:linClrLst meth="repeat">
       <a:schemeClr val="accent1">
         <a:alpha val="90000"/>
-        <a:tint val="40000"/>
       </a:schemeClr>
     </dgm:linClrLst>
     <dgm:effectClrLst/>
@@ -4457,7 +4514,7 @@
   </dgm:styleLbl>
   <dgm:styleLbl name="bgAccFollowNode1">
     <dgm:fillClrLst meth="repeat">
-      <a:schemeClr val="accent1">
+      <a:schemeClr val="lt1">
         <a:alpha val="90000"/>
         <a:tint val="40000"/>
       </a:schemeClr>
@@ -4465,7 +4522,6 @@
     <dgm:linClrLst meth="repeat">
       <a:schemeClr val="accent1">
         <a:alpha val="90000"/>
-        <a:tint val="40000"/>
       </a:schemeClr>
     </dgm:linClrLst>
     <dgm:effectClrLst/>
@@ -4477,8 +4533,9 @@
   </dgm:styleLbl>
   <dgm:styleLbl name="fgAcc0">
     <dgm:fillClrLst meth="repeat">
-      <a:schemeClr val="lt1">
+      <a:schemeClr val="accent1">
         <a:alpha val="90000"/>
+        <a:tint val="40000"/>
       </a:schemeClr>
     </dgm:fillClrLst>
     <dgm:linClrLst meth="repeat">
@@ -4493,8 +4550,9 @@
   </dgm:styleLbl>
   <dgm:styleLbl name="fgAcc2">
     <dgm:fillClrLst meth="repeat">
-      <a:schemeClr val="lt1">
+      <a:schemeClr val="accent1">
         <a:alpha val="90000"/>
+        <a:tint val="40000"/>
       </a:schemeClr>
     </dgm:fillClrLst>
     <dgm:linClrLst meth="repeat">
@@ -4509,8 +4567,9 @@
   </dgm:styleLbl>
   <dgm:styleLbl name="fgAcc3">
     <dgm:fillClrLst meth="repeat">
-      <a:schemeClr val="lt1">
+      <a:schemeClr val="accent1">
         <a:alpha val="90000"/>
+        <a:tint val="40000"/>
       </a:schemeClr>
     </dgm:fillClrLst>
     <dgm:linClrLst meth="repeat">
@@ -4525,8 +4584,9 @@
   </dgm:styleLbl>
   <dgm:styleLbl name="fgAcc4">
     <dgm:fillClrLst meth="repeat">
-      <a:schemeClr val="lt1">
+      <a:schemeClr val="accent1">
         <a:alpha val="90000"/>
+        <a:tint val="40000"/>
       </a:schemeClr>
     </dgm:fillClrLst>
     <dgm:linClrLst meth="repeat">
@@ -4629,7 +4689,7 @@
 <dgm:dataModel xmlns:dgm="http://schemas.openxmlformats.org/drawingml/2006/diagram" xmlns:a="http://schemas.openxmlformats.org/drawingml/2006/main">
   <dgm:ptLst>
     <dgm:pt modelId="{99B3D88B-F46C-4592-AF78-0BA948D61478}" type="doc">
-      <dgm:prSet loTypeId="urn:microsoft.com/office/officeart/2008/layout/LinedList" loCatId="list" qsTypeId="urn:microsoft.com/office/officeart/2005/8/quickstyle/simple1" qsCatId="simple" csTypeId="urn:microsoft.com/office/officeart/2005/8/colors/accent1_2" csCatId="accent1" phldr="1"/>
+      <dgm:prSet loTypeId="urn:microsoft.com/office/officeart/2008/layout/VerticalCurvedList" loCatId="list" qsTypeId="urn:microsoft.com/office/officeart/2005/8/quickstyle/simple1" qsCatId="simple" csTypeId="urn:microsoft.com/office/officeart/2005/8/colors/accent1_2" csCatId="accent1" phldr="1"/>
       <dgm:spPr/>
       <dgm:t>
         <a:bodyPr/>
@@ -4647,88 +4707,10 @@
         <a:lstStyle/>
         <a:p>
           <a:r>
-            <a:rPr lang="en-US" dirty="0" err="1">
-              <a:solidFill>
-                <a:prstClr val="black">
-                  <a:hueOff val="0"/>
-                  <a:satOff val="0"/>
-                  <a:lumOff val="0"/>
-                  <a:alphaOff val="0"/>
-                </a:prstClr>
-              </a:solidFill>
+            <a:rPr lang="en-US">
               <a:latin typeface="Century Gothic" panose="020B0502020202020204"/>
             </a:rPr>
-            <a:t>Nyílt</a:t>
-          </a:r>
-          <a:r>
-            <a:rPr lang="en-US" dirty="0">
-              <a:solidFill>
-                <a:prstClr val="black">
-                  <a:hueOff val="0"/>
-                  <a:satOff val="0"/>
-                  <a:lumOff val="0"/>
-                  <a:alphaOff val="0"/>
-                </a:prstClr>
-              </a:solidFill>
-              <a:latin typeface="Century Gothic" panose="020B0502020202020204"/>
-            </a:rPr>
-            <a:t> </a:t>
-          </a:r>
-          <a:r>
-            <a:rPr lang="en-US" dirty="0" err="1">
-              <a:solidFill>
-                <a:prstClr val="black">
-                  <a:hueOff val="0"/>
-                  <a:satOff val="0"/>
-                  <a:lumOff val="0"/>
-                  <a:alphaOff val="0"/>
-                </a:prstClr>
-              </a:solidFill>
-              <a:latin typeface="Century Gothic" panose="020B0502020202020204"/>
-            </a:rPr>
-            <a:t>forráskódú</a:t>
-          </a:r>
-          <a:r>
-            <a:rPr lang="en-US" dirty="0">
-              <a:solidFill>
-                <a:prstClr val="black">
-                  <a:hueOff val="0"/>
-                  <a:satOff val="0"/>
-                  <a:lumOff val="0"/>
-                  <a:alphaOff val="0"/>
-                </a:prstClr>
-              </a:solidFill>
-              <a:latin typeface="Century Gothic" panose="020B0502020202020204"/>
-            </a:rPr>
-            <a:t> </a:t>
-          </a:r>
-          <a:r>
-            <a:rPr lang="en-US" dirty="0" err="1">
-              <a:solidFill>
-                <a:prstClr val="black">
-                  <a:hueOff val="0"/>
-                  <a:satOff val="0"/>
-                  <a:lumOff val="0"/>
-                  <a:alphaOff val="0"/>
-                </a:prstClr>
-              </a:solidFill>
-              <a:latin typeface="Century Gothic" panose="020B0502020202020204"/>
-            </a:rPr>
-            <a:t>konténerkezelő</a:t>
-          </a:r>
-          <a:r>
-            <a:rPr lang="en-US" dirty="0">
-              <a:solidFill>
-                <a:prstClr val="black">
-                  <a:hueOff val="0"/>
-                  <a:satOff val="0"/>
-                  <a:lumOff val="0"/>
-                  <a:alphaOff val="0"/>
-                </a:prstClr>
-              </a:solidFill>
-              <a:latin typeface="Century Gothic" panose="020B0502020202020204"/>
-            </a:rPr>
-            <a:t> platform</a:t>
+            <a:t>Nyílt forráskódú konténerkezelő platform</a:t>
           </a:r>
           <a:endParaRPr lang="en-US" dirty="0"/>
         </a:p>
@@ -4764,140 +4746,12 @@
         <a:lstStyle/>
         <a:p>
           <a:r>
-            <a:rPr lang="en-US" dirty="0" err="1">
-              <a:solidFill>
-                <a:prstClr val="black">
-                  <a:hueOff val="0"/>
-                  <a:satOff val="0"/>
-                  <a:lumOff val="0"/>
-                  <a:alphaOff val="0"/>
-                </a:prstClr>
-              </a:solidFill>
+            <a:rPr lang="en-US">
               <a:latin typeface="Century Gothic" panose="020B0502020202020204"/>
             </a:rPr>
-            <a:t>Alkalmazások</a:t>
-          </a:r>
-          <a:r>
-            <a:rPr lang="en-US" dirty="0">
-              <a:solidFill>
-                <a:prstClr val="black">
-                  <a:hueOff val="0"/>
-                  <a:satOff val="0"/>
-                  <a:lumOff val="0"/>
-                  <a:alphaOff val="0"/>
-                </a:prstClr>
-              </a:solidFill>
-              <a:latin typeface="Century Gothic" panose="020B0502020202020204"/>
-            </a:rPr>
-            <a:t> </a:t>
-          </a:r>
-          <a:r>
-            <a:rPr lang="en-US" dirty="0" err="1">
-              <a:solidFill>
-                <a:prstClr val="black">
-                  <a:hueOff val="0"/>
-                  <a:satOff val="0"/>
-                  <a:lumOff val="0"/>
-                  <a:alphaOff val="0"/>
-                </a:prstClr>
-              </a:solidFill>
-              <a:latin typeface="Century Gothic" panose="020B0502020202020204"/>
-            </a:rPr>
-            <a:t>hatékony</a:t>
-          </a:r>
-          <a:r>
-            <a:rPr lang="en-US" dirty="0">
-              <a:solidFill>
-                <a:prstClr val="black">
-                  <a:hueOff val="0"/>
-                  <a:satOff val="0"/>
-                  <a:lumOff val="0"/>
-                  <a:alphaOff val="0"/>
-                </a:prstClr>
-              </a:solidFill>
-              <a:latin typeface="Century Gothic" panose="020B0502020202020204"/>
-            </a:rPr>
-            <a:t> </a:t>
-          </a:r>
-          <a:r>
-            <a:rPr lang="en-US" dirty="0" err="1">
-              <a:solidFill>
-                <a:prstClr val="black">
-                  <a:hueOff val="0"/>
-                  <a:satOff val="0"/>
-                  <a:lumOff val="0"/>
-                  <a:alphaOff val="0"/>
-                </a:prstClr>
-              </a:solidFill>
-              <a:latin typeface="Century Gothic" panose="020B0502020202020204"/>
-            </a:rPr>
-            <a:t>üzemeltetése</a:t>
-          </a:r>
-          <a:r>
-            <a:rPr lang="en-US" dirty="0">
-              <a:solidFill>
-                <a:prstClr val="black">
-                  <a:hueOff val="0"/>
-                  <a:satOff val="0"/>
-                  <a:lumOff val="0"/>
-                  <a:alphaOff val="0"/>
-                </a:prstClr>
-              </a:solidFill>
-              <a:latin typeface="Century Gothic" panose="020B0502020202020204"/>
-            </a:rPr>
-            <a:t> </a:t>
-          </a:r>
-          <a:r>
-            <a:rPr lang="en-US" dirty="0" err="1">
-              <a:solidFill>
-                <a:prstClr val="black">
-                  <a:hueOff val="0"/>
-                  <a:satOff val="0"/>
-                  <a:lumOff val="0"/>
-                  <a:alphaOff val="0"/>
-                </a:prstClr>
-              </a:solidFill>
-              <a:latin typeface="Century Gothic" panose="020B0502020202020204"/>
-            </a:rPr>
-            <a:t>és</a:t>
-          </a:r>
-          <a:r>
-            <a:rPr lang="en-US" dirty="0">
-              <a:solidFill>
-                <a:prstClr val="black">
-                  <a:hueOff val="0"/>
-                  <a:satOff val="0"/>
-                  <a:lumOff val="0"/>
-                  <a:alphaOff val="0"/>
-                </a:prstClr>
-              </a:solidFill>
-              <a:latin typeface="Century Gothic" panose="020B0502020202020204"/>
-            </a:rPr>
-            <a:t> </a:t>
-          </a:r>
-          <a:r>
-            <a:rPr lang="en-US" dirty="0" err="1">
-              <a:solidFill>
-                <a:prstClr val="black">
-                  <a:hueOff val="0"/>
-                  <a:satOff val="0"/>
-                  <a:lumOff val="0"/>
-                  <a:alphaOff val="0"/>
-                </a:prstClr>
-              </a:solidFill>
-              <a:latin typeface="Century Gothic" panose="020B0502020202020204"/>
-            </a:rPr>
-            <a:t>skálázása</a:t>
+            <a:t>Alkalmazások hatékony üzemeltetése és skálázása</a:t>
           </a:r>
           <a:endParaRPr lang="en-US" dirty="0">
-            <a:solidFill>
-              <a:prstClr val="black">
-                <a:hueOff val="0"/>
-                <a:satOff val="0"/>
-                <a:lumOff val="0"/>
-                <a:alphaOff val="0"/>
-              </a:prstClr>
-            </a:solidFill>
             <a:latin typeface="Century Gothic" panose="020B0502020202020204"/>
           </a:endParaRPr>
         </a:p>
@@ -4937,196 +4791,12 @@
             <a:buChar char="•"/>
           </a:pPr>
           <a:r>
-            <a:rPr lang="en-US" dirty="0" err="1">
-              <a:solidFill>
-                <a:prstClr val="black">
-                  <a:hueOff val="0"/>
-                  <a:satOff val="0"/>
-                  <a:lumOff val="0"/>
-                  <a:alphaOff val="0"/>
-                </a:prstClr>
-              </a:solidFill>
+            <a:rPr lang="en-US">
               <a:latin typeface="Century Gothic" panose="020B0502020202020204"/>
             </a:rPr>
-            <a:t>Konténerek</a:t>
-          </a:r>
-          <a:r>
-            <a:rPr lang="en-US" dirty="0">
-              <a:solidFill>
-                <a:prstClr val="black">
-                  <a:hueOff val="0"/>
-                  <a:satOff val="0"/>
-                  <a:lumOff val="0"/>
-                  <a:alphaOff val="0"/>
-                </a:prstClr>
-              </a:solidFill>
-              <a:latin typeface="Century Gothic" panose="020B0502020202020204"/>
-            </a:rPr>
-            <a:t> </a:t>
-          </a:r>
-          <a:r>
-            <a:rPr lang="en-US" dirty="0" err="1">
-              <a:solidFill>
-                <a:prstClr val="black">
-                  <a:hueOff val="0"/>
-                  <a:satOff val="0"/>
-                  <a:lumOff val="0"/>
-                  <a:alphaOff val="0"/>
-                </a:prstClr>
-              </a:solidFill>
-              <a:latin typeface="Century Gothic" panose="020B0502020202020204"/>
-            </a:rPr>
-            <a:t>kezelése</a:t>
-          </a:r>
-          <a:r>
-            <a:rPr lang="en-US" dirty="0">
-              <a:solidFill>
-                <a:prstClr val="black">
-                  <a:hueOff val="0"/>
-                  <a:satOff val="0"/>
-                  <a:lumOff val="0"/>
-                  <a:alphaOff val="0"/>
-                </a:prstClr>
-              </a:solidFill>
-              <a:latin typeface="Century Gothic" panose="020B0502020202020204"/>
-            </a:rPr>
-            <a:t>: </a:t>
-          </a:r>
-          <a:r>
-            <a:rPr lang="en-US" dirty="0" err="1">
-              <a:solidFill>
-                <a:prstClr val="black">
-                  <a:hueOff val="0"/>
-                  <a:satOff val="0"/>
-                  <a:lumOff val="0"/>
-                  <a:alphaOff val="0"/>
-                </a:prstClr>
-              </a:solidFill>
-              <a:latin typeface="Century Gothic" panose="020B0502020202020204"/>
-            </a:rPr>
-            <a:t>önállóan</a:t>
-          </a:r>
-          <a:r>
-            <a:rPr lang="en-US" dirty="0">
-              <a:solidFill>
-                <a:prstClr val="black">
-                  <a:hueOff val="0"/>
-                  <a:satOff val="0"/>
-                  <a:lumOff val="0"/>
-                  <a:alphaOff val="0"/>
-                </a:prstClr>
-              </a:solidFill>
-              <a:latin typeface="Century Gothic" panose="020B0502020202020204"/>
-            </a:rPr>
-            <a:t> </a:t>
-          </a:r>
-          <a:r>
-            <a:rPr lang="en-US" dirty="0" err="1">
-              <a:solidFill>
-                <a:prstClr val="black">
-                  <a:hueOff val="0"/>
-                  <a:satOff val="0"/>
-                  <a:lumOff val="0"/>
-                  <a:alphaOff val="0"/>
-                </a:prstClr>
-              </a:solidFill>
-              <a:latin typeface="Century Gothic" panose="020B0502020202020204"/>
-            </a:rPr>
-            <a:t>futó</a:t>
-          </a:r>
-          <a:r>
-            <a:rPr lang="en-US" dirty="0">
-              <a:solidFill>
-                <a:prstClr val="black">
-                  <a:hueOff val="0"/>
-                  <a:satOff val="0"/>
-                  <a:lumOff val="0"/>
-                  <a:alphaOff val="0"/>
-                </a:prstClr>
-              </a:solidFill>
-              <a:latin typeface="Century Gothic" panose="020B0502020202020204"/>
-            </a:rPr>
-            <a:t> </a:t>
-          </a:r>
-          <a:r>
-            <a:rPr lang="en-US" dirty="0" err="1">
-              <a:solidFill>
-                <a:prstClr val="black">
-                  <a:hueOff val="0"/>
-                  <a:satOff val="0"/>
-                  <a:lumOff val="0"/>
-                  <a:alphaOff val="0"/>
-                </a:prstClr>
-              </a:solidFill>
-              <a:latin typeface="Century Gothic" panose="020B0502020202020204"/>
-            </a:rPr>
-            <a:t>alkalmazások</a:t>
-          </a:r>
-          <a:r>
-            <a:rPr lang="en-US" dirty="0">
-              <a:solidFill>
-                <a:prstClr val="black">
-                  <a:hueOff val="0"/>
-                  <a:satOff val="0"/>
-                  <a:lumOff val="0"/>
-                  <a:alphaOff val="0"/>
-                </a:prstClr>
-              </a:solidFill>
-              <a:latin typeface="Century Gothic" panose="020B0502020202020204"/>
-            </a:rPr>
-            <a:t> </a:t>
-          </a:r>
-          <a:r>
-            <a:rPr lang="en-US" dirty="0" err="1">
-              <a:solidFill>
-                <a:prstClr val="black">
-                  <a:hueOff val="0"/>
-                  <a:satOff val="0"/>
-                  <a:lumOff val="0"/>
-                  <a:alphaOff val="0"/>
-                </a:prstClr>
-              </a:solidFill>
-              <a:latin typeface="Century Gothic" panose="020B0502020202020204"/>
-            </a:rPr>
-            <a:t>és</a:t>
-          </a:r>
-          <a:r>
-            <a:rPr lang="en-US" dirty="0">
-              <a:solidFill>
-                <a:prstClr val="black">
-                  <a:hueOff val="0"/>
-                  <a:satOff val="0"/>
-                  <a:lumOff val="0"/>
-                  <a:alphaOff val="0"/>
-                </a:prstClr>
-              </a:solidFill>
-              <a:latin typeface="Century Gothic" panose="020B0502020202020204"/>
-            </a:rPr>
-            <a:t> </a:t>
-          </a:r>
-          <a:r>
-            <a:rPr lang="en-US" dirty="0" err="1">
-              <a:solidFill>
-                <a:prstClr val="black">
-                  <a:hueOff val="0"/>
-                  <a:satOff val="0"/>
-                  <a:lumOff val="0"/>
-                  <a:alphaOff val="0"/>
-                </a:prstClr>
-              </a:solidFill>
-              <a:latin typeface="Century Gothic" panose="020B0502020202020204"/>
-            </a:rPr>
-            <a:t>függőségeik</a:t>
+            <a:t>Konténerek kezelése: önállóan futó alkalmazások és függőségeik</a:t>
           </a:r>
           <a:endParaRPr lang="en-US" dirty="0">
-            <a:solidFill>
-              <a:prstClr val="black">
-                <a:hueOff val="0"/>
-                <a:satOff val="0"/>
-                <a:lumOff val="0"/>
-                <a:alphaOff val="0"/>
-              </a:prstClr>
-            </a:solidFill>
             <a:latin typeface="Century Gothic" panose="020B0502020202020204"/>
           </a:endParaRPr>
         </a:p>
@@ -5166,224 +4836,12 @@
             <a:buChar char="•"/>
           </a:pPr>
           <a:r>
-            <a:rPr lang="en-US" dirty="0" err="1">
-              <a:solidFill>
-                <a:prstClr val="black">
-                  <a:hueOff val="0"/>
-                  <a:satOff val="0"/>
-                  <a:lumOff val="0"/>
-                  <a:alphaOff val="0"/>
-                </a:prstClr>
-              </a:solidFill>
+            <a:rPr lang="hu-HU">
               <a:latin typeface="Century Gothic" panose="020B0502020202020204"/>
             </a:rPr>
-            <a:t>Automatikus</a:t>
-          </a:r>
-          <a:r>
-            <a:rPr lang="en-US" dirty="0">
-              <a:solidFill>
-                <a:prstClr val="black">
-                  <a:hueOff val="0"/>
-                  <a:satOff val="0"/>
-                  <a:lumOff val="0"/>
-                  <a:alphaOff val="0"/>
-                </a:prstClr>
-              </a:solidFill>
-              <a:latin typeface="Century Gothic" panose="020B0502020202020204"/>
-            </a:rPr>
-            <a:t> </a:t>
-          </a:r>
-          <a:r>
-            <a:rPr lang="en-US" dirty="0" err="1">
-              <a:solidFill>
-                <a:prstClr val="black">
-                  <a:hueOff val="0"/>
-                  <a:satOff val="0"/>
-                  <a:lumOff val="0"/>
-                  <a:alphaOff val="0"/>
-                </a:prstClr>
-              </a:solidFill>
-              <a:latin typeface="Century Gothic" panose="020B0502020202020204"/>
-            </a:rPr>
-            <a:t>elosztás</a:t>
-          </a:r>
-          <a:r>
-            <a:rPr lang="en-US" dirty="0">
-              <a:solidFill>
-                <a:prstClr val="black">
-                  <a:hueOff val="0"/>
-                  <a:satOff val="0"/>
-                  <a:lumOff val="0"/>
-                  <a:alphaOff val="0"/>
-                </a:prstClr>
-              </a:solidFill>
-              <a:latin typeface="Century Gothic" panose="020B0502020202020204"/>
-            </a:rPr>
-            <a:t> </a:t>
-          </a:r>
-          <a:r>
-            <a:rPr lang="en-US" dirty="0" err="1">
-              <a:solidFill>
-                <a:prstClr val="black">
-                  <a:hueOff val="0"/>
-                  <a:satOff val="0"/>
-                  <a:lumOff val="0"/>
-                  <a:alphaOff val="0"/>
-                </a:prstClr>
-              </a:solidFill>
-              <a:latin typeface="Century Gothic" panose="020B0502020202020204"/>
-            </a:rPr>
-            <a:t>és</a:t>
-          </a:r>
-          <a:r>
-            <a:rPr lang="en-US" dirty="0">
-              <a:solidFill>
-                <a:prstClr val="black">
-                  <a:hueOff val="0"/>
-                  <a:satOff val="0"/>
-                  <a:lumOff val="0"/>
-                  <a:alphaOff val="0"/>
-                </a:prstClr>
-              </a:solidFill>
-              <a:latin typeface="Century Gothic" panose="020B0502020202020204"/>
-            </a:rPr>
-            <a:t> </a:t>
-          </a:r>
-          <a:r>
-            <a:rPr lang="en-US" dirty="0" err="1">
-              <a:solidFill>
-                <a:prstClr val="black">
-                  <a:hueOff val="0"/>
-                  <a:satOff val="0"/>
-                  <a:lumOff val="0"/>
-                  <a:alphaOff val="0"/>
-                </a:prstClr>
-              </a:solidFill>
-              <a:latin typeface="Century Gothic" panose="020B0502020202020204"/>
-            </a:rPr>
-            <a:t>ütemezés</a:t>
-          </a:r>
-          <a:r>
-            <a:rPr lang="en-US" dirty="0">
-              <a:solidFill>
-                <a:prstClr val="black">
-                  <a:hueOff val="0"/>
-                  <a:satOff val="0"/>
-                  <a:lumOff val="0"/>
-                  <a:alphaOff val="0"/>
-                </a:prstClr>
-              </a:solidFill>
-              <a:latin typeface="Century Gothic" panose="020B0502020202020204"/>
-            </a:rPr>
-            <a:t> a </a:t>
-          </a:r>
-          <a:r>
-            <a:rPr lang="en-US" dirty="0" err="1">
-              <a:solidFill>
-                <a:prstClr val="black">
-                  <a:hueOff val="0"/>
-                  <a:satOff val="0"/>
-                  <a:lumOff val="0"/>
-                  <a:alphaOff val="0"/>
-                </a:prstClr>
-              </a:solidFill>
-              <a:latin typeface="Century Gothic" panose="020B0502020202020204"/>
-            </a:rPr>
-            <a:t>rendelkezésre</a:t>
-          </a:r>
-          <a:r>
-            <a:rPr lang="en-US" dirty="0">
-              <a:solidFill>
-                <a:prstClr val="black">
-                  <a:hueOff val="0"/>
-                  <a:satOff val="0"/>
-                  <a:lumOff val="0"/>
-                  <a:alphaOff val="0"/>
-                </a:prstClr>
-              </a:solidFill>
-              <a:latin typeface="Century Gothic" panose="020B0502020202020204"/>
-            </a:rPr>
-            <a:t> </a:t>
-          </a:r>
-          <a:r>
-            <a:rPr lang="en-US" dirty="0" err="1">
-              <a:solidFill>
-                <a:prstClr val="black">
-                  <a:hueOff val="0"/>
-                  <a:satOff val="0"/>
-                  <a:lumOff val="0"/>
-                  <a:alphaOff val="0"/>
-                </a:prstClr>
-              </a:solidFill>
-              <a:latin typeface="Century Gothic" panose="020B0502020202020204"/>
-            </a:rPr>
-            <a:t>álló</a:t>
-          </a:r>
-          <a:r>
-            <a:rPr lang="en-US" dirty="0">
-              <a:solidFill>
-                <a:prstClr val="black">
-                  <a:hueOff val="0"/>
-                  <a:satOff val="0"/>
-                  <a:lumOff val="0"/>
-                  <a:alphaOff val="0"/>
-                </a:prstClr>
-              </a:solidFill>
-              <a:latin typeface="Century Gothic" panose="020B0502020202020204"/>
-            </a:rPr>
-            <a:t> </a:t>
-          </a:r>
-          <a:r>
-            <a:rPr lang="en-US" dirty="0" err="1">
-              <a:solidFill>
-                <a:prstClr val="black">
-                  <a:hueOff val="0"/>
-                  <a:satOff val="0"/>
-                  <a:lumOff val="0"/>
-                  <a:alphaOff val="0"/>
-                </a:prstClr>
-              </a:solidFill>
-              <a:latin typeface="Century Gothic" panose="020B0502020202020204"/>
-            </a:rPr>
-            <a:t>erőforrások</a:t>
-          </a:r>
-          <a:r>
-            <a:rPr lang="en-US" dirty="0">
-              <a:solidFill>
-                <a:prstClr val="black">
-                  <a:hueOff val="0"/>
-                  <a:satOff val="0"/>
-                  <a:lumOff val="0"/>
-                  <a:alphaOff val="0"/>
-                </a:prstClr>
-              </a:solidFill>
-              <a:latin typeface="Century Gothic" panose="020B0502020202020204"/>
-            </a:rPr>
-            <a:t> </a:t>
-          </a:r>
-          <a:r>
-            <a:rPr lang="en-US" dirty="0" err="1">
-              <a:solidFill>
-                <a:prstClr val="black">
-                  <a:hueOff val="0"/>
-                  <a:satOff val="0"/>
-                  <a:lumOff val="0"/>
-                  <a:alphaOff val="0"/>
-                </a:prstClr>
-              </a:solidFill>
-              <a:latin typeface="Century Gothic" panose="020B0502020202020204"/>
-            </a:rPr>
-            <a:t>között</a:t>
+            <a:t>Üzemeltetés deklaratív leírás alapján</a:t>
           </a:r>
           <a:endParaRPr lang="en-US" dirty="0">
-            <a:solidFill>
-              <a:prstClr val="black">
-                <a:hueOff val="0"/>
-                <a:satOff val="0"/>
-                <a:lumOff val="0"/>
-                <a:alphaOff val="0"/>
-              </a:prstClr>
-            </a:solidFill>
             <a:latin typeface="Century Gothic" panose="020B0502020202020204"/>
           </a:endParaRPr>
         </a:p>
@@ -5411,403 +4869,134 @@
         </a:p>
       </dgm:t>
     </dgm:pt>
-    <dgm:pt modelId="{08834BBF-798C-4B3F-BB78-6BCB7427F271}">
-      <dgm:prSet/>
-      <dgm:spPr/>
-      <dgm:t>
-        <a:bodyPr/>
-        <a:lstStyle/>
-        <a:p>
-          <a:pPr>
-            <a:buFont typeface="Arial" panose="020B0604020202020204" pitchFamily="34" charset="0"/>
-            <a:buChar char="•"/>
-          </a:pPr>
-          <a:r>
-            <a:rPr lang="en-US">
-              <a:solidFill>
-                <a:prstClr val="black">
-                  <a:hueOff val="0"/>
-                  <a:satOff val="0"/>
-                  <a:lumOff val="0"/>
-                  <a:alphaOff val="0"/>
-                </a:prstClr>
-              </a:solidFill>
-              <a:latin typeface="Century Gothic" panose="020B0502020202020204"/>
-            </a:rPr>
-            <a:t>Megbízható </a:t>
-          </a:r>
-          <a:r>
-            <a:rPr lang="en-US" dirty="0" err="1">
-              <a:solidFill>
-                <a:prstClr val="black">
-                  <a:hueOff val="0"/>
-                  <a:satOff val="0"/>
-                  <a:lumOff val="0"/>
-                  <a:alphaOff val="0"/>
-                </a:prstClr>
-              </a:solidFill>
-              <a:latin typeface="Century Gothic" panose="020B0502020202020204"/>
-            </a:rPr>
-            <a:t>alkalmazások</a:t>
-          </a:r>
-          <a:r>
-            <a:rPr lang="en-US" dirty="0">
-              <a:solidFill>
-                <a:prstClr val="black">
-                  <a:hueOff val="0"/>
-                  <a:satOff val="0"/>
-                  <a:lumOff val="0"/>
-                  <a:alphaOff val="0"/>
-                </a:prstClr>
-              </a:solidFill>
-              <a:latin typeface="Century Gothic" panose="020B0502020202020204"/>
-            </a:rPr>
-            <a:t> </a:t>
-          </a:r>
-          <a:r>
-            <a:rPr lang="en-US" dirty="0" err="1">
-              <a:solidFill>
-                <a:prstClr val="black">
-                  <a:hueOff val="0"/>
-                  <a:satOff val="0"/>
-                  <a:lumOff val="0"/>
-                  <a:alphaOff val="0"/>
-                </a:prstClr>
-              </a:solidFill>
-              <a:latin typeface="Century Gothic" panose="020B0502020202020204"/>
-            </a:rPr>
-            <a:t>felhő</a:t>
-          </a:r>
-          <a:r>
-            <a:rPr lang="en-US" dirty="0">
-              <a:solidFill>
-                <a:prstClr val="black">
-                  <a:hueOff val="0"/>
-                  <a:satOff val="0"/>
-                  <a:lumOff val="0"/>
-                  <a:alphaOff val="0"/>
-                </a:prstClr>
-              </a:solidFill>
-              <a:latin typeface="Century Gothic" panose="020B0502020202020204"/>
-            </a:rPr>
-            <a:t>- </a:t>
-          </a:r>
-          <a:r>
-            <a:rPr lang="en-US" dirty="0" err="1">
-              <a:solidFill>
-                <a:prstClr val="black">
-                  <a:hueOff val="0"/>
-                  <a:satOff val="0"/>
-                  <a:lumOff val="0"/>
-                  <a:alphaOff val="0"/>
-                </a:prstClr>
-              </a:solidFill>
-              <a:latin typeface="Century Gothic" panose="020B0502020202020204"/>
-            </a:rPr>
-            <a:t>vagy</a:t>
-          </a:r>
-          <a:r>
-            <a:rPr lang="en-US" dirty="0">
-              <a:solidFill>
-                <a:prstClr val="black">
-                  <a:hueOff val="0"/>
-                  <a:satOff val="0"/>
-                  <a:lumOff val="0"/>
-                  <a:alphaOff val="0"/>
-                </a:prstClr>
-              </a:solidFill>
-              <a:latin typeface="Century Gothic" panose="020B0502020202020204"/>
-            </a:rPr>
-            <a:t> on-premise </a:t>
-          </a:r>
-          <a:r>
-            <a:rPr lang="en-US" dirty="0" err="1">
-              <a:solidFill>
-                <a:prstClr val="black">
-                  <a:hueOff val="0"/>
-                  <a:satOff val="0"/>
-                  <a:lumOff val="0"/>
-                  <a:alphaOff val="0"/>
-                </a:prstClr>
-              </a:solidFill>
-              <a:latin typeface="Century Gothic" panose="020B0502020202020204"/>
-            </a:rPr>
-            <a:t>környezetben</a:t>
-          </a:r>
-          <a:endParaRPr lang="en-US" dirty="0"/>
-        </a:p>
-      </dgm:t>
-    </dgm:pt>
-    <dgm:pt modelId="{E39580DF-037E-4B5C-8AE4-6F9ABC41638E}" type="parTrans" cxnId="{44AA4D3C-E5EF-4845-89F4-87002DC94EA5}">
-      <dgm:prSet/>
-      <dgm:spPr/>
-      <dgm:t>
-        <a:bodyPr/>
-        <a:lstStyle/>
-        <a:p>
-          <a:endParaRPr lang="hu-HU"/>
-        </a:p>
-      </dgm:t>
-    </dgm:pt>
-    <dgm:pt modelId="{46326167-917C-403B-8FC4-18E6DAA7C112}" type="sibTrans" cxnId="{44AA4D3C-E5EF-4845-89F4-87002DC94EA5}">
-      <dgm:prSet/>
-      <dgm:spPr/>
-      <dgm:t>
-        <a:bodyPr/>
-        <a:lstStyle/>
-        <a:p>
-          <a:endParaRPr lang="hu-HU"/>
-        </a:p>
-      </dgm:t>
-    </dgm:pt>
-    <dgm:pt modelId="{C0D9965A-483C-4FBA-8BE2-BCF9DDE5B97D}">
-      <dgm:prSet/>
-      <dgm:spPr/>
-      <dgm:t>
-        <a:bodyPr/>
-        <a:lstStyle/>
-        <a:p>
-          <a:pPr>
-            <a:buFont typeface="Arial" panose="020B0604020202020204" pitchFamily="34" charset="0"/>
-            <a:buChar char="•"/>
-          </a:pPr>
-          <a:r>
-            <a:rPr lang="en-US">
-              <a:solidFill>
-                <a:prstClr val="black">
-                  <a:hueOff val="0"/>
-                  <a:satOff val="0"/>
-                  <a:lumOff val="0"/>
-                  <a:alphaOff val="0"/>
-                </a:prstClr>
-              </a:solidFill>
-              <a:latin typeface="Century Gothic" panose="020B0502020202020204"/>
-            </a:rPr>
-            <a:t>Rugalmas </a:t>
-          </a:r>
-          <a:r>
-            <a:rPr lang="en-US" dirty="0" err="1">
-              <a:solidFill>
-                <a:prstClr val="black">
-                  <a:hueOff val="0"/>
-                  <a:satOff val="0"/>
-                  <a:lumOff val="0"/>
-                  <a:alphaOff val="0"/>
-                </a:prstClr>
-              </a:solidFill>
-              <a:latin typeface="Century Gothic" panose="020B0502020202020204"/>
-            </a:rPr>
-            <a:t>üzemeltetési</a:t>
-          </a:r>
-          <a:r>
-            <a:rPr lang="en-US" dirty="0">
-              <a:solidFill>
-                <a:prstClr val="black">
-                  <a:hueOff val="0"/>
-                  <a:satOff val="0"/>
-                  <a:lumOff val="0"/>
-                  <a:alphaOff val="0"/>
-                </a:prstClr>
-              </a:solidFill>
-              <a:latin typeface="Century Gothic" panose="020B0502020202020204"/>
-            </a:rPr>
-            <a:t> </a:t>
-          </a:r>
-          <a:r>
-            <a:rPr lang="en-US" dirty="0" err="1">
-              <a:solidFill>
-                <a:prstClr val="black">
-                  <a:hueOff val="0"/>
-                  <a:satOff val="0"/>
-                  <a:lumOff val="0"/>
-                  <a:alphaOff val="0"/>
-                </a:prstClr>
-              </a:solidFill>
-              <a:latin typeface="Century Gothic" panose="020B0502020202020204"/>
-            </a:rPr>
-            <a:t>folyamatok</a:t>
-          </a:r>
-          <a:endParaRPr lang="en-US" dirty="0">
-            <a:solidFill>
-              <a:prstClr val="black">
-                <a:hueOff val="0"/>
-                <a:satOff val="0"/>
-                <a:lumOff val="0"/>
-                <a:alphaOff val="0"/>
-              </a:prstClr>
-            </a:solidFill>
-            <a:latin typeface="Century Gothic" panose="020B0502020202020204"/>
-          </a:endParaRPr>
-        </a:p>
-      </dgm:t>
-    </dgm:pt>
-    <dgm:pt modelId="{7805F373-3ADE-4ACF-8265-FB36F0B7FBDD}" type="parTrans" cxnId="{0ECC3770-36A7-4544-8C64-6EF784FC3E81}">
-      <dgm:prSet/>
-      <dgm:spPr/>
-      <dgm:t>
-        <a:bodyPr/>
-        <a:lstStyle/>
-        <a:p>
-          <a:endParaRPr lang="hu-HU"/>
-        </a:p>
-      </dgm:t>
-    </dgm:pt>
-    <dgm:pt modelId="{F1D4635B-3A7B-4CB9-B384-737DD2EAD126}" type="sibTrans" cxnId="{0ECC3770-36A7-4544-8C64-6EF784FC3E81}">
-      <dgm:prSet/>
-      <dgm:spPr/>
-      <dgm:t>
-        <a:bodyPr/>
-        <a:lstStyle/>
-        <a:p>
-          <a:endParaRPr lang="hu-HU"/>
-        </a:p>
-      </dgm:t>
-    </dgm:pt>
-    <dgm:pt modelId="{42CF10C7-92B1-4A47-9A2F-76116A7E058B}" type="pres">
-      <dgm:prSet presAssocID="{99B3D88B-F46C-4592-AF78-0BA948D61478}" presName="vert0" presStyleCnt="0">
+    <dgm:pt modelId="{717F799C-55C4-47A6-8689-DB1201AE7BDD}" type="pres">
+      <dgm:prSet presAssocID="{99B3D88B-F46C-4592-AF78-0BA948D61478}" presName="Name0" presStyleCnt="0">
         <dgm:presLayoutVars>
+          <dgm:chMax val="7"/>
+          <dgm:chPref val="7"/>
           <dgm:dir/>
-          <dgm:animOne val="branch"/>
-          <dgm:animLvl val="lvl"/>
         </dgm:presLayoutVars>
       </dgm:prSet>
       <dgm:spPr/>
     </dgm:pt>
-    <dgm:pt modelId="{FC6804BF-02BC-42E3-8247-BDCE86367ECF}" type="pres">
-      <dgm:prSet presAssocID="{6B6CB7B3-8F90-424F-B540-997DEE25A032}" presName="thickLine" presStyleLbl="alignNode1" presStyleIdx="0" presStyleCnt="6"/>
+    <dgm:pt modelId="{F8FF8EE1-8932-4BA4-8A6B-9BFC018A3A72}" type="pres">
+      <dgm:prSet presAssocID="{99B3D88B-F46C-4592-AF78-0BA948D61478}" presName="Name1" presStyleCnt="0"/>
       <dgm:spPr/>
     </dgm:pt>
-    <dgm:pt modelId="{70644090-6FD4-454D-851E-9BA2FA696D98}" type="pres">
-      <dgm:prSet presAssocID="{6B6CB7B3-8F90-424F-B540-997DEE25A032}" presName="horz1" presStyleCnt="0"/>
+    <dgm:pt modelId="{507C3631-4CB2-4C9A-9803-23E77F1443A1}" type="pres">
+      <dgm:prSet presAssocID="{99B3D88B-F46C-4592-AF78-0BA948D61478}" presName="cycle" presStyleCnt="0"/>
       <dgm:spPr/>
     </dgm:pt>
-    <dgm:pt modelId="{D212F466-15A9-4107-91F4-00EE99847FA1}" type="pres">
-      <dgm:prSet presAssocID="{6B6CB7B3-8F90-424F-B540-997DEE25A032}" presName="tx1" presStyleLbl="revTx" presStyleIdx="0" presStyleCnt="6"/>
+    <dgm:pt modelId="{85403AA4-F431-46AA-9D44-B4CAC9C81F33}" type="pres">
+      <dgm:prSet presAssocID="{99B3D88B-F46C-4592-AF78-0BA948D61478}" presName="srcNode" presStyleLbl="node1" presStyleIdx="0" presStyleCnt="4"/>
       <dgm:spPr/>
     </dgm:pt>
-    <dgm:pt modelId="{98107CCB-4977-41A7-99C5-8E6F1184FF86}" type="pres">
-      <dgm:prSet presAssocID="{6B6CB7B3-8F90-424F-B540-997DEE25A032}" presName="vert1" presStyleCnt="0"/>
+    <dgm:pt modelId="{5B2D5768-B9E1-45EA-B085-FD835F55086B}" type="pres">
+      <dgm:prSet presAssocID="{99B3D88B-F46C-4592-AF78-0BA948D61478}" presName="conn" presStyleLbl="parChTrans1D2" presStyleIdx="0" presStyleCnt="1"/>
       <dgm:spPr/>
     </dgm:pt>
-    <dgm:pt modelId="{7019E159-12EA-44CE-AB21-22CF10C4B551}" type="pres">
-      <dgm:prSet presAssocID="{658BAF40-90FB-4043-BCFE-D2F5DD643031}" presName="thickLine" presStyleLbl="alignNode1" presStyleIdx="1" presStyleCnt="6"/>
+    <dgm:pt modelId="{97D93C6B-E128-48F1-B3FC-BA1B463235B6}" type="pres">
+      <dgm:prSet presAssocID="{99B3D88B-F46C-4592-AF78-0BA948D61478}" presName="extraNode" presStyleLbl="node1" presStyleIdx="0" presStyleCnt="4"/>
       <dgm:spPr/>
     </dgm:pt>
-    <dgm:pt modelId="{1D7A0DE9-DCA8-425E-9A55-AE849CD3222B}" type="pres">
-      <dgm:prSet presAssocID="{658BAF40-90FB-4043-BCFE-D2F5DD643031}" presName="horz1" presStyleCnt="0"/>
+    <dgm:pt modelId="{3AED3C48-90D2-4D57-AAE3-9AAC0F09650D}" type="pres">
+      <dgm:prSet presAssocID="{99B3D88B-F46C-4592-AF78-0BA948D61478}" presName="dstNode" presStyleLbl="node1" presStyleIdx="0" presStyleCnt="4"/>
       <dgm:spPr/>
     </dgm:pt>
-    <dgm:pt modelId="{92AD2CEB-FA7A-4AC9-831D-57C57AC30D45}" type="pres">
-      <dgm:prSet presAssocID="{658BAF40-90FB-4043-BCFE-D2F5DD643031}" presName="tx1" presStyleLbl="revTx" presStyleIdx="1" presStyleCnt="6"/>
+    <dgm:pt modelId="{7A07B3D6-B676-489C-A14B-522433218890}" type="pres">
+      <dgm:prSet presAssocID="{6B6CB7B3-8F90-424F-B540-997DEE25A032}" presName="text_1" presStyleLbl="node1" presStyleIdx="0" presStyleCnt="4">
+        <dgm:presLayoutVars>
+          <dgm:bulletEnabled val="1"/>
+        </dgm:presLayoutVars>
+      </dgm:prSet>
       <dgm:spPr/>
     </dgm:pt>
-    <dgm:pt modelId="{B705B9F8-2B5F-4AF7-B7C2-1EA58D67ED02}" type="pres">
-      <dgm:prSet presAssocID="{658BAF40-90FB-4043-BCFE-D2F5DD643031}" presName="vert1" presStyleCnt="0"/>
+    <dgm:pt modelId="{781481C3-C70E-4192-857B-EAE5D0BF3DAB}" type="pres">
+      <dgm:prSet presAssocID="{6B6CB7B3-8F90-424F-B540-997DEE25A032}" presName="accent_1" presStyleCnt="0"/>
       <dgm:spPr/>
     </dgm:pt>
-    <dgm:pt modelId="{EB384675-D1A6-4F8F-8708-4D51C77430D3}" type="pres">
-      <dgm:prSet presAssocID="{AF488D27-82C8-43DB-AB2D-14D1C8DB5FF7}" presName="thickLine" presStyleLbl="alignNode1" presStyleIdx="2" presStyleCnt="6"/>
+    <dgm:pt modelId="{8C8B0D06-97B4-4867-B4B6-D44D8CB1D870}" type="pres">
+      <dgm:prSet presAssocID="{6B6CB7B3-8F90-424F-B540-997DEE25A032}" presName="accentRepeatNode" presStyleLbl="solidFgAcc1" presStyleIdx="0" presStyleCnt="4"/>
       <dgm:spPr/>
     </dgm:pt>
-    <dgm:pt modelId="{03D0F7BE-888E-453F-A422-2AE0D65812C5}" type="pres">
-      <dgm:prSet presAssocID="{AF488D27-82C8-43DB-AB2D-14D1C8DB5FF7}" presName="horz1" presStyleCnt="0"/>
+    <dgm:pt modelId="{A7FCFB62-6745-4AD1-A0C2-B3BAC7F1666D}" type="pres">
+      <dgm:prSet presAssocID="{658BAF40-90FB-4043-BCFE-D2F5DD643031}" presName="text_2" presStyleLbl="node1" presStyleIdx="1" presStyleCnt="4">
+        <dgm:presLayoutVars>
+          <dgm:bulletEnabled val="1"/>
+        </dgm:presLayoutVars>
+      </dgm:prSet>
       <dgm:spPr/>
     </dgm:pt>
-    <dgm:pt modelId="{BCE08A93-BE61-4E04-AF53-FC9F86037C72}" type="pres">
-      <dgm:prSet presAssocID="{AF488D27-82C8-43DB-AB2D-14D1C8DB5FF7}" presName="tx1" presStyleLbl="revTx" presStyleIdx="2" presStyleCnt="6"/>
+    <dgm:pt modelId="{53823006-FA90-483D-8B83-BF3C5C29FD03}" type="pres">
+      <dgm:prSet presAssocID="{658BAF40-90FB-4043-BCFE-D2F5DD643031}" presName="accent_2" presStyleCnt="0"/>
       <dgm:spPr/>
     </dgm:pt>
-    <dgm:pt modelId="{AB067A74-F5C2-4821-8A0F-F9F63A45B8C3}" type="pres">
-      <dgm:prSet presAssocID="{AF488D27-82C8-43DB-AB2D-14D1C8DB5FF7}" presName="vert1" presStyleCnt="0"/>
+    <dgm:pt modelId="{7AC4B056-4388-4154-8146-ACA8500F258A}" type="pres">
+      <dgm:prSet presAssocID="{658BAF40-90FB-4043-BCFE-D2F5DD643031}" presName="accentRepeatNode" presStyleLbl="solidFgAcc1" presStyleIdx="1" presStyleCnt="4"/>
       <dgm:spPr/>
     </dgm:pt>
-    <dgm:pt modelId="{D25390ED-182A-4D3C-B15A-CFA5C9CB5CA5}" type="pres">
-      <dgm:prSet presAssocID="{BBF91FF3-E94E-4358-8F00-B5FA14F5F9F8}" presName="thickLine" presStyleLbl="alignNode1" presStyleIdx="3" presStyleCnt="6"/>
+    <dgm:pt modelId="{45FA102C-48A2-4959-B319-122BE0FAEE76}" type="pres">
+      <dgm:prSet presAssocID="{AF488D27-82C8-43DB-AB2D-14D1C8DB5FF7}" presName="text_3" presStyleLbl="node1" presStyleIdx="2" presStyleCnt="4">
+        <dgm:presLayoutVars>
+          <dgm:bulletEnabled val="1"/>
+        </dgm:presLayoutVars>
+      </dgm:prSet>
       <dgm:spPr/>
     </dgm:pt>
-    <dgm:pt modelId="{CA0908C0-6C2F-416E-A639-2F611BBDE38D}" type="pres">
-      <dgm:prSet presAssocID="{BBF91FF3-E94E-4358-8F00-B5FA14F5F9F8}" presName="horz1" presStyleCnt="0"/>
+    <dgm:pt modelId="{250B9792-565D-4401-836D-023370EDFA45}" type="pres">
+      <dgm:prSet presAssocID="{AF488D27-82C8-43DB-AB2D-14D1C8DB5FF7}" presName="accent_3" presStyleCnt="0"/>
       <dgm:spPr/>
     </dgm:pt>
-    <dgm:pt modelId="{3E8FDE9B-DA25-4812-B1F5-2B11AD2C97E5}" type="pres">
-      <dgm:prSet presAssocID="{BBF91FF3-E94E-4358-8F00-B5FA14F5F9F8}" presName="tx1" presStyleLbl="revTx" presStyleIdx="3" presStyleCnt="6"/>
+    <dgm:pt modelId="{C3B1D815-5C11-47BC-8767-76B7A23047F4}" type="pres">
+      <dgm:prSet presAssocID="{AF488D27-82C8-43DB-AB2D-14D1C8DB5FF7}" presName="accentRepeatNode" presStyleLbl="solidFgAcc1" presStyleIdx="2" presStyleCnt="4"/>
       <dgm:spPr/>
     </dgm:pt>
-    <dgm:pt modelId="{6846C010-86AF-49D7-B4C2-A42097E33175}" type="pres">
-      <dgm:prSet presAssocID="{BBF91FF3-E94E-4358-8F00-B5FA14F5F9F8}" presName="vert1" presStyleCnt="0"/>
+    <dgm:pt modelId="{D8778C8F-2874-47CC-8845-2C8AFF748869}" type="pres">
+      <dgm:prSet presAssocID="{BBF91FF3-E94E-4358-8F00-B5FA14F5F9F8}" presName="text_4" presStyleLbl="node1" presStyleIdx="3" presStyleCnt="4">
+        <dgm:presLayoutVars>
+          <dgm:bulletEnabled val="1"/>
+        </dgm:presLayoutVars>
+      </dgm:prSet>
       <dgm:spPr/>
     </dgm:pt>
-    <dgm:pt modelId="{687E23E1-C162-40B3-A69F-0FD691C6B7D6}" type="pres">
-      <dgm:prSet presAssocID="{C0D9965A-483C-4FBA-8BE2-BCF9DDE5B97D}" presName="thickLine" presStyleLbl="alignNode1" presStyleIdx="4" presStyleCnt="6"/>
+    <dgm:pt modelId="{2FBD706E-3D84-4BF8-9638-67AEE5E2D12B}" type="pres">
+      <dgm:prSet presAssocID="{BBF91FF3-E94E-4358-8F00-B5FA14F5F9F8}" presName="accent_4" presStyleCnt="0"/>
       <dgm:spPr/>
     </dgm:pt>
-    <dgm:pt modelId="{5F20C05D-D4CF-4A3F-AFA5-9F177B66FC40}" type="pres">
-      <dgm:prSet presAssocID="{C0D9965A-483C-4FBA-8BE2-BCF9DDE5B97D}" presName="horz1" presStyleCnt="0"/>
-      <dgm:spPr/>
-    </dgm:pt>
-    <dgm:pt modelId="{262FDDDF-2630-47D3-9614-954DBBBFAA46}" type="pres">
-      <dgm:prSet presAssocID="{C0D9965A-483C-4FBA-8BE2-BCF9DDE5B97D}" presName="tx1" presStyleLbl="revTx" presStyleIdx="4" presStyleCnt="6"/>
-      <dgm:spPr/>
-    </dgm:pt>
-    <dgm:pt modelId="{85FAD879-0D24-430A-A32E-FBBE14C4E5E6}" type="pres">
-      <dgm:prSet presAssocID="{C0D9965A-483C-4FBA-8BE2-BCF9DDE5B97D}" presName="vert1" presStyleCnt="0"/>
-      <dgm:spPr/>
-    </dgm:pt>
-    <dgm:pt modelId="{699573DC-BD0D-422F-B007-B983A8B45367}" type="pres">
-      <dgm:prSet presAssocID="{08834BBF-798C-4B3F-BB78-6BCB7427F271}" presName="thickLine" presStyleLbl="alignNode1" presStyleIdx="5" presStyleCnt="6"/>
-      <dgm:spPr/>
-    </dgm:pt>
-    <dgm:pt modelId="{9DDB815D-0B5F-4CBE-8257-B3F4A11FB9DA}" type="pres">
-      <dgm:prSet presAssocID="{08834BBF-798C-4B3F-BB78-6BCB7427F271}" presName="horz1" presStyleCnt="0"/>
-      <dgm:spPr/>
-    </dgm:pt>
-    <dgm:pt modelId="{CCFE345F-940D-41BF-A542-612C162915BD}" type="pres">
-      <dgm:prSet presAssocID="{08834BBF-798C-4B3F-BB78-6BCB7427F271}" presName="tx1" presStyleLbl="revTx" presStyleIdx="5" presStyleCnt="6"/>
-      <dgm:spPr/>
-    </dgm:pt>
-    <dgm:pt modelId="{7D015645-9241-4B47-93E5-6F704DBB0CBB}" type="pres">
-      <dgm:prSet presAssocID="{08834BBF-798C-4B3F-BB78-6BCB7427F271}" presName="vert1" presStyleCnt="0"/>
+    <dgm:pt modelId="{3A73D344-B958-4215-B1D1-B99EEE4DEE38}" type="pres">
+      <dgm:prSet presAssocID="{BBF91FF3-E94E-4358-8F00-B5FA14F5F9F8}" presName="accentRepeatNode" presStyleLbl="solidFgAcc1" presStyleIdx="3" presStyleCnt="4"/>
       <dgm:spPr/>
     </dgm:pt>
   </dgm:ptLst>
   <dgm:cxnLst>
     <dgm:cxn modelId="{05058C04-E15A-4004-AF53-8897B4D818EE}" srcId="{99B3D88B-F46C-4592-AF78-0BA948D61478}" destId="{BBF91FF3-E94E-4358-8F00-B5FA14F5F9F8}" srcOrd="3" destOrd="0" parTransId="{525E6463-9E7A-4890-BED3-11216CCC618D}" sibTransId="{4B8202D1-B91A-499C-A920-9205C4C70F51}"/>
     <dgm:cxn modelId="{E464B716-5E45-4723-990B-D3207582E0D1}" srcId="{99B3D88B-F46C-4592-AF78-0BA948D61478}" destId="{6B6CB7B3-8F90-424F-B540-997DEE25A032}" srcOrd="0" destOrd="0" parTransId="{6791338E-1CE4-456D-819D-72D41019E478}" sibTransId="{D53EAB5D-33B8-421D-B975-62BEFD67C0BC}"/>
-    <dgm:cxn modelId="{44AA4D3C-E5EF-4845-89F4-87002DC94EA5}" srcId="{99B3D88B-F46C-4592-AF78-0BA948D61478}" destId="{08834BBF-798C-4B3F-BB78-6BCB7427F271}" srcOrd="5" destOrd="0" parTransId="{E39580DF-037E-4B5C-8AE4-6F9ABC41638E}" sibTransId="{46326167-917C-403B-8FC4-18E6DAA7C112}"/>
     <dgm:cxn modelId="{D3358C42-C723-45F9-8A6D-97DBC1DF4FFC}" srcId="{99B3D88B-F46C-4592-AF78-0BA948D61478}" destId="{658BAF40-90FB-4043-BCFE-D2F5DD643031}" srcOrd="1" destOrd="0" parTransId="{A796E971-AC8D-4DF9-89B2-B68CDD6BAE27}" sibTransId="{CAF72F78-C662-4285-84C6-5FDF2F2AE8D9}"/>
-    <dgm:cxn modelId="{52556F65-FD2A-417B-8EBC-99774A3FFD64}" type="presOf" srcId="{AF488D27-82C8-43DB-AB2D-14D1C8DB5FF7}" destId="{BCE08A93-BE61-4E04-AF53-FC9F86037C72}" srcOrd="0" destOrd="0" presId="urn:microsoft.com/office/officeart/2008/layout/LinedList"/>
-    <dgm:cxn modelId="{C4F89848-AF8C-4588-A22B-452E58B4CA8C}" type="presOf" srcId="{08834BBF-798C-4B3F-BB78-6BCB7427F271}" destId="{CCFE345F-940D-41BF-A542-612C162915BD}" srcOrd="0" destOrd="0" presId="urn:microsoft.com/office/officeart/2008/layout/LinedList"/>
-    <dgm:cxn modelId="{0ECC3770-36A7-4544-8C64-6EF784FC3E81}" srcId="{99B3D88B-F46C-4592-AF78-0BA948D61478}" destId="{C0D9965A-483C-4FBA-8BE2-BCF9DDE5B97D}" srcOrd="4" destOrd="0" parTransId="{7805F373-3ADE-4ACF-8265-FB36F0B7FBDD}" sibTransId="{F1D4635B-3A7B-4CB9-B384-737DD2EAD126}"/>
+    <dgm:cxn modelId="{2E54A963-8085-47D3-9BCE-2ECA2431A747}" type="presOf" srcId="{D53EAB5D-33B8-421D-B975-62BEFD67C0BC}" destId="{5B2D5768-B9E1-45EA-B085-FD835F55086B}" srcOrd="0" destOrd="0" presId="urn:microsoft.com/office/officeart/2008/layout/VerticalCurvedList"/>
+    <dgm:cxn modelId="{1181A56B-B2FF-4229-A184-BC98E9BB9805}" type="presOf" srcId="{BBF91FF3-E94E-4358-8F00-B5FA14F5F9F8}" destId="{D8778C8F-2874-47CC-8845-2C8AFF748869}" srcOrd="0" destOrd="0" presId="urn:microsoft.com/office/officeart/2008/layout/VerticalCurvedList"/>
+    <dgm:cxn modelId="{578BA76D-5D68-414F-B4C7-B0D90764265C}" type="presOf" srcId="{6B6CB7B3-8F90-424F-B540-997DEE25A032}" destId="{7A07B3D6-B676-489C-A14B-522433218890}" srcOrd="0" destOrd="0" presId="urn:microsoft.com/office/officeart/2008/layout/VerticalCurvedList"/>
     <dgm:cxn modelId="{B3DA0E52-80AA-4FC0-BF2A-8603B52799A4}" srcId="{99B3D88B-F46C-4592-AF78-0BA948D61478}" destId="{AF488D27-82C8-43DB-AB2D-14D1C8DB5FF7}" srcOrd="2" destOrd="0" parTransId="{ACC327A6-60D2-4926-8DFF-7428021685D4}" sibTransId="{8F69C902-9C10-4EB1-8BD1-9BC92FF7406F}"/>
-    <dgm:cxn modelId="{972A637E-3AC7-432C-A040-BB75B399A772}" type="presOf" srcId="{BBF91FF3-E94E-4358-8F00-B5FA14F5F9F8}" destId="{3E8FDE9B-DA25-4812-B1F5-2B11AD2C97E5}" srcOrd="0" destOrd="0" presId="urn:microsoft.com/office/officeart/2008/layout/LinedList"/>
-    <dgm:cxn modelId="{DA5635A0-54D3-4DD9-94E2-FA9CC563BD02}" type="presOf" srcId="{C0D9965A-483C-4FBA-8BE2-BCF9DDE5B97D}" destId="{262FDDDF-2630-47D3-9614-954DBBBFAA46}" srcOrd="0" destOrd="0" presId="urn:microsoft.com/office/officeart/2008/layout/LinedList"/>
-    <dgm:cxn modelId="{0C2318D3-00CE-4C3D-87D0-CE6541FCE0A0}" type="presOf" srcId="{99B3D88B-F46C-4592-AF78-0BA948D61478}" destId="{42CF10C7-92B1-4A47-9A2F-76116A7E058B}" srcOrd="0" destOrd="0" presId="urn:microsoft.com/office/officeart/2008/layout/LinedList"/>
-    <dgm:cxn modelId="{2AFBFAE5-7FFD-4455-AF8B-235C988F9279}" type="presOf" srcId="{658BAF40-90FB-4043-BCFE-D2F5DD643031}" destId="{92AD2CEB-FA7A-4AC9-831D-57C57AC30D45}" srcOrd="0" destOrd="0" presId="urn:microsoft.com/office/officeart/2008/layout/LinedList"/>
-    <dgm:cxn modelId="{7B6B65FF-797E-4D41-8BDF-76A05655121F}" type="presOf" srcId="{6B6CB7B3-8F90-424F-B540-997DEE25A032}" destId="{D212F466-15A9-4107-91F4-00EE99847FA1}" srcOrd="0" destOrd="0" presId="urn:microsoft.com/office/officeart/2008/layout/LinedList"/>
-    <dgm:cxn modelId="{89D68187-855E-4080-8CDB-D0B462AE241A}" type="presParOf" srcId="{42CF10C7-92B1-4A47-9A2F-76116A7E058B}" destId="{FC6804BF-02BC-42E3-8247-BDCE86367ECF}" srcOrd="0" destOrd="0" presId="urn:microsoft.com/office/officeart/2008/layout/LinedList"/>
-    <dgm:cxn modelId="{B65B984F-FA05-4343-ADBD-F12062C41764}" type="presParOf" srcId="{42CF10C7-92B1-4A47-9A2F-76116A7E058B}" destId="{70644090-6FD4-454D-851E-9BA2FA696D98}" srcOrd="1" destOrd="0" presId="urn:microsoft.com/office/officeart/2008/layout/LinedList"/>
-    <dgm:cxn modelId="{9D162854-EE36-4C18-AD96-FD919608D35E}" type="presParOf" srcId="{70644090-6FD4-454D-851E-9BA2FA696D98}" destId="{D212F466-15A9-4107-91F4-00EE99847FA1}" srcOrd="0" destOrd="0" presId="urn:microsoft.com/office/officeart/2008/layout/LinedList"/>
-    <dgm:cxn modelId="{3820B6C4-9667-442E-81FA-C2983CF8E16D}" type="presParOf" srcId="{70644090-6FD4-454D-851E-9BA2FA696D98}" destId="{98107CCB-4977-41A7-99C5-8E6F1184FF86}" srcOrd="1" destOrd="0" presId="urn:microsoft.com/office/officeart/2008/layout/LinedList"/>
-    <dgm:cxn modelId="{7D46E91F-F832-4B20-97FC-11C96806205B}" type="presParOf" srcId="{42CF10C7-92B1-4A47-9A2F-76116A7E058B}" destId="{7019E159-12EA-44CE-AB21-22CF10C4B551}" srcOrd="2" destOrd="0" presId="urn:microsoft.com/office/officeart/2008/layout/LinedList"/>
-    <dgm:cxn modelId="{A47F5DD9-84FB-4159-AB1C-A85BF611DD3C}" type="presParOf" srcId="{42CF10C7-92B1-4A47-9A2F-76116A7E058B}" destId="{1D7A0DE9-DCA8-425E-9A55-AE849CD3222B}" srcOrd="3" destOrd="0" presId="urn:microsoft.com/office/officeart/2008/layout/LinedList"/>
-    <dgm:cxn modelId="{16FDE7E2-4163-474C-A835-529899E64B0B}" type="presParOf" srcId="{1D7A0DE9-DCA8-425E-9A55-AE849CD3222B}" destId="{92AD2CEB-FA7A-4AC9-831D-57C57AC30D45}" srcOrd="0" destOrd="0" presId="urn:microsoft.com/office/officeart/2008/layout/LinedList"/>
-    <dgm:cxn modelId="{453C8FFE-65B9-476B-BBF3-EA56D72E9510}" type="presParOf" srcId="{1D7A0DE9-DCA8-425E-9A55-AE849CD3222B}" destId="{B705B9F8-2B5F-4AF7-B7C2-1EA58D67ED02}" srcOrd="1" destOrd="0" presId="urn:microsoft.com/office/officeart/2008/layout/LinedList"/>
-    <dgm:cxn modelId="{6D769477-0F87-4A6E-83DE-6D47CAD8ECF0}" type="presParOf" srcId="{42CF10C7-92B1-4A47-9A2F-76116A7E058B}" destId="{EB384675-D1A6-4F8F-8708-4D51C77430D3}" srcOrd="4" destOrd="0" presId="urn:microsoft.com/office/officeart/2008/layout/LinedList"/>
-    <dgm:cxn modelId="{D5D35105-38C8-4092-AF1C-E8466C823E69}" type="presParOf" srcId="{42CF10C7-92B1-4A47-9A2F-76116A7E058B}" destId="{03D0F7BE-888E-453F-A422-2AE0D65812C5}" srcOrd="5" destOrd="0" presId="urn:microsoft.com/office/officeart/2008/layout/LinedList"/>
-    <dgm:cxn modelId="{997C624A-BCC6-4D1D-A643-3A0077D0CA57}" type="presParOf" srcId="{03D0F7BE-888E-453F-A422-2AE0D65812C5}" destId="{BCE08A93-BE61-4E04-AF53-FC9F86037C72}" srcOrd="0" destOrd="0" presId="urn:microsoft.com/office/officeart/2008/layout/LinedList"/>
-    <dgm:cxn modelId="{97F28494-0E4E-4507-94E3-C6F169C1FB8E}" type="presParOf" srcId="{03D0F7BE-888E-453F-A422-2AE0D65812C5}" destId="{AB067A74-F5C2-4821-8A0F-F9F63A45B8C3}" srcOrd="1" destOrd="0" presId="urn:microsoft.com/office/officeart/2008/layout/LinedList"/>
-    <dgm:cxn modelId="{3B967100-E605-4D4E-A2F7-BA452616C344}" type="presParOf" srcId="{42CF10C7-92B1-4A47-9A2F-76116A7E058B}" destId="{D25390ED-182A-4D3C-B15A-CFA5C9CB5CA5}" srcOrd="6" destOrd="0" presId="urn:microsoft.com/office/officeart/2008/layout/LinedList"/>
-    <dgm:cxn modelId="{131B32B4-8CBC-4370-AD03-76D568BFBF62}" type="presParOf" srcId="{42CF10C7-92B1-4A47-9A2F-76116A7E058B}" destId="{CA0908C0-6C2F-416E-A639-2F611BBDE38D}" srcOrd="7" destOrd="0" presId="urn:microsoft.com/office/officeart/2008/layout/LinedList"/>
-    <dgm:cxn modelId="{06CE6B85-C695-4C02-AA6B-FC9C814CCA59}" type="presParOf" srcId="{CA0908C0-6C2F-416E-A639-2F611BBDE38D}" destId="{3E8FDE9B-DA25-4812-B1F5-2B11AD2C97E5}" srcOrd="0" destOrd="0" presId="urn:microsoft.com/office/officeart/2008/layout/LinedList"/>
-    <dgm:cxn modelId="{EDC789F3-A304-4306-AE26-E190C8A2A7CF}" type="presParOf" srcId="{CA0908C0-6C2F-416E-A639-2F611BBDE38D}" destId="{6846C010-86AF-49D7-B4C2-A42097E33175}" srcOrd="1" destOrd="0" presId="urn:microsoft.com/office/officeart/2008/layout/LinedList"/>
-    <dgm:cxn modelId="{1EDDB7F1-87C6-4D7D-911F-77963D9BC3DD}" type="presParOf" srcId="{42CF10C7-92B1-4A47-9A2F-76116A7E058B}" destId="{687E23E1-C162-40B3-A69F-0FD691C6B7D6}" srcOrd="8" destOrd="0" presId="urn:microsoft.com/office/officeart/2008/layout/LinedList"/>
-    <dgm:cxn modelId="{CB0F594E-893A-4EB6-8365-7A56C20BB9D6}" type="presParOf" srcId="{42CF10C7-92B1-4A47-9A2F-76116A7E058B}" destId="{5F20C05D-D4CF-4A3F-AFA5-9F177B66FC40}" srcOrd="9" destOrd="0" presId="urn:microsoft.com/office/officeart/2008/layout/LinedList"/>
-    <dgm:cxn modelId="{46951005-2418-4552-B64C-EEB9BF13DBD9}" type="presParOf" srcId="{5F20C05D-D4CF-4A3F-AFA5-9F177B66FC40}" destId="{262FDDDF-2630-47D3-9614-954DBBBFAA46}" srcOrd="0" destOrd="0" presId="urn:microsoft.com/office/officeart/2008/layout/LinedList"/>
-    <dgm:cxn modelId="{6A3EFA81-48A2-437D-AEB8-200AB89A5D8A}" type="presParOf" srcId="{5F20C05D-D4CF-4A3F-AFA5-9F177B66FC40}" destId="{85FAD879-0D24-430A-A32E-FBBE14C4E5E6}" srcOrd="1" destOrd="0" presId="urn:microsoft.com/office/officeart/2008/layout/LinedList"/>
-    <dgm:cxn modelId="{6F95C9CB-FD82-468A-BFBE-802ECCDD75DD}" type="presParOf" srcId="{42CF10C7-92B1-4A47-9A2F-76116A7E058B}" destId="{699573DC-BD0D-422F-B007-B983A8B45367}" srcOrd="10" destOrd="0" presId="urn:microsoft.com/office/officeart/2008/layout/LinedList"/>
-    <dgm:cxn modelId="{9E6F25A5-62BC-4667-AC9A-3AD6A9299FC9}" type="presParOf" srcId="{42CF10C7-92B1-4A47-9A2F-76116A7E058B}" destId="{9DDB815D-0B5F-4CBE-8257-B3F4A11FB9DA}" srcOrd="11" destOrd="0" presId="urn:microsoft.com/office/officeart/2008/layout/LinedList"/>
-    <dgm:cxn modelId="{4FEFA672-9F5B-4EFD-B596-9E6BE31C93BD}" type="presParOf" srcId="{9DDB815D-0B5F-4CBE-8257-B3F4A11FB9DA}" destId="{CCFE345F-940D-41BF-A542-612C162915BD}" srcOrd="0" destOrd="0" presId="urn:microsoft.com/office/officeart/2008/layout/LinedList"/>
-    <dgm:cxn modelId="{F2C44179-EE1D-4E7F-A4B5-83FEA8F827FE}" type="presParOf" srcId="{9DDB815D-0B5F-4CBE-8257-B3F4A11FB9DA}" destId="{7D015645-9241-4B47-93E5-6F704DBB0CBB}" srcOrd="1" destOrd="0" presId="urn:microsoft.com/office/officeart/2008/layout/LinedList"/>
+    <dgm:cxn modelId="{989DDD73-B150-4856-9E7E-27ADE044CC38}" type="presOf" srcId="{658BAF40-90FB-4043-BCFE-D2F5DD643031}" destId="{A7FCFB62-6745-4AD1-A0C2-B3BAC7F1666D}" srcOrd="0" destOrd="0" presId="urn:microsoft.com/office/officeart/2008/layout/VerticalCurvedList"/>
+    <dgm:cxn modelId="{226342BA-5C98-4D00-85BD-0A5B6227EA39}" type="presOf" srcId="{AF488D27-82C8-43DB-AB2D-14D1C8DB5FF7}" destId="{45FA102C-48A2-4959-B319-122BE0FAEE76}" srcOrd="0" destOrd="0" presId="urn:microsoft.com/office/officeart/2008/layout/VerticalCurvedList"/>
+    <dgm:cxn modelId="{CA10F5EC-7D06-4F60-94B7-8B98598CE94F}" type="presOf" srcId="{99B3D88B-F46C-4592-AF78-0BA948D61478}" destId="{717F799C-55C4-47A6-8689-DB1201AE7BDD}" srcOrd="0" destOrd="0" presId="urn:microsoft.com/office/officeart/2008/layout/VerticalCurvedList"/>
+    <dgm:cxn modelId="{9A41150E-05D9-44EF-A947-5F37D1AE3A28}" type="presParOf" srcId="{717F799C-55C4-47A6-8689-DB1201AE7BDD}" destId="{F8FF8EE1-8932-4BA4-8A6B-9BFC018A3A72}" srcOrd="0" destOrd="0" presId="urn:microsoft.com/office/officeart/2008/layout/VerticalCurvedList"/>
+    <dgm:cxn modelId="{62875DF4-90EA-4E29-82E7-0D8C0237ECFA}" type="presParOf" srcId="{F8FF8EE1-8932-4BA4-8A6B-9BFC018A3A72}" destId="{507C3631-4CB2-4C9A-9803-23E77F1443A1}" srcOrd="0" destOrd="0" presId="urn:microsoft.com/office/officeart/2008/layout/VerticalCurvedList"/>
+    <dgm:cxn modelId="{CA879687-7358-46F4-AC3B-FCAEA9685C63}" type="presParOf" srcId="{507C3631-4CB2-4C9A-9803-23E77F1443A1}" destId="{85403AA4-F431-46AA-9D44-B4CAC9C81F33}" srcOrd="0" destOrd="0" presId="urn:microsoft.com/office/officeart/2008/layout/VerticalCurvedList"/>
+    <dgm:cxn modelId="{12A6CDFD-3A7A-453C-BB68-D7BD6656A85F}" type="presParOf" srcId="{507C3631-4CB2-4C9A-9803-23E77F1443A1}" destId="{5B2D5768-B9E1-45EA-B085-FD835F55086B}" srcOrd="1" destOrd="0" presId="urn:microsoft.com/office/officeart/2008/layout/VerticalCurvedList"/>
+    <dgm:cxn modelId="{C0D934F6-BEA1-4D13-80AC-5B2A1E0F178C}" type="presParOf" srcId="{507C3631-4CB2-4C9A-9803-23E77F1443A1}" destId="{97D93C6B-E128-48F1-B3FC-BA1B463235B6}" srcOrd="2" destOrd="0" presId="urn:microsoft.com/office/officeart/2008/layout/VerticalCurvedList"/>
+    <dgm:cxn modelId="{DB35811E-A6DD-42F5-9814-742C9D6C18CE}" type="presParOf" srcId="{507C3631-4CB2-4C9A-9803-23E77F1443A1}" destId="{3AED3C48-90D2-4D57-AAE3-9AAC0F09650D}" srcOrd="3" destOrd="0" presId="urn:microsoft.com/office/officeart/2008/layout/VerticalCurvedList"/>
+    <dgm:cxn modelId="{10E5782A-4499-452F-8DD2-F9EFCCE2F7E0}" type="presParOf" srcId="{F8FF8EE1-8932-4BA4-8A6B-9BFC018A3A72}" destId="{7A07B3D6-B676-489C-A14B-522433218890}" srcOrd="1" destOrd="0" presId="urn:microsoft.com/office/officeart/2008/layout/VerticalCurvedList"/>
+    <dgm:cxn modelId="{4E470619-6B9B-4591-B925-B15EBF26E3A3}" type="presParOf" srcId="{F8FF8EE1-8932-4BA4-8A6B-9BFC018A3A72}" destId="{781481C3-C70E-4192-857B-EAE5D0BF3DAB}" srcOrd="2" destOrd="0" presId="urn:microsoft.com/office/officeart/2008/layout/VerticalCurvedList"/>
+    <dgm:cxn modelId="{95DE96FE-7380-417D-8D74-DDF9C84C180F}" type="presParOf" srcId="{781481C3-C70E-4192-857B-EAE5D0BF3DAB}" destId="{8C8B0D06-97B4-4867-B4B6-D44D8CB1D870}" srcOrd="0" destOrd="0" presId="urn:microsoft.com/office/officeart/2008/layout/VerticalCurvedList"/>
+    <dgm:cxn modelId="{B8F77C76-54AF-4D4B-965B-12CE953B71E8}" type="presParOf" srcId="{F8FF8EE1-8932-4BA4-8A6B-9BFC018A3A72}" destId="{A7FCFB62-6745-4AD1-A0C2-B3BAC7F1666D}" srcOrd="3" destOrd="0" presId="urn:microsoft.com/office/officeart/2008/layout/VerticalCurvedList"/>
+    <dgm:cxn modelId="{48B0E94D-E96E-46B1-A927-D30518E7D7CF}" type="presParOf" srcId="{F8FF8EE1-8932-4BA4-8A6B-9BFC018A3A72}" destId="{53823006-FA90-483D-8B83-BF3C5C29FD03}" srcOrd="4" destOrd="0" presId="urn:microsoft.com/office/officeart/2008/layout/VerticalCurvedList"/>
+    <dgm:cxn modelId="{3FA23547-8E41-4404-9138-00ACAB91F6D5}" type="presParOf" srcId="{53823006-FA90-483D-8B83-BF3C5C29FD03}" destId="{7AC4B056-4388-4154-8146-ACA8500F258A}" srcOrd="0" destOrd="0" presId="urn:microsoft.com/office/officeart/2008/layout/VerticalCurvedList"/>
+    <dgm:cxn modelId="{4F0904B2-5403-4D5E-A676-67B93CF78320}" type="presParOf" srcId="{F8FF8EE1-8932-4BA4-8A6B-9BFC018A3A72}" destId="{45FA102C-48A2-4959-B319-122BE0FAEE76}" srcOrd="5" destOrd="0" presId="urn:microsoft.com/office/officeart/2008/layout/VerticalCurvedList"/>
+    <dgm:cxn modelId="{72D2A445-3C81-48DF-B796-07CC783821C8}" type="presParOf" srcId="{F8FF8EE1-8932-4BA4-8A6B-9BFC018A3A72}" destId="{250B9792-565D-4401-836D-023370EDFA45}" srcOrd="6" destOrd="0" presId="urn:microsoft.com/office/officeart/2008/layout/VerticalCurvedList"/>
+    <dgm:cxn modelId="{A5617ABF-E8B3-4EE5-AF66-42505E67670E}" type="presParOf" srcId="{250B9792-565D-4401-836D-023370EDFA45}" destId="{C3B1D815-5C11-47BC-8767-76B7A23047F4}" srcOrd="0" destOrd="0" presId="urn:microsoft.com/office/officeart/2008/layout/VerticalCurvedList"/>
+    <dgm:cxn modelId="{EECC2177-C436-49A5-B8CF-B825343B3D63}" type="presParOf" srcId="{F8FF8EE1-8932-4BA4-8A6B-9BFC018A3A72}" destId="{D8778C8F-2874-47CC-8845-2C8AFF748869}" srcOrd="7" destOrd="0" presId="urn:microsoft.com/office/officeart/2008/layout/VerticalCurvedList"/>
+    <dgm:cxn modelId="{75351D31-69BD-4C4D-BD5C-78F3EEC2ECF2}" type="presParOf" srcId="{F8FF8EE1-8932-4BA4-8A6B-9BFC018A3A72}" destId="{2FBD706E-3D84-4BF8-9638-67AEE5E2D12B}" srcOrd="8" destOrd="0" presId="urn:microsoft.com/office/officeart/2008/layout/VerticalCurvedList"/>
+    <dgm:cxn modelId="{C3BDB11C-A191-4556-B5F3-9B9258BFE544}" type="presParOf" srcId="{2FBD706E-3D84-4BF8-9638-67AEE5E2D12B}" destId="{3A73D344-B958-4215-B1D1-B99EEE4DEE38}" srcOrd="0" destOrd="0" presId="urn:microsoft.com/office/officeart/2008/layout/VerticalCurvedList"/>
   </dgm:cxnLst>
   <dgm:bg/>
   <dgm:whole/>
@@ -6001,7 +5190,14 @@
         <a:p>
           <a:r>
             <a:rPr lang="hu-HU" dirty="0"/>
-            <a:t>Minden komponensnél kötelező annotációk, hogy a monitoring komponensek fel tudják fedezni. </a:t>
+            <a:t>Minden komponensnél kötelező annotációk, hogy a </a:t>
+          </a:r>
+          <a:br>
+            <a:rPr lang="hu-HU" dirty="0"/>
+          </a:br>
+          <a:r>
+            <a:rPr lang="hu-HU" dirty="0"/>
+            <a:t>monitoring komponensek fel tudják fedezni. </a:t>
           </a:r>
           <a:endParaRPr lang="en-US" dirty="0"/>
         </a:p>
@@ -6291,12 +5487,8 @@
         <a:lstStyle/>
         <a:p>
           <a:r>
-            <a:rPr lang="hu-HU" dirty="0" err="1"/>
-            <a:t>Api</a:t>
-          </a:r>
-          <a:r>
             <a:rPr lang="hu-HU" dirty="0"/>
-            <a:t> hívások alapján</a:t>
+            <a:t>Állapot vizsgálata alapján</a:t>
           </a:r>
         </a:p>
       </dgm:t>
@@ -7732,6 +6924,47 @@
         </a:p>
       </dgm:t>
     </dgm:pt>
+    <dgm:pt modelId="{D24380E5-4CEA-457A-ACBD-EF8E638C2822}">
+      <dgm:prSet/>
+      <dgm:spPr/>
+      <dgm:t>
+        <a:bodyPr/>
+        <a:lstStyle/>
+        <a:p>
+          <a:r>
+            <a:rPr lang="hu-HU" dirty="0" err="1"/>
+            <a:t>AdmissionWebhooks</a:t>
+          </a:r>
+          <a:r>
+            <a:rPr lang="hu-HU" dirty="0"/>
+            <a:t> gyakorlat: https://www.baeldung.com/java-kubernetes-admission-controller</a:t>
+          </a:r>
+          <a:endParaRPr lang="en-US" dirty="0"/>
+        </a:p>
+      </dgm:t>
+    </dgm:pt>
+    <dgm:pt modelId="{DB65ACD9-CA53-455B-90FA-11830D606338}" type="parTrans" cxnId="{54D3077A-1620-4F5D-A8E4-F35E48AF84BC}">
+      <dgm:prSet/>
+      <dgm:spPr/>
+      <dgm:t>
+        <a:bodyPr/>
+        <a:lstStyle/>
+        <a:p>
+          <a:endParaRPr lang="hu-HU"/>
+        </a:p>
+      </dgm:t>
+    </dgm:pt>
+    <dgm:pt modelId="{5847C95B-1DD4-4DF3-B74A-51368CB99C85}" type="sibTrans" cxnId="{54D3077A-1620-4F5D-A8E4-F35E48AF84BC}">
+      <dgm:prSet/>
+      <dgm:spPr/>
+      <dgm:t>
+        <a:bodyPr/>
+        <a:lstStyle/>
+        <a:p>
+          <a:endParaRPr lang="hu-HU"/>
+        </a:p>
+      </dgm:t>
+    </dgm:pt>
     <dgm:pt modelId="{99AA2E17-B089-4B5D-8983-8EC3220918BF}" type="pres">
       <dgm:prSet presAssocID="{90FF3307-D54A-4434-A4EB-C1202042FFBC}" presName="linear" presStyleCnt="0">
         <dgm:presLayoutVars>
@@ -7829,21 +7062,23 @@
     <dgm:cxn modelId="{CDC43440-FF9E-4BAD-B341-8F6EF45026B1}" type="presOf" srcId="{7189BEA2-394D-4683-85FE-D16285EE1BBF}" destId="{50F9BDDC-FB58-4FAE-BAF3-1844FBE35207}" srcOrd="0" destOrd="0" presId="urn:microsoft.com/office/officeart/2005/8/layout/vList2"/>
     <dgm:cxn modelId="{AEAC4A5D-A5A0-4431-AB89-172E4350BDA2}" srcId="{90FF3307-D54A-4434-A4EB-C1202042FFBC}" destId="{7189BEA2-394D-4683-85FE-D16285EE1BBF}" srcOrd="2" destOrd="0" parTransId="{28B3C128-EC09-4AD6-8D14-36F373E65498}" sibTransId="{B0B3A2B9-3A06-4E3A-98B5-274C1A1B65F9}"/>
     <dgm:cxn modelId="{07E9CE62-879A-4751-8EE8-A2D0D7982663}" type="presOf" srcId="{0C4E4D4F-1A99-4FD4-8009-D6951C81776D}" destId="{F3F653BB-182C-4378-92B8-81B910125ED2}" srcOrd="0" destOrd="0" presId="urn:microsoft.com/office/officeart/2005/8/layout/vList2"/>
-    <dgm:cxn modelId="{4185AC43-FE6F-44BB-826E-74E35089ADA5}" type="presOf" srcId="{64FA6B14-A0E1-457D-B7D3-6B50C94AE4FE}" destId="{BFE7BDA9-FEBE-44E6-9BE8-4E69F7B7F4AD}" srcOrd="0" destOrd="2" presId="urn:microsoft.com/office/officeart/2005/8/layout/vList2"/>
-    <dgm:cxn modelId="{BFFF3D45-F248-44D5-98A1-CD3EAC3204FD}" srcId="{0C4E4D4F-1A99-4FD4-8009-D6951C81776D}" destId="{D7F03029-28F8-4E33-BCE1-5A3A514137AD}" srcOrd="1" destOrd="0" parTransId="{9117B8D3-DAAB-4058-A628-63B4F4EE7361}" sibTransId="{EBC72D7B-7969-4E05-98C1-F9E44017C6AC}"/>
+    <dgm:cxn modelId="{4185AC43-FE6F-44BB-826E-74E35089ADA5}" type="presOf" srcId="{64FA6B14-A0E1-457D-B7D3-6B50C94AE4FE}" destId="{BFE7BDA9-FEBE-44E6-9BE8-4E69F7B7F4AD}" srcOrd="0" destOrd="3" presId="urn:microsoft.com/office/officeart/2005/8/layout/vList2"/>
+    <dgm:cxn modelId="{BFFF3D45-F248-44D5-98A1-CD3EAC3204FD}" srcId="{0C4E4D4F-1A99-4FD4-8009-D6951C81776D}" destId="{D7F03029-28F8-4E33-BCE1-5A3A514137AD}" srcOrd="2" destOrd="0" parTransId="{9117B8D3-DAAB-4058-A628-63B4F4EE7361}" sibTransId="{EBC72D7B-7969-4E05-98C1-F9E44017C6AC}"/>
     <dgm:cxn modelId="{5EF4694B-73F8-4438-A47F-C868B2FACC39}" type="presOf" srcId="{8693FEBA-8698-4314-A348-C1C48CCA8716}" destId="{A50BCA2E-80F5-4985-AAEA-24F1B7841532}" srcOrd="0" destOrd="0" presId="urn:microsoft.com/office/officeart/2005/8/layout/vList2"/>
-    <dgm:cxn modelId="{92F6ED4C-AE8C-4C82-B2D5-4A3F12D1E4B7}" srcId="{0C4E4D4F-1A99-4FD4-8009-D6951C81776D}" destId="{11941244-4305-4CDD-A6D1-A3729CD0BF79}" srcOrd="3" destOrd="0" parTransId="{ADDEF4F7-EE32-44BB-A738-307E78B457FD}" sibTransId="{12304504-A28A-41FC-8137-AB182BF28008}"/>
-    <dgm:cxn modelId="{AE22594F-60D8-4FCB-BB4C-3D923F9575B8}" type="presOf" srcId="{42A956B5-D947-402D-970A-BE1E1D0EBD9A}" destId="{BFE7BDA9-FEBE-44E6-9BE8-4E69F7B7F4AD}" srcOrd="0" destOrd="4" presId="urn:microsoft.com/office/officeart/2005/8/layout/vList2"/>
+    <dgm:cxn modelId="{92F6ED4C-AE8C-4C82-B2D5-4A3F12D1E4B7}" srcId="{0C4E4D4F-1A99-4FD4-8009-D6951C81776D}" destId="{11941244-4305-4CDD-A6D1-A3729CD0BF79}" srcOrd="4" destOrd="0" parTransId="{ADDEF4F7-EE32-44BB-A738-307E78B457FD}" sibTransId="{12304504-A28A-41FC-8137-AB182BF28008}"/>
+    <dgm:cxn modelId="{AE22594F-60D8-4FCB-BB4C-3D923F9575B8}" type="presOf" srcId="{42A956B5-D947-402D-970A-BE1E1D0EBD9A}" destId="{BFE7BDA9-FEBE-44E6-9BE8-4E69F7B7F4AD}" srcOrd="0" destOrd="5" presId="urn:microsoft.com/office/officeart/2005/8/layout/vList2"/>
     <dgm:cxn modelId="{D20C4C51-2BF0-439A-81FA-871E453F9629}" type="presOf" srcId="{3C47889A-4A75-486F-AA02-6E1C7B888245}" destId="{16E3114D-DD9D-4BDC-8C35-0BE0673DD941}" srcOrd="0" destOrd="0" presId="urn:microsoft.com/office/officeart/2005/8/layout/vList2"/>
     <dgm:cxn modelId="{48955776-C7A1-4B56-97D1-862F4EBE1CD0}" type="presOf" srcId="{6B0E6B20-8EEA-44B7-B2D0-61514EAC0DEC}" destId="{26C52449-A9FD-4122-A429-1979958A47D1}" srcOrd="0" destOrd="2" presId="urn:microsoft.com/office/officeart/2005/8/layout/vList2"/>
-    <dgm:cxn modelId="{C527EE59-0659-46A2-B0B6-8DF0B8265FED}" type="presOf" srcId="{87F26B8E-4A01-4F25-A292-EF4A885DF99B}" destId="{BFE7BDA9-FEBE-44E6-9BE8-4E69F7B7F4AD}" srcOrd="0" destOrd="5" presId="urn:microsoft.com/office/officeart/2005/8/layout/vList2"/>
+    <dgm:cxn modelId="{C527EE59-0659-46A2-B0B6-8DF0B8265FED}" type="presOf" srcId="{87F26B8E-4A01-4F25-A292-EF4A885DF99B}" destId="{BFE7BDA9-FEBE-44E6-9BE8-4E69F7B7F4AD}" srcOrd="0" destOrd="6" presId="urn:microsoft.com/office/officeart/2005/8/layout/vList2"/>
+    <dgm:cxn modelId="{54D3077A-1620-4F5D-A8E4-F35E48AF84BC}" srcId="{0C4E4D4F-1A99-4FD4-8009-D6951C81776D}" destId="{D24380E5-4CEA-457A-ACBD-EF8E638C2822}" srcOrd="1" destOrd="0" parTransId="{DB65ACD9-CA53-455B-90FA-11830D606338}" sibTransId="{5847C95B-1DD4-4DF3-B74A-51368CB99C85}"/>
     <dgm:cxn modelId="{AF71695A-FDE6-45D1-8D80-CDD0D59F0A08}" srcId="{90FF3307-D54A-4434-A4EB-C1202042FFBC}" destId="{8693FEBA-8698-4314-A348-C1C48CCA8716}" srcOrd="4" destOrd="0" parTransId="{70719400-0B58-490E-B61C-CFBD1FB42350}" sibTransId="{833F8D87-5D89-47B2-A86A-618E456CACCA}"/>
-    <dgm:cxn modelId="{AA45B07A-1FA1-4953-82AA-22B09E8BC3EC}" type="presOf" srcId="{11941244-4305-4CDD-A6D1-A3729CD0BF79}" destId="{BFE7BDA9-FEBE-44E6-9BE8-4E69F7B7F4AD}" srcOrd="0" destOrd="3" presId="urn:microsoft.com/office/officeart/2005/8/layout/vList2"/>
+    <dgm:cxn modelId="{AA45B07A-1FA1-4953-82AA-22B09E8BC3EC}" type="presOf" srcId="{11941244-4305-4CDD-A6D1-A3729CD0BF79}" destId="{BFE7BDA9-FEBE-44E6-9BE8-4E69F7B7F4AD}" srcOrd="0" destOrd="4" presId="urn:microsoft.com/office/officeart/2005/8/layout/vList2"/>
     <dgm:cxn modelId="{F42C9896-E1B2-4257-A2A9-36A30CAF9096}" type="presOf" srcId="{0AA510FA-E42C-4ED4-89A5-BDFDF1E71BEE}" destId="{ACBA4E95-C567-4E7D-9B68-AF4E6A4CCA96}" srcOrd="0" destOrd="0" presId="urn:microsoft.com/office/officeart/2005/8/layout/vList2"/>
-    <dgm:cxn modelId="{3B8BF997-6826-4459-847B-0CE5ADC1A5F4}" type="presOf" srcId="{D7F03029-28F8-4E33-BCE1-5A3A514137AD}" destId="{BFE7BDA9-FEBE-44E6-9BE8-4E69F7B7F4AD}" srcOrd="0" destOrd="1" presId="urn:microsoft.com/office/officeart/2005/8/layout/vList2"/>
-    <dgm:cxn modelId="{232426AD-701E-4457-AB07-E96F01C9C15A}" srcId="{0C4E4D4F-1A99-4FD4-8009-D6951C81776D}" destId="{87F26B8E-4A01-4F25-A292-EF4A885DF99B}" srcOrd="5" destOrd="0" parTransId="{7AAEC9AE-D82D-43D0-85DE-928C0E665E10}" sibTransId="{369C4D86-DC2D-4C6A-B9A2-870394BC29A6}"/>
-    <dgm:cxn modelId="{F7689FAE-6747-4D45-93D0-BD769FCD7964}" srcId="{0C4E4D4F-1A99-4FD4-8009-D6951C81776D}" destId="{64FA6B14-A0E1-457D-B7D3-6B50C94AE4FE}" srcOrd="2" destOrd="0" parTransId="{8805EBFC-F25A-468C-A429-911A83EFB24A}" sibTransId="{6ABC09A5-DF81-4B11-9D24-DCE79F672103}"/>
+    <dgm:cxn modelId="{3B8BF997-6826-4459-847B-0CE5ADC1A5F4}" type="presOf" srcId="{D7F03029-28F8-4E33-BCE1-5A3A514137AD}" destId="{BFE7BDA9-FEBE-44E6-9BE8-4E69F7B7F4AD}" srcOrd="0" destOrd="2" presId="urn:microsoft.com/office/officeart/2005/8/layout/vList2"/>
+    <dgm:cxn modelId="{232426AD-701E-4457-AB07-E96F01C9C15A}" srcId="{0C4E4D4F-1A99-4FD4-8009-D6951C81776D}" destId="{87F26B8E-4A01-4F25-A292-EF4A885DF99B}" srcOrd="6" destOrd="0" parTransId="{7AAEC9AE-D82D-43D0-85DE-928C0E665E10}" sibTransId="{369C4D86-DC2D-4C6A-B9A2-870394BC29A6}"/>
+    <dgm:cxn modelId="{F7689FAE-6747-4D45-93D0-BD769FCD7964}" srcId="{0C4E4D4F-1A99-4FD4-8009-D6951C81776D}" destId="{64FA6B14-A0E1-457D-B7D3-6B50C94AE4FE}" srcOrd="3" destOrd="0" parTransId="{8805EBFC-F25A-468C-A429-911A83EFB24A}" sibTransId="{6ABC09A5-DF81-4B11-9D24-DCE79F672103}"/>
     <dgm:cxn modelId="{EE76FDB2-6605-4947-8F5B-B95C799C9B91}" type="presOf" srcId="{90FF3307-D54A-4434-A4EB-C1202042FFBC}" destId="{99AA2E17-B089-4B5D-8983-8EC3220918BF}" srcOrd="0" destOrd="0" presId="urn:microsoft.com/office/officeart/2005/8/layout/vList2"/>
+    <dgm:cxn modelId="{0A904AB5-2B47-493B-8AB7-6F632C7383F5}" type="presOf" srcId="{D24380E5-4CEA-457A-ACBD-EF8E638C2822}" destId="{BFE7BDA9-FEBE-44E6-9BE8-4E69F7B7F4AD}" srcOrd="0" destOrd="1" presId="urn:microsoft.com/office/officeart/2005/8/layout/vList2"/>
     <dgm:cxn modelId="{39847FBD-4AF5-4E6C-AF51-1CC192F78937}" type="presOf" srcId="{7BDD53D0-C1DE-4E45-8AF6-EFD9FACAA704}" destId="{26C52449-A9FD-4122-A429-1979958A47D1}" srcOrd="0" destOrd="0" presId="urn:microsoft.com/office/officeart/2005/8/layout/vList2"/>
     <dgm:cxn modelId="{B42A8EBE-4D3E-47A4-90C0-581B538DD630}" srcId="{7189BEA2-394D-4683-85FE-D16285EE1BBF}" destId="{92E2A991-F682-4C7C-B1BA-AD3E5BB24A20}" srcOrd="1" destOrd="0" parTransId="{7D454B99-4501-4CD0-B9CA-5466CD8F01D9}" sibTransId="{26046218-E12E-4D5F-B93D-445EF49E2608}"/>
     <dgm:cxn modelId="{E9D854CD-3DEF-48AF-9718-D18E18D10E21}" srcId="{90FF3307-D54A-4434-A4EB-C1202042FFBC}" destId="{3C47889A-4A75-486F-AA02-6E1C7B888245}" srcOrd="3" destOrd="0" parTransId="{E8C4115A-A164-4A4B-A685-2F307DED077B}" sibTransId="{AE4F9245-5A47-46C8-923F-9048DAFC440F}"/>
@@ -7851,7 +7086,7 @@
     <dgm:cxn modelId="{90ADA0D6-097D-4BC2-BFF7-666373F097E0}" srcId="{0C4E4D4F-1A99-4FD4-8009-D6951C81776D}" destId="{2A0B51D5-0D5E-45F4-B0E8-02B169D8AE80}" srcOrd="0" destOrd="0" parTransId="{02F4E104-D5B1-459C-B9D0-227CFB593D90}" sibTransId="{2D55A736-7595-41FF-A1D0-2128C32FD9BD}"/>
     <dgm:cxn modelId="{C0D07DDE-3DEF-44FD-B42C-FE8889E044A4}" srcId="{90FF3307-D54A-4434-A4EB-C1202042FFBC}" destId="{0C4E4D4F-1A99-4FD4-8009-D6951C81776D}" srcOrd="0" destOrd="0" parTransId="{FFA83329-BB89-4726-8EE1-43F7823A334E}" sibTransId="{8398E719-E75E-4BD7-8FE4-9D4DD85D58C8}"/>
     <dgm:cxn modelId="{7BB916E9-76A7-48E1-86AC-6ECD9A72A991}" srcId="{8693FEBA-8698-4314-A348-C1C48CCA8716}" destId="{7BDD53D0-C1DE-4E45-8AF6-EFD9FACAA704}" srcOrd="0" destOrd="0" parTransId="{107BF865-BFAB-41F8-80F6-0E6AE6FD302E}" sibTransId="{F744472F-C06B-4679-984F-CDE42152CCAD}"/>
-    <dgm:cxn modelId="{62BA42F8-729A-4033-926F-7B5FC34F992F}" srcId="{0C4E4D4F-1A99-4FD4-8009-D6951C81776D}" destId="{42A956B5-D947-402D-970A-BE1E1D0EBD9A}" srcOrd="4" destOrd="0" parTransId="{938A8844-FBD3-40A1-987C-73D02A8517E8}" sibTransId="{54D56A91-C0BE-4D58-BCB5-5D83AEB20E36}"/>
+    <dgm:cxn modelId="{62BA42F8-729A-4033-926F-7B5FC34F992F}" srcId="{0C4E4D4F-1A99-4FD4-8009-D6951C81776D}" destId="{42A956B5-D947-402D-970A-BE1E1D0EBD9A}" srcOrd="5" destOrd="0" parTransId="{938A8844-FBD3-40A1-987C-73D02A8517E8}" sibTransId="{54D56A91-C0BE-4D58-BCB5-5D83AEB20E36}"/>
     <dgm:cxn modelId="{06CE11F9-F096-439E-A2B5-8FF1E1FD816B}" type="presOf" srcId="{2A0B51D5-0D5E-45F4-B0E8-02B169D8AE80}" destId="{BFE7BDA9-FEBE-44E6-9BE8-4E69F7B7F4AD}" srcOrd="0" destOrd="0" presId="urn:microsoft.com/office/officeart/2005/8/layout/vList2"/>
     <dgm:cxn modelId="{AE1247FD-524C-48EC-9109-3B3539F1AA0F}" type="presParOf" srcId="{99AA2E17-B089-4B5D-8983-8EC3220918BF}" destId="{F3F653BB-182C-4378-92B8-81B910125ED2}" srcOrd="0" destOrd="0" presId="urn:microsoft.com/office/officeart/2005/8/layout/vList2"/>
     <dgm:cxn modelId="{E845A1D5-08E7-4F78-8C9A-5E6AA287F82B}" type="presParOf" srcId="{99AA2E17-B089-4B5D-8983-8EC3220918BF}" destId="{BFE7BDA9-FEBE-44E6-9BE8-4E69F7B7F4AD}" srcOrd="1" destOrd="0" presId="urn:microsoft.com/office/officeart/2005/8/layout/vList2"/>
@@ -7878,7 +7113,7 @@
 <dgm:dataModel xmlns:dgm="http://schemas.openxmlformats.org/drawingml/2006/diagram" xmlns:a="http://schemas.openxmlformats.org/drawingml/2006/main">
   <dgm:ptLst>
     <dgm:pt modelId="{99B3D88B-F46C-4592-AF78-0BA948D61478}" type="doc">
-      <dgm:prSet loTypeId="urn:microsoft.com/office/officeart/2008/layout/VerticalCurvedList" loCatId="list" qsTypeId="urn:microsoft.com/office/officeart/2005/8/quickstyle/simple1" qsCatId="simple" csTypeId="urn:microsoft.com/office/officeart/2005/8/colors/accent1_2" csCatId="accent1" phldr="1"/>
+      <dgm:prSet loTypeId="urn:microsoft.com/office/officeart/2008/layout/VerticalCurvedList" loCatId="list" qsTypeId="urn:microsoft.com/office/officeart/2005/8/quickstyle/simple1" qsCatId="simple" csTypeId="urn:microsoft.com/office/officeart/2005/8/colors/accent1_1" csCatId="accent1" phldr="1"/>
       <dgm:spPr/>
       <dgm:t>
         <a:bodyPr/>
@@ -8198,6 +7433,13 @@
     <dgm:pt modelId="{651CA0B4-94CA-4679-914C-7166DF5AAE59}">
       <dgm:prSet/>
       <dgm:spPr/>
+      <dgm:t>
+        <a:bodyPr/>
+        <a:lstStyle/>
+        <a:p>
+          <a:endParaRPr lang="hu-HU"/>
+        </a:p>
+      </dgm:t>
     </dgm:pt>
     <dgm:pt modelId="{FEFB1FC7-E1DE-4931-9CF0-AF1CE240E5CE}" type="parTrans" cxnId="{646D5ABA-A1F7-4AD9-9F79-126B3CACFB44}">
       <dgm:prSet/>
@@ -8432,21 +7674,146 @@
       <dsp:cNvGrpSpPr/>
     </dsp:nvGrpSpPr>
     <dsp:grpSpPr/>
-    <dsp:sp modelId="{FC6804BF-02BC-42E3-8247-BDCE86367ECF}">
+    <dsp:sp modelId="{5B2D5768-B9E1-45EA-B085-FD835F55086B}">
       <dsp:nvSpPr>
         <dsp:cNvPr id="0" name=""/>
         <dsp:cNvSpPr/>
       </dsp:nvSpPr>
       <dsp:spPr>
         <a:xfrm>
-          <a:off x="0" y="1868"/>
-          <a:ext cx="8419578" cy="0"/>
+          <a:off x="-4324946" y="-663453"/>
+          <a:ext cx="5152801" cy="5152801"/>
         </a:xfrm>
-        <a:prstGeom prst="line">
+        <a:prstGeom prst="blockArc">
+          <a:avLst>
+            <a:gd name="adj1" fmla="val 18900000"/>
+            <a:gd name="adj2" fmla="val 2700000"/>
+            <a:gd name="adj3" fmla="val 419"/>
+          </a:avLst>
+        </a:prstGeom>
+        <a:noFill/>
+        <a:ln w="12700" cap="rnd" cmpd="sng" algn="ctr">
+          <a:solidFill>
+            <a:schemeClr val="accent1">
+              <a:shade val="60000"/>
+              <a:hueOff val="0"/>
+              <a:satOff val="0"/>
+              <a:lumOff val="0"/>
+              <a:alphaOff val="0"/>
+            </a:schemeClr>
+          </a:solidFill>
+          <a:prstDash val="solid"/>
+        </a:ln>
+        <a:effectLst/>
+      </dsp:spPr>
+      <dsp:style>
+        <a:lnRef idx="2">
+          <a:scrgbClr r="0" g="0" b="0"/>
+        </a:lnRef>
+        <a:fillRef idx="0">
+          <a:scrgbClr r="0" g="0" b="0"/>
+        </a:fillRef>
+        <a:effectRef idx="0">
+          <a:scrgbClr r="0" g="0" b="0"/>
+        </a:effectRef>
+        <a:fontRef idx="minor"/>
+      </dsp:style>
+    </dsp:sp>
+    <dsp:sp modelId="{7A07B3D6-B676-489C-A14B-522433218890}">
+      <dsp:nvSpPr>
+        <dsp:cNvPr id="0" name=""/>
+        <dsp:cNvSpPr/>
+      </dsp:nvSpPr>
+      <dsp:spPr>
+        <a:xfrm>
+          <a:off x="433697" y="294134"/>
+          <a:ext cx="7934454" cy="588575"/>
+        </a:xfrm>
+        <a:prstGeom prst="rect">
           <a:avLst/>
         </a:prstGeom>
         <a:solidFill>
           <a:schemeClr val="accent1">
+            <a:hueOff val="0"/>
+            <a:satOff val="0"/>
+            <a:lumOff val="0"/>
+            <a:alphaOff val="0"/>
+          </a:schemeClr>
+        </a:solidFill>
+        <a:ln w="12700" cap="rnd" cmpd="sng" algn="ctr">
+          <a:solidFill>
+            <a:schemeClr val="lt1">
+              <a:hueOff val="0"/>
+              <a:satOff val="0"/>
+              <a:lumOff val="0"/>
+              <a:alphaOff val="0"/>
+            </a:schemeClr>
+          </a:solidFill>
+          <a:prstDash val="solid"/>
+        </a:ln>
+        <a:effectLst/>
+      </dsp:spPr>
+      <dsp:style>
+        <a:lnRef idx="2">
+          <a:scrgbClr r="0" g="0" b="0"/>
+        </a:lnRef>
+        <a:fillRef idx="1">
+          <a:scrgbClr r="0" g="0" b="0"/>
+        </a:fillRef>
+        <a:effectRef idx="0">
+          <a:scrgbClr r="0" g="0" b="0"/>
+        </a:effectRef>
+        <a:fontRef idx="minor">
+          <a:schemeClr val="lt1"/>
+        </a:fontRef>
+      </dsp:style>
+      <dsp:txBody>
+        <a:bodyPr spcFirstLastPara="0" vert="horz" wrap="square" lIns="467182" tIns="43180" rIns="43180" bIns="43180" numCol="1" spcCol="1270" anchor="ctr" anchorCtr="0">
+          <a:noAutofit/>
+        </a:bodyPr>
+        <a:lstStyle/>
+        <a:p>
+          <a:pPr marL="0" lvl="0" indent="0" algn="l" defTabSz="755650">
+            <a:lnSpc>
+              <a:spcPct val="90000"/>
+            </a:lnSpc>
+            <a:spcBef>
+              <a:spcPct val="0"/>
+            </a:spcBef>
+            <a:spcAft>
+              <a:spcPct val="35000"/>
+            </a:spcAft>
+            <a:buNone/>
+          </a:pPr>
+          <a:r>
+            <a:rPr lang="en-US" sz="1700" kern="1200">
+              <a:latin typeface="Century Gothic" panose="020B0502020202020204"/>
+            </a:rPr>
+            <a:t>Nyílt forráskódú konténerkezelő platform</a:t>
+          </a:r>
+          <a:endParaRPr lang="en-US" sz="1700" kern="1200" dirty="0"/>
+        </a:p>
+      </dsp:txBody>
+      <dsp:txXfrm>
+        <a:off x="433697" y="294134"/>
+        <a:ext cx="7934454" cy="588575"/>
+      </dsp:txXfrm>
+    </dsp:sp>
+    <dsp:sp modelId="{8C8B0D06-97B4-4867-B4B6-D44D8CB1D870}">
+      <dsp:nvSpPr>
+        <dsp:cNvPr id="0" name=""/>
+        <dsp:cNvSpPr/>
+      </dsp:nvSpPr>
+      <dsp:spPr>
+        <a:xfrm>
+          <a:off x="65837" y="220562"/>
+          <a:ext cx="735719" cy="735719"/>
+        </a:xfrm>
+        <a:prstGeom prst="ellipse">
+          <a:avLst/>
+        </a:prstGeom>
+        <a:solidFill>
+          <a:schemeClr val="lt1">
             <a:hueOff val="0"/>
             <a:satOff val="0"/>
             <a:lumOff val="0"/>
@@ -8476,49 +7843,64 @@
         <a:effectRef idx="0">
           <a:scrgbClr r="0" g="0" b="0"/>
         </a:effectRef>
-        <a:fontRef idx="minor">
-          <a:schemeClr val="lt1"/>
-        </a:fontRef>
+        <a:fontRef idx="minor"/>
       </dsp:style>
     </dsp:sp>
-    <dsp:sp modelId="{D212F466-15A9-4107-91F4-00EE99847FA1}">
+    <dsp:sp modelId="{A7FCFB62-6745-4AD1-A0C2-B3BAC7F1666D}">
       <dsp:nvSpPr>
         <dsp:cNvPr id="0" name=""/>
         <dsp:cNvSpPr/>
       </dsp:nvSpPr>
       <dsp:spPr>
         <a:xfrm>
-          <a:off x="0" y="1868"/>
-          <a:ext cx="8419578" cy="637026"/>
+          <a:off x="771141" y="1177151"/>
+          <a:ext cx="7597010" cy="588575"/>
         </a:xfrm>
         <a:prstGeom prst="rect">
           <a:avLst/>
         </a:prstGeom>
-        <a:noFill/>
-        <a:ln>
-          <a:noFill/>
+        <a:solidFill>
+          <a:schemeClr val="accent1">
+            <a:hueOff val="0"/>
+            <a:satOff val="0"/>
+            <a:lumOff val="0"/>
+            <a:alphaOff val="0"/>
+          </a:schemeClr>
+        </a:solidFill>
+        <a:ln w="12700" cap="rnd" cmpd="sng" algn="ctr">
+          <a:solidFill>
+            <a:schemeClr val="lt1">
+              <a:hueOff val="0"/>
+              <a:satOff val="0"/>
+              <a:lumOff val="0"/>
+              <a:alphaOff val="0"/>
+            </a:schemeClr>
+          </a:solidFill>
+          <a:prstDash val="solid"/>
         </a:ln>
         <a:effectLst/>
       </dsp:spPr>
       <dsp:style>
-        <a:lnRef idx="0">
+        <a:lnRef idx="2">
           <a:scrgbClr r="0" g="0" b="0"/>
         </a:lnRef>
-        <a:fillRef idx="0">
+        <a:fillRef idx="1">
           <a:scrgbClr r="0" g="0" b="0"/>
         </a:fillRef>
         <a:effectRef idx="0">
           <a:scrgbClr r="0" g="0" b="0"/>
         </a:effectRef>
-        <a:fontRef idx="minor"/>
+        <a:fontRef idx="minor">
+          <a:schemeClr val="lt1"/>
+        </a:fontRef>
       </dsp:style>
       <dsp:txBody>
-        <a:bodyPr spcFirstLastPara="0" vert="horz" wrap="square" lIns="68580" tIns="68580" rIns="68580" bIns="68580" numCol="1" spcCol="1270" anchor="t" anchorCtr="0">
+        <a:bodyPr spcFirstLastPara="0" vert="horz" wrap="square" lIns="467182" tIns="43180" rIns="43180" bIns="43180" numCol="1" spcCol="1270" anchor="ctr" anchorCtr="0">
           <a:noAutofit/>
         </a:bodyPr>
         <a:lstStyle/>
         <a:p>
-          <a:pPr marL="0" lvl="0" indent="0" algn="l" defTabSz="800100">
+          <a:pPr marL="0" lvl="0" indent="0" algn="l" defTabSz="755650">
             <a:lnSpc>
               <a:spcPct val="90000"/>
             </a:lnSpc>
@@ -8531,112 +7913,36 @@
             <a:buNone/>
           </a:pPr>
           <a:r>
-            <a:rPr lang="en-US" sz="1800" kern="1200" dirty="0" err="1">
-              <a:solidFill>
-                <a:prstClr val="black">
-                  <a:hueOff val="0"/>
-                  <a:satOff val="0"/>
-                  <a:lumOff val="0"/>
-                  <a:alphaOff val="0"/>
-                </a:prstClr>
-              </a:solidFill>
+            <a:rPr lang="en-US" sz="1700" kern="1200">
               <a:latin typeface="Century Gothic" panose="020B0502020202020204"/>
             </a:rPr>
-            <a:t>Nyílt</a:t>
+            <a:t>Alkalmazások hatékony üzemeltetése és skálázása</a:t>
           </a:r>
-          <a:r>
-            <a:rPr lang="en-US" sz="1800" kern="1200" dirty="0">
-              <a:solidFill>
-                <a:prstClr val="black">
-                  <a:hueOff val="0"/>
-                  <a:satOff val="0"/>
-                  <a:lumOff val="0"/>
-                  <a:alphaOff val="0"/>
-                </a:prstClr>
-              </a:solidFill>
-              <a:latin typeface="Century Gothic" panose="020B0502020202020204"/>
-            </a:rPr>
-            <a:t> </a:t>
-          </a:r>
-          <a:r>
-            <a:rPr lang="en-US" sz="1800" kern="1200" dirty="0" err="1">
-              <a:solidFill>
-                <a:prstClr val="black">
-                  <a:hueOff val="0"/>
-                  <a:satOff val="0"/>
-                  <a:lumOff val="0"/>
-                  <a:alphaOff val="0"/>
-                </a:prstClr>
-              </a:solidFill>
-              <a:latin typeface="Century Gothic" panose="020B0502020202020204"/>
-            </a:rPr>
-            <a:t>forráskódú</a:t>
-          </a:r>
-          <a:r>
-            <a:rPr lang="en-US" sz="1800" kern="1200" dirty="0">
-              <a:solidFill>
-                <a:prstClr val="black">
-                  <a:hueOff val="0"/>
-                  <a:satOff val="0"/>
-                  <a:lumOff val="0"/>
-                  <a:alphaOff val="0"/>
-                </a:prstClr>
-              </a:solidFill>
-              <a:latin typeface="Century Gothic" panose="020B0502020202020204"/>
-            </a:rPr>
-            <a:t> </a:t>
-          </a:r>
-          <a:r>
-            <a:rPr lang="en-US" sz="1800" kern="1200" dirty="0" err="1">
-              <a:solidFill>
-                <a:prstClr val="black">
-                  <a:hueOff val="0"/>
-                  <a:satOff val="0"/>
-                  <a:lumOff val="0"/>
-                  <a:alphaOff val="0"/>
-                </a:prstClr>
-              </a:solidFill>
-              <a:latin typeface="Century Gothic" panose="020B0502020202020204"/>
-            </a:rPr>
-            <a:t>konténerkezelő</a:t>
-          </a:r>
-          <a:r>
-            <a:rPr lang="en-US" sz="1800" kern="1200" dirty="0">
-              <a:solidFill>
-                <a:prstClr val="black">
-                  <a:hueOff val="0"/>
-                  <a:satOff val="0"/>
-                  <a:lumOff val="0"/>
-                  <a:alphaOff val="0"/>
-                </a:prstClr>
-              </a:solidFill>
-              <a:latin typeface="Century Gothic" panose="020B0502020202020204"/>
-            </a:rPr>
-            <a:t> platform</a:t>
-          </a:r>
-          <a:endParaRPr lang="en-US" sz="1800" kern="1200" dirty="0"/>
+          <a:endParaRPr lang="en-US" sz="1700" kern="1200" dirty="0">
+            <a:latin typeface="Century Gothic" panose="020B0502020202020204"/>
+          </a:endParaRPr>
         </a:p>
       </dsp:txBody>
       <dsp:txXfrm>
-        <a:off x="0" y="1868"/>
-        <a:ext cx="8419578" cy="637026"/>
+        <a:off x="771141" y="1177151"/>
+        <a:ext cx="7597010" cy="588575"/>
       </dsp:txXfrm>
     </dsp:sp>
-    <dsp:sp modelId="{7019E159-12EA-44CE-AB21-22CF10C4B551}">
+    <dsp:sp modelId="{7AC4B056-4388-4154-8146-ACA8500F258A}">
       <dsp:nvSpPr>
         <dsp:cNvPr id="0" name=""/>
         <dsp:cNvSpPr/>
       </dsp:nvSpPr>
       <dsp:spPr>
         <a:xfrm>
-          <a:off x="0" y="638894"/>
-          <a:ext cx="8419578" cy="0"/>
+          <a:off x="403281" y="1103579"/>
+          <a:ext cx="735719" cy="735719"/>
         </a:xfrm>
-        <a:prstGeom prst="line">
+        <a:prstGeom prst="ellipse">
           <a:avLst/>
         </a:prstGeom>
         <a:solidFill>
-          <a:schemeClr val="accent1">
+          <a:schemeClr val="lt1">
             <a:hueOff val="0"/>
             <a:satOff val="0"/>
             <a:lumOff val="0"/>
@@ -8666,49 +7972,64 @@
         <a:effectRef idx="0">
           <a:scrgbClr r="0" g="0" b="0"/>
         </a:effectRef>
-        <a:fontRef idx="minor">
-          <a:schemeClr val="lt1"/>
-        </a:fontRef>
+        <a:fontRef idx="minor"/>
       </dsp:style>
     </dsp:sp>
-    <dsp:sp modelId="{92AD2CEB-FA7A-4AC9-831D-57C57AC30D45}">
+    <dsp:sp modelId="{45FA102C-48A2-4959-B319-122BE0FAEE76}">
       <dsp:nvSpPr>
         <dsp:cNvPr id="0" name=""/>
         <dsp:cNvSpPr/>
       </dsp:nvSpPr>
       <dsp:spPr>
         <a:xfrm>
-          <a:off x="0" y="638894"/>
-          <a:ext cx="8419578" cy="637026"/>
+          <a:off x="771141" y="2060167"/>
+          <a:ext cx="7597010" cy="588575"/>
         </a:xfrm>
         <a:prstGeom prst="rect">
           <a:avLst/>
         </a:prstGeom>
-        <a:noFill/>
-        <a:ln>
-          <a:noFill/>
+        <a:solidFill>
+          <a:schemeClr val="accent1">
+            <a:hueOff val="0"/>
+            <a:satOff val="0"/>
+            <a:lumOff val="0"/>
+            <a:alphaOff val="0"/>
+          </a:schemeClr>
+        </a:solidFill>
+        <a:ln w="12700" cap="rnd" cmpd="sng" algn="ctr">
+          <a:solidFill>
+            <a:schemeClr val="lt1">
+              <a:hueOff val="0"/>
+              <a:satOff val="0"/>
+              <a:lumOff val="0"/>
+              <a:alphaOff val="0"/>
+            </a:schemeClr>
+          </a:solidFill>
+          <a:prstDash val="solid"/>
         </a:ln>
         <a:effectLst/>
       </dsp:spPr>
       <dsp:style>
-        <a:lnRef idx="0">
+        <a:lnRef idx="2">
           <a:scrgbClr r="0" g="0" b="0"/>
         </a:lnRef>
-        <a:fillRef idx="0">
+        <a:fillRef idx="1">
           <a:scrgbClr r="0" g="0" b="0"/>
         </a:fillRef>
         <a:effectRef idx="0">
           <a:scrgbClr r="0" g="0" b="0"/>
         </a:effectRef>
-        <a:fontRef idx="minor"/>
+        <a:fontRef idx="minor">
+          <a:schemeClr val="lt1"/>
+        </a:fontRef>
       </dsp:style>
       <dsp:txBody>
-        <a:bodyPr spcFirstLastPara="0" vert="horz" wrap="square" lIns="68580" tIns="68580" rIns="68580" bIns="68580" numCol="1" spcCol="1270" anchor="t" anchorCtr="0">
+        <a:bodyPr spcFirstLastPara="0" vert="horz" wrap="square" lIns="467182" tIns="43180" rIns="43180" bIns="43180" numCol="1" spcCol="1270" anchor="ctr" anchorCtr="0">
           <a:noAutofit/>
         </a:bodyPr>
         <a:lstStyle/>
         <a:p>
-          <a:pPr marL="0" lvl="0" indent="0" algn="l" defTabSz="800100">
+          <a:pPr marL="0" lvl="0" indent="0" algn="l" defTabSz="755650">
             <a:lnSpc>
               <a:spcPct val="90000"/>
             </a:lnSpc>
@@ -8718,167 +8039,40 @@
             <a:spcAft>
               <a:spcPct val="35000"/>
             </a:spcAft>
+            <a:buFont typeface="Arial" panose="020B0604020202020204" pitchFamily="34" charset="0"/>
             <a:buNone/>
           </a:pPr>
           <a:r>
-            <a:rPr lang="en-US" sz="1800" kern="1200" dirty="0" err="1">
-              <a:solidFill>
-                <a:prstClr val="black">
-                  <a:hueOff val="0"/>
-                  <a:satOff val="0"/>
-                  <a:lumOff val="0"/>
-                  <a:alphaOff val="0"/>
-                </a:prstClr>
-              </a:solidFill>
+            <a:rPr lang="en-US" sz="1700" kern="1200">
               <a:latin typeface="Century Gothic" panose="020B0502020202020204"/>
             </a:rPr>
-            <a:t>Alkalmazások</a:t>
+            <a:t>Konténerek kezelése: önállóan futó alkalmazások és függőségeik</a:t>
           </a:r>
-          <a:r>
-            <a:rPr lang="en-US" sz="1800" kern="1200" dirty="0">
-              <a:solidFill>
-                <a:prstClr val="black">
-                  <a:hueOff val="0"/>
-                  <a:satOff val="0"/>
-                  <a:lumOff val="0"/>
-                  <a:alphaOff val="0"/>
-                </a:prstClr>
-              </a:solidFill>
-              <a:latin typeface="Century Gothic" panose="020B0502020202020204"/>
-            </a:rPr>
-            <a:t> </a:t>
-          </a:r>
-          <a:r>
-            <a:rPr lang="en-US" sz="1800" kern="1200" dirty="0" err="1">
-              <a:solidFill>
-                <a:prstClr val="black">
-                  <a:hueOff val="0"/>
-                  <a:satOff val="0"/>
-                  <a:lumOff val="0"/>
-                  <a:alphaOff val="0"/>
-                </a:prstClr>
-              </a:solidFill>
-              <a:latin typeface="Century Gothic" panose="020B0502020202020204"/>
-            </a:rPr>
-            <a:t>hatékony</a:t>
-          </a:r>
-          <a:r>
-            <a:rPr lang="en-US" sz="1800" kern="1200" dirty="0">
-              <a:solidFill>
-                <a:prstClr val="black">
-                  <a:hueOff val="0"/>
-                  <a:satOff val="0"/>
-                  <a:lumOff val="0"/>
-                  <a:alphaOff val="0"/>
-                </a:prstClr>
-              </a:solidFill>
-              <a:latin typeface="Century Gothic" panose="020B0502020202020204"/>
-            </a:rPr>
-            <a:t> </a:t>
-          </a:r>
-          <a:r>
-            <a:rPr lang="en-US" sz="1800" kern="1200" dirty="0" err="1">
-              <a:solidFill>
-                <a:prstClr val="black">
-                  <a:hueOff val="0"/>
-                  <a:satOff val="0"/>
-                  <a:lumOff val="0"/>
-                  <a:alphaOff val="0"/>
-                </a:prstClr>
-              </a:solidFill>
-              <a:latin typeface="Century Gothic" panose="020B0502020202020204"/>
-            </a:rPr>
-            <a:t>üzemeltetése</a:t>
-          </a:r>
-          <a:r>
-            <a:rPr lang="en-US" sz="1800" kern="1200" dirty="0">
-              <a:solidFill>
-                <a:prstClr val="black">
-                  <a:hueOff val="0"/>
-                  <a:satOff val="0"/>
-                  <a:lumOff val="0"/>
-                  <a:alphaOff val="0"/>
-                </a:prstClr>
-              </a:solidFill>
-              <a:latin typeface="Century Gothic" panose="020B0502020202020204"/>
-            </a:rPr>
-            <a:t> </a:t>
-          </a:r>
-          <a:r>
-            <a:rPr lang="en-US" sz="1800" kern="1200" dirty="0" err="1">
-              <a:solidFill>
-                <a:prstClr val="black">
-                  <a:hueOff val="0"/>
-                  <a:satOff val="0"/>
-                  <a:lumOff val="0"/>
-                  <a:alphaOff val="0"/>
-                </a:prstClr>
-              </a:solidFill>
-              <a:latin typeface="Century Gothic" panose="020B0502020202020204"/>
-            </a:rPr>
-            <a:t>és</a:t>
-          </a:r>
-          <a:r>
-            <a:rPr lang="en-US" sz="1800" kern="1200" dirty="0">
-              <a:solidFill>
-                <a:prstClr val="black">
-                  <a:hueOff val="0"/>
-                  <a:satOff val="0"/>
-                  <a:lumOff val="0"/>
-                  <a:alphaOff val="0"/>
-                </a:prstClr>
-              </a:solidFill>
-              <a:latin typeface="Century Gothic" panose="020B0502020202020204"/>
-            </a:rPr>
-            <a:t> </a:t>
-          </a:r>
-          <a:r>
-            <a:rPr lang="en-US" sz="1800" kern="1200" dirty="0" err="1">
-              <a:solidFill>
-                <a:prstClr val="black">
-                  <a:hueOff val="0"/>
-                  <a:satOff val="0"/>
-                  <a:lumOff val="0"/>
-                  <a:alphaOff val="0"/>
-                </a:prstClr>
-              </a:solidFill>
-              <a:latin typeface="Century Gothic" panose="020B0502020202020204"/>
-            </a:rPr>
-            <a:t>skálázása</a:t>
-          </a:r>
-          <a:endParaRPr lang="en-US" sz="1800" kern="1200" dirty="0">
-            <a:solidFill>
-              <a:prstClr val="black">
-                <a:hueOff val="0"/>
-                <a:satOff val="0"/>
-                <a:lumOff val="0"/>
-                <a:alphaOff val="0"/>
-              </a:prstClr>
-            </a:solidFill>
+          <a:endParaRPr lang="en-US" sz="1700" kern="1200" dirty="0">
             <a:latin typeface="Century Gothic" panose="020B0502020202020204"/>
           </a:endParaRPr>
         </a:p>
       </dsp:txBody>
       <dsp:txXfrm>
-        <a:off x="0" y="638894"/>
-        <a:ext cx="8419578" cy="637026"/>
+        <a:off x="771141" y="2060167"/>
+        <a:ext cx="7597010" cy="588575"/>
       </dsp:txXfrm>
     </dsp:sp>
-    <dsp:sp modelId="{EB384675-D1A6-4F8F-8708-4D51C77430D3}">
+    <dsp:sp modelId="{C3B1D815-5C11-47BC-8767-76B7A23047F4}">
       <dsp:nvSpPr>
         <dsp:cNvPr id="0" name=""/>
         <dsp:cNvSpPr/>
       </dsp:nvSpPr>
       <dsp:spPr>
         <a:xfrm>
-          <a:off x="0" y="1275920"/>
-          <a:ext cx="8419578" cy="0"/>
+          <a:off x="403281" y="1986595"/>
+          <a:ext cx="735719" cy="735719"/>
         </a:xfrm>
-        <a:prstGeom prst="line">
+        <a:prstGeom prst="ellipse">
           <a:avLst/>
         </a:prstGeom>
         <a:solidFill>
-          <a:schemeClr val="accent1">
+          <a:schemeClr val="lt1">
             <a:hueOff val="0"/>
             <a:satOff val="0"/>
             <a:lumOff val="0"/>
@@ -8908,49 +8102,64 @@
         <a:effectRef idx="0">
           <a:scrgbClr r="0" g="0" b="0"/>
         </a:effectRef>
-        <a:fontRef idx="minor">
-          <a:schemeClr val="lt1"/>
-        </a:fontRef>
+        <a:fontRef idx="minor"/>
       </dsp:style>
     </dsp:sp>
-    <dsp:sp modelId="{BCE08A93-BE61-4E04-AF53-FC9F86037C72}">
+    <dsp:sp modelId="{D8778C8F-2874-47CC-8845-2C8AFF748869}">
       <dsp:nvSpPr>
         <dsp:cNvPr id="0" name=""/>
         <dsp:cNvSpPr/>
       </dsp:nvSpPr>
       <dsp:spPr>
         <a:xfrm>
-          <a:off x="0" y="1275920"/>
-          <a:ext cx="8419578" cy="637026"/>
+          <a:off x="433697" y="2943183"/>
+          <a:ext cx="7934454" cy="588575"/>
         </a:xfrm>
         <a:prstGeom prst="rect">
           <a:avLst/>
         </a:prstGeom>
-        <a:noFill/>
-        <a:ln>
-          <a:noFill/>
+        <a:solidFill>
+          <a:schemeClr val="accent1">
+            <a:hueOff val="0"/>
+            <a:satOff val="0"/>
+            <a:lumOff val="0"/>
+            <a:alphaOff val="0"/>
+          </a:schemeClr>
+        </a:solidFill>
+        <a:ln w="12700" cap="rnd" cmpd="sng" algn="ctr">
+          <a:solidFill>
+            <a:schemeClr val="lt1">
+              <a:hueOff val="0"/>
+              <a:satOff val="0"/>
+              <a:lumOff val="0"/>
+              <a:alphaOff val="0"/>
+            </a:schemeClr>
+          </a:solidFill>
+          <a:prstDash val="solid"/>
         </a:ln>
         <a:effectLst/>
       </dsp:spPr>
       <dsp:style>
-        <a:lnRef idx="0">
+        <a:lnRef idx="2">
           <a:scrgbClr r="0" g="0" b="0"/>
         </a:lnRef>
-        <a:fillRef idx="0">
+        <a:fillRef idx="1">
           <a:scrgbClr r="0" g="0" b="0"/>
         </a:fillRef>
         <a:effectRef idx="0">
           <a:scrgbClr r="0" g="0" b="0"/>
         </a:effectRef>
-        <a:fontRef idx="minor"/>
+        <a:fontRef idx="minor">
+          <a:schemeClr val="lt1"/>
+        </a:fontRef>
       </dsp:style>
       <dsp:txBody>
-        <a:bodyPr spcFirstLastPara="0" vert="horz" wrap="square" lIns="68580" tIns="68580" rIns="68580" bIns="68580" numCol="1" spcCol="1270" anchor="t" anchorCtr="0">
+        <a:bodyPr spcFirstLastPara="0" vert="horz" wrap="square" lIns="467182" tIns="43180" rIns="43180" bIns="43180" numCol="1" spcCol="1270" anchor="ctr" anchorCtr="0">
           <a:noAutofit/>
         </a:bodyPr>
         <a:lstStyle/>
         <a:p>
-          <a:pPr marL="0" lvl="0" indent="0" algn="l" defTabSz="800100">
+          <a:pPr marL="0" lvl="0" indent="0" algn="l" defTabSz="755650">
             <a:lnSpc>
               <a:spcPct val="90000"/>
             </a:lnSpc>
@@ -8964,220 +8173,36 @@
             <a:buNone/>
           </a:pPr>
           <a:r>
-            <a:rPr lang="en-US" sz="1800" kern="1200" dirty="0" err="1">
-              <a:solidFill>
-                <a:prstClr val="black">
-                  <a:hueOff val="0"/>
-                  <a:satOff val="0"/>
-                  <a:lumOff val="0"/>
-                  <a:alphaOff val="0"/>
-                </a:prstClr>
-              </a:solidFill>
+            <a:rPr lang="hu-HU" sz="1700" kern="1200">
               <a:latin typeface="Century Gothic" panose="020B0502020202020204"/>
             </a:rPr>
-            <a:t>Konténerek</a:t>
+            <a:t>Üzemeltetés deklaratív leírás alapján</a:t>
           </a:r>
-          <a:r>
-            <a:rPr lang="en-US" sz="1800" kern="1200" dirty="0">
-              <a:solidFill>
-                <a:prstClr val="black">
-                  <a:hueOff val="0"/>
-                  <a:satOff val="0"/>
-                  <a:lumOff val="0"/>
-                  <a:alphaOff val="0"/>
-                </a:prstClr>
-              </a:solidFill>
-              <a:latin typeface="Century Gothic" panose="020B0502020202020204"/>
-            </a:rPr>
-            <a:t> </a:t>
-          </a:r>
-          <a:r>
-            <a:rPr lang="en-US" sz="1800" kern="1200" dirty="0" err="1">
-              <a:solidFill>
-                <a:prstClr val="black">
-                  <a:hueOff val="0"/>
-                  <a:satOff val="0"/>
-                  <a:lumOff val="0"/>
-                  <a:alphaOff val="0"/>
-                </a:prstClr>
-              </a:solidFill>
-              <a:latin typeface="Century Gothic" panose="020B0502020202020204"/>
-            </a:rPr>
-            <a:t>kezelése</a:t>
-          </a:r>
-          <a:r>
-            <a:rPr lang="en-US" sz="1800" kern="1200" dirty="0">
-              <a:solidFill>
-                <a:prstClr val="black">
-                  <a:hueOff val="0"/>
-                  <a:satOff val="0"/>
-                  <a:lumOff val="0"/>
-                  <a:alphaOff val="0"/>
-                </a:prstClr>
-              </a:solidFill>
-              <a:latin typeface="Century Gothic" panose="020B0502020202020204"/>
-            </a:rPr>
-            <a:t>: </a:t>
-          </a:r>
-          <a:r>
-            <a:rPr lang="en-US" sz="1800" kern="1200" dirty="0" err="1">
-              <a:solidFill>
-                <a:prstClr val="black">
-                  <a:hueOff val="0"/>
-                  <a:satOff val="0"/>
-                  <a:lumOff val="0"/>
-                  <a:alphaOff val="0"/>
-                </a:prstClr>
-              </a:solidFill>
-              <a:latin typeface="Century Gothic" panose="020B0502020202020204"/>
-            </a:rPr>
-            <a:t>önállóan</a:t>
-          </a:r>
-          <a:r>
-            <a:rPr lang="en-US" sz="1800" kern="1200" dirty="0">
-              <a:solidFill>
-                <a:prstClr val="black">
-                  <a:hueOff val="0"/>
-                  <a:satOff val="0"/>
-                  <a:lumOff val="0"/>
-                  <a:alphaOff val="0"/>
-                </a:prstClr>
-              </a:solidFill>
-              <a:latin typeface="Century Gothic" panose="020B0502020202020204"/>
-            </a:rPr>
-            <a:t> </a:t>
-          </a:r>
-          <a:r>
-            <a:rPr lang="en-US" sz="1800" kern="1200" dirty="0" err="1">
-              <a:solidFill>
-                <a:prstClr val="black">
-                  <a:hueOff val="0"/>
-                  <a:satOff val="0"/>
-                  <a:lumOff val="0"/>
-                  <a:alphaOff val="0"/>
-                </a:prstClr>
-              </a:solidFill>
-              <a:latin typeface="Century Gothic" panose="020B0502020202020204"/>
-            </a:rPr>
-            <a:t>futó</a:t>
-          </a:r>
-          <a:r>
-            <a:rPr lang="en-US" sz="1800" kern="1200" dirty="0">
-              <a:solidFill>
-                <a:prstClr val="black">
-                  <a:hueOff val="0"/>
-                  <a:satOff val="0"/>
-                  <a:lumOff val="0"/>
-                  <a:alphaOff val="0"/>
-                </a:prstClr>
-              </a:solidFill>
-              <a:latin typeface="Century Gothic" panose="020B0502020202020204"/>
-            </a:rPr>
-            <a:t> </a:t>
-          </a:r>
-          <a:r>
-            <a:rPr lang="en-US" sz="1800" kern="1200" dirty="0" err="1">
-              <a:solidFill>
-                <a:prstClr val="black">
-                  <a:hueOff val="0"/>
-                  <a:satOff val="0"/>
-                  <a:lumOff val="0"/>
-                  <a:alphaOff val="0"/>
-                </a:prstClr>
-              </a:solidFill>
-              <a:latin typeface="Century Gothic" panose="020B0502020202020204"/>
-            </a:rPr>
-            <a:t>alkalmazások</a:t>
-          </a:r>
-          <a:r>
-            <a:rPr lang="en-US" sz="1800" kern="1200" dirty="0">
-              <a:solidFill>
-                <a:prstClr val="black">
-                  <a:hueOff val="0"/>
-                  <a:satOff val="0"/>
-                  <a:lumOff val="0"/>
-                  <a:alphaOff val="0"/>
-                </a:prstClr>
-              </a:solidFill>
-              <a:latin typeface="Century Gothic" panose="020B0502020202020204"/>
-            </a:rPr>
-            <a:t> </a:t>
-          </a:r>
-          <a:r>
-            <a:rPr lang="en-US" sz="1800" kern="1200" dirty="0" err="1">
-              <a:solidFill>
-                <a:prstClr val="black">
-                  <a:hueOff val="0"/>
-                  <a:satOff val="0"/>
-                  <a:lumOff val="0"/>
-                  <a:alphaOff val="0"/>
-                </a:prstClr>
-              </a:solidFill>
-              <a:latin typeface="Century Gothic" panose="020B0502020202020204"/>
-            </a:rPr>
-            <a:t>és</a:t>
-          </a:r>
-          <a:r>
-            <a:rPr lang="en-US" sz="1800" kern="1200" dirty="0">
-              <a:solidFill>
-                <a:prstClr val="black">
-                  <a:hueOff val="0"/>
-                  <a:satOff val="0"/>
-                  <a:lumOff val="0"/>
-                  <a:alphaOff val="0"/>
-                </a:prstClr>
-              </a:solidFill>
-              <a:latin typeface="Century Gothic" panose="020B0502020202020204"/>
-            </a:rPr>
-            <a:t> </a:t>
-          </a:r>
-          <a:r>
-            <a:rPr lang="en-US" sz="1800" kern="1200" dirty="0" err="1">
-              <a:solidFill>
-                <a:prstClr val="black">
-                  <a:hueOff val="0"/>
-                  <a:satOff val="0"/>
-                  <a:lumOff val="0"/>
-                  <a:alphaOff val="0"/>
-                </a:prstClr>
-              </a:solidFill>
-              <a:latin typeface="Century Gothic" panose="020B0502020202020204"/>
-            </a:rPr>
-            <a:t>függőségeik</a:t>
-          </a:r>
-          <a:endParaRPr lang="en-US" sz="1800" kern="1200" dirty="0">
-            <a:solidFill>
-              <a:prstClr val="black">
-                <a:hueOff val="0"/>
-                <a:satOff val="0"/>
-                <a:lumOff val="0"/>
-                <a:alphaOff val="0"/>
-              </a:prstClr>
-            </a:solidFill>
+          <a:endParaRPr lang="en-US" sz="1700" kern="1200" dirty="0">
             <a:latin typeface="Century Gothic" panose="020B0502020202020204"/>
           </a:endParaRPr>
         </a:p>
       </dsp:txBody>
       <dsp:txXfrm>
-        <a:off x="0" y="1275920"/>
-        <a:ext cx="8419578" cy="637026"/>
+        <a:off x="433697" y="2943183"/>
+        <a:ext cx="7934454" cy="588575"/>
       </dsp:txXfrm>
     </dsp:sp>
-    <dsp:sp modelId="{D25390ED-182A-4D3C-B15A-CFA5C9CB5CA5}">
+    <dsp:sp modelId="{3A73D344-B958-4215-B1D1-B99EEE4DEE38}">
       <dsp:nvSpPr>
         <dsp:cNvPr id="0" name=""/>
         <dsp:cNvSpPr/>
       </dsp:nvSpPr>
       <dsp:spPr>
         <a:xfrm>
-          <a:off x="0" y="1912947"/>
-          <a:ext cx="8419578" cy="0"/>
+          <a:off x="65837" y="2869611"/>
+          <a:ext cx="735719" cy="735719"/>
         </a:xfrm>
-        <a:prstGeom prst="line">
+        <a:prstGeom prst="ellipse">
           <a:avLst/>
         </a:prstGeom>
         <a:solidFill>
-          <a:schemeClr val="accent1">
+          <a:schemeClr val="lt1">
             <a:hueOff val="0"/>
             <a:satOff val="0"/>
             <a:lumOff val="0"/>
@@ -9207,680 +8232,8 @@
         <a:effectRef idx="0">
           <a:scrgbClr r="0" g="0" b="0"/>
         </a:effectRef>
-        <a:fontRef idx="minor">
-          <a:schemeClr val="lt1"/>
-        </a:fontRef>
-      </dsp:style>
-    </dsp:sp>
-    <dsp:sp modelId="{3E8FDE9B-DA25-4812-B1F5-2B11AD2C97E5}">
-      <dsp:nvSpPr>
-        <dsp:cNvPr id="0" name=""/>
-        <dsp:cNvSpPr/>
-      </dsp:nvSpPr>
-      <dsp:spPr>
-        <a:xfrm>
-          <a:off x="0" y="1912947"/>
-          <a:ext cx="8419578" cy="637026"/>
-        </a:xfrm>
-        <a:prstGeom prst="rect">
-          <a:avLst/>
-        </a:prstGeom>
-        <a:noFill/>
-        <a:ln>
-          <a:noFill/>
-        </a:ln>
-        <a:effectLst/>
-      </dsp:spPr>
-      <dsp:style>
-        <a:lnRef idx="0">
-          <a:scrgbClr r="0" g="0" b="0"/>
-        </a:lnRef>
-        <a:fillRef idx="0">
-          <a:scrgbClr r="0" g="0" b="0"/>
-        </a:fillRef>
-        <a:effectRef idx="0">
-          <a:scrgbClr r="0" g="0" b="0"/>
-        </a:effectRef>
         <a:fontRef idx="minor"/>
       </dsp:style>
-      <dsp:txBody>
-        <a:bodyPr spcFirstLastPara="0" vert="horz" wrap="square" lIns="68580" tIns="68580" rIns="68580" bIns="68580" numCol="1" spcCol="1270" anchor="t" anchorCtr="0">
-          <a:noAutofit/>
-        </a:bodyPr>
-        <a:lstStyle/>
-        <a:p>
-          <a:pPr marL="0" lvl="0" indent="0" algn="l" defTabSz="800100">
-            <a:lnSpc>
-              <a:spcPct val="90000"/>
-            </a:lnSpc>
-            <a:spcBef>
-              <a:spcPct val="0"/>
-            </a:spcBef>
-            <a:spcAft>
-              <a:spcPct val="35000"/>
-            </a:spcAft>
-            <a:buFont typeface="Arial" panose="020B0604020202020204" pitchFamily="34" charset="0"/>
-            <a:buNone/>
-          </a:pPr>
-          <a:r>
-            <a:rPr lang="en-US" sz="1800" kern="1200" dirty="0" err="1">
-              <a:solidFill>
-                <a:prstClr val="black">
-                  <a:hueOff val="0"/>
-                  <a:satOff val="0"/>
-                  <a:lumOff val="0"/>
-                  <a:alphaOff val="0"/>
-                </a:prstClr>
-              </a:solidFill>
-              <a:latin typeface="Century Gothic" panose="020B0502020202020204"/>
-            </a:rPr>
-            <a:t>Automatikus</a:t>
-          </a:r>
-          <a:r>
-            <a:rPr lang="en-US" sz="1800" kern="1200" dirty="0">
-              <a:solidFill>
-                <a:prstClr val="black">
-                  <a:hueOff val="0"/>
-                  <a:satOff val="0"/>
-                  <a:lumOff val="0"/>
-                  <a:alphaOff val="0"/>
-                </a:prstClr>
-              </a:solidFill>
-              <a:latin typeface="Century Gothic" panose="020B0502020202020204"/>
-            </a:rPr>
-            <a:t> </a:t>
-          </a:r>
-          <a:r>
-            <a:rPr lang="en-US" sz="1800" kern="1200" dirty="0" err="1">
-              <a:solidFill>
-                <a:prstClr val="black">
-                  <a:hueOff val="0"/>
-                  <a:satOff val="0"/>
-                  <a:lumOff val="0"/>
-                  <a:alphaOff val="0"/>
-                </a:prstClr>
-              </a:solidFill>
-              <a:latin typeface="Century Gothic" panose="020B0502020202020204"/>
-            </a:rPr>
-            <a:t>elosztás</a:t>
-          </a:r>
-          <a:r>
-            <a:rPr lang="en-US" sz="1800" kern="1200" dirty="0">
-              <a:solidFill>
-                <a:prstClr val="black">
-                  <a:hueOff val="0"/>
-                  <a:satOff val="0"/>
-                  <a:lumOff val="0"/>
-                  <a:alphaOff val="0"/>
-                </a:prstClr>
-              </a:solidFill>
-              <a:latin typeface="Century Gothic" panose="020B0502020202020204"/>
-            </a:rPr>
-            <a:t> </a:t>
-          </a:r>
-          <a:r>
-            <a:rPr lang="en-US" sz="1800" kern="1200" dirty="0" err="1">
-              <a:solidFill>
-                <a:prstClr val="black">
-                  <a:hueOff val="0"/>
-                  <a:satOff val="0"/>
-                  <a:lumOff val="0"/>
-                  <a:alphaOff val="0"/>
-                </a:prstClr>
-              </a:solidFill>
-              <a:latin typeface="Century Gothic" panose="020B0502020202020204"/>
-            </a:rPr>
-            <a:t>és</a:t>
-          </a:r>
-          <a:r>
-            <a:rPr lang="en-US" sz="1800" kern="1200" dirty="0">
-              <a:solidFill>
-                <a:prstClr val="black">
-                  <a:hueOff val="0"/>
-                  <a:satOff val="0"/>
-                  <a:lumOff val="0"/>
-                  <a:alphaOff val="0"/>
-                </a:prstClr>
-              </a:solidFill>
-              <a:latin typeface="Century Gothic" panose="020B0502020202020204"/>
-            </a:rPr>
-            <a:t> </a:t>
-          </a:r>
-          <a:r>
-            <a:rPr lang="en-US" sz="1800" kern="1200" dirty="0" err="1">
-              <a:solidFill>
-                <a:prstClr val="black">
-                  <a:hueOff val="0"/>
-                  <a:satOff val="0"/>
-                  <a:lumOff val="0"/>
-                  <a:alphaOff val="0"/>
-                </a:prstClr>
-              </a:solidFill>
-              <a:latin typeface="Century Gothic" panose="020B0502020202020204"/>
-            </a:rPr>
-            <a:t>ütemezés</a:t>
-          </a:r>
-          <a:r>
-            <a:rPr lang="en-US" sz="1800" kern="1200" dirty="0">
-              <a:solidFill>
-                <a:prstClr val="black">
-                  <a:hueOff val="0"/>
-                  <a:satOff val="0"/>
-                  <a:lumOff val="0"/>
-                  <a:alphaOff val="0"/>
-                </a:prstClr>
-              </a:solidFill>
-              <a:latin typeface="Century Gothic" panose="020B0502020202020204"/>
-            </a:rPr>
-            <a:t> a </a:t>
-          </a:r>
-          <a:r>
-            <a:rPr lang="en-US" sz="1800" kern="1200" dirty="0" err="1">
-              <a:solidFill>
-                <a:prstClr val="black">
-                  <a:hueOff val="0"/>
-                  <a:satOff val="0"/>
-                  <a:lumOff val="0"/>
-                  <a:alphaOff val="0"/>
-                </a:prstClr>
-              </a:solidFill>
-              <a:latin typeface="Century Gothic" panose="020B0502020202020204"/>
-            </a:rPr>
-            <a:t>rendelkezésre</a:t>
-          </a:r>
-          <a:r>
-            <a:rPr lang="en-US" sz="1800" kern="1200" dirty="0">
-              <a:solidFill>
-                <a:prstClr val="black">
-                  <a:hueOff val="0"/>
-                  <a:satOff val="0"/>
-                  <a:lumOff val="0"/>
-                  <a:alphaOff val="0"/>
-                </a:prstClr>
-              </a:solidFill>
-              <a:latin typeface="Century Gothic" panose="020B0502020202020204"/>
-            </a:rPr>
-            <a:t> </a:t>
-          </a:r>
-          <a:r>
-            <a:rPr lang="en-US" sz="1800" kern="1200" dirty="0" err="1">
-              <a:solidFill>
-                <a:prstClr val="black">
-                  <a:hueOff val="0"/>
-                  <a:satOff val="0"/>
-                  <a:lumOff val="0"/>
-                  <a:alphaOff val="0"/>
-                </a:prstClr>
-              </a:solidFill>
-              <a:latin typeface="Century Gothic" panose="020B0502020202020204"/>
-            </a:rPr>
-            <a:t>álló</a:t>
-          </a:r>
-          <a:r>
-            <a:rPr lang="en-US" sz="1800" kern="1200" dirty="0">
-              <a:solidFill>
-                <a:prstClr val="black">
-                  <a:hueOff val="0"/>
-                  <a:satOff val="0"/>
-                  <a:lumOff val="0"/>
-                  <a:alphaOff val="0"/>
-                </a:prstClr>
-              </a:solidFill>
-              <a:latin typeface="Century Gothic" panose="020B0502020202020204"/>
-            </a:rPr>
-            <a:t> </a:t>
-          </a:r>
-          <a:r>
-            <a:rPr lang="en-US" sz="1800" kern="1200" dirty="0" err="1">
-              <a:solidFill>
-                <a:prstClr val="black">
-                  <a:hueOff val="0"/>
-                  <a:satOff val="0"/>
-                  <a:lumOff val="0"/>
-                  <a:alphaOff val="0"/>
-                </a:prstClr>
-              </a:solidFill>
-              <a:latin typeface="Century Gothic" panose="020B0502020202020204"/>
-            </a:rPr>
-            <a:t>erőforrások</a:t>
-          </a:r>
-          <a:r>
-            <a:rPr lang="en-US" sz="1800" kern="1200" dirty="0">
-              <a:solidFill>
-                <a:prstClr val="black">
-                  <a:hueOff val="0"/>
-                  <a:satOff val="0"/>
-                  <a:lumOff val="0"/>
-                  <a:alphaOff val="0"/>
-                </a:prstClr>
-              </a:solidFill>
-              <a:latin typeface="Century Gothic" panose="020B0502020202020204"/>
-            </a:rPr>
-            <a:t> </a:t>
-          </a:r>
-          <a:r>
-            <a:rPr lang="en-US" sz="1800" kern="1200" dirty="0" err="1">
-              <a:solidFill>
-                <a:prstClr val="black">
-                  <a:hueOff val="0"/>
-                  <a:satOff val="0"/>
-                  <a:lumOff val="0"/>
-                  <a:alphaOff val="0"/>
-                </a:prstClr>
-              </a:solidFill>
-              <a:latin typeface="Century Gothic" panose="020B0502020202020204"/>
-            </a:rPr>
-            <a:t>között</a:t>
-          </a:r>
-          <a:endParaRPr lang="en-US" sz="1800" kern="1200" dirty="0">
-            <a:solidFill>
-              <a:prstClr val="black">
-                <a:hueOff val="0"/>
-                <a:satOff val="0"/>
-                <a:lumOff val="0"/>
-                <a:alphaOff val="0"/>
-              </a:prstClr>
-            </a:solidFill>
-            <a:latin typeface="Century Gothic" panose="020B0502020202020204"/>
-          </a:endParaRPr>
-        </a:p>
-      </dsp:txBody>
-      <dsp:txXfrm>
-        <a:off x="0" y="1912947"/>
-        <a:ext cx="8419578" cy="637026"/>
-      </dsp:txXfrm>
-    </dsp:sp>
-    <dsp:sp modelId="{687E23E1-C162-40B3-A69F-0FD691C6B7D6}">
-      <dsp:nvSpPr>
-        <dsp:cNvPr id="0" name=""/>
-        <dsp:cNvSpPr/>
-      </dsp:nvSpPr>
-      <dsp:spPr>
-        <a:xfrm>
-          <a:off x="0" y="2549973"/>
-          <a:ext cx="8419578" cy="0"/>
-        </a:xfrm>
-        <a:prstGeom prst="line">
-          <a:avLst/>
-        </a:prstGeom>
-        <a:solidFill>
-          <a:schemeClr val="accent1">
-            <a:hueOff val="0"/>
-            <a:satOff val="0"/>
-            <a:lumOff val="0"/>
-            <a:alphaOff val="0"/>
-          </a:schemeClr>
-        </a:solidFill>
-        <a:ln w="12700" cap="rnd" cmpd="sng" algn="ctr">
-          <a:solidFill>
-            <a:schemeClr val="accent1">
-              <a:hueOff val="0"/>
-              <a:satOff val="0"/>
-              <a:lumOff val="0"/>
-              <a:alphaOff val="0"/>
-            </a:schemeClr>
-          </a:solidFill>
-          <a:prstDash val="solid"/>
-        </a:ln>
-        <a:effectLst/>
-      </dsp:spPr>
-      <dsp:style>
-        <a:lnRef idx="2">
-          <a:scrgbClr r="0" g="0" b="0"/>
-        </a:lnRef>
-        <a:fillRef idx="1">
-          <a:scrgbClr r="0" g="0" b="0"/>
-        </a:fillRef>
-        <a:effectRef idx="0">
-          <a:scrgbClr r="0" g="0" b="0"/>
-        </a:effectRef>
-        <a:fontRef idx="minor">
-          <a:schemeClr val="lt1"/>
-        </a:fontRef>
-      </dsp:style>
-    </dsp:sp>
-    <dsp:sp modelId="{262FDDDF-2630-47D3-9614-954DBBBFAA46}">
-      <dsp:nvSpPr>
-        <dsp:cNvPr id="0" name=""/>
-        <dsp:cNvSpPr/>
-      </dsp:nvSpPr>
-      <dsp:spPr>
-        <a:xfrm>
-          <a:off x="0" y="2549973"/>
-          <a:ext cx="8419578" cy="637026"/>
-        </a:xfrm>
-        <a:prstGeom prst="rect">
-          <a:avLst/>
-        </a:prstGeom>
-        <a:noFill/>
-        <a:ln>
-          <a:noFill/>
-        </a:ln>
-        <a:effectLst/>
-      </dsp:spPr>
-      <dsp:style>
-        <a:lnRef idx="0">
-          <a:scrgbClr r="0" g="0" b="0"/>
-        </a:lnRef>
-        <a:fillRef idx="0">
-          <a:scrgbClr r="0" g="0" b="0"/>
-        </a:fillRef>
-        <a:effectRef idx="0">
-          <a:scrgbClr r="0" g="0" b="0"/>
-        </a:effectRef>
-        <a:fontRef idx="minor"/>
-      </dsp:style>
-      <dsp:txBody>
-        <a:bodyPr spcFirstLastPara="0" vert="horz" wrap="square" lIns="68580" tIns="68580" rIns="68580" bIns="68580" numCol="1" spcCol="1270" anchor="t" anchorCtr="0">
-          <a:noAutofit/>
-        </a:bodyPr>
-        <a:lstStyle/>
-        <a:p>
-          <a:pPr marL="0" lvl="0" indent="0" algn="l" defTabSz="800100">
-            <a:lnSpc>
-              <a:spcPct val="90000"/>
-            </a:lnSpc>
-            <a:spcBef>
-              <a:spcPct val="0"/>
-            </a:spcBef>
-            <a:spcAft>
-              <a:spcPct val="35000"/>
-            </a:spcAft>
-            <a:buFont typeface="Arial" panose="020B0604020202020204" pitchFamily="34" charset="0"/>
-            <a:buNone/>
-          </a:pPr>
-          <a:r>
-            <a:rPr lang="en-US" sz="1800" kern="1200">
-              <a:solidFill>
-                <a:prstClr val="black">
-                  <a:hueOff val="0"/>
-                  <a:satOff val="0"/>
-                  <a:lumOff val="0"/>
-                  <a:alphaOff val="0"/>
-                </a:prstClr>
-              </a:solidFill>
-              <a:latin typeface="Century Gothic" panose="020B0502020202020204"/>
-            </a:rPr>
-            <a:t>Rugalmas </a:t>
-          </a:r>
-          <a:r>
-            <a:rPr lang="en-US" sz="1800" kern="1200" dirty="0" err="1">
-              <a:solidFill>
-                <a:prstClr val="black">
-                  <a:hueOff val="0"/>
-                  <a:satOff val="0"/>
-                  <a:lumOff val="0"/>
-                  <a:alphaOff val="0"/>
-                </a:prstClr>
-              </a:solidFill>
-              <a:latin typeface="Century Gothic" panose="020B0502020202020204"/>
-            </a:rPr>
-            <a:t>üzemeltetési</a:t>
-          </a:r>
-          <a:r>
-            <a:rPr lang="en-US" sz="1800" kern="1200" dirty="0">
-              <a:solidFill>
-                <a:prstClr val="black">
-                  <a:hueOff val="0"/>
-                  <a:satOff val="0"/>
-                  <a:lumOff val="0"/>
-                  <a:alphaOff val="0"/>
-                </a:prstClr>
-              </a:solidFill>
-              <a:latin typeface="Century Gothic" panose="020B0502020202020204"/>
-            </a:rPr>
-            <a:t> </a:t>
-          </a:r>
-          <a:r>
-            <a:rPr lang="en-US" sz="1800" kern="1200" dirty="0" err="1">
-              <a:solidFill>
-                <a:prstClr val="black">
-                  <a:hueOff val="0"/>
-                  <a:satOff val="0"/>
-                  <a:lumOff val="0"/>
-                  <a:alphaOff val="0"/>
-                </a:prstClr>
-              </a:solidFill>
-              <a:latin typeface="Century Gothic" panose="020B0502020202020204"/>
-            </a:rPr>
-            <a:t>folyamatok</a:t>
-          </a:r>
-          <a:endParaRPr lang="en-US" sz="1800" kern="1200" dirty="0">
-            <a:solidFill>
-              <a:prstClr val="black">
-                <a:hueOff val="0"/>
-                <a:satOff val="0"/>
-                <a:lumOff val="0"/>
-                <a:alphaOff val="0"/>
-              </a:prstClr>
-            </a:solidFill>
-            <a:latin typeface="Century Gothic" panose="020B0502020202020204"/>
-          </a:endParaRPr>
-        </a:p>
-      </dsp:txBody>
-      <dsp:txXfrm>
-        <a:off x="0" y="2549973"/>
-        <a:ext cx="8419578" cy="637026"/>
-      </dsp:txXfrm>
-    </dsp:sp>
-    <dsp:sp modelId="{699573DC-BD0D-422F-B007-B983A8B45367}">
-      <dsp:nvSpPr>
-        <dsp:cNvPr id="0" name=""/>
-        <dsp:cNvSpPr/>
-      </dsp:nvSpPr>
-      <dsp:spPr>
-        <a:xfrm>
-          <a:off x="0" y="3186999"/>
-          <a:ext cx="8419578" cy="0"/>
-        </a:xfrm>
-        <a:prstGeom prst="line">
-          <a:avLst/>
-        </a:prstGeom>
-        <a:solidFill>
-          <a:schemeClr val="accent1">
-            <a:hueOff val="0"/>
-            <a:satOff val="0"/>
-            <a:lumOff val="0"/>
-            <a:alphaOff val="0"/>
-          </a:schemeClr>
-        </a:solidFill>
-        <a:ln w="12700" cap="rnd" cmpd="sng" algn="ctr">
-          <a:solidFill>
-            <a:schemeClr val="accent1">
-              <a:hueOff val="0"/>
-              <a:satOff val="0"/>
-              <a:lumOff val="0"/>
-              <a:alphaOff val="0"/>
-            </a:schemeClr>
-          </a:solidFill>
-          <a:prstDash val="solid"/>
-        </a:ln>
-        <a:effectLst/>
-      </dsp:spPr>
-      <dsp:style>
-        <a:lnRef idx="2">
-          <a:scrgbClr r="0" g="0" b="0"/>
-        </a:lnRef>
-        <a:fillRef idx="1">
-          <a:scrgbClr r="0" g="0" b="0"/>
-        </a:fillRef>
-        <a:effectRef idx="0">
-          <a:scrgbClr r="0" g="0" b="0"/>
-        </a:effectRef>
-        <a:fontRef idx="minor">
-          <a:schemeClr val="lt1"/>
-        </a:fontRef>
-      </dsp:style>
-    </dsp:sp>
-    <dsp:sp modelId="{CCFE345F-940D-41BF-A542-612C162915BD}">
-      <dsp:nvSpPr>
-        <dsp:cNvPr id="0" name=""/>
-        <dsp:cNvSpPr/>
-      </dsp:nvSpPr>
-      <dsp:spPr>
-        <a:xfrm>
-          <a:off x="0" y="3186999"/>
-          <a:ext cx="8419578" cy="637026"/>
-        </a:xfrm>
-        <a:prstGeom prst="rect">
-          <a:avLst/>
-        </a:prstGeom>
-        <a:noFill/>
-        <a:ln>
-          <a:noFill/>
-        </a:ln>
-        <a:effectLst/>
-      </dsp:spPr>
-      <dsp:style>
-        <a:lnRef idx="0">
-          <a:scrgbClr r="0" g="0" b="0"/>
-        </a:lnRef>
-        <a:fillRef idx="0">
-          <a:scrgbClr r="0" g="0" b="0"/>
-        </a:fillRef>
-        <a:effectRef idx="0">
-          <a:scrgbClr r="0" g="0" b="0"/>
-        </a:effectRef>
-        <a:fontRef idx="minor"/>
-      </dsp:style>
-      <dsp:txBody>
-        <a:bodyPr spcFirstLastPara="0" vert="horz" wrap="square" lIns="68580" tIns="68580" rIns="68580" bIns="68580" numCol="1" spcCol="1270" anchor="t" anchorCtr="0">
-          <a:noAutofit/>
-        </a:bodyPr>
-        <a:lstStyle/>
-        <a:p>
-          <a:pPr marL="0" lvl="0" indent="0" algn="l" defTabSz="800100">
-            <a:lnSpc>
-              <a:spcPct val="90000"/>
-            </a:lnSpc>
-            <a:spcBef>
-              <a:spcPct val="0"/>
-            </a:spcBef>
-            <a:spcAft>
-              <a:spcPct val="35000"/>
-            </a:spcAft>
-            <a:buFont typeface="Arial" panose="020B0604020202020204" pitchFamily="34" charset="0"/>
-            <a:buNone/>
-          </a:pPr>
-          <a:r>
-            <a:rPr lang="en-US" sz="1800" kern="1200">
-              <a:solidFill>
-                <a:prstClr val="black">
-                  <a:hueOff val="0"/>
-                  <a:satOff val="0"/>
-                  <a:lumOff val="0"/>
-                  <a:alphaOff val="0"/>
-                </a:prstClr>
-              </a:solidFill>
-              <a:latin typeface="Century Gothic" panose="020B0502020202020204"/>
-            </a:rPr>
-            <a:t>Megbízható </a:t>
-          </a:r>
-          <a:r>
-            <a:rPr lang="en-US" sz="1800" kern="1200" dirty="0" err="1">
-              <a:solidFill>
-                <a:prstClr val="black">
-                  <a:hueOff val="0"/>
-                  <a:satOff val="0"/>
-                  <a:lumOff val="0"/>
-                  <a:alphaOff val="0"/>
-                </a:prstClr>
-              </a:solidFill>
-              <a:latin typeface="Century Gothic" panose="020B0502020202020204"/>
-            </a:rPr>
-            <a:t>alkalmazások</a:t>
-          </a:r>
-          <a:r>
-            <a:rPr lang="en-US" sz="1800" kern="1200" dirty="0">
-              <a:solidFill>
-                <a:prstClr val="black">
-                  <a:hueOff val="0"/>
-                  <a:satOff val="0"/>
-                  <a:lumOff val="0"/>
-                  <a:alphaOff val="0"/>
-                </a:prstClr>
-              </a:solidFill>
-              <a:latin typeface="Century Gothic" panose="020B0502020202020204"/>
-            </a:rPr>
-            <a:t> </a:t>
-          </a:r>
-          <a:r>
-            <a:rPr lang="en-US" sz="1800" kern="1200" dirty="0" err="1">
-              <a:solidFill>
-                <a:prstClr val="black">
-                  <a:hueOff val="0"/>
-                  <a:satOff val="0"/>
-                  <a:lumOff val="0"/>
-                  <a:alphaOff val="0"/>
-                </a:prstClr>
-              </a:solidFill>
-              <a:latin typeface="Century Gothic" panose="020B0502020202020204"/>
-            </a:rPr>
-            <a:t>felhő</a:t>
-          </a:r>
-          <a:r>
-            <a:rPr lang="en-US" sz="1800" kern="1200" dirty="0">
-              <a:solidFill>
-                <a:prstClr val="black">
-                  <a:hueOff val="0"/>
-                  <a:satOff val="0"/>
-                  <a:lumOff val="0"/>
-                  <a:alphaOff val="0"/>
-                </a:prstClr>
-              </a:solidFill>
-              <a:latin typeface="Century Gothic" panose="020B0502020202020204"/>
-            </a:rPr>
-            <a:t>- </a:t>
-          </a:r>
-          <a:r>
-            <a:rPr lang="en-US" sz="1800" kern="1200" dirty="0" err="1">
-              <a:solidFill>
-                <a:prstClr val="black">
-                  <a:hueOff val="0"/>
-                  <a:satOff val="0"/>
-                  <a:lumOff val="0"/>
-                  <a:alphaOff val="0"/>
-                </a:prstClr>
-              </a:solidFill>
-              <a:latin typeface="Century Gothic" panose="020B0502020202020204"/>
-            </a:rPr>
-            <a:t>vagy</a:t>
-          </a:r>
-          <a:r>
-            <a:rPr lang="en-US" sz="1800" kern="1200" dirty="0">
-              <a:solidFill>
-                <a:prstClr val="black">
-                  <a:hueOff val="0"/>
-                  <a:satOff val="0"/>
-                  <a:lumOff val="0"/>
-                  <a:alphaOff val="0"/>
-                </a:prstClr>
-              </a:solidFill>
-              <a:latin typeface="Century Gothic" panose="020B0502020202020204"/>
-            </a:rPr>
-            <a:t> on-premise </a:t>
-          </a:r>
-          <a:r>
-            <a:rPr lang="en-US" sz="1800" kern="1200" dirty="0" err="1">
-              <a:solidFill>
-                <a:prstClr val="black">
-                  <a:hueOff val="0"/>
-                  <a:satOff val="0"/>
-                  <a:lumOff val="0"/>
-                  <a:alphaOff val="0"/>
-                </a:prstClr>
-              </a:solidFill>
-              <a:latin typeface="Century Gothic" panose="020B0502020202020204"/>
-            </a:rPr>
-            <a:t>környezetben</a:t>
-          </a:r>
-          <a:endParaRPr lang="en-US" sz="1800" kern="1200" dirty="0"/>
-        </a:p>
-      </dsp:txBody>
-      <dsp:txXfrm>
-        <a:off x="0" y="3186999"/>
-        <a:ext cx="8419578" cy="637026"/>
-      </dsp:txXfrm>
     </dsp:sp>
   </dsp:spTree>
 </dsp:drawing>
@@ -10372,7 +8725,14 @@
           </a:pPr>
           <a:r>
             <a:rPr lang="hu-HU" sz="2100" kern="1200" dirty="0"/>
-            <a:t>Minden komponensnél kötelező annotációk, hogy a monitoring komponensek fel tudják fedezni. </a:t>
+            <a:t>Minden komponensnél kötelező annotációk, hogy a </a:t>
+          </a:r>
+          <a:br>
+            <a:rPr lang="hu-HU" sz="2100" kern="1200" dirty="0"/>
+          </a:br>
+          <a:r>
+            <a:rPr lang="hu-HU" sz="2100" kern="1200" dirty="0"/>
+            <a:t>monitoring komponensek fel tudják fedezni. </a:t>
           </a:r>
           <a:endParaRPr lang="en-US" sz="2100" kern="1200" dirty="0"/>
         </a:p>
@@ -10401,8 +8761,8 @@
       </dsp:nvSpPr>
       <dsp:spPr>
         <a:xfrm>
-          <a:off x="41" y="326881"/>
-          <a:ext cx="3933196" cy="1562813"/>
+          <a:off x="41" y="541972"/>
+          <a:ext cx="3933196" cy="1126714"/>
         </a:xfrm>
         <a:prstGeom prst="rect">
           <a:avLst/>
@@ -10443,12 +8803,12 @@
         </a:fontRef>
       </dsp:style>
       <dsp:txBody>
-        <a:bodyPr spcFirstLastPara="0" vert="horz" wrap="square" lIns="305816" tIns="174752" rIns="305816" bIns="174752" numCol="1" spcCol="1270" anchor="ctr" anchorCtr="0">
+        <a:bodyPr spcFirstLastPara="0" vert="horz" wrap="square" lIns="220472" tIns="125984" rIns="220472" bIns="125984" numCol="1" spcCol="1270" anchor="ctr" anchorCtr="0">
           <a:noAutofit/>
         </a:bodyPr>
         <a:lstStyle/>
         <a:p>
-          <a:pPr marL="0" lvl="0" indent="0" algn="ctr" defTabSz="1911350">
+          <a:pPr marL="0" lvl="0" indent="0" algn="ctr" defTabSz="1377950">
             <a:lnSpc>
               <a:spcPct val="90000"/>
             </a:lnSpc>
@@ -10461,14 +8821,14 @@
             <a:buNone/>
           </a:pPr>
           <a:r>
-            <a:rPr lang="hu-HU" sz="4300" kern="1200" dirty="0"/>
+            <a:rPr lang="hu-HU" sz="3100" kern="1200" dirty="0"/>
             <a:t>Események alapján</a:t>
           </a:r>
         </a:p>
       </dsp:txBody>
       <dsp:txXfrm>
-        <a:off x="41" y="326881"/>
-        <a:ext cx="3933196" cy="1562813"/>
+        <a:off x="41" y="541972"/>
+        <a:ext cx="3933196" cy="1126714"/>
       </dsp:txXfrm>
     </dsp:sp>
     <dsp:sp modelId="{889C477F-6D44-472B-AFE4-3B3CAD5C2967}">
@@ -10478,8 +8838,8 @@
       </dsp:nvSpPr>
       <dsp:spPr>
         <a:xfrm>
-          <a:off x="41" y="1889695"/>
-          <a:ext cx="3933196" cy="2065612"/>
+          <a:off x="41" y="1668686"/>
+          <a:ext cx="3933196" cy="2071531"/>
         </a:xfrm>
         <a:prstGeom prst="rect">
           <a:avLst/>
@@ -10584,8 +8944,8 @@
         </a:p>
       </dsp:txBody>
       <dsp:txXfrm>
-        <a:off x="41" y="1889695"/>
-        <a:ext cx="3933196" cy="2065612"/>
+        <a:off x="41" y="1668686"/>
+        <a:ext cx="3933196" cy="2071531"/>
       </dsp:txXfrm>
     </dsp:sp>
     <dsp:sp modelId="{2D07D132-688D-42B6-9E16-AA16AD930A42}">
@@ -10595,8 +8955,8 @@
       </dsp:nvSpPr>
       <dsp:spPr>
         <a:xfrm>
-          <a:off x="4483885" y="326881"/>
-          <a:ext cx="3933196" cy="1562813"/>
+          <a:off x="4483885" y="541972"/>
+          <a:ext cx="3933196" cy="1126714"/>
         </a:xfrm>
         <a:prstGeom prst="rect">
           <a:avLst/>
@@ -10637,12 +8997,12 @@
         </a:fontRef>
       </dsp:style>
       <dsp:txBody>
-        <a:bodyPr spcFirstLastPara="0" vert="horz" wrap="square" lIns="305816" tIns="174752" rIns="305816" bIns="174752" numCol="1" spcCol="1270" anchor="ctr" anchorCtr="0">
+        <a:bodyPr spcFirstLastPara="0" vert="horz" wrap="square" lIns="220472" tIns="125984" rIns="220472" bIns="125984" numCol="1" spcCol="1270" anchor="ctr" anchorCtr="0">
           <a:noAutofit/>
         </a:bodyPr>
         <a:lstStyle/>
         <a:p>
-          <a:pPr marL="0" lvl="0" indent="0" algn="ctr" defTabSz="1911350">
+          <a:pPr marL="0" lvl="0" indent="0" algn="ctr" defTabSz="1377950">
             <a:lnSpc>
               <a:spcPct val="90000"/>
             </a:lnSpc>
@@ -10655,18 +9015,14 @@
             <a:buNone/>
           </a:pPr>
           <a:r>
-            <a:rPr lang="hu-HU" sz="4300" kern="1200" dirty="0" err="1"/>
-            <a:t>Api</a:t>
-          </a:r>
-          <a:r>
-            <a:rPr lang="hu-HU" sz="4300" kern="1200" dirty="0"/>
-            <a:t> hívások alapján</a:t>
+            <a:rPr lang="hu-HU" sz="3100" kern="1200" dirty="0"/>
+            <a:t>Állapot vizsgálata alapján</a:t>
           </a:r>
         </a:p>
       </dsp:txBody>
       <dsp:txXfrm>
-        <a:off x="4483885" y="326881"/>
-        <a:ext cx="3933196" cy="1562813"/>
+        <a:off x="4483885" y="541972"/>
+        <a:ext cx="3933196" cy="1126714"/>
       </dsp:txXfrm>
     </dsp:sp>
     <dsp:sp modelId="{321A6496-41AD-40D9-A554-2A8E02DC44E7}">
@@ -10676,8 +9032,8 @@
       </dsp:nvSpPr>
       <dsp:spPr>
         <a:xfrm>
-          <a:off x="4483885" y="1889695"/>
-          <a:ext cx="3933196" cy="2065612"/>
+          <a:off x="4483885" y="1668686"/>
+          <a:ext cx="3933196" cy="2071531"/>
         </a:xfrm>
         <a:prstGeom prst="rect">
           <a:avLst/>
@@ -10768,8 +9124,8 @@
         </a:p>
       </dsp:txBody>
       <dsp:txXfrm>
-        <a:off x="4483885" y="1889695"/>
-        <a:ext cx="3933196" cy="2065612"/>
+        <a:off x="4483885" y="1668686"/>
+        <a:ext cx="3933196" cy="2071531"/>
       </dsp:txXfrm>
     </dsp:sp>
   </dsp:spTree>
@@ -11377,8 +9733,8 @@
       </dsp:nvSpPr>
       <dsp:spPr>
         <a:xfrm>
-          <a:off x="0" y="63949"/>
-          <a:ext cx="8267180" cy="407745"/>
+          <a:off x="0" y="131190"/>
+          <a:ext cx="8267180" cy="383760"/>
         </a:xfrm>
         <a:prstGeom prst="roundRect">
           <a:avLst/>
@@ -11414,12 +9770,12 @@
         </a:fontRef>
       </dsp:style>
       <dsp:txBody>
-        <a:bodyPr spcFirstLastPara="0" vert="horz" wrap="square" lIns="64770" tIns="64770" rIns="64770" bIns="64770" numCol="1" spcCol="1270" anchor="ctr" anchorCtr="0">
+        <a:bodyPr spcFirstLastPara="0" vert="horz" wrap="square" lIns="60960" tIns="60960" rIns="60960" bIns="60960" numCol="1" spcCol="1270" anchor="ctr" anchorCtr="0">
           <a:noAutofit/>
         </a:bodyPr>
         <a:lstStyle/>
         <a:p>
-          <a:pPr marL="0" lvl="0" indent="0" algn="l" defTabSz="755650">
+          <a:pPr marL="0" lvl="0" indent="0" algn="l" defTabSz="711200">
             <a:lnSpc>
               <a:spcPct val="90000"/>
             </a:lnSpc>
@@ -11432,15 +9788,15 @@
             <a:buNone/>
           </a:pPr>
           <a:r>
-            <a:rPr lang="hu-HU" sz="1700" kern="1200" dirty="0"/>
+            <a:rPr lang="hu-HU" sz="1600" kern="1200" dirty="0"/>
             <a:t>Tudás elsajátítás</a:t>
           </a:r>
-          <a:endParaRPr lang="en-US" sz="1700" kern="1200" dirty="0"/>
+          <a:endParaRPr lang="en-US" sz="1600" kern="1200" dirty="0"/>
         </a:p>
       </dsp:txBody>
       <dsp:txXfrm>
-        <a:off x="19904" y="83853"/>
-        <a:ext cx="8227372" cy="367937"/>
+        <a:off x="18734" y="149924"/>
+        <a:ext cx="8229712" cy="346292"/>
       </dsp:txXfrm>
     </dsp:sp>
     <dsp:sp modelId="{BFE7BDA9-FEBE-44E6-9BE8-4E69F7B7F4AD}">
@@ -11450,8 +9806,8 @@
       </dsp:nvSpPr>
       <dsp:spPr>
         <a:xfrm>
-          <a:off x="0" y="471694"/>
-          <a:ext cx="8267180" cy="1548360"/>
+          <a:off x="0" y="514950"/>
+          <a:ext cx="8267180" cy="1622880"/>
         </a:xfrm>
         <a:prstGeom prst="rect">
           <a:avLst/>
@@ -11475,12 +9831,12 @@
         <a:fontRef idx="minor"/>
       </dsp:style>
       <dsp:txBody>
-        <a:bodyPr spcFirstLastPara="0" vert="horz" wrap="square" lIns="262483" tIns="21590" rIns="120904" bIns="21590" numCol="1" spcCol="1270" anchor="t" anchorCtr="0">
+        <a:bodyPr spcFirstLastPara="0" vert="horz" wrap="square" lIns="262483" tIns="20320" rIns="113792" bIns="20320" numCol="1" spcCol="1270" anchor="t" anchorCtr="0">
           <a:noAutofit/>
         </a:bodyPr>
         <a:lstStyle/>
         <a:p>
-          <a:pPr marL="114300" lvl="1" indent="-114300" algn="l" defTabSz="577850">
+          <a:pPr marL="114300" lvl="1" indent="-114300" algn="l" defTabSz="533400">
             <a:lnSpc>
               <a:spcPct val="90000"/>
             </a:lnSpc>
@@ -11493,17 +9849,17 @@
             <a:buChar char="•"/>
           </a:pPr>
           <a:r>
-            <a:rPr lang="hu-HU" sz="1300" b="0" i="0" kern="1200" dirty="0" err="1"/>
+            <a:rPr lang="hu-HU" sz="1200" b="0" i="0" kern="1200" dirty="0" err="1"/>
             <a:t>AdmissionWebhooks</a:t>
           </a:r>
           <a:r>
-            <a:rPr lang="hu-HU" sz="1300" b="0" i="0" kern="1200" dirty="0"/>
+            <a:rPr lang="hu-HU" sz="1200" b="0" i="0" kern="1200" dirty="0"/>
             <a:t>: https://kubernetes.io/docs/reference/access-authn-authz/extensible-admission-controllers/</a:t>
           </a:r>
-          <a:endParaRPr lang="en-US" sz="1300" kern="1200" dirty="0"/>
+          <a:endParaRPr lang="en-US" sz="1200" kern="1200" dirty="0"/>
         </a:p>
         <a:p>
-          <a:pPr marL="114300" lvl="1" indent="-114300" algn="l" defTabSz="577850">
+          <a:pPr marL="114300" lvl="1" indent="-114300" algn="l" defTabSz="533400">
             <a:lnSpc>
               <a:spcPct val="90000"/>
             </a:lnSpc>
@@ -11516,13 +9872,17 @@
             <a:buChar char="•"/>
           </a:pPr>
           <a:r>
-            <a:rPr lang="hu-HU" sz="1300" kern="1200" dirty="0"/>
-            <a:t>RBAC: https://kubernetes.io/docs/reference/access-authn-authz/rbac/</a:t>
+            <a:rPr lang="hu-HU" sz="1200" kern="1200" dirty="0" err="1"/>
+            <a:t>AdmissionWebhooks</a:t>
           </a:r>
-          <a:endParaRPr lang="en-US" sz="1300" kern="1200" dirty="0"/>
+          <a:r>
+            <a:rPr lang="hu-HU" sz="1200" kern="1200" dirty="0"/>
+            <a:t> gyakorlat: https://www.baeldung.com/java-kubernetes-admission-controller</a:t>
+          </a:r>
+          <a:endParaRPr lang="en-US" sz="1200" kern="1200" dirty="0"/>
         </a:p>
         <a:p>
-          <a:pPr marL="114300" lvl="1" indent="-114300" algn="l" defTabSz="577850">
+          <a:pPr marL="114300" lvl="1" indent="-114300" algn="l" defTabSz="533400">
             <a:lnSpc>
               <a:spcPct val="90000"/>
             </a:lnSpc>
@@ -11535,13 +9895,13 @@
             <a:buChar char="•"/>
           </a:pPr>
           <a:r>
-            <a:rPr lang="hu-HU" sz="1300" kern="1200" dirty="0"/>
-            <a:t>JSON Patch: https://jsonpatch.com/</a:t>
+            <a:rPr lang="hu-HU" sz="1200" kern="1200" dirty="0"/>
+            <a:t>RBAC: https://kubernetes.io/docs/reference/access-authn-authz/rbac/</a:t>
           </a:r>
-          <a:endParaRPr lang="en-US" sz="1300" kern="1200" dirty="0"/>
+          <a:endParaRPr lang="en-US" sz="1200" kern="1200" dirty="0"/>
         </a:p>
         <a:p>
-          <a:pPr marL="114300" lvl="1" indent="-114300" algn="l" defTabSz="577850">
+          <a:pPr marL="114300" lvl="1" indent="-114300" algn="l" defTabSz="533400">
             <a:lnSpc>
               <a:spcPct val="90000"/>
             </a:lnSpc>
@@ -11554,13 +9914,13 @@
             <a:buChar char="•"/>
           </a:pPr>
           <a:r>
-            <a:rPr lang="hu-HU" sz="1300" kern="1200" dirty="0"/>
-            <a:t>PKI</a:t>
+            <a:rPr lang="hu-HU" sz="1200" kern="1200" dirty="0"/>
+            <a:t>JSON Patch: https://jsonpatch.com/</a:t>
           </a:r>
-          <a:endParaRPr lang="en-US" sz="1300" kern="1200" dirty="0"/>
+          <a:endParaRPr lang="en-US" sz="1200" kern="1200" dirty="0"/>
         </a:p>
         <a:p>
-          <a:pPr marL="114300" lvl="1" indent="-114300" algn="l" defTabSz="577850">
+          <a:pPr marL="114300" lvl="1" indent="-114300" algn="l" defTabSz="533400">
             <a:lnSpc>
               <a:spcPct val="90000"/>
             </a:lnSpc>
@@ -11573,13 +9933,13 @@
             <a:buChar char="•"/>
           </a:pPr>
           <a:r>
-            <a:rPr lang="hu-HU" sz="1300" kern="1200" dirty="0"/>
-            <a:t>Általános programozás</a:t>
+            <a:rPr lang="hu-HU" sz="1200" kern="1200" dirty="0"/>
+            <a:t>PKI</a:t>
           </a:r>
-          <a:endParaRPr lang="en-US" sz="1300" kern="1200" dirty="0"/>
+          <a:endParaRPr lang="en-US" sz="1200" kern="1200" dirty="0"/>
         </a:p>
         <a:p>
-          <a:pPr marL="114300" lvl="1" indent="-114300" algn="l" defTabSz="577850">
+          <a:pPr marL="114300" lvl="1" indent="-114300" algn="l" defTabSz="533400">
             <a:lnSpc>
               <a:spcPct val="90000"/>
             </a:lnSpc>
@@ -11592,15 +9952,34 @@
             <a:buChar char="•"/>
           </a:pPr>
           <a:r>
-            <a:rPr lang="hu-HU" sz="1300" kern="1200" dirty="0"/>
+            <a:rPr lang="hu-HU" sz="1200" kern="1200" dirty="0"/>
+            <a:t>Általános programozás</a:t>
+          </a:r>
+          <a:endParaRPr lang="en-US" sz="1200" kern="1200" dirty="0"/>
+        </a:p>
+        <a:p>
+          <a:pPr marL="114300" lvl="1" indent="-114300" algn="l" defTabSz="533400">
+            <a:lnSpc>
+              <a:spcPct val="90000"/>
+            </a:lnSpc>
+            <a:spcBef>
+              <a:spcPct val="0"/>
+            </a:spcBef>
+            <a:spcAft>
+              <a:spcPct val="20000"/>
+            </a:spcAft>
+            <a:buChar char="•"/>
+          </a:pPr>
+          <a:r>
+            <a:rPr lang="hu-HU" sz="1200" kern="1200" dirty="0"/>
             <a:t>Webszerver keretrendszer</a:t>
           </a:r>
-          <a:endParaRPr lang="en-US" sz="1300" kern="1200" dirty="0"/>
+          <a:endParaRPr lang="en-US" sz="1200" kern="1200" dirty="0"/>
         </a:p>
       </dsp:txBody>
       <dsp:txXfrm>
-        <a:off x="0" y="471694"/>
-        <a:ext cx="8267180" cy="1548360"/>
+        <a:off x="0" y="514950"/>
+        <a:ext cx="8267180" cy="1622880"/>
       </dsp:txXfrm>
     </dsp:sp>
     <dsp:sp modelId="{ACBA4E95-C567-4E7D-9B68-AF4E6A4CCA96}">
@@ -11610,8 +9989,8 @@
       </dsp:nvSpPr>
       <dsp:spPr>
         <a:xfrm>
-          <a:off x="0" y="2020054"/>
-          <a:ext cx="8267180" cy="407745"/>
+          <a:off x="0" y="2137830"/>
+          <a:ext cx="8267180" cy="383760"/>
         </a:xfrm>
         <a:prstGeom prst="roundRect">
           <a:avLst/>
@@ -11647,12 +10026,12 @@
         </a:fontRef>
       </dsp:style>
       <dsp:txBody>
-        <a:bodyPr spcFirstLastPara="0" vert="horz" wrap="square" lIns="64770" tIns="64770" rIns="64770" bIns="64770" numCol="1" spcCol="1270" anchor="ctr" anchorCtr="0">
+        <a:bodyPr spcFirstLastPara="0" vert="horz" wrap="square" lIns="60960" tIns="60960" rIns="60960" bIns="60960" numCol="1" spcCol="1270" anchor="ctr" anchorCtr="0">
           <a:noAutofit/>
         </a:bodyPr>
         <a:lstStyle/>
         <a:p>
-          <a:pPr marL="0" lvl="0" indent="0" algn="l" defTabSz="755650">
+          <a:pPr marL="0" lvl="0" indent="0" algn="l" defTabSz="711200">
             <a:lnSpc>
               <a:spcPct val="90000"/>
             </a:lnSpc>
@@ -11665,14 +10044,14 @@
             <a:buNone/>
           </a:pPr>
           <a:r>
-            <a:rPr lang="hu-HU" sz="1700" kern="1200" dirty="0"/>
+            <a:rPr lang="hu-HU" sz="1600" kern="1200" dirty="0"/>
             <a:t>Webszerver implementálás</a:t>
           </a:r>
         </a:p>
       </dsp:txBody>
       <dsp:txXfrm>
-        <a:off x="19904" y="2039958"/>
-        <a:ext cx="8227372" cy="367937"/>
+        <a:off x="18734" y="2156564"/>
+        <a:ext cx="8229712" cy="346292"/>
       </dsp:txXfrm>
     </dsp:sp>
     <dsp:sp modelId="{50F9BDDC-FB58-4FAE-BAF3-1844FBE35207}">
@@ -11682,8 +10061,8 @@
       </dsp:nvSpPr>
       <dsp:spPr>
         <a:xfrm>
-          <a:off x="0" y="2476759"/>
-          <a:ext cx="8267180" cy="407745"/>
+          <a:off x="0" y="2567670"/>
+          <a:ext cx="8267180" cy="383760"/>
         </a:xfrm>
         <a:prstGeom prst="roundRect">
           <a:avLst/>
@@ -11719,12 +10098,12 @@
         </a:fontRef>
       </dsp:style>
       <dsp:txBody>
-        <a:bodyPr spcFirstLastPara="0" vert="horz" wrap="square" lIns="64770" tIns="64770" rIns="64770" bIns="64770" numCol="1" spcCol="1270" anchor="ctr" anchorCtr="0">
+        <a:bodyPr spcFirstLastPara="0" vert="horz" wrap="square" lIns="60960" tIns="60960" rIns="60960" bIns="60960" numCol="1" spcCol="1270" anchor="ctr" anchorCtr="0">
           <a:noAutofit/>
         </a:bodyPr>
         <a:lstStyle/>
         <a:p>
-          <a:pPr marL="0" lvl="0" indent="0" algn="l" defTabSz="755650">
+          <a:pPr marL="0" lvl="0" indent="0" algn="l" defTabSz="711200">
             <a:lnSpc>
               <a:spcPct val="90000"/>
             </a:lnSpc>
@@ -11737,14 +10116,14 @@
             <a:buNone/>
           </a:pPr>
           <a:r>
-            <a:rPr lang="hu-HU" sz="1700" kern="1200" dirty="0"/>
+            <a:rPr lang="hu-HU" sz="1600" kern="1200" dirty="0"/>
             <a:t>HTTPS konfigurálás</a:t>
           </a:r>
         </a:p>
       </dsp:txBody>
       <dsp:txXfrm>
-        <a:off x="19904" y="2496663"/>
-        <a:ext cx="8227372" cy="367937"/>
+        <a:off x="18734" y="2586404"/>
+        <a:ext cx="8229712" cy="346292"/>
       </dsp:txXfrm>
     </dsp:sp>
     <dsp:sp modelId="{53105FCC-E3CA-4EE1-9B33-32B9FFBB4DFC}">
@@ -11754,8 +10133,8 @@
       </dsp:nvSpPr>
       <dsp:spPr>
         <a:xfrm>
-          <a:off x="0" y="2884504"/>
-          <a:ext cx="8267180" cy="448672"/>
+          <a:off x="0" y="2951430"/>
+          <a:ext cx="8267180" cy="422280"/>
         </a:xfrm>
         <a:prstGeom prst="rect">
           <a:avLst/>
@@ -11779,12 +10158,12 @@
         <a:fontRef idx="minor"/>
       </dsp:style>
       <dsp:txBody>
-        <a:bodyPr spcFirstLastPara="0" vert="horz" wrap="square" lIns="262483" tIns="21590" rIns="120904" bIns="21590" numCol="1" spcCol="1270" anchor="t" anchorCtr="0">
+        <a:bodyPr spcFirstLastPara="0" vert="horz" wrap="square" lIns="262483" tIns="20320" rIns="113792" bIns="20320" numCol="1" spcCol="1270" anchor="t" anchorCtr="0">
           <a:noAutofit/>
         </a:bodyPr>
         <a:lstStyle/>
         <a:p>
-          <a:pPr marL="114300" lvl="1" indent="-114300" algn="l" defTabSz="577850">
+          <a:pPr marL="114300" lvl="1" indent="-114300" algn="l" defTabSz="533400">
             <a:lnSpc>
               <a:spcPct val="90000"/>
             </a:lnSpc>
@@ -11797,12 +10176,12 @@
             <a:buChar char="•"/>
           </a:pPr>
           <a:r>
-            <a:rPr lang="hu-HU" sz="1300" kern="1200" dirty="0"/>
+            <a:rPr lang="hu-HU" sz="1200" kern="1200" dirty="0"/>
             <a:t>Kulcs menedzsment</a:t>
           </a:r>
         </a:p>
         <a:p>
-          <a:pPr marL="114300" lvl="1" indent="-114300" algn="l" defTabSz="577850">
+          <a:pPr marL="114300" lvl="1" indent="-114300" algn="l" defTabSz="533400">
             <a:lnSpc>
               <a:spcPct val="90000"/>
             </a:lnSpc>
@@ -11815,14 +10194,14 @@
             <a:buChar char="•"/>
           </a:pPr>
           <a:r>
-            <a:rPr lang="hu-HU" sz="1300" kern="1200" dirty="0"/>
+            <a:rPr lang="hu-HU" sz="1200" kern="1200" dirty="0"/>
             <a:t>Tanúsítványok kiállítása</a:t>
           </a:r>
         </a:p>
       </dsp:txBody>
       <dsp:txXfrm>
-        <a:off x="0" y="2884504"/>
-        <a:ext cx="8267180" cy="448672"/>
+        <a:off x="0" y="2951430"/>
+        <a:ext cx="8267180" cy="422280"/>
       </dsp:txXfrm>
     </dsp:sp>
     <dsp:sp modelId="{16E3114D-DD9D-4BDC-8C35-0BE0673DD941}">
@@ -11832,8 +10211,8 @@
       </dsp:nvSpPr>
       <dsp:spPr>
         <a:xfrm>
-          <a:off x="0" y="3333176"/>
-          <a:ext cx="8267180" cy="407745"/>
+          <a:off x="0" y="3373710"/>
+          <a:ext cx="8267180" cy="383760"/>
         </a:xfrm>
         <a:prstGeom prst="roundRect">
           <a:avLst/>
@@ -11869,12 +10248,12 @@
         </a:fontRef>
       </dsp:style>
       <dsp:txBody>
-        <a:bodyPr spcFirstLastPara="0" vert="horz" wrap="square" lIns="64770" tIns="64770" rIns="64770" bIns="64770" numCol="1" spcCol="1270" anchor="ctr" anchorCtr="0">
+        <a:bodyPr spcFirstLastPara="0" vert="horz" wrap="square" lIns="60960" tIns="60960" rIns="60960" bIns="60960" numCol="1" spcCol="1270" anchor="ctr" anchorCtr="0">
           <a:noAutofit/>
         </a:bodyPr>
         <a:lstStyle/>
         <a:p>
-          <a:pPr marL="0" lvl="0" indent="0" algn="l" defTabSz="755650">
+          <a:pPr marL="0" lvl="0" indent="0" algn="l" defTabSz="711200">
             <a:lnSpc>
               <a:spcPct val="90000"/>
             </a:lnSpc>
@@ -11887,23 +10266,23 @@
             <a:buNone/>
           </a:pPr>
           <a:r>
-            <a:rPr lang="hu-HU" sz="1700" kern="1200" dirty="0"/>
+            <a:rPr lang="hu-HU" sz="1600" kern="1200" dirty="0"/>
             <a:t>Fordítás, </a:t>
           </a:r>
           <a:r>
-            <a:rPr lang="hu-HU" sz="1700" kern="1200" dirty="0" err="1"/>
+            <a:rPr lang="hu-HU" sz="1600" kern="1200" dirty="0" err="1"/>
             <a:t>konténerizálás</a:t>
           </a:r>
           <a:r>
-            <a:rPr lang="hu-HU" sz="1700" kern="1200" dirty="0"/>
+            <a:rPr lang="hu-HU" sz="1600" kern="1200" dirty="0"/>
             <a:t>, image feltöltés</a:t>
           </a:r>
-          <a:endParaRPr lang="en-US" sz="1700" kern="1200" dirty="0"/>
+          <a:endParaRPr lang="en-US" sz="1600" kern="1200" dirty="0"/>
         </a:p>
       </dsp:txBody>
       <dsp:txXfrm>
-        <a:off x="19904" y="3353080"/>
-        <a:ext cx="8227372" cy="367937"/>
+        <a:off x="18734" y="3392444"/>
+        <a:ext cx="8229712" cy="346292"/>
       </dsp:txXfrm>
     </dsp:sp>
     <dsp:sp modelId="{A50BCA2E-80F5-4985-AAEA-24F1B7841532}">
@@ -11913,8 +10292,8 @@
       </dsp:nvSpPr>
       <dsp:spPr>
         <a:xfrm>
-          <a:off x="0" y="3789881"/>
-          <a:ext cx="8267180" cy="407745"/>
+          <a:off x="0" y="3803550"/>
+          <a:ext cx="8267180" cy="383760"/>
         </a:xfrm>
         <a:prstGeom prst="roundRect">
           <a:avLst/>
@@ -11950,12 +10329,12 @@
         </a:fontRef>
       </dsp:style>
       <dsp:txBody>
-        <a:bodyPr spcFirstLastPara="0" vert="horz" wrap="square" lIns="64770" tIns="64770" rIns="64770" bIns="64770" numCol="1" spcCol="1270" anchor="ctr" anchorCtr="0">
+        <a:bodyPr spcFirstLastPara="0" vert="horz" wrap="square" lIns="60960" tIns="60960" rIns="60960" bIns="60960" numCol="1" spcCol="1270" anchor="ctr" anchorCtr="0">
           <a:noAutofit/>
         </a:bodyPr>
         <a:lstStyle/>
         <a:p>
-          <a:pPr marL="0" lvl="0" indent="0" algn="l" defTabSz="755650">
+          <a:pPr marL="0" lvl="0" indent="0" algn="l" defTabSz="711200">
             <a:lnSpc>
               <a:spcPct val="90000"/>
             </a:lnSpc>
@@ -11968,15 +10347,15 @@
             <a:buNone/>
           </a:pPr>
           <a:r>
-            <a:rPr lang="hu-HU" sz="1700" kern="1200" dirty="0"/>
+            <a:rPr lang="hu-HU" sz="1600" kern="1200" dirty="0"/>
             <a:t>Telepítés, konfigurálás</a:t>
           </a:r>
-          <a:endParaRPr lang="en-US" sz="1700" kern="1200" dirty="0"/>
+          <a:endParaRPr lang="en-US" sz="1600" kern="1200" dirty="0"/>
         </a:p>
       </dsp:txBody>
       <dsp:txXfrm>
-        <a:off x="19904" y="3809785"/>
-        <a:ext cx="8227372" cy="367937"/>
+        <a:off x="18734" y="3822284"/>
+        <a:ext cx="8229712" cy="346292"/>
       </dsp:txXfrm>
     </dsp:sp>
     <dsp:sp modelId="{26C52449-A9FD-4122-A429-1979958A47D1}">
@@ -11986,8 +10365,8 @@
       </dsp:nvSpPr>
       <dsp:spPr>
         <a:xfrm>
-          <a:off x="0" y="4197626"/>
-          <a:ext cx="8267180" cy="686204"/>
+          <a:off x="0" y="4187310"/>
+          <a:ext cx="8267180" cy="629280"/>
         </a:xfrm>
         <a:prstGeom prst="rect">
           <a:avLst/>
@@ -12011,12 +10390,12 @@
         <a:fontRef idx="minor"/>
       </dsp:style>
       <dsp:txBody>
-        <a:bodyPr spcFirstLastPara="0" vert="horz" wrap="square" lIns="262483" tIns="21590" rIns="120904" bIns="21590" numCol="1" spcCol="1270" anchor="t" anchorCtr="0">
+        <a:bodyPr spcFirstLastPara="0" vert="horz" wrap="square" lIns="262483" tIns="20320" rIns="113792" bIns="20320" numCol="1" spcCol="1270" anchor="t" anchorCtr="0">
           <a:noAutofit/>
         </a:bodyPr>
         <a:lstStyle/>
         <a:p>
-          <a:pPr marL="114300" lvl="1" indent="-114300" algn="l" defTabSz="577850">
+          <a:pPr marL="114300" lvl="1" indent="-114300" algn="l" defTabSz="533400">
             <a:lnSpc>
               <a:spcPct val="90000"/>
             </a:lnSpc>
@@ -12029,13 +10408,13 @@
             <a:buChar char="•"/>
           </a:pPr>
           <a:r>
-            <a:rPr lang="hu-HU" sz="1300" kern="1200" dirty="0" err="1"/>
+            <a:rPr lang="hu-HU" sz="1200" kern="1200" dirty="0" err="1"/>
             <a:t>Deployment</a:t>
           </a:r>
-          <a:endParaRPr lang="en-US" sz="1300" kern="1200" dirty="0"/>
+          <a:endParaRPr lang="en-US" sz="1200" kern="1200" dirty="0"/>
         </a:p>
         <a:p>
-          <a:pPr marL="114300" lvl="1" indent="-114300" algn="l" defTabSz="577850">
+          <a:pPr marL="114300" lvl="1" indent="-114300" algn="l" defTabSz="533400">
             <a:lnSpc>
               <a:spcPct val="90000"/>
             </a:lnSpc>
@@ -12048,13 +10427,13 @@
             <a:buChar char="•"/>
           </a:pPr>
           <a:r>
-            <a:rPr lang="hu-HU" sz="1300" kern="1200" dirty="0" err="1"/>
+            <a:rPr lang="hu-HU" sz="1200" kern="1200" dirty="0" err="1"/>
             <a:t>MutatingWebhookConfiguration</a:t>
           </a:r>
-          <a:endParaRPr lang="en-US" sz="1300" kern="1200" dirty="0"/>
+          <a:endParaRPr lang="en-US" sz="1200" kern="1200" dirty="0"/>
         </a:p>
         <a:p>
-          <a:pPr marL="114300" lvl="1" indent="-114300" algn="l" defTabSz="577850">
+          <a:pPr marL="114300" lvl="1" indent="-114300" algn="l" defTabSz="533400">
             <a:lnSpc>
               <a:spcPct val="90000"/>
             </a:lnSpc>
@@ -12067,15 +10446,15 @@
             <a:buChar char="•"/>
           </a:pPr>
           <a:r>
-            <a:rPr lang="hu-HU" sz="1300" kern="1200" dirty="0"/>
+            <a:rPr lang="hu-HU" sz="1200" kern="1200" dirty="0"/>
             <a:t>Service</a:t>
           </a:r>
-          <a:endParaRPr lang="en-US" sz="1300" kern="1200" dirty="0"/>
+          <a:endParaRPr lang="en-US" sz="1200" kern="1200" dirty="0"/>
         </a:p>
       </dsp:txBody>
       <dsp:txXfrm>
-        <a:off x="0" y="4197626"/>
-        <a:ext cx="8267180" cy="686204"/>
+        <a:off x="0" y="4187310"/>
+        <a:ext cx="8267180" cy="629280"/>
       </dsp:txXfrm>
     </dsp:sp>
   </dsp:spTree>
@@ -12149,7 +10528,7 @@
           <a:avLst/>
         </a:prstGeom>
         <a:solidFill>
-          <a:schemeClr val="accent1">
+          <a:schemeClr val="lt1">
             <a:hueOff val="0"/>
             <a:satOff val="0"/>
             <a:lumOff val="0"/>
@@ -12158,7 +10537,8 @@
         </a:solidFill>
         <a:ln w="12700" cap="rnd" cmpd="sng" algn="ctr">
           <a:solidFill>
-            <a:schemeClr val="lt1">
+            <a:schemeClr val="accent1">
+              <a:shade val="80000"/>
               <a:hueOff val="0"/>
               <a:satOff val="0"/>
               <a:lumOff val="0"/>
@@ -12278,7 +10658,7 @@
           <a:avLst/>
         </a:prstGeom>
         <a:solidFill>
-          <a:schemeClr val="accent1">
+          <a:schemeClr val="lt1">
             <a:hueOff val="0"/>
             <a:satOff val="0"/>
             <a:lumOff val="0"/>
@@ -12287,7 +10667,8 @@
         </a:solidFill>
         <a:ln w="12700" cap="rnd" cmpd="sng" algn="ctr">
           <a:solidFill>
-            <a:schemeClr val="lt1">
+            <a:schemeClr val="accent1">
+              <a:shade val="80000"/>
               <a:hueOff val="0"/>
               <a:satOff val="0"/>
               <a:lumOff val="0"/>
@@ -12402,7 +10783,7 @@
           <a:avLst/>
         </a:prstGeom>
         <a:solidFill>
-          <a:schemeClr val="accent1">
+          <a:schemeClr val="lt1">
             <a:hueOff val="0"/>
             <a:satOff val="0"/>
             <a:lumOff val="0"/>
@@ -12411,7 +10792,8 @@
         </a:solidFill>
         <a:ln w="12700" cap="rnd" cmpd="sng" algn="ctr">
           <a:solidFill>
-            <a:schemeClr val="lt1">
+            <a:schemeClr val="accent1">
+              <a:shade val="80000"/>
               <a:hueOff val="0"/>
               <a:satOff val="0"/>
               <a:lumOff val="0"/>
@@ -12551,7 +10933,7 @@
           <a:avLst/>
         </a:prstGeom>
         <a:solidFill>
-          <a:schemeClr val="accent1">
+          <a:schemeClr val="lt1">
             <a:hueOff val="0"/>
             <a:satOff val="0"/>
             <a:lumOff val="0"/>
@@ -12560,7 +10942,8 @@
         </a:solidFill>
         <a:ln w="12700" cap="rnd" cmpd="sng" algn="ctr">
           <a:solidFill>
-            <a:schemeClr val="lt1">
+            <a:schemeClr val="accent1">
+              <a:shade val="80000"/>
               <a:hueOff val="0"/>
               <a:satOff val="0"/>
               <a:lumOff val="0"/>
@@ -12684,7 +11067,7 @@
           <a:avLst/>
         </a:prstGeom>
         <a:solidFill>
-          <a:schemeClr val="accent1">
+          <a:schemeClr val="lt1">
             <a:hueOff val="0"/>
             <a:satOff val="0"/>
             <a:lumOff val="0"/>
@@ -12693,7 +11076,8 @@
         </a:solidFill>
         <a:ln w="12700" cap="rnd" cmpd="sng" algn="ctr">
           <a:solidFill>
-            <a:schemeClr val="lt1">
+            <a:schemeClr val="accent1">
+              <a:shade val="80000"/>
               <a:hueOff val="0"/>
               <a:satOff val="0"/>
               <a:lumOff val="0"/>
@@ -12824,7 +11208,7 @@
           <a:avLst/>
         </a:prstGeom>
         <a:solidFill>
-          <a:schemeClr val="accent1">
+          <a:schemeClr val="lt1">
             <a:hueOff val="0"/>
             <a:satOff val="0"/>
             <a:lumOff val="0"/>
@@ -12833,7 +11217,8 @@
         </a:solidFill>
         <a:ln w="12700" cap="rnd" cmpd="sng" algn="ctr">
           <a:solidFill>
-            <a:schemeClr val="lt1">
+            <a:schemeClr val="accent1">
+              <a:shade val="80000"/>
               <a:hueOff val="0"/>
               <a:satOff val="0"/>
               <a:lumOff val="0"/>
@@ -12948,7 +11333,7 @@
           <a:avLst/>
         </a:prstGeom>
         <a:solidFill>
-          <a:schemeClr val="accent1">
+          <a:schemeClr val="lt1">
             <a:hueOff val="0"/>
             <a:satOff val="0"/>
             <a:lumOff val="0"/>
@@ -12957,7 +11342,8 @@
         </a:solidFill>
         <a:ln w="12700" cap="rnd" cmpd="sng" algn="ctr">
           <a:solidFill>
-            <a:schemeClr val="lt1">
+            <a:schemeClr val="accent1">
+              <a:shade val="80000"/>
               <a:hueOff val="0"/>
               <a:satOff val="0"/>
               <a:lumOff val="0"/>
@@ -13063,12 +11449,11 @@
 </file>
 
 <file path=ppt/diagrams/layout1.xml><?xml version="1.0" encoding="utf-8"?>
-<dgm:layoutDef xmlns:dgm="http://schemas.openxmlformats.org/drawingml/2006/diagram" xmlns:a="http://schemas.openxmlformats.org/drawingml/2006/main" uniqueId="urn:microsoft.com/office/officeart/2008/layout/LinedList">
+<dgm:layoutDef xmlns:dgm="http://schemas.openxmlformats.org/drawingml/2006/diagram" xmlns:a="http://schemas.openxmlformats.org/drawingml/2006/main" uniqueId="urn:microsoft.com/office/officeart/2008/layout/VerticalCurvedList">
   <dgm:title val=""/>
   <dgm:desc val=""/>
   <dgm:catLst>
-    <dgm:cat type="hierarchy" pri="8000"/>
-    <dgm:cat type="list" pri="2500"/>
+    <dgm:cat type="list" pri="20000"/>
   </dgm:catLst>
   <dgm:sampData>
     <dgm:dataModel>
@@ -13077,21 +11462,17 @@
         <dgm:pt modelId="1">
           <dgm:prSet phldr="1"/>
         </dgm:pt>
-        <dgm:pt modelId="11">
+        <dgm:pt modelId="2">
           <dgm:prSet phldr="1"/>
         </dgm:pt>
-        <dgm:pt modelId="12">
-          <dgm:prSet phldr="1"/>
-        </dgm:pt>
-        <dgm:pt modelId="13">
+        <dgm:pt modelId="3">
           <dgm:prSet phldr="1"/>
         </dgm:pt>
       </dgm:ptLst>
       <dgm:cxnLst>
-        <dgm:cxn modelId="2" srcId="0" destId="1" srcOrd="0" destOrd="0"/>
-        <dgm:cxn modelId="3" srcId="1" destId="11" srcOrd="0" destOrd="0"/>
-        <dgm:cxn modelId="4" srcId="1" destId="12" srcOrd="1" destOrd="0"/>
-        <dgm:cxn modelId="5" srcId="1" destId="13" srcOrd="2" destOrd="0"/>
+        <dgm:cxn modelId="4" srcId="0" destId="1" srcOrd="0" destOrd="0"/>
+        <dgm:cxn modelId="5" srcId="0" destId="2" srcOrd="1" destOrd="0"/>
+        <dgm:cxn modelId="6" srcId="0" destId="3" srcOrd="2" destOrd="0"/>
       </dgm:cxnLst>
       <dgm:bg/>
       <dgm:whole/>
@@ -13104,17 +11485,13 @@
         <dgm:pt modelId="1">
           <dgm:prSet phldr="1"/>
         </dgm:pt>
-        <dgm:pt modelId="11">
-          <dgm:prSet phldr="1"/>
-        </dgm:pt>
-        <dgm:pt modelId="12">
+        <dgm:pt modelId="2">
           <dgm:prSet phldr="1"/>
         </dgm:pt>
       </dgm:ptLst>
       <dgm:cxnLst>
-        <dgm:cxn modelId="2" srcId="0" destId="1" srcOrd="0" destOrd="0"/>
-        <dgm:cxn modelId="3" srcId="1" destId="11" srcOrd="0" destOrd="0"/>
-        <dgm:cxn modelId="4" srcId="1" destId="12" srcOrd="1" destOrd="0"/>
+        <dgm:cxn modelId="3" srcId="0" destId="1" srcOrd="0" destOrd="0"/>
+        <dgm:cxn modelId="4" srcId="0" destId="2" srcOrd="1" destOrd="0"/>
       </dgm:cxnLst>
       <dgm:bg/>
       <dgm:whole/>
@@ -13127,89 +11504,822 @@
         <dgm:pt modelId="1">
           <dgm:prSet phldr="1"/>
         </dgm:pt>
-        <dgm:pt modelId="11">
+        <dgm:pt modelId="2">
           <dgm:prSet phldr="1"/>
         </dgm:pt>
-        <dgm:pt modelId="12">
+        <dgm:pt modelId="3">
+          <dgm:prSet phldr="1"/>
+        </dgm:pt>
+        <dgm:pt modelId="4">
           <dgm:prSet phldr="1"/>
         </dgm:pt>
       </dgm:ptLst>
       <dgm:cxnLst>
-        <dgm:cxn modelId="2" srcId="0" destId="1" srcOrd="0" destOrd="0"/>
-        <dgm:cxn modelId="3" srcId="1" destId="11" srcOrd="0" destOrd="0"/>
-        <dgm:cxn modelId="4" srcId="1" destId="12" srcOrd="1" destOrd="0"/>
+        <dgm:cxn modelId="5" srcId="0" destId="1" srcOrd="0" destOrd="0"/>
+        <dgm:cxn modelId="6" srcId="0" destId="2" srcOrd="1" destOrd="0"/>
+        <dgm:cxn modelId="7" srcId="0" destId="3" srcOrd="2" destOrd="0"/>
+        <dgm:cxn modelId="8" srcId="0" destId="4" srcOrd="3" destOrd="0"/>
       </dgm:cxnLst>
       <dgm:bg/>
       <dgm:whole/>
     </dgm:dataModel>
   </dgm:clrData>
-  <dgm:layoutNode name="vert0">
+  <dgm:layoutNode name="Name0">
     <dgm:varLst>
+      <dgm:chMax val="7"/>
+      <dgm:chPref val="7"/>
       <dgm:dir/>
-      <dgm:animOne val="branch"/>
-      <dgm:animLvl val="lvl"/>
     </dgm:varLst>
-    <dgm:choose name="Name0">
-      <dgm:if name="Name1" func="var" arg="dir" op="equ" val="norm">
-        <dgm:alg type="lin">
-          <dgm:param type="linDir" val="fromT"/>
-          <dgm:param type="nodeHorzAlign" val="l"/>
-        </dgm:alg>
-      </dgm:if>
-      <dgm:else name="Name2">
-        <dgm:alg type="lin">
-          <dgm:param type="linDir" val="fromT"/>
-          <dgm:param type="nodeHorzAlign" val="r"/>
-        </dgm:alg>
-      </dgm:else>
-    </dgm:choose>
+    <dgm:alg type="composite"/>
     <dgm:shape xmlns:r="http://schemas.openxmlformats.org/officeDocument/2006/relationships" r:blip="">
       <dgm:adjLst/>
     </dgm:shape>
-    <dgm:presOf/>
     <dgm:constrLst>
-      <dgm:constr type="w" for="ch" forName="horz1" refType="w"/>
-      <dgm:constr type="h" for="ch" forName="horz1" refType="h"/>
-      <dgm:constr type="h" for="des" forName="vert1" refType="h"/>
-      <dgm:constr type="h" for="des" forName="tx1" refType="h"/>
-      <dgm:constr type="h" for="des" forName="horz2" refType="h"/>
-      <dgm:constr type="h" for="des" forName="vert2" refType="h"/>
-      <dgm:constr type="h" for="des" forName="horz3" refType="h"/>
-      <dgm:constr type="h" for="des" forName="vert3" refType="h"/>
-      <dgm:constr type="h" for="des" forName="horz4" refType="h"/>
-      <dgm:constr type="h" for="des" ptType="node" refType="h"/>
-      <dgm:constr type="primFontSz" for="des" forName="tx1" op="equ" val="65"/>
-      <dgm:constr type="primFontSz" for="des" forName="tx2" op="equ" val="65"/>
-      <dgm:constr type="primFontSz" for="des" forName="tx3" op="equ" val="65"/>
-      <dgm:constr type="primFontSz" for="des" forName="tx4" op="equ" val="65"/>
-      <dgm:constr type="w" for="des" forName="thickLine" refType="w"/>
-      <dgm:constr type="h" for="des" forName="thickLine"/>
-      <dgm:constr type="h" for="des" forName="thinLine1"/>
-      <dgm:constr type="h" for="des" forName="thinLine2b"/>
-      <dgm:constr type="h" for="des" forName="thinLine3"/>
-      <dgm:constr type="h" for="des" forName="vertSpace2a" refType="h" fact="0.05"/>
-      <dgm:constr type="h" for="des" forName="vertSpace2b" refType="h" refFor="des" refForName="vertSpace2a"/>
+      <dgm:constr type="w" for="ch" refType="h" refFor="ch" op="gte" fact="0.8"/>
     </dgm:constrLst>
-    <dgm:forEach name="Name3" axis="ch" ptType="node">
-      <dgm:layoutNode name="thickLine" styleLbl="alignNode1">
-        <dgm:alg type="sp"/>
-        <dgm:shape xmlns:r="http://schemas.openxmlformats.org/officeDocument/2006/relationships" type="line" r:blip="">
-          <dgm:adjLst/>
-        </dgm:shape>
-        <dgm:presOf/>
-      </dgm:layoutNode>
-      <dgm:layoutNode name="horz1">
-        <dgm:choose name="Name4">
-          <dgm:if name="Name5" func="var" arg="dir" op="equ" val="norm">
-            <dgm:alg type="lin">
-              <dgm:param type="linDir" val="fromL"/>
-              <dgm:param type="nodeVertAlign" val="t"/>
+    <dgm:layoutNode name="Name1">
+      <dgm:alg type="composite"/>
+      <dgm:shape xmlns:r="http://schemas.openxmlformats.org/officeDocument/2006/relationships" r:blip="">
+        <dgm:adjLst/>
+      </dgm:shape>
+      <dgm:choose name="Name2">
+        <dgm:if name="Name3" func="var" arg="dir" op="equ" val="norm">
+          <dgm:choose name="Name4">
+            <dgm:if name="Name5" axis="ch" ptType="node" func="cnt" op="equ" val="1">
+              <dgm:constrLst>
+                <dgm:constr type="h" for="ch" forName="cycle" refType="h"/>
+                <dgm:constr type="w" for="ch" forName="cycle" refType="h" refFor="ch" refForName="cycle" fact="0.26"/>
+                <dgm:constr type="l" for="ch" forName="cycle"/>
+                <dgm:constr type="ctrY" for="ch" forName="cycle" refType="h" fact="0.5"/>
+                <dgm:constr type="diam" for="ch" forName="cycle" refType="h" fact="1.344"/>
+                <dgm:constr type="h" for="ch" forName="accent_1" refType="h" fact="0.625"/>
+                <dgm:constr type="w" for="ch" forName="accent_1" refType="h" refFor="ch" refForName="accent_1" op="equ"/>
+                <dgm:constr type="ctrY" for="ch" forName="accent_1" refType="h" fact="0.5"/>
+                <dgm:constr type="ctrX" for="ch" forName="accent_1" refType="h" fact="0.2253"/>
+                <dgm:constr type="l" for="ch" forName="text_1" refType="ctrX" refFor="ch" refForName="accent_1"/>
+                <dgm:constr type="r" for="ch" forName="text_1" refType="w"/>
+                <dgm:constr type="w" for="ch" forName="text_1" refType="h" refFor="ch" refForName="text_1" op="gte"/>
+                <dgm:constr type="h" for="ch" forName="text_1" refType="h" refFor="ch" refForName="accent_1" fact="0.8"/>
+                <dgm:constr type="ctrY" for="ch" forName="text_1" refType="ctrY" refFor="ch" refForName="accent_1"/>
+                <dgm:constr type="lMarg" for="ch" forName="text_1" refType="w" refFor="ch" refForName="accent_1" fact="1.8"/>
+                <dgm:constr type="primFontSz" for="ch" ptType="node" op="equ" val="65"/>
+              </dgm:constrLst>
+            </dgm:if>
+            <dgm:if name="Name6" axis="ch" ptType="node" func="cnt" op="equ" val="2">
+              <dgm:constrLst>
+                <dgm:constr type="h" for="ch" forName="cycle" refType="h"/>
+                <dgm:constr type="w" for="ch" forName="cycle" refType="h" refFor="ch" refForName="cycle" fact="0.26"/>
+                <dgm:constr type="l" for="ch" forName="cycle"/>
+                <dgm:constr type="ctrY" for="ch" forName="cycle" refType="h" fact="0.5"/>
+                <dgm:constr type="diam" for="ch" forName="cycle" refType="h" fact="1.344"/>
+                <dgm:constr type="h" for="ch" forName="accent_1" refType="h" fact="0.3571"/>
+                <dgm:constr type="w" for="ch" forName="accent_1" refType="h" refFor="ch" refForName="accent_1" op="equ"/>
+                <dgm:constr type="ctrY" for="ch" forName="accent_1" refType="h" fact="0.2857"/>
+                <dgm:constr type="ctrX" for="ch" forName="accent_1" refType="h" fact="0.1891"/>
+                <dgm:constr type="l" for="ch" forName="text_1" refType="ctrX" refFor="ch" refForName="accent_1"/>
+                <dgm:constr type="r" for="ch" forName="text_1" refType="w"/>
+                <dgm:constr type="w" for="ch" forName="text_1" refType="h" refFor="ch" refForName="text_1" op="gte"/>
+                <dgm:constr type="h" for="ch" forName="text_1" refType="h" refFor="ch" refForName="accent_1" fact="0.8"/>
+                <dgm:constr type="ctrY" for="ch" forName="text_1" refType="ctrY" refFor="ch" refForName="accent_1"/>
+                <dgm:constr type="lMarg" for="ch" forName="text_1" refType="w" refFor="ch" refForName="accent_1" fact="1.8"/>
+                <dgm:constr type="h" for="ch" forName="accent_2" refType="h" fact="0.3571"/>
+                <dgm:constr type="w" for="ch" forName="accent_2" refType="h" refFor="ch" refForName="accent_2" op="equ"/>
+                <dgm:constr type="ctrY" for="ch" forName="accent_2" refType="h" fact="0.7143"/>
+                <dgm:constr type="ctrX" for="ch" forName="accent_2" refType="h" fact="0.1891"/>
+                <dgm:constr type="l" for="ch" forName="text_2" refType="ctrX" refFor="ch" refForName="accent_2"/>
+                <dgm:constr type="r" for="ch" forName="text_2" refType="w"/>
+                <dgm:constr type="w" for="ch" forName="text_2" refType="h" refFor="ch" refForName="text_2" op="gte"/>
+                <dgm:constr type="h" for="ch" forName="text_2" refType="h" refFor="ch" refForName="accent_2" fact="0.8"/>
+                <dgm:constr type="ctrY" for="ch" forName="text_2" refType="ctrY" refFor="ch" refForName="accent_2"/>
+                <dgm:constr type="lMarg" for="ch" forName="text_2" refType="w" refFor="ch" refForName="accent_2" fact="1.8"/>
+                <dgm:constr type="primFontSz" for="ch" ptType="node" op="equ" val="65"/>
+              </dgm:constrLst>
+            </dgm:if>
+            <dgm:if name="Name7" axis="ch" ptType="node" func="cnt" op="equ" val="3">
+              <dgm:constrLst>
+                <dgm:constr type="h" for="ch" forName="cycle" refType="h"/>
+                <dgm:constr type="w" for="ch" forName="cycle" refType="h" refFor="ch" refForName="cycle" fact="0.26"/>
+                <dgm:constr type="l" for="ch" forName="cycle"/>
+                <dgm:constr type="ctrY" for="ch" forName="cycle" refType="h" fact="0.5"/>
+                <dgm:constr type="diam" for="ch" forName="cycle" refType="h" fact="1.344"/>
+                <dgm:constr type="h" for="ch" forName="accent_1" refType="h" fact="0.25"/>
+                <dgm:constr type="w" for="ch" forName="accent_1" refType="h" refFor="ch" refForName="accent_1" op="equ"/>
+                <dgm:constr type="ctrY" for="ch" forName="accent_1" refType="h" fact="0.2"/>
+                <dgm:constr type="ctrX" for="ch" forName="accent_1" refType="h" fact="0.1526"/>
+                <dgm:constr type="l" for="ch" forName="text_1" refType="ctrX" refFor="ch" refForName="accent_1"/>
+                <dgm:constr type="r" for="ch" forName="text_1" refType="w"/>
+                <dgm:constr type="w" for="ch" forName="text_1" refType="h" refFor="ch" refForName="text_1" op="gte"/>
+                <dgm:constr type="h" for="ch" forName="text_1" refType="h" refFor="ch" refForName="accent_1" fact="0.8"/>
+                <dgm:constr type="ctrY" for="ch" forName="text_1" refType="ctrY" refFor="ch" refForName="accent_1"/>
+                <dgm:constr type="lMarg" for="ch" forName="text_1" refType="w" refFor="ch" refForName="accent_1" fact="1.8"/>
+                <dgm:constr type="h" for="ch" forName="accent_2" refType="h" fact="0.25"/>
+                <dgm:constr type="w" for="ch" forName="accent_2" refType="h" refFor="ch" refForName="accent_2" op="equ"/>
+                <dgm:constr type="ctrY" for="ch" forName="accent_2" refType="h" fact="0.5"/>
+                <dgm:constr type="ctrX" for="ch" forName="accent_2" refType="h" fact="0.2253"/>
+                <dgm:constr type="l" for="ch" forName="text_2" refType="ctrX" refFor="ch" refForName="accent_2"/>
+                <dgm:constr type="r" for="ch" forName="text_2" refType="w"/>
+                <dgm:constr type="w" for="ch" forName="text_2" refType="h" refFor="ch" refForName="text_2" op="gte"/>
+                <dgm:constr type="h" for="ch" forName="text_2" refType="h" refFor="ch" refForName="accent_2" fact="0.8"/>
+                <dgm:constr type="ctrY" for="ch" forName="text_2" refType="ctrY" refFor="ch" refForName="accent_2"/>
+                <dgm:constr type="lMarg" for="ch" forName="text_2" refType="w" refFor="ch" refForName="accent_2" fact="1.8"/>
+                <dgm:constr type="h" for="ch" forName="accent_3" refType="h" fact="0.25"/>
+                <dgm:constr type="w" for="ch" forName="accent_3" refType="h" refFor="ch" refForName="accent_3" op="equ"/>
+                <dgm:constr type="ctrY" for="ch" forName="accent_3" refType="h" fact="0.8"/>
+                <dgm:constr type="ctrX" for="ch" forName="accent_3" refType="h" fact="0.1526"/>
+                <dgm:constr type="l" for="ch" forName="text_3" refType="ctrX" refFor="ch" refForName="accent_3"/>
+                <dgm:constr type="r" for="ch" forName="text_3" refType="w"/>
+                <dgm:constr type="w" for="ch" forName="text_3" refType="h" refFor="ch" refForName="text_3" op="gte"/>
+                <dgm:constr type="h" for="ch" forName="text_3" refType="h" refFor="ch" refForName="accent_3" fact="0.8"/>
+                <dgm:constr type="ctrY" for="ch" forName="text_3" refType="ctrY" refFor="ch" refForName="accent_3"/>
+                <dgm:constr type="lMarg" for="ch" forName="text_3" refType="w" refFor="ch" refForName="accent_3" fact="1.8"/>
+                <dgm:constr type="primFontSz" for="ch" ptType="node" op="equ" val="65"/>
+              </dgm:constrLst>
+            </dgm:if>
+            <dgm:if name="Name8" axis="ch" ptType="node" func="cnt" op="equ" val="4">
+              <dgm:constrLst>
+                <dgm:constr type="h" for="ch" forName="cycle" refType="h"/>
+                <dgm:constr type="w" for="ch" forName="cycle" refType="h" refFor="ch" refForName="cycle" fact="0.26"/>
+                <dgm:constr type="l" for="ch" forName="cycle"/>
+                <dgm:constr type="ctrY" for="ch" forName="cycle" refType="h" fact="0.5"/>
+                <dgm:constr type="diam" for="ch" forName="cycle" refType="h" fact="1.344"/>
+                <dgm:constr type="h" for="ch" forName="accent_1" refType="h" fact="0.1923"/>
+                <dgm:constr type="w" for="ch" forName="accent_1" refType="h" refFor="ch" refForName="accent_1" op="equ"/>
+                <dgm:constr type="ctrY" for="ch" forName="accent_1" refType="h" fact="0.1538"/>
+                <dgm:constr type="ctrX" for="ch" forName="accent_1" refType="h" fact="0.1268"/>
+                <dgm:constr type="l" for="ch" forName="text_1" refType="ctrX" refFor="ch" refForName="accent_1"/>
+                <dgm:constr type="r" for="ch" forName="text_1" refType="w"/>
+                <dgm:constr type="w" for="ch" forName="text_1" refType="h" refFor="ch" refForName="text_1" op="gte"/>
+                <dgm:constr type="h" for="ch" forName="text_1" refType="h" refFor="ch" refForName="accent_1" fact="0.8"/>
+                <dgm:constr type="ctrY" for="ch" forName="text_1" refType="ctrY" refFor="ch" refForName="accent_1"/>
+                <dgm:constr type="lMarg" for="ch" forName="text_1" refType="w" refFor="ch" refForName="accent_1" fact="1.8"/>
+                <dgm:constr type="h" for="ch" forName="accent_2" refType="h" fact="0.1923"/>
+                <dgm:constr type="w" for="ch" forName="accent_2" refType="h" refFor="ch" refForName="accent_2" op="equ"/>
+                <dgm:constr type="ctrY" for="ch" forName="accent_2" refType="h" fact="0.3846"/>
+                <dgm:constr type="ctrX" for="ch" forName="accent_2" refType="h" fact="0.215"/>
+                <dgm:constr type="l" for="ch" forName="text_2" refType="ctrX" refFor="ch" refForName="accent_2"/>
+                <dgm:constr type="r" for="ch" forName="text_2" refType="w"/>
+                <dgm:constr type="w" for="ch" forName="text_2" refType="h" refFor="ch" refForName="text_2" op="gte"/>
+                <dgm:constr type="h" for="ch" forName="text_2" refType="h" refFor="ch" refForName="accent_2" fact="0.8"/>
+                <dgm:constr type="ctrY" for="ch" forName="text_2" refType="ctrY" refFor="ch" refForName="accent_2"/>
+                <dgm:constr type="lMarg" for="ch" forName="text_2" refType="w" refFor="ch" refForName="accent_2" fact="1.8"/>
+                <dgm:constr type="h" for="ch" forName="accent_3" refType="h" fact="0.1923"/>
+                <dgm:constr type="w" for="ch" forName="accent_3" refType="h" refFor="ch" refForName="accent_3" op="equ"/>
+                <dgm:constr type="ctrY" for="ch" forName="accent_3" refType="h" fact="0.6154"/>
+                <dgm:constr type="ctrX" for="ch" forName="accent_3" refType="h" fact="0.215"/>
+                <dgm:constr type="l" for="ch" forName="text_3" refType="ctrX" refFor="ch" refForName="accent_3"/>
+                <dgm:constr type="r" for="ch" forName="text_3" refType="w"/>
+                <dgm:constr type="w" for="ch" forName="text_3" refType="h" refFor="ch" refForName="text_3" op="gte"/>
+                <dgm:constr type="h" for="ch" forName="text_3" refType="h" refFor="ch" refForName="accent_3" fact="0.8"/>
+                <dgm:constr type="ctrY" for="ch" forName="text_3" refType="ctrY" refFor="ch" refForName="accent_3"/>
+                <dgm:constr type="lMarg" for="ch" forName="text_3" refType="w" refFor="ch" refForName="accent_3" fact="1.8"/>
+                <dgm:constr type="h" for="ch" forName="accent_4" refType="h" fact="0.1923"/>
+                <dgm:constr type="w" for="ch" forName="accent_4" refType="h" refFor="ch" refForName="accent_4" op="equ"/>
+                <dgm:constr type="ctrY" for="ch" forName="accent_4" refType="h" fact="0.8462"/>
+                <dgm:constr type="ctrX" for="ch" forName="accent_4" refType="h" fact="0.1268"/>
+                <dgm:constr type="l" for="ch" forName="text_4" refType="ctrX" refFor="ch" refForName="accent_4"/>
+                <dgm:constr type="r" for="ch" forName="text_4" refType="w"/>
+                <dgm:constr type="w" for="ch" forName="text_4" refType="h" refFor="ch" refForName="text_4" op="gte"/>
+                <dgm:constr type="h" for="ch" forName="text_4" refType="h" refFor="ch" refForName="accent_4" fact="0.8"/>
+                <dgm:constr type="ctrY" for="ch" forName="text_4" refType="ctrY" refFor="ch" refForName="accent_4"/>
+                <dgm:constr type="lMarg" for="ch" forName="text_4" refType="w" refFor="ch" refForName="accent_4" fact="1.8"/>
+                <dgm:constr type="primFontSz" for="ch" ptType="node" op="equ" val="65"/>
+              </dgm:constrLst>
+            </dgm:if>
+            <dgm:if name="Name9" axis="ch" ptType="node" func="cnt" op="equ" val="5">
+              <dgm:constrLst>
+                <dgm:constr type="h" for="ch" forName="cycle" refType="h"/>
+                <dgm:constr type="w" for="ch" forName="cycle" refType="h" refFor="ch" refForName="cycle" fact="0.26"/>
+                <dgm:constr type="l" for="ch" forName="cycle"/>
+                <dgm:constr type="ctrY" for="ch" forName="cycle" refType="h" fact="0.5"/>
+                <dgm:constr type="diam" for="ch" forName="cycle" refType="h" fact="1.344"/>
+                <dgm:constr type="h" for="ch" forName="accent_1" refType="h" fact="0.1563"/>
+                <dgm:constr type="w" for="ch" forName="accent_1" refType="h" refFor="ch" refForName="accent_1" op="equ"/>
+                <dgm:constr type="ctrY" for="ch" forName="accent_1" refType="h" fact="0.125"/>
+                <dgm:constr type="ctrX" for="ch" forName="accent_1" refType="h" fact="0.1082"/>
+                <dgm:constr type="l" for="ch" forName="text_1" refType="ctrX" refFor="ch" refForName="accent_1"/>
+                <dgm:constr type="r" for="ch" forName="text_1" refType="w"/>
+                <dgm:constr type="w" for="ch" forName="text_1" refType="h" refFor="ch" refForName="text_1" op="gte"/>
+                <dgm:constr type="h" for="ch" forName="text_1" refType="h" refFor="ch" refForName="accent_1" fact="0.8"/>
+                <dgm:constr type="ctrY" for="ch" forName="text_1" refType="ctrY" refFor="ch" refForName="accent_1"/>
+                <dgm:constr type="lMarg" for="ch" forName="text_1" refType="w" refFor="ch" refForName="accent_1" fact="1.8"/>
+                <dgm:constr type="h" for="ch" forName="accent_2" refType="h" fact="0.1563"/>
+                <dgm:constr type="w" for="ch" forName="accent_2" refType="h" refFor="ch" refForName="accent_2" op="equ"/>
+                <dgm:constr type="ctrY" for="ch" forName="accent_2" refType="h" fact="0.3125"/>
+                <dgm:constr type="ctrX" for="ch" forName="accent_2" refType="h" fact="0.1978"/>
+                <dgm:constr type="l" for="ch" forName="text_2" refType="ctrX" refFor="ch" refForName="accent_2"/>
+                <dgm:constr type="r" for="ch" forName="text_2" refType="w"/>
+                <dgm:constr type="w" for="ch" forName="text_2" refType="h" refFor="ch" refForName="text_2" op="gte"/>
+                <dgm:constr type="h" for="ch" forName="text_2" refType="h" refFor="ch" refForName="accent_2" fact="0.8"/>
+                <dgm:constr type="ctrY" for="ch" forName="text_2" refType="ctrY" refFor="ch" refForName="accent_2"/>
+                <dgm:constr type="lMarg" for="ch" forName="text_2" refType="w" refFor="ch" refForName="accent_2" fact="1.8"/>
+                <dgm:constr type="h" for="ch" forName="accent_3" refType="h" fact="0.1563"/>
+                <dgm:constr type="w" for="ch" forName="accent_3" refType="h" refFor="ch" refForName="accent_3" op="equ"/>
+                <dgm:constr type="ctrY" for="ch" forName="accent_3" refType="h" fact="0.5"/>
+                <dgm:constr type="ctrX" for="ch" forName="accent_3" refType="h" fact="0.2253"/>
+                <dgm:constr type="l" for="ch" forName="text_3" refType="ctrX" refFor="ch" refForName="accent_3"/>
+                <dgm:constr type="r" for="ch" forName="text_3" refType="w"/>
+                <dgm:constr type="w" for="ch" forName="text_3" refType="h" refFor="ch" refForName="text_3" op="gte"/>
+                <dgm:constr type="h" for="ch" forName="text_3" refType="h" refFor="ch" refForName="accent_3" fact="0.8"/>
+                <dgm:constr type="ctrY" for="ch" forName="text_3" refType="ctrY" refFor="ch" refForName="accent_3"/>
+                <dgm:constr type="lMarg" for="ch" forName="text_3" refType="w" refFor="ch" refForName="accent_3" fact="1.8"/>
+                <dgm:constr type="h" for="ch" forName="accent_4" refType="h" fact="0.1563"/>
+                <dgm:constr type="w" for="ch" forName="accent_4" refType="h" refFor="ch" refForName="accent_4" op="equ"/>
+                <dgm:constr type="ctrY" for="ch" forName="accent_4" refType="h" fact="0.6875"/>
+                <dgm:constr type="ctrX" for="ch" forName="accent_4" refType="h" fact="0.1978"/>
+                <dgm:constr type="l" for="ch" forName="text_4" refType="ctrX" refFor="ch" refForName="accent_4"/>
+                <dgm:constr type="r" for="ch" forName="text_4" refType="w"/>
+                <dgm:constr type="w" for="ch" forName="text_4" refType="h" refFor="ch" refForName="text_4" op="gte"/>
+                <dgm:constr type="h" for="ch" forName="text_4" refType="h" refFor="ch" refForName="accent_4" fact="0.8"/>
+                <dgm:constr type="ctrY" for="ch" forName="text_4" refType="ctrY" refFor="ch" refForName="accent_4"/>
+                <dgm:constr type="lMarg" for="ch" forName="text_4" refType="w" refFor="ch" refForName="accent_4" fact="1.8"/>
+                <dgm:constr type="h" for="ch" forName="accent_5" refType="h" fact="0.1563"/>
+                <dgm:constr type="w" for="ch" forName="accent_5" refType="h" refFor="ch" refForName="accent_5" op="equ"/>
+                <dgm:constr type="ctrY" for="ch" forName="accent_5" refType="h" fact="0.875"/>
+                <dgm:constr type="ctrX" for="ch" forName="accent_5" refType="h" fact="0.1082"/>
+                <dgm:constr type="l" for="ch" forName="text_5" refType="ctrX" refFor="ch" refForName="accent_5"/>
+                <dgm:constr type="r" for="ch" forName="text_5" refType="w"/>
+                <dgm:constr type="w" for="ch" forName="text_5" refType="h" refFor="ch" refForName="text_5" op="gte"/>
+                <dgm:constr type="h" for="ch" forName="text_5" refType="h" refFor="ch" refForName="accent_5" fact="0.8"/>
+                <dgm:constr type="ctrY" for="ch" forName="text_5" refType="ctrY" refFor="ch" refForName="accent_5"/>
+                <dgm:constr type="lMarg" for="ch" forName="text_5" refType="w" refFor="ch" refForName="accent_5" fact="1.8"/>
+                <dgm:constr type="primFontSz" for="ch" ptType="node" op="equ" val="65"/>
+              </dgm:constrLst>
+            </dgm:if>
+            <dgm:if name="Name10" axis="ch" ptType="node" func="cnt" op="equ" val="6">
+              <dgm:constrLst>
+                <dgm:constr type="h" for="ch" forName="cycle" refType="h"/>
+                <dgm:constr type="w" for="ch" forName="cycle" refType="h" refFor="ch" refForName="cycle" fact="0.26"/>
+                <dgm:constr type="l" for="ch" forName="cycle"/>
+                <dgm:constr type="ctrY" for="ch" forName="cycle" refType="h" fact="0.5"/>
+                <dgm:constr type="diam" for="ch" forName="cycle" refType="h" fact="1.344"/>
+                <dgm:constr type="h" for="ch" forName="accent_1" refType="h" fact="0.1316"/>
+                <dgm:constr type="w" for="ch" forName="accent_1" refType="h" refFor="ch" refForName="accent_1" op="equ"/>
+                <dgm:constr type="ctrY" for="ch" forName="accent_1" refType="h" fact="0.1053"/>
+                <dgm:constr type="ctrX" for="ch" forName="accent_1" refType="h" fact="0.0943"/>
+                <dgm:constr type="l" for="ch" forName="text_1" refType="ctrX" refFor="ch" refForName="accent_1"/>
+                <dgm:constr type="r" for="ch" forName="text_1" refType="w"/>
+                <dgm:constr type="w" for="ch" forName="text_1" refType="h" refFor="ch" refForName="text_1" op="gte"/>
+                <dgm:constr type="h" for="ch" forName="text_1" refType="h" refFor="ch" refForName="accent_1" fact="0.8"/>
+                <dgm:constr type="ctrY" for="ch" forName="text_1" refType="ctrY" refFor="ch" refForName="accent_1"/>
+                <dgm:constr type="lMarg" for="ch" forName="text_1" refType="w" refFor="ch" refForName="accent_1" fact="1.8"/>
+                <dgm:constr type="h" for="ch" forName="accent_2" refType="h" fact="0.1316"/>
+                <dgm:constr type="w" for="ch" forName="accent_2" refType="h" refFor="ch" refForName="accent_2" op="equ"/>
+                <dgm:constr type="ctrY" for="ch" forName="accent_2" refType="h" fact="0.2632"/>
+                <dgm:constr type="ctrX" for="ch" forName="accent_2" refType="h" fact="0.1809"/>
+                <dgm:constr type="l" for="ch" forName="text_2" refType="ctrX" refFor="ch" refForName="accent_2"/>
+                <dgm:constr type="r" for="ch" forName="text_2" refType="w"/>
+                <dgm:constr type="w" for="ch" forName="text_2" refType="h" refFor="ch" refForName="text_2" op="gte"/>
+                <dgm:constr type="h" for="ch" forName="text_2" refType="h" refFor="ch" refForName="accent_2" fact="0.8"/>
+                <dgm:constr type="ctrY" for="ch" forName="text_2" refType="ctrY" refFor="ch" refForName="accent_2"/>
+                <dgm:constr type="lMarg" for="ch" forName="text_2" refType="w" refFor="ch" refForName="accent_2" fact="1.8"/>
+                <dgm:constr type="h" for="ch" forName="accent_3" refType="h" fact="0.1316"/>
+                <dgm:constr type="w" for="ch" forName="accent_3" refType="h" refFor="ch" refForName="accent_3" op="equ"/>
+                <dgm:constr type="ctrY" for="ch" forName="accent_3" refType="h" fact="0.4211"/>
+                <dgm:constr type="ctrX" for="ch" forName="accent_3" refType="h" fact="0.2205"/>
+                <dgm:constr type="l" for="ch" forName="text_3" refType="ctrX" refFor="ch" refForName="accent_3"/>
+                <dgm:constr type="r" for="ch" forName="text_3" refType="w"/>
+                <dgm:constr type="w" for="ch" forName="text_3" refType="h" refFor="ch" refForName="text_3" op="gte"/>
+                <dgm:constr type="h" for="ch" forName="text_3" refType="h" refFor="ch" refForName="accent_3" fact="0.8"/>
+                <dgm:constr type="ctrY" for="ch" forName="text_3" refType="ctrY" refFor="ch" refForName="accent_3"/>
+                <dgm:constr type="lMarg" for="ch" forName="text_3" refType="w" refFor="ch" refForName="accent_3" fact="1.8"/>
+                <dgm:constr type="h" for="ch" forName="accent_4" refType="h" fact="0.1316"/>
+                <dgm:constr type="w" for="ch" forName="accent_4" refType="h" refFor="ch" refForName="accent_4" op="equ"/>
+                <dgm:constr type="ctrY" for="ch" forName="accent_4" refType="h" fact="0.5789"/>
+                <dgm:constr type="ctrX" for="ch" forName="accent_4" refType="h" fact="0.2205"/>
+                <dgm:constr type="l" for="ch" forName="text_4" refType="ctrX" refFor="ch" refForName="accent_4"/>
+                <dgm:constr type="r" for="ch" forName="text_4" refType="w"/>
+                <dgm:constr type="w" for="ch" forName="text_4" refType="h" refFor="ch" refForName="text_4" op="gte"/>
+                <dgm:constr type="h" for="ch" forName="text_4" refType="h" refFor="ch" refForName="accent_4" fact="0.8"/>
+                <dgm:constr type="ctrY" for="ch" forName="text_4" refType="ctrY" refFor="ch" refForName="accent_4"/>
+                <dgm:constr type="lMarg" for="ch" forName="text_4" refType="w" refFor="ch" refForName="accent_4" fact="1.8"/>
+                <dgm:constr type="h" for="ch" forName="accent_5" refType="h" fact="0.1316"/>
+                <dgm:constr type="w" for="ch" forName="accent_5" refType="h" refFor="ch" refForName="accent_5" op="equ"/>
+                <dgm:constr type="ctrY" for="ch" forName="accent_5" refType="h" fact="0.7368"/>
+                <dgm:constr type="ctrX" for="ch" forName="accent_5" refType="h" fact="0.1809"/>
+                <dgm:constr type="l" for="ch" forName="text_5" refType="ctrX" refFor="ch" refForName="accent_5"/>
+                <dgm:constr type="r" for="ch" forName="text_5" refType="w"/>
+                <dgm:constr type="w" for="ch" forName="text_5" refType="h" refFor="ch" refForName="text_5" op="gte"/>
+                <dgm:constr type="h" for="ch" forName="text_5" refType="h" refFor="ch" refForName="accent_5" fact="0.8"/>
+                <dgm:constr type="ctrY" for="ch" forName="text_5" refType="ctrY" refFor="ch" refForName="accent_5"/>
+                <dgm:constr type="lMarg" for="ch" forName="text_5" refType="w" refFor="ch" refForName="accent_5" fact="1.8"/>
+                <dgm:constr type="h" for="ch" forName="accent_6" refType="h" fact="0.1316"/>
+                <dgm:constr type="w" for="ch" forName="accent_6" refType="h" refFor="ch" refForName="accent_6" op="equ"/>
+                <dgm:constr type="ctrY" for="ch" forName="accent_6" refType="h" fact="0.8947"/>
+                <dgm:constr type="ctrX" for="ch" forName="accent_6" refType="h" fact="0.0943"/>
+                <dgm:constr type="l" for="ch" forName="text_6" refType="ctrX" refFor="ch" refForName="accent_6"/>
+                <dgm:constr type="r" for="ch" forName="text_6" refType="w"/>
+                <dgm:constr type="w" for="ch" forName="text_6" refType="h" refFor="ch" refForName="text_6" op="gte"/>
+                <dgm:constr type="h" for="ch" forName="text_6" refType="h" refFor="ch" refForName="accent_6" fact="0.8"/>
+                <dgm:constr type="ctrY" for="ch" forName="text_6" refType="ctrY" refFor="ch" refForName="accent_6"/>
+                <dgm:constr type="lMarg" for="ch" forName="text_6" refType="w" refFor="ch" refForName="accent_6" fact="1.8"/>
+                <dgm:constr type="primFontSz" for="ch" ptType="node" op="equ" val="65"/>
+              </dgm:constrLst>
+            </dgm:if>
+            <dgm:else name="Name11">
+              <dgm:constrLst>
+                <dgm:constr type="h" for="ch" forName="cycle" refType="h"/>
+                <dgm:constr type="w" for="ch" forName="cycle" refType="h" refFor="ch" refForName="cycle" fact="0.26"/>
+                <dgm:constr type="l" for="ch" forName="cycle"/>
+                <dgm:constr type="ctrY" for="ch" forName="cycle" refType="h" fact="0.5"/>
+                <dgm:constr type="diam" for="ch" forName="cycle" refType="h" fact="1.344"/>
+                <dgm:constr type="h" for="ch" forName="accent_1" refType="h" fact="0.1136"/>
+                <dgm:constr type="w" for="ch" forName="accent_1" refType="h" refFor="ch" refForName="accent_1" op="equ"/>
+                <dgm:constr type="ctrY" for="ch" forName="accent_1" refType="h" fact="0.0909"/>
+                <dgm:constr type="ctrX" for="ch" forName="accent_1" refType="h" fact="0.0835"/>
+                <dgm:constr type="l" for="ch" forName="text_1" refType="ctrX" refFor="ch" refForName="accent_1"/>
+                <dgm:constr type="r" for="ch" forName="text_1" refType="w"/>
+                <dgm:constr type="w" for="ch" forName="text_1" refType="h" refFor="ch" refForName="text_1" op="gte"/>
+                <dgm:constr type="h" for="ch" forName="text_1" refType="h" refFor="ch" refForName="accent_1" fact="0.8"/>
+                <dgm:constr type="ctrY" for="ch" forName="text_1" refType="ctrY" refFor="ch" refForName="accent_1"/>
+                <dgm:constr type="lMarg" for="ch" forName="text_1" refType="w" refFor="ch" refForName="accent_1" fact="1.8"/>
+                <dgm:constr type="h" for="ch" forName="accent_2" refType="h" fact="0.1136"/>
+                <dgm:constr type="w" for="ch" forName="accent_2" refType="h" refFor="ch" refForName="accent_2" op="equ"/>
+                <dgm:constr type="ctrY" for="ch" forName="accent_2" refType="h" fact="0.2273"/>
+                <dgm:constr type="ctrX" for="ch" forName="accent_2" refType="h" fact="0.1658"/>
+                <dgm:constr type="l" for="ch" forName="text_2" refType="ctrX" refFor="ch" refForName="accent_2"/>
+                <dgm:constr type="r" for="ch" forName="text_2" refType="w"/>
+                <dgm:constr type="w" for="ch" forName="text_2" refType="h" refFor="ch" refForName="text_2" op="gte"/>
+                <dgm:constr type="h" for="ch" forName="text_2" refType="h" refFor="ch" refForName="accent_2" fact="0.8"/>
+                <dgm:constr type="ctrY" for="ch" forName="text_2" refType="ctrY" refFor="ch" refForName="accent_2"/>
+                <dgm:constr type="lMarg" for="ch" forName="text_2" refType="w" refFor="ch" refForName="accent_2" fact="1.8"/>
+                <dgm:constr type="h" for="ch" forName="accent_3" refType="h" fact="0.1136"/>
+                <dgm:constr type="w" for="ch" forName="accent_3" refType="h" refFor="ch" refForName="accent_3" op="equ"/>
+                <dgm:constr type="ctrY" for="ch" forName="accent_3" refType="h" fact="0.3636"/>
+                <dgm:constr type="ctrX" for="ch" forName="accent_3" refType="h" fact="0.2109"/>
+                <dgm:constr type="l" for="ch" forName="text_3" refType="ctrX" refFor="ch" refForName="accent_3"/>
+                <dgm:constr type="r" for="ch" forName="text_3" refType="w"/>
+                <dgm:constr type="w" for="ch" forName="text_3" refType="h" refFor="ch" refForName="text_3" op="gte"/>
+                <dgm:constr type="h" for="ch" forName="text_3" refType="h" refFor="ch" refForName="accent_3" fact="0.8"/>
+                <dgm:constr type="ctrY" for="ch" forName="text_3" refType="ctrY" refFor="ch" refForName="accent_3"/>
+                <dgm:constr type="lMarg" for="ch" forName="text_3" refType="w" refFor="ch" refForName="accent_3" fact="1.8"/>
+                <dgm:constr type="h" for="ch" forName="accent_4" refType="h" fact="0.1136"/>
+                <dgm:constr type="w" for="ch" forName="accent_4" refType="h" refFor="ch" refForName="accent_4" op="equ"/>
+                <dgm:constr type="ctrY" for="ch" forName="accent_4" refType="h" fact="0.5"/>
+                <dgm:constr type="ctrX" for="ch" forName="accent_4" refType="h" fact="0.2253"/>
+                <dgm:constr type="l" for="ch" forName="text_4" refType="ctrX" refFor="ch" refForName="accent_4"/>
+                <dgm:constr type="r" for="ch" forName="text_4" refType="w"/>
+                <dgm:constr type="w" for="ch" forName="text_4" refType="h" refFor="ch" refForName="text_4" op="gte"/>
+                <dgm:constr type="h" for="ch" forName="text_4" refType="h" refFor="ch" refForName="accent_4" fact="0.8"/>
+                <dgm:constr type="ctrY" for="ch" forName="text_4" refType="ctrY" refFor="ch" refForName="accent_4"/>
+                <dgm:constr type="lMarg" for="ch" forName="text_4" refType="w" refFor="ch" refForName="accent_4" fact="1.8"/>
+                <dgm:constr type="h" for="ch" forName="accent_5" refType="h" fact="0.1136"/>
+                <dgm:constr type="w" for="ch" forName="accent_5" refType="h" refFor="ch" refForName="accent_5" op="equ"/>
+                <dgm:constr type="ctrY" for="ch" forName="accent_5" refType="h" fact="0.6364"/>
+                <dgm:constr type="ctrX" for="ch" forName="accent_5" refType="h" fact="0.2109"/>
+                <dgm:constr type="l" for="ch" forName="text_5" refType="ctrX" refFor="ch" refForName="accent_5"/>
+                <dgm:constr type="r" for="ch" forName="text_5" refType="w"/>
+                <dgm:constr type="w" for="ch" forName="text_5" refType="h" refFor="ch" refForName="text_5" op="gte"/>
+                <dgm:constr type="h" for="ch" forName="text_5" refType="h" refFor="ch" refForName="accent_5" fact="0.8"/>
+                <dgm:constr type="ctrY" for="ch" forName="text_5" refType="ctrY" refFor="ch" refForName="accent_5"/>
+                <dgm:constr type="lMarg" for="ch" forName="text_5" refType="w" refFor="ch" refForName="accent_5" fact="1.8"/>
+                <dgm:constr type="h" for="ch" forName="accent_6" refType="h" fact="0.1136"/>
+                <dgm:constr type="w" for="ch" forName="accent_6" refType="h" refFor="ch" refForName="accent_6" op="equ"/>
+                <dgm:constr type="ctrY" for="ch" forName="accent_6" refType="h" fact="0.7727"/>
+                <dgm:constr type="ctrX" for="ch" forName="accent_6" refType="h" fact="0.1658"/>
+                <dgm:constr type="l" for="ch" forName="text_6" refType="ctrX" refFor="ch" refForName="accent_6"/>
+                <dgm:constr type="r" for="ch" forName="text_6" refType="w"/>
+                <dgm:constr type="w" for="ch" forName="text_6" refType="h" refFor="ch" refForName="text_6" op="gte"/>
+                <dgm:constr type="h" for="ch" forName="text_6" refType="h" refFor="ch" refForName="accent_6" fact="0.8"/>
+                <dgm:constr type="ctrY" for="ch" forName="text_6" refType="ctrY" refFor="ch" refForName="accent_6"/>
+                <dgm:constr type="lMarg" for="ch" forName="text_6" refType="w" refFor="ch" refForName="accent_6" fact="1.8"/>
+                <dgm:constr type="h" for="ch" forName="accent_7" refType="h" fact="0.1136"/>
+                <dgm:constr type="w" for="ch" forName="accent_7" refType="h" refFor="ch" refForName="accent_7" op="equ"/>
+                <dgm:constr type="ctrY" for="ch" forName="accent_7" refType="h" fact="0.9091"/>
+                <dgm:constr type="ctrX" for="ch" forName="accent_7" refType="h" fact="0.0835"/>
+                <dgm:constr type="l" for="ch" forName="text_7" refType="ctrX" refFor="ch" refForName="accent_7"/>
+                <dgm:constr type="r" for="ch" forName="text_7" refType="w"/>
+                <dgm:constr type="w" for="ch" forName="text_7" refType="h" refFor="ch" refForName="text_7" op="gte"/>
+                <dgm:constr type="h" for="ch" forName="text_7" refType="h" refFor="ch" refForName="accent_7" fact="0.8"/>
+                <dgm:constr type="ctrY" for="ch" forName="text_7" refType="ctrY" refFor="ch" refForName="accent_7"/>
+                <dgm:constr type="lMarg" for="ch" forName="text_7" refType="w" refFor="ch" refForName="accent_7" fact="1.8"/>
+                <dgm:constr type="primFontSz" for="ch" ptType="node" op="equ" val="65"/>
+              </dgm:constrLst>
+            </dgm:else>
+          </dgm:choose>
+        </dgm:if>
+        <dgm:else name="Name12">
+          <dgm:choose name="Name13">
+            <dgm:if name="Name14" axis="ch" ptType="node" func="cnt" op="equ" val="1">
+              <dgm:constrLst>
+                <dgm:constr type="h" for="ch" forName="cycle" refType="h"/>
+                <dgm:constr type="w" for="ch" forName="cycle" refType="h" refFor="ch" refForName="cycle" fact="0.26"/>
+                <dgm:constr type="r" for="ch" forName="cycle" refType="w"/>
+                <dgm:constr type="ctrY" for="ch" forName="cycle" refType="h" fact="0.5"/>
+                <dgm:constr type="diam" for="ch" forName="cycle" refType="h" fact="1.344"/>
+                <dgm:constr type="h" for="ch" forName="accent_1" refType="h" fact="0.625"/>
+                <dgm:constr type="w" for="ch" forName="accent_1" refType="h" refFor="ch" refForName="accent_1" op="equ"/>
+                <dgm:constr type="ctrY" for="ch" forName="accent_1" refType="h" fact="0.5"/>
+                <dgm:constr type="ctrX" for="ch" forName="accent_1" refType="w"/>
+                <dgm:constr type="ctrXOff" for="ch" forName="accent_1" refType="h" fact="-0.2253"/>
+                <dgm:constr type="r" for="ch" forName="text_1" refType="ctrX" refFor="ch" refForName="accent_1"/>
+                <dgm:constr type="rOff" for="ch" forName="text_1" refType="ctrXOff" refFor="ch" refForName="accent_1"/>
+                <dgm:constr type="l" for="ch" forName="text_1"/>
+                <dgm:constr type="w" for="ch" forName="text_1" refType="h" refFor="ch" refForName="text_1" op="gte"/>
+                <dgm:constr type="h" for="ch" forName="text_1" refType="h" refFor="ch" refForName="accent_1" fact="0.8"/>
+                <dgm:constr type="ctrY" for="ch" forName="text_1" refType="ctrY" refFor="ch" refForName="accent_1"/>
+                <dgm:constr type="rMarg" for="ch" forName="text_1" refType="w" refFor="ch" refForName="accent_1" fact="1.8"/>
+                <dgm:constr type="primFontSz" for="ch" ptType="node" op="equ" val="65"/>
+              </dgm:constrLst>
+            </dgm:if>
+            <dgm:if name="Name15" axis="ch" ptType="node" func="cnt" op="equ" val="2">
+              <dgm:constrLst>
+                <dgm:constr type="h" for="ch" forName="cycle" refType="h"/>
+                <dgm:constr type="w" for="ch" forName="cycle" refType="h" refFor="ch" refForName="cycle" fact="0.26"/>
+                <dgm:constr type="r" for="ch" forName="cycle" refType="w"/>
+                <dgm:constr type="ctrY" for="ch" forName="cycle" refType="h" fact="0.5"/>
+                <dgm:constr type="diam" for="ch" forName="cycle" refType="h" fact="1.344"/>
+                <dgm:constr type="h" for="ch" forName="accent_1" refType="h" fact="0.3571"/>
+                <dgm:constr type="w" for="ch" forName="accent_1" refType="h" refFor="ch" refForName="accent_1" op="equ"/>
+                <dgm:constr type="ctrY" for="ch" forName="accent_1" refType="h" fact="0.2857"/>
+                <dgm:constr type="ctrX" for="ch" forName="accent_1" refType="w"/>
+                <dgm:constr type="ctrXOff" for="ch" forName="accent_1" refType="h" fact="-0.1891"/>
+                <dgm:constr type="r" for="ch" forName="text_1" refType="ctrX" refFor="ch" refForName="accent_1"/>
+                <dgm:constr type="rOff" for="ch" forName="text_1" refType="ctrXOff" refFor="ch" refForName="accent_1"/>
+                <dgm:constr type="l" for="ch" forName="text_1"/>
+                <dgm:constr type="w" for="ch" forName="text_1" refType="h" refFor="ch" refForName="text_1" op="gte"/>
+                <dgm:constr type="h" for="ch" forName="text_1" refType="h" refFor="ch" refForName="accent_1" fact="0.8"/>
+                <dgm:constr type="ctrY" for="ch" forName="text_1" refType="ctrY" refFor="ch" refForName="accent_1"/>
+                <dgm:constr type="rMarg" for="ch" forName="text_1" refType="w" refFor="ch" refForName="accent_1" fact="1.8"/>
+                <dgm:constr type="h" for="ch" forName="accent_2" refType="h" fact="0.3571"/>
+                <dgm:constr type="w" for="ch" forName="accent_2" refType="h" refFor="ch" refForName="accent_2" op="equ"/>
+                <dgm:constr type="ctrY" for="ch" forName="accent_2" refType="h" fact="0.7143"/>
+                <dgm:constr type="ctrX" for="ch" forName="accent_2" refType="w"/>
+                <dgm:constr type="ctrXOff" for="ch" forName="accent_2" refType="h" fact="-0.1891"/>
+                <dgm:constr type="r" for="ch" forName="text_2" refType="ctrX" refFor="ch" refForName="accent_2"/>
+                <dgm:constr type="rOff" for="ch" forName="text_2" refType="ctrXOff" refFor="ch" refForName="accent_2"/>
+                <dgm:constr type="l" for="ch" forName="text_2"/>
+                <dgm:constr type="w" for="ch" forName="text_2" refType="h" refFor="ch" refForName="text_2" op="gte"/>
+                <dgm:constr type="h" for="ch" forName="text_2" refType="h" refFor="ch" refForName="accent_2" fact="0.8"/>
+                <dgm:constr type="ctrY" for="ch" forName="text_2" refType="ctrY" refFor="ch" refForName="accent_2"/>
+                <dgm:constr type="rMarg" for="ch" forName="text_2" refType="w" refFor="ch" refForName="accent_2" fact="1.8"/>
+                <dgm:constr type="primFontSz" for="ch" ptType="node" op="equ" val="65"/>
+              </dgm:constrLst>
+            </dgm:if>
+            <dgm:if name="Name16" axis="ch" ptType="node" func="cnt" op="equ" val="3">
+              <dgm:constrLst>
+                <dgm:constr type="h" for="ch" forName="cycle" refType="h"/>
+                <dgm:constr type="w" for="ch" forName="cycle" refType="h" refFor="ch" refForName="cycle" fact="0.26"/>
+                <dgm:constr type="r" for="ch" forName="cycle" refType="w"/>
+                <dgm:constr type="ctrY" for="ch" forName="cycle" refType="h" fact="0.5"/>
+                <dgm:constr type="diam" for="ch" forName="cycle" refType="h" fact="1.344"/>
+                <dgm:constr type="h" for="ch" forName="accent_1" refType="h" fact="0.25"/>
+                <dgm:constr type="w" for="ch" forName="accent_1" refType="h" refFor="ch" refForName="accent_1" op="equ"/>
+                <dgm:constr type="ctrY" for="ch" forName="accent_1" refType="h" fact="0.2"/>
+                <dgm:constr type="ctrX" for="ch" forName="accent_1" refType="w"/>
+                <dgm:constr type="ctrXOff" for="ch" forName="accent_1" refType="h" fact="-0.1526"/>
+                <dgm:constr type="r" for="ch" forName="text_1" refType="ctrX" refFor="ch" refForName="accent_1"/>
+                <dgm:constr type="rOff" for="ch" forName="text_1" refType="ctrXOff" refFor="ch" refForName="accent_1"/>
+                <dgm:constr type="l" for="ch" forName="text_1"/>
+                <dgm:constr type="w" for="ch" forName="text_1" refType="h" refFor="ch" refForName="text_1" op="gte"/>
+                <dgm:constr type="h" for="ch" forName="text_1" refType="h" refFor="ch" refForName="accent_1" fact="0.8"/>
+                <dgm:constr type="ctrY" for="ch" forName="text_1" refType="ctrY" refFor="ch" refForName="accent_1"/>
+                <dgm:constr type="rMarg" for="ch" forName="text_1" refType="w" refFor="ch" refForName="accent_1" fact="1.8"/>
+                <dgm:constr type="h" for="ch" forName="accent_2" refType="h" fact="0.25"/>
+                <dgm:constr type="w" for="ch" forName="accent_2" refType="h" refFor="ch" refForName="accent_2" op="equ"/>
+                <dgm:constr type="ctrY" for="ch" forName="accent_2" refType="h" fact="0.5"/>
+                <dgm:constr type="ctrX" for="ch" forName="accent_2" refType="w"/>
+                <dgm:constr type="ctrXOff" for="ch" forName="accent_2" refType="h" fact="-0.2253"/>
+                <dgm:constr type="r" for="ch" forName="text_2" refType="ctrX" refFor="ch" refForName="accent_2"/>
+                <dgm:constr type="rOff" for="ch" forName="text_2" refType="ctrXOff" refFor="ch" refForName="accent_2"/>
+                <dgm:constr type="l" for="ch" forName="text_2"/>
+                <dgm:constr type="w" for="ch" forName="text_2" refType="h" refFor="ch" refForName="text_2" op="gte"/>
+                <dgm:constr type="h" for="ch" forName="text_2" refType="h" refFor="ch" refForName="accent_2" fact="0.8"/>
+                <dgm:constr type="ctrY" for="ch" forName="text_2" refType="ctrY" refFor="ch" refForName="accent_2"/>
+                <dgm:constr type="rMarg" for="ch" forName="text_2" refType="w" refFor="ch" refForName="accent_2" fact="1.8"/>
+                <dgm:constr type="h" for="ch" forName="accent_3" refType="h" fact="0.25"/>
+                <dgm:constr type="w" for="ch" forName="accent_3" refType="h" refFor="ch" refForName="accent_3" op="equ"/>
+                <dgm:constr type="ctrY" for="ch" forName="accent_3" refType="h" fact="0.8"/>
+                <dgm:constr type="ctrX" for="ch" forName="accent_3" refType="w"/>
+                <dgm:constr type="ctrXOff" for="ch" forName="accent_3" refType="h" fact="-0.1526"/>
+                <dgm:constr type="r" for="ch" forName="text_3" refType="ctrX" refFor="ch" refForName="accent_3"/>
+                <dgm:constr type="rOff" for="ch" forName="text_3" refType="ctrXOff" refFor="ch" refForName="accent_3"/>
+                <dgm:constr type="l" for="ch" forName="text_3"/>
+                <dgm:constr type="w" for="ch" forName="text_3" refType="h" refFor="ch" refForName="text_3" op="gte"/>
+                <dgm:constr type="h" for="ch" forName="text_3" refType="h" refFor="ch" refForName="accent_3" fact="0.8"/>
+                <dgm:constr type="ctrY" for="ch" forName="text_3" refType="ctrY" refFor="ch" refForName="accent_3"/>
+                <dgm:constr type="rMarg" for="ch" forName="text_3" refType="w" refFor="ch" refForName="accent_3" fact="1.8"/>
+                <dgm:constr type="primFontSz" for="ch" ptType="node" op="equ" val="65"/>
+              </dgm:constrLst>
+            </dgm:if>
+            <dgm:if name="Name17" axis="ch" ptType="node" func="cnt" op="equ" val="4">
+              <dgm:constrLst>
+                <dgm:constr type="h" for="ch" forName="cycle" refType="h"/>
+                <dgm:constr type="w" for="ch" forName="cycle" refType="h" refFor="ch" refForName="cycle" fact="0.26"/>
+                <dgm:constr type="r" for="ch" forName="cycle" refType="w"/>
+                <dgm:constr type="ctrY" for="ch" forName="cycle" refType="h" fact="0.5"/>
+                <dgm:constr type="diam" for="ch" forName="cycle" refType="h" fact="1.344"/>
+                <dgm:constr type="h" for="ch" forName="accent_1" refType="h" fact="0.1923"/>
+                <dgm:constr type="w" for="ch" forName="accent_1" refType="h" refFor="ch" refForName="accent_1" op="equ"/>
+                <dgm:constr type="ctrY" for="ch" forName="accent_1" refType="h" fact="0.1538"/>
+                <dgm:constr type="ctrX" for="ch" forName="accent_1" refType="w"/>
+                <dgm:constr type="ctrXOff" for="ch" forName="accent_1" refType="h" fact="-0.1268"/>
+                <dgm:constr type="r" for="ch" forName="text_1" refType="ctrX" refFor="ch" refForName="accent_1"/>
+                <dgm:constr type="rOff" for="ch" forName="text_1" refType="ctrXOff" refFor="ch" refForName="accent_1"/>
+                <dgm:constr type="l" for="ch" forName="text_1"/>
+                <dgm:constr type="w" for="ch" forName="text_1" refType="h" refFor="ch" refForName="text_1" op="gte"/>
+                <dgm:constr type="h" for="ch" forName="text_1" refType="h" refFor="ch" refForName="accent_1" fact="0.8"/>
+                <dgm:constr type="ctrY" for="ch" forName="text_1" refType="ctrY" refFor="ch" refForName="accent_1"/>
+                <dgm:constr type="rMarg" for="ch" forName="text_1" refType="w" refFor="ch" refForName="accent_1" fact="1.8"/>
+                <dgm:constr type="h" for="ch" forName="accent_2" refType="h" fact="0.1923"/>
+                <dgm:constr type="w" for="ch" forName="accent_2" refType="h" refFor="ch" refForName="accent_2" op="equ"/>
+                <dgm:constr type="ctrY" for="ch" forName="accent_2" refType="h" fact="0.3846"/>
+                <dgm:constr type="ctrX" for="ch" forName="accent_2" refType="w"/>
+                <dgm:constr type="ctrXOff" for="ch" forName="accent_2" refType="h" fact="-0.215"/>
+                <dgm:constr type="r" for="ch" forName="text_2" refType="ctrX" refFor="ch" refForName="accent_2"/>
+                <dgm:constr type="rOff" for="ch" forName="text_2" refType="ctrXOff" refFor="ch" refForName="accent_2"/>
+                <dgm:constr type="l" for="ch" forName="text_2"/>
+                <dgm:constr type="w" for="ch" forName="text_2" refType="h" refFor="ch" refForName="text_2" op="gte"/>
+                <dgm:constr type="h" for="ch" forName="text_2" refType="h" refFor="ch" refForName="accent_2" fact="0.8"/>
+                <dgm:constr type="ctrY" for="ch" forName="text_2" refType="ctrY" refFor="ch" refForName="accent_2"/>
+                <dgm:constr type="rMarg" for="ch" forName="text_2" refType="w" refFor="ch" refForName="accent_2" fact="1.8"/>
+                <dgm:constr type="h" for="ch" forName="accent_3" refType="h" fact="0.1923"/>
+                <dgm:constr type="w" for="ch" forName="accent_3" refType="h" refFor="ch" refForName="accent_3" op="equ"/>
+                <dgm:constr type="ctrY" for="ch" forName="accent_3" refType="h" fact="0.6154"/>
+                <dgm:constr type="ctrX" for="ch" forName="accent_3" refType="w"/>
+                <dgm:constr type="ctrXOff" for="ch" forName="accent_3" refType="h" fact="-0.215"/>
+                <dgm:constr type="r" for="ch" forName="text_3" refType="ctrX" refFor="ch" refForName="accent_3"/>
+                <dgm:constr type="rOff" for="ch" forName="text_3" refType="ctrXOff" refFor="ch" refForName="accent_3"/>
+                <dgm:constr type="l" for="ch" forName="text_3"/>
+                <dgm:constr type="w" for="ch" forName="text_3" refType="h" refFor="ch" refForName="text_3" op="gte"/>
+                <dgm:constr type="h" for="ch" forName="text_3" refType="h" refFor="ch" refForName="accent_3" fact="0.8"/>
+                <dgm:constr type="ctrY" for="ch" forName="text_3" refType="ctrY" refFor="ch" refForName="accent_3"/>
+                <dgm:constr type="rMarg" for="ch" forName="text_3" refType="w" refFor="ch" refForName="accent_3" fact="1.8"/>
+                <dgm:constr type="h" for="ch" forName="accent_4" refType="h" fact="0.1923"/>
+                <dgm:constr type="w" for="ch" forName="accent_4" refType="h" refFor="ch" refForName="accent_4" op="equ"/>
+                <dgm:constr type="ctrY" for="ch" forName="accent_4" refType="h" fact="0.8462"/>
+                <dgm:constr type="ctrX" for="ch" forName="accent_4" refType="w"/>
+                <dgm:constr type="ctrXOff" for="ch" forName="accent_4" refType="h" fact="-0.1268"/>
+                <dgm:constr type="r" for="ch" forName="text_4" refType="ctrX" refFor="ch" refForName="accent_4"/>
+                <dgm:constr type="rOff" for="ch" forName="text_4" refType="ctrXOff" refFor="ch" refForName="accent_4"/>
+                <dgm:constr type="l" for="ch" forName="text_4"/>
+                <dgm:constr type="w" for="ch" forName="text_4" refType="h" refFor="ch" refForName="text_4" op="gte"/>
+                <dgm:constr type="h" for="ch" forName="text_4" refType="h" refFor="ch" refForName="accent_4" fact="0.8"/>
+                <dgm:constr type="ctrY" for="ch" forName="text_4" refType="ctrY" refFor="ch" refForName="accent_4"/>
+                <dgm:constr type="rMarg" for="ch" forName="text_4" refType="w" refFor="ch" refForName="accent_4" fact="1.8"/>
+                <dgm:constr type="primFontSz" for="ch" ptType="node" op="equ" val="65"/>
+              </dgm:constrLst>
+            </dgm:if>
+            <dgm:if name="Name18" axis="ch" ptType="node" func="cnt" op="equ" val="5">
+              <dgm:constrLst>
+                <dgm:constr type="h" for="ch" forName="cycle" refType="h"/>
+                <dgm:constr type="w" for="ch" forName="cycle" refType="h" refFor="ch" refForName="cycle" fact="0.26"/>
+                <dgm:constr type="r" for="ch" forName="cycle" refType="w"/>
+                <dgm:constr type="ctrY" for="ch" forName="cycle" refType="h" fact="0.5"/>
+                <dgm:constr type="diam" for="ch" forName="cycle" refType="h" fact="1.344"/>
+                <dgm:constr type="h" for="ch" forName="accent_1" refType="h" fact="0.1563"/>
+                <dgm:constr type="w" for="ch" forName="accent_1" refType="h" refFor="ch" refForName="accent_1" op="equ"/>
+                <dgm:constr type="ctrY" for="ch" forName="accent_1" refType="h" fact="0.125"/>
+                <dgm:constr type="ctrX" for="ch" forName="accent_1" refType="w"/>
+                <dgm:constr type="ctrXOff" for="ch" forName="accent_1" refType="h" fact="-0.1082"/>
+                <dgm:constr type="r" for="ch" forName="text_1" refType="ctrX" refFor="ch" refForName="accent_1"/>
+                <dgm:constr type="rOff" for="ch" forName="text_1" refType="ctrXOff" refFor="ch" refForName="accent_1"/>
+                <dgm:constr type="l" for="ch" forName="text_1"/>
+                <dgm:constr type="w" for="ch" forName="text_1" refType="h" refFor="ch" refForName="text_1" op="gte"/>
+                <dgm:constr type="h" for="ch" forName="text_1" refType="h" refFor="ch" refForName="accent_1" fact="0.8"/>
+                <dgm:constr type="ctrY" for="ch" forName="text_1" refType="ctrY" refFor="ch" refForName="accent_1"/>
+                <dgm:constr type="rMarg" for="ch" forName="text_1" refType="w" refFor="ch" refForName="accent_1" fact="1.8"/>
+                <dgm:constr type="h" for="ch" forName="accent_2" refType="h" fact="0.1563"/>
+                <dgm:constr type="w" for="ch" forName="accent_2" refType="h" refFor="ch" refForName="accent_2" op="equ"/>
+                <dgm:constr type="ctrY" for="ch" forName="accent_2" refType="h" fact="0.3125"/>
+                <dgm:constr type="ctrX" for="ch" forName="accent_2" refType="w"/>
+                <dgm:constr type="ctrXOff" for="ch" forName="accent_2" refType="h" fact="-0.1978"/>
+                <dgm:constr type="r" for="ch" forName="text_2" refType="ctrX" refFor="ch" refForName="accent_2"/>
+                <dgm:constr type="rOff" for="ch" forName="text_2" refType="ctrXOff" refFor="ch" refForName="accent_2"/>
+                <dgm:constr type="l" for="ch" forName="text_2"/>
+                <dgm:constr type="w" for="ch" forName="text_2" refType="h" refFor="ch" refForName="text_2" op="gte"/>
+                <dgm:constr type="h" for="ch" forName="text_2" refType="h" refFor="ch" refForName="accent_2" fact="0.8"/>
+                <dgm:constr type="ctrY" for="ch" forName="text_2" refType="ctrY" refFor="ch" refForName="accent_2"/>
+                <dgm:constr type="rMarg" for="ch" forName="text_2" refType="w" refFor="ch" refForName="accent_2" fact="1.8"/>
+                <dgm:constr type="h" for="ch" forName="accent_3" refType="h" fact="0.1563"/>
+                <dgm:constr type="w" for="ch" forName="accent_3" refType="h" refFor="ch" refForName="accent_3" op="equ"/>
+                <dgm:constr type="ctrY" for="ch" forName="accent_3" refType="h" fact="0.5"/>
+                <dgm:constr type="ctrX" for="ch" forName="accent_3" refType="w"/>
+                <dgm:constr type="ctrXOff" for="ch" forName="accent_3" refType="h" fact="-0.2253"/>
+                <dgm:constr type="r" for="ch" forName="text_3" refType="ctrX" refFor="ch" refForName="accent_3"/>
+                <dgm:constr type="rOff" for="ch" forName="text_3" refType="ctrXOff" refFor="ch" refForName="accent_3"/>
+                <dgm:constr type="l" for="ch" forName="text_3"/>
+                <dgm:constr type="w" for="ch" forName="text_3" refType="h" refFor="ch" refForName="text_3" op="gte"/>
+                <dgm:constr type="h" for="ch" forName="text_3" refType="h" refFor="ch" refForName="accent_3" fact="0.8"/>
+                <dgm:constr type="ctrY" for="ch" forName="text_3" refType="ctrY" refFor="ch" refForName="accent_3"/>
+                <dgm:constr type="rMarg" for="ch" forName="text_3" refType="w" refFor="ch" refForName="accent_3" fact="1.8"/>
+                <dgm:constr type="h" for="ch" forName="accent_4" refType="h" fact="0.1563"/>
+                <dgm:constr type="w" for="ch" forName="accent_4" refType="h" refFor="ch" refForName="accent_4" op="equ"/>
+                <dgm:constr type="ctrY" for="ch" forName="accent_4" refType="h" fact="0.6875"/>
+                <dgm:constr type="ctrX" for="ch" forName="accent_4" refType="w"/>
+                <dgm:constr type="ctrXOff" for="ch" forName="accent_4" refType="h" fact="-0.1978"/>
+                <dgm:constr type="r" for="ch" forName="text_4" refType="ctrX" refFor="ch" refForName="accent_4"/>
+                <dgm:constr type="rOff" for="ch" forName="text_4" refType="ctrXOff" refFor="ch" refForName="accent_4"/>
+                <dgm:constr type="l" for="ch" forName="text_4"/>
+                <dgm:constr type="w" for="ch" forName="text_4" refType="h" refFor="ch" refForName="text_4" op="gte"/>
+                <dgm:constr type="h" for="ch" forName="text_4" refType="h" refFor="ch" refForName="accent_4" fact="0.8"/>
+                <dgm:constr type="ctrY" for="ch" forName="text_4" refType="ctrY" refFor="ch" refForName="accent_4"/>
+                <dgm:constr type="rMarg" for="ch" forName="text_4" refType="w" refFor="ch" refForName="accent_4" fact="1.8"/>
+                <dgm:constr type="h" for="ch" forName="accent_5" refType="h" fact="0.1563"/>
+                <dgm:constr type="w" for="ch" forName="accent_5" refType="h" refFor="ch" refForName="accent_5" op="equ"/>
+                <dgm:constr type="ctrY" for="ch" forName="accent_5" refType="h" fact="0.875"/>
+                <dgm:constr type="ctrX" for="ch" forName="accent_5" refType="w"/>
+                <dgm:constr type="ctrXOff" for="ch" forName="accent_5" refType="h" fact="-0.1082"/>
+                <dgm:constr type="r" for="ch" forName="text_5" refType="ctrX" refFor="ch" refForName="accent_5"/>
+                <dgm:constr type="rOff" for="ch" forName="text_5" refType="ctrXOff" refFor="ch" refForName="accent_5"/>
+                <dgm:constr type="l" for="ch" forName="text_5"/>
+                <dgm:constr type="w" for="ch" forName="text_5" refType="h" refFor="ch" refForName="text_5" op="gte"/>
+                <dgm:constr type="h" for="ch" forName="text_5" refType="h" refFor="ch" refForName="accent_5" fact="0.8"/>
+                <dgm:constr type="ctrY" for="ch" forName="text_5" refType="ctrY" refFor="ch" refForName="accent_5"/>
+                <dgm:constr type="rMarg" for="ch" forName="text_5" refType="w" refFor="ch" refForName="accent_5" fact="1.8"/>
+                <dgm:constr type="primFontSz" for="ch" ptType="node" op="equ" val="65"/>
+              </dgm:constrLst>
+            </dgm:if>
+            <dgm:if name="Name19" axis="ch" ptType="node" func="cnt" op="equ" val="6">
+              <dgm:constrLst>
+                <dgm:constr type="h" for="ch" forName="cycle" refType="h"/>
+                <dgm:constr type="w" for="ch" forName="cycle" refType="h" refFor="ch" refForName="cycle" fact="0.26"/>
+                <dgm:constr type="r" for="ch" forName="cycle" refType="w"/>
+                <dgm:constr type="ctrY" for="ch" forName="cycle" refType="h" fact="0.5"/>
+                <dgm:constr type="diam" for="ch" forName="cycle" refType="h" fact="1.344"/>
+                <dgm:constr type="h" for="ch" forName="accent_1" refType="h" fact="0.1316"/>
+                <dgm:constr type="w" for="ch" forName="accent_1" refType="h" refFor="ch" refForName="accent_1" op="equ"/>
+                <dgm:constr type="ctrY" for="ch" forName="accent_1" refType="h" fact="0.1053"/>
+                <dgm:constr type="ctrX" for="ch" forName="accent_1" refType="w"/>
+                <dgm:constr type="ctrXOff" for="ch" forName="accent_1" refType="h" fact="-0.0943"/>
+                <dgm:constr type="r" for="ch" forName="text_1" refType="ctrX" refFor="ch" refForName="accent_1"/>
+                <dgm:constr type="rOff" for="ch" forName="text_1" refType="ctrXOff" refFor="ch" refForName="accent_1"/>
+                <dgm:constr type="l" for="ch" forName="text_1"/>
+                <dgm:constr type="w" for="ch" forName="text_1" refType="h" refFor="ch" refForName="text_1" op="gte"/>
+                <dgm:constr type="h" for="ch" forName="text_1" refType="h" refFor="ch" refForName="accent_1" fact="0.8"/>
+                <dgm:constr type="ctrY" for="ch" forName="text_1" refType="ctrY" refFor="ch" refForName="accent_1"/>
+                <dgm:constr type="rMarg" for="ch" forName="text_1" refType="w" refFor="ch" refForName="accent_1" fact="1.8"/>
+                <dgm:constr type="h" for="ch" forName="accent_2" refType="h" fact="0.1316"/>
+                <dgm:constr type="w" for="ch" forName="accent_2" refType="h" refFor="ch" refForName="accent_2" op="equ"/>
+                <dgm:constr type="ctrY" for="ch" forName="accent_2" refType="h" fact="0.2632"/>
+                <dgm:constr type="ctrX" for="ch" forName="accent_2" refType="w"/>
+                <dgm:constr type="ctrXOff" for="ch" forName="accent_2" refType="h" fact="-0.1809"/>
+                <dgm:constr type="r" for="ch" forName="text_2" refType="ctrX" refFor="ch" refForName="accent_2"/>
+                <dgm:constr type="rOff" for="ch" forName="text_2" refType="ctrXOff" refFor="ch" refForName="accent_2"/>
+                <dgm:constr type="l" for="ch" forName="text_2"/>
+                <dgm:constr type="w" for="ch" forName="text_2" refType="h" refFor="ch" refForName="text_2" op="gte"/>
+                <dgm:constr type="h" for="ch" forName="text_2" refType="h" refFor="ch" refForName="accent_2" fact="0.8"/>
+                <dgm:constr type="ctrY" for="ch" forName="text_2" refType="ctrY" refFor="ch" refForName="accent_2"/>
+                <dgm:constr type="rMarg" for="ch" forName="text_2" refType="w" refFor="ch" refForName="accent_2" fact="1.8"/>
+                <dgm:constr type="h" for="ch" forName="accent_3" refType="h" fact="0.1316"/>
+                <dgm:constr type="w" for="ch" forName="accent_3" refType="h" refFor="ch" refForName="accent_3" op="equ"/>
+                <dgm:constr type="ctrY" for="ch" forName="accent_3" refType="h" fact="0.4211"/>
+                <dgm:constr type="ctrX" for="ch" forName="accent_3" refType="w"/>
+                <dgm:constr type="ctrXOff" for="ch" forName="accent_3" refType="h" fact="-0.2205"/>
+                <dgm:constr type="r" for="ch" forName="text_3" refType="ctrX" refFor="ch" refForName="accent_3"/>
+                <dgm:constr type="rOff" for="ch" forName="text_3" refType="ctrXOff" refFor="ch" refForName="accent_3"/>
+                <dgm:constr type="l" for="ch" forName="text_3"/>
+                <dgm:constr type="w" for="ch" forName="text_3" refType="h" refFor="ch" refForName="text_3" op="gte"/>
+                <dgm:constr type="h" for="ch" forName="text_3" refType="h" refFor="ch" refForName="accent_3" fact="0.8"/>
+                <dgm:constr type="ctrY" for="ch" forName="text_3" refType="ctrY" refFor="ch" refForName="accent_3"/>
+                <dgm:constr type="rMarg" for="ch" forName="text_3" refType="w" refFor="ch" refForName="accent_3" fact="1.8"/>
+                <dgm:constr type="h" for="ch" forName="accent_4" refType="h" fact="0.1316"/>
+                <dgm:constr type="w" for="ch" forName="accent_4" refType="h" refFor="ch" refForName="accent_4" op="equ"/>
+                <dgm:constr type="ctrY" for="ch" forName="accent_4" refType="h" fact="0.5789"/>
+                <dgm:constr type="ctrX" for="ch" forName="accent_4" refType="w"/>
+                <dgm:constr type="ctrXOff" for="ch" forName="accent_4" refType="h" fact="-0.2205"/>
+                <dgm:constr type="r" for="ch" forName="text_4" refType="ctrX" refFor="ch" refForName="accent_4"/>
+                <dgm:constr type="rOff" for="ch" forName="text_4" refType="ctrXOff" refFor="ch" refForName="accent_4"/>
+                <dgm:constr type="l" for="ch" forName="text_4"/>
+                <dgm:constr type="w" for="ch" forName="text_4" refType="h" refFor="ch" refForName="text_4" op="gte"/>
+                <dgm:constr type="h" for="ch" forName="text_4" refType="h" refFor="ch" refForName="accent_4" fact="0.8"/>
+                <dgm:constr type="ctrY" for="ch" forName="text_4" refType="ctrY" refFor="ch" refForName="accent_4"/>
+                <dgm:constr type="rMarg" for="ch" forName="text_4" refType="w" refFor="ch" refForName="accent_4" fact="1.8"/>
+                <dgm:constr type="h" for="ch" forName="accent_5" refType="h" fact="0.1316"/>
+                <dgm:constr type="w" for="ch" forName="accent_5" refType="h" refFor="ch" refForName="accent_5" op="equ"/>
+                <dgm:constr type="ctrY" for="ch" forName="accent_5" refType="h" fact="0.7368"/>
+                <dgm:constr type="ctrX" for="ch" forName="accent_5" refType="w"/>
+                <dgm:constr type="ctrXOff" for="ch" forName="accent_5" refType="h" fact="-0.1809"/>
+                <dgm:constr type="r" for="ch" forName="text_5" refType="ctrX" refFor="ch" refForName="accent_5"/>
+                <dgm:constr type="rOff" for="ch" forName="text_5" refType="ctrXOff" refFor="ch" refForName="accent_5"/>
+                <dgm:constr type="l" for="ch" forName="text_5"/>
+                <dgm:constr type="w" for="ch" forName="text_5" refType="h" refFor="ch" refForName="text_5" op="gte"/>
+                <dgm:constr type="h" for="ch" forName="text_5" refType="h" refFor="ch" refForName="accent_5" fact="0.8"/>
+                <dgm:constr type="ctrY" for="ch" forName="text_5" refType="ctrY" refFor="ch" refForName="accent_5"/>
+                <dgm:constr type="rMarg" for="ch" forName="text_5" refType="w" refFor="ch" refForName="accent_5" fact="1.8"/>
+                <dgm:constr type="h" for="ch" forName="accent_6" refType="h" fact="0.1316"/>
+                <dgm:constr type="w" for="ch" forName="accent_6" refType="h" refFor="ch" refForName="accent_6" op="equ"/>
+                <dgm:constr type="ctrY" for="ch" forName="accent_6" refType="h" fact="0.8947"/>
+                <dgm:constr type="ctrX" for="ch" forName="accent_6" refType="w"/>
+                <dgm:constr type="ctrXOff" for="ch" forName="accent_6" refType="h" fact="-0.0943"/>
+                <dgm:constr type="r" for="ch" forName="text_6" refType="ctrX" refFor="ch" refForName="accent_6"/>
+                <dgm:constr type="rOff" for="ch" forName="text_6" refType="ctrXOff" refFor="ch" refForName="accent_6"/>
+                <dgm:constr type="l" for="ch" forName="text_6"/>
+                <dgm:constr type="w" for="ch" forName="text_6" refType="h" refFor="ch" refForName="text_6" op="gte"/>
+                <dgm:constr type="h" for="ch" forName="text_6" refType="h" refFor="ch" refForName="accent_6" fact="0.8"/>
+                <dgm:constr type="ctrY" for="ch" forName="text_6" refType="ctrY" refFor="ch" refForName="accent_6"/>
+                <dgm:constr type="rMarg" for="ch" forName="text_6" refType="w" refFor="ch" refForName="accent_6" fact="1.8"/>
+                <dgm:constr type="primFontSz" for="ch" ptType="node" op="equ" val="65"/>
+              </dgm:constrLst>
+            </dgm:if>
+            <dgm:else name="Name20">
+              <dgm:constrLst>
+                <dgm:constr type="h" for="ch" forName="cycle" refType="h"/>
+                <dgm:constr type="w" for="ch" forName="cycle" refType="h" refFor="ch" refForName="cycle" fact="0.26"/>
+                <dgm:constr type="r" for="ch" forName="cycle" refType="w"/>
+                <dgm:constr type="ctrY" for="ch" forName="cycle" refType="h" fact="0.5"/>
+                <dgm:constr type="diam" for="ch" forName="cycle" refType="h" fact="1.344"/>
+                <dgm:constr type="h" for="ch" forName="accent_1" refType="h" fact="0.1136"/>
+                <dgm:constr type="w" for="ch" forName="accent_1" refType="h" refFor="ch" refForName="accent_1" op="equ"/>
+                <dgm:constr type="ctrY" for="ch" forName="accent_1" refType="h" fact="0.0909"/>
+                <dgm:constr type="ctrX" for="ch" forName="accent_1" refType="w"/>
+                <dgm:constr type="ctrXOff" for="ch" forName="accent_1" refType="h" fact="-0.0835"/>
+                <dgm:constr type="r" for="ch" forName="text_1" refType="ctrX" refFor="ch" refForName="accent_1"/>
+                <dgm:constr type="rOff" for="ch" forName="text_1" refType="ctrXOff" refFor="ch" refForName="accent_1"/>
+                <dgm:constr type="l" for="ch" forName="text_1"/>
+                <dgm:constr type="w" for="ch" forName="text_1" refType="h" refFor="ch" refForName="text_1" op="gte"/>
+                <dgm:constr type="h" for="ch" forName="text_1" refType="h" refFor="ch" refForName="accent_1" fact="0.8"/>
+                <dgm:constr type="ctrY" for="ch" forName="text_1" refType="ctrY" refFor="ch" refForName="accent_1"/>
+                <dgm:constr type="rMarg" for="ch" forName="text_1" refType="w" refFor="ch" refForName="accent_1" fact="1.8"/>
+                <dgm:constr type="h" for="ch" forName="accent_2" refType="h" fact="0.1136"/>
+                <dgm:constr type="w" for="ch" forName="accent_2" refType="h" refFor="ch" refForName="accent_2" op="equ"/>
+                <dgm:constr type="ctrY" for="ch" forName="accent_2" refType="h" fact="0.2273"/>
+                <dgm:constr type="ctrX" for="ch" forName="accent_2" refType="w"/>
+                <dgm:constr type="ctrXOff" for="ch" forName="accent_2" refType="h" fact="-0.1658"/>
+                <dgm:constr type="r" for="ch" forName="text_2" refType="ctrX" refFor="ch" refForName="accent_2"/>
+                <dgm:constr type="rOff" for="ch" forName="text_2" refType="ctrXOff" refFor="ch" refForName="accent_2"/>
+                <dgm:constr type="l" for="ch" forName="text_2"/>
+                <dgm:constr type="w" for="ch" forName="text_2" refType="h" refFor="ch" refForName="text_2" op="gte"/>
+                <dgm:constr type="h" for="ch" forName="text_2" refType="h" refFor="ch" refForName="accent_2" fact="0.8"/>
+                <dgm:constr type="ctrY" for="ch" forName="text_2" refType="ctrY" refFor="ch" refForName="accent_2"/>
+                <dgm:constr type="rMarg" for="ch" forName="text_2" refType="w" refFor="ch" refForName="accent_2" fact="1.8"/>
+                <dgm:constr type="h" for="ch" forName="accent_3" refType="h" fact="0.1136"/>
+                <dgm:constr type="w" for="ch" forName="accent_3" refType="h" refFor="ch" refForName="accent_3" op="equ"/>
+                <dgm:constr type="ctrY" for="ch" forName="accent_3" refType="h" fact="0.3636"/>
+                <dgm:constr type="ctrX" for="ch" forName="accent_3" refType="w"/>
+                <dgm:constr type="ctrXOff" for="ch" forName="accent_3" refType="h" fact="-0.2109"/>
+                <dgm:constr type="r" for="ch" forName="text_3" refType="ctrX" refFor="ch" refForName="accent_3"/>
+                <dgm:constr type="rOff" for="ch" forName="text_3" refType="ctrXOff" refFor="ch" refForName="accent_3"/>
+                <dgm:constr type="l" for="ch" forName="text_3"/>
+                <dgm:constr type="w" for="ch" forName="text_3" refType="h" refFor="ch" refForName="text_3" op="gte"/>
+                <dgm:constr type="h" for="ch" forName="text_3" refType="h" refFor="ch" refForName="accent_3" fact="0.8"/>
+                <dgm:constr type="ctrY" for="ch" forName="text_3" refType="ctrY" refFor="ch" refForName="accent_3"/>
+                <dgm:constr type="rMarg" for="ch" forName="text_3" refType="w" refFor="ch" refForName="accent_3" fact="1.8"/>
+                <dgm:constr type="h" for="ch" forName="accent_4" refType="h" fact="0.1136"/>
+                <dgm:constr type="w" for="ch" forName="accent_4" refType="h" refFor="ch" refForName="accent_4" op="equ"/>
+                <dgm:constr type="ctrY" for="ch" forName="accent_4" refType="h" fact="0.5"/>
+                <dgm:constr type="ctrX" for="ch" forName="accent_4" refType="w"/>
+                <dgm:constr type="ctrXOff" for="ch" forName="accent_4" refType="h" fact="-0.2253"/>
+                <dgm:constr type="r" for="ch" forName="text_4" refType="ctrX" refFor="ch" refForName="accent_4"/>
+                <dgm:constr type="rOff" for="ch" forName="text_4" refType="ctrXOff" refFor="ch" refForName="accent_4"/>
+                <dgm:constr type="l" for="ch" forName="text_4"/>
+                <dgm:constr type="w" for="ch" forName="text_4" refType="h" refFor="ch" refForName="text_4" op="gte"/>
+                <dgm:constr type="h" for="ch" forName="text_4" refType="h" refFor="ch" refForName="accent_4" fact="0.8"/>
+                <dgm:constr type="ctrY" for="ch" forName="text_4" refType="ctrY" refFor="ch" refForName="accent_4"/>
+                <dgm:constr type="rMarg" for="ch" forName="text_4" refType="w" refFor="ch" refForName="accent_4" fact="1.8"/>
+                <dgm:constr type="h" for="ch" forName="accent_5" refType="h" fact="0.1136"/>
+                <dgm:constr type="w" for="ch" forName="accent_5" refType="h" refFor="ch" refForName="accent_5" op="equ"/>
+                <dgm:constr type="ctrY" for="ch" forName="accent_5" refType="h" fact="0.6364"/>
+                <dgm:constr type="ctrX" for="ch" forName="accent_5" refType="w"/>
+                <dgm:constr type="ctrXOff" for="ch" forName="accent_5" refType="h" fact="-0.2109"/>
+                <dgm:constr type="r" for="ch" forName="text_5" refType="ctrX" refFor="ch" refForName="accent_5"/>
+                <dgm:constr type="rOff" for="ch" forName="text_5" refType="ctrXOff" refFor="ch" refForName="accent_5"/>
+                <dgm:constr type="l" for="ch" forName="text_5"/>
+                <dgm:constr type="w" for="ch" forName="text_5" refType="h" refFor="ch" refForName="text_5" op="gte"/>
+                <dgm:constr type="h" for="ch" forName="text_5" refType="h" refFor="ch" refForName="accent_5" fact="0.8"/>
+                <dgm:constr type="ctrY" for="ch" forName="text_5" refType="ctrY" refFor="ch" refForName="accent_5"/>
+                <dgm:constr type="rMarg" for="ch" forName="text_5" refType="w" refFor="ch" refForName="accent_5" fact="1.8"/>
+                <dgm:constr type="h" for="ch" forName="accent_6" refType="h" fact="0.1136"/>
+                <dgm:constr type="w" for="ch" forName="accent_6" refType="h" refFor="ch" refForName="accent_6" op="equ"/>
+                <dgm:constr type="ctrY" for="ch" forName="accent_6" refType="h" fact="0.7727"/>
+                <dgm:constr type="ctrX" for="ch" forName="accent_6" refType="w"/>
+                <dgm:constr type="ctrXOff" for="ch" forName="accent_6" refType="h" fact="-0.1658"/>
+                <dgm:constr type="r" for="ch" forName="text_6" refType="ctrX" refFor="ch" refForName="accent_6"/>
+                <dgm:constr type="rOff" for="ch" forName="text_6" refType="ctrXOff" refFor="ch" refForName="accent_6"/>
+                <dgm:constr type="l" for="ch" forName="text_6"/>
+                <dgm:constr type="w" for="ch" forName="text_6" refType="h" refFor="ch" refForName="text_6" op="gte"/>
+                <dgm:constr type="h" for="ch" forName="text_6" refType="h" refFor="ch" refForName="accent_6" fact="0.8"/>
+                <dgm:constr type="ctrY" for="ch" forName="text_6" refType="ctrY" refFor="ch" refForName="accent_6"/>
+                <dgm:constr type="rMarg" for="ch" forName="text_6" refType="w" refFor="ch" refForName="accent_6" fact="1.8"/>
+                <dgm:constr type="h" for="ch" forName="accent_7" refType="h" fact="0.1136"/>
+                <dgm:constr type="w" for="ch" forName="accent_7" refType="h" refFor="ch" refForName="accent_7" op="equ"/>
+                <dgm:constr type="ctrY" for="ch" forName="accent_7" refType="h" fact="0.9091"/>
+                <dgm:constr type="ctrX" for="ch" forName="accent_7" refType="w"/>
+                <dgm:constr type="ctrXOff" for="ch" forName="accent_7" refType="h" fact="-0.0835"/>
+                <dgm:constr type="r" for="ch" forName="text_7" refType="ctrX" refFor="ch" refForName="accent_7"/>
+                <dgm:constr type="rOff" for="ch" forName="text_7" refType="ctrXOff" refFor="ch" refForName="accent_7"/>
+                <dgm:constr type="l" for="ch" forName="text_7"/>
+                <dgm:constr type="w" for="ch" forName="text_7" refType="h" refFor="ch" refForName="text_7" op="gte"/>
+                <dgm:constr type="h" for="ch" forName="text_7" refType="h" refFor="ch" refForName="accent_7" fact="0.8"/>
+                <dgm:constr type="ctrY" for="ch" forName="text_7" refType="ctrY" refFor="ch" refForName="accent_7"/>
+                <dgm:constr type="rMarg" for="ch" forName="text_7" refType="w" refFor="ch" refForName="accent_7" fact="1.8"/>
+                <dgm:constr type="primFontSz" for="ch" ptType="node" op="equ" val="65"/>
+              </dgm:constrLst>
+            </dgm:else>
+          </dgm:choose>
+        </dgm:else>
+      </dgm:choose>
+      <dgm:layoutNode name="cycle">
+        <dgm:choose name="Name21">
+          <dgm:if name="Name22" func="var" arg="dir" op="equ" val="norm">
+            <dgm:alg type="cycle">
+              <dgm:param type="stAng" val="45"/>
+              <dgm:param type="spanAng" val="90"/>
             </dgm:alg>
           </dgm:if>
-          <dgm:else name="Name6">
-            <dgm:alg type="lin">
-              <dgm:param type="linDir" val="fromR"/>
-              <dgm:param type="nodeVertAlign" val="t"/>
+          <dgm:else name="Name23">
+            <dgm:alg type="cycle">
+              <dgm:param type="stAng" val="225"/>
+              <dgm:param type="spanAng" val="90"/>
             </dgm:alg>
           </dgm:else>
         </dgm:choose>
@@ -13217,313 +12327,401 @@
           <dgm:adjLst/>
         </dgm:shape>
         <dgm:presOf/>
-        <dgm:choose name="Name7">
-          <dgm:if name="Name8" axis="root des" func="maxDepth" op="equ" val="1">
-            <dgm:constrLst>
-              <dgm:constr type="w" for="ch" forName="tx1" refType="w"/>
-            </dgm:constrLst>
-          </dgm:if>
-          <dgm:if name="Name9" axis="root des" func="maxDepth" op="equ" val="2">
-            <dgm:constrLst>
-              <dgm:constr type="w" for="ch" forName="tx1" refType="w" fact="0.2"/>
-              <dgm:constr type="w" for="des" forName="tx2" refType="w" fact="0.785"/>
-              <dgm:constr type="w" for="des" forName="horzSpace2" refType="w" fact="0.015"/>
-              <dgm:constr type="w" for="des" forName="thinLine2b" refType="w" fact="0.8"/>
-            </dgm:constrLst>
-          </dgm:if>
-          <dgm:if name="Name10" axis="root des" func="maxDepth" op="equ" val="3">
-            <dgm:constrLst>
-              <dgm:constr type="w" for="ch" forName="tx1" refType="w" fact="0.2"/>
-              <dgm:constr type="w" for="des" forName="tx2" refType="w" fact="0.385"/>
-              <dgm:constr type="w" for="des" forName="tx3" refType="w" fact="0.385"/>
-              <dgm:constr type="w" for="des" forName="horzSpace2" refType="w" fact="0.015"/>
-              <dgm:constr type="w" for="des" forName="horzSpace3" refType="w" fact="0.015"/>
-              <dgm:constr type="w" for="des" forName="thinLine2b" refType="w" fact="0.8"/>
-              <dgm:constr type="w" for="des" forName="thinLine3" refType="w" fact="0.385"/>
-            </dgm:constrLst>
-          </dgm:if>
-          <dgm:if name="Name11" axis="root des" func="maxDepth" op="gte" val="4">
-            <dgm:constrLst>
-              <dgm:constr type="w" for="ch" forName="tx1" refType="w" fact="0.2"/>
-              <dgm:constr type="w" for="des" forName="tx2" refType="w" fact="0.2516"/>
-              <dgm:constr type="w" for="des" forName="tx3" refType="w" fact="0.2516"/>
-              <dgm:constr type="w" for="des" forName="tx4" refType="w" fact="0.2516"/>
-              <dgm:constr type="w" for="des" forName="horzSpace2" refType="w" fact="0.015"/>
-              <dgm:constr type="w" for="des" forName="horzSpace3" refType="w" fact="0.015"/>
-              <dgm:constr type="w" for="des" forName="horzSpace4" refType="w" fact="0.015"/>
-              <dgm:constr type="w" for="des" forName="thinLine2b" refType="w" fact="0.8"/>
-              <dgm:constr type="w" for="des" forName="thinLine3" refType="w" fact="0.5332"/>
-            </dgm:constrLst>
-          </dgm:if>
-          <dgm:else name="Name12"/>
-        </dgm:choose>
-        <dgm:layoutNode name="tx1" styleLbl="revTx">
-          <dgm:alg type="tx">
-            <dgm:param type="parTxLTRAlign" val="l"/>
-            <dgm:param type="parTxRTLAlign" val="r"/>
-            <dgm:param type="txAnchorVert" val="t"/>
+        <dgm:constrLst>
+          <dgm:constr type="w" for="ch" val="1"/>
+          <dgm:constr type="h" for="ch" val="1"/>
+          <dgm:constr type="diam" for="ch" forName="conn" refType="diam"/>
+        </dgm:constrLst>
+        <dgm:layoutNode name="srcNode">
+          <dgm:alg type="sp"/>
+          <dgm:shape xmlns:r="http://schemas.openxmlformats.org/officeDocument/2006/relationships" type="rect" r:blip="" hideGeom="1">
+            <dgm:adjLst/>
+          </dgm:shape>
+          <dgm:presOf/>
+        </dgm:layoutNode>
+        <dgm:layoutNode name="conn" styleLbl="parChTrans1D2">
+          <dgm:alg type="conn">
+            <dgm:param type="connRout" val="curve"/>
+            <dgm:param type="srcNode" val="srcNode"/>
+            <dgm:param type="dstNode" val="dstNode"/>
+            <dgm:param type="begPts" val="ctr"/>
+            <dgm:param type="endPts" val="ctr"/>
+            <dgm:param type="endSty" val="noArr"/>
           </dgm:alg>
+          <dgm:shape xmlns:r="http://schemas.openxmlformats.org/officeDocument/2006/relationships" type="conn" r:blip="">
+            <dgm:adjLst/>
+          </dgm:shape>
+          <dgm:presOf axis="desOrSelf" ptType="sibTrans" hideLastTrans="0" st="0" cnt="1"/>
+          <dgm:constrLst>
+            <dgm:constr type="begPad"/>
+            <dgm:constr type="endPad"/>
+          </dgm:constrLst>
+        </dgm:layoutNode>
+        <dgm:layoutNode name="extraNode">
+          <dgm:alg type="sp"/>
+          <dgm:shape xmlns:r="http://schemas.openxmlformats.org/officeDocument/2006/relationships" type="rect" r:blip="" hideGeom="1">
+            <dgm:adjLst/>
+          </dgm:shape>
+          <dgm:presOf/>
+        </dgm:layoutNode>
+        <dgm:layoutNode name="dstNode">
+          <dgm:alg type="sp"/>
+          <dgm:shape xmlns:r="http://schemas.openxmlformats.org/officeDocument/2006/relationships" type="rect" r:blip="" hideGeom="1">
+            <dgm:adjLst/>
+          </dgm:shape>
+          <dgm:presOf/>
+        </dgm:layoutNode>
+      </dgm:layoutNode>
+      <dgm:forEach name="wrapper" axis="self" ptType="parTrans">
+        <dgm:forEach name="wrapper2" axis="self" ptType="sibTrans" st="2">
+          <dgm:forEach name="accentRepeat" axis="self">
+            <dgm:layoutNode name="accentRepeatNode" styleLbl="solidFgAcc1">
+              <dgm:alg type="sp"/>
+              <dgm:shape xmlns:r="http://schemas.openxmlformats.org/officeDocument/2006/relationships" type="ellipse" r:blip="">
+                <dgm:adjLst/>
+              </dgm:shape>
+              <dgm:presOf/>
+            </dgm:layoutNode>
+          </dgm:forEach>
+        </dgm:forEach>
+      </dgm:forEach>
+      <dgm:forEach name="Name24" axis="ch" ptType="node" cnt="1">
+        <dgm:layoutNode name="text_1" styleLbl="node1">
+          <dgm:varLst>
+            <dgm:bulletEnabled val="1"/>
+          </dgm:varLst>
+          <dgm:choose name="Name25">
+            <dgm:if name="Name26" func="var" arg="dir" op="equ" val="norm">
+              <dgm:alg type="tx">
+                <dgm:param type="parTxLTRAlign" val="l"/>
+                <dgm:param type="shpTxLTRAlignCh" val="l"/>
+                <dgm:param type="parTxRTLAlign" val="l"/>
+                <dgm:param type="shpTxRTLAlignCh" val="l"/>
+              </dgm:alg>
+            </dgm:if>
+            <dgm:else name="Name27">
+              <dgm:alg type="tx">
+                <dgm:param type="parTxLTRAlign" val="r"/>
+                <dgm:param type="shpTxLTRAlignCh" val="r"/>
+                <dgm:param type="parTxRTLAlign" val="r"/>
+                <dgm:param type="shpTxRTLAlignCh" val="r"/>
+              </dgm:alg>
+            </dgm:else>
+          </dgm:choose>
           <dgm:shape xmlns:r="http://schemas.openxmlformats.org/officeDocument/2006/relationships" type="rect" r:blip="">
             <dgm:adjLst/>
           </dgm:shape>
-          <dgm:presOf axis="self"/>
+          <dgm:presOf axis="desOrSelf" ptType="node"/>
           <dgm:constrLst>
-            <dgm:constr type="tMarg" refType="primFontSz" fact="0.3"/>
-            <dgm:constr type="bMarg" refType="primFontSz" fact="0.3"/>
-            <dgm:constr type="lMarg" refType="primFontSz" fact="0.3"/>
-            <dgm:constr type="rMarg" refType="primFontSz" fact="0.3"/>
+            <dgm:constr type="primFontSz" val="65"/>
+            <dgm:constr type="lMarg" refType="primFontSz" fact="0.2"/>
+            <dgm:constr type="rMarg" refType="primFontSz" fact="0.2"/>
+            <dgm:constr type="tMarg" refType="primFontSz" fact="0.2"/>
+            <dgm:constr type="bMarg" refType="primFontSz" fact="0.2"/>
           </dgm:constrLst>
           <dgm:ruleLst>
             <dgm:rule type="primFontSz" val="5" fact="NaN" max="NaN"/>
           </dgm:ruleLst>
         </dgm:layoutNode>
-        <dgm:layoutNode name="vert1">
-          <dgm:choose name="Name13">
-            <dgm:if name="Name14" func="var" arg="dir" op="equ" val="norm">
-              <dgm:alg type="lin">
-                <dgm:param type="linDir" val="fromT"/>
-                <dgm:param type="nodeHorzAlign" val="l"/>
-              </dgm:alg>
-            </dgm:if>
-            <dgm:else name="Name15">
-              <dgm:alg type="lin">
-                <dgm:param type="linDir" val="fromT"/>
-                <dgm:param type="nodeHorzAlign" val="r"/>
-              </dgm:alg>
-            </dgm:else>
-          </dgm:choose>
+        <dgm:layoutNode name="accent_1">
+          <dgm:alg type="sp"/>
           <dgm:shape xmlns:r="http://schemas.openxmlformats.org/officeDocument/2006/relationships" r:blip="">
             <dgm:adjLst/>
           </dgm:shape>
           <dgm:presOf/>
-          <dgm:forEach name="Name16" axis="ch" ptType="node">
-            <dgm:choose name="Name17">
-              <dgm:if name="Name18" axis="self" ptType="node" func="pos" op="equ" val="1">
-                <dgm:layoutNode name="vertSpace2a">
-                  <dgm:alg type="sp"/>
-                  <dgm:shape xmlns:r="http://schemas.openxmlformats.org/officeDocument/2006/relationships" r:blip="">
-                    <dgm:adjLst/>
-                  </dgm:shape>
-                  <dgm:presOf/>
-                </dgm:layoutNode>
-              </dgm:if>
-              <dgm:else name="Name19"/>
-            </dgm:choose>
-            <dgm:layoutNode name="horz2">
-              <dgm:choose name="Name20">
-                <dgm:if name="Name21" func="var" arg="dir" op="equ" val="norm">
-                  <dgm:alg type="lin">
-                    <dgm:param type="linDir" val="fromL"/>
-                    <dgm:param type="nodeVertAlign" val="t"/>
-                  </dgm:alg>
-                </dgm:if>
-                <dgm:else name="Name22">
-                  <dgm:alg type="lin">
-                    <dgm:param type="linDir" val="fromR"/>
-                    <dgm:param type="nodeVertAlign" val="t"/>
-                  </dgm:alg>
-                </dgm:else>
-              </dgm:choose>
-              <dgm:shape xmlns:r="http://schemas.openxmlformats.org/officeDocument/2006/relationships" r:blip="">
-                <dgm:adjLst/>
-              </dgm:shape>
-              <dgm:presOf/>
-              <dgm:layoutNode name="horzSpace2">
-                <dgm:alg type="sp"/>
-                <dgm:shape xmlns:r="http://schemas.openxmlformats.org/officeDocument/2006/relationships" r:blip="">
-                  <dgm:adjLst/>
-                </dgm:shape>
-                <dgm:presOf/>
-              </dgm:layoutNode>
-              <dgm:layoutNode name="tx2" styleLbl="revTx">
-                <dgm:alg type="tx">
-                  <dgm:param type="parTxLTRAlign" val="l"/>
-                  <dgm:param type="parTxRTLAlign" val="r"/>
-                  <dgm:param type="txAnchorVert" val="t"/>
-                </dgm:alg>
-                <dgm:shape xmlns:r="http://schemas.openxmlformats.org/officeDocument/2006/relationships" type="rect" r:blip="">
-                  <dgm:adjLst/>
-                </dgm:shape>
-                <dgm:presOf axis="self"/>
-                <dgm:constrLst>
-                  <dgm:constr type="tMarg" refType="primFontSz" fact="0.3"/>
-                  <dgm:constr type="bMarg" refType="primFontSz" fact="0.3"/>
-                  <dgm:constr type="lMarg" refType="primFontSz" fact="0.3"/>
-                  <dgm:constr type="rMarg" refType="primFontSz" fact="0.3"/>
-                </dgm:constrLst>
-                <dgm:ruleLst>
-                  <dgm:rule type="primFontSz" val="5" fact="NaN" max="NaN"/>
-                </dgm:ruleLst>
-              </dgm:layoutNode>
-              <dgm:layoutNode name="vert2">
-                <dgm:choose name="Name23">
-                  <dgm:if name="Name24" func="var" arg="dir" op="equ" val="norm">
-                    <dgm:alg type="lin">
-                      <dgm:param type="linDir" val="fromT"/>
-                      <dgm:param type="nodeHorzAlign" val="l"/>
-                    </dgm:alg>
-                  </dgm:if>
-                  <dgm:else name="Name25">
-                    <dgm:alg type="lin">
-                      <dgm:param type="linDir" val="fromT"/>
-                      <dgm:param type="nodeHorzAlign" val="r"/>
-                    </dgm:alg>
-                  </dgm:else>
-                </dgm:choose>
-                <dgm:shape xmlns:r="http://schemas.openxmlformats.org/officeDocument/2006/relationships" r:blip="">
-                  <dgm:adjLst/>
-                </dgm:shape>
-                <dgm:presOf/>
-                <dgm:forEach name="Name26" axis="ch" ptType="node">
-                  <dgm:layoutNode name="horz3">
-                    <dgm:choose name="Name27">
-                      <dgm:if name="Name28" func="var" arg="dir" op="equ" val="norm">
-                        <dgm:alg type="lin">
-                          <dgm:param type="linDir" val="fromL"/>
-                          <dgm:param type="nodeVertAlign" val="t"/>
-                        </dgm:alg>
-                      </dgm:if>
-                      <dgm:else name="Name29">
-                        <dgm:alg type="lin">
-                          <dgm:param type="linDir" val="fromR"/>
-                          <dgm:param type="nodeVertAlign" val="t"/>
-                        </dgm:alg>
-                      </dgm:else>
-                    </dgm:choose>
-                    <dgm:shape xmlns:r="http://schemas.openxmlformats.org/officeDocument/2006/relationships" r:blip="">
-                      <dgm:adjLst/>
-                    </dgm:shape>
-                    <dgm:presOf/>
-                    <dgm:layoutNode name="horzSpace3">
-                      <dgm:alg type="sp"/>
-                      <dgm:shape xmlns:r="http://schemas.openxmlformats.org/officeDocument/2006/relationships" r:blip="">
-                        <dgm:adjLst/>
-                      </dgm:shape>
-                      <dgm:presOf/>
-                    </dgm:layoutNode>
-                    <dgm:layoutNode name="tx3" styleLbl="revTx">
-                      <dgm:alg type="tx">
-                        <dgm:param type="parTxLTRAlign" val="l"/>
-                        <dgm:param type="parTxRTLAlign" val="r"/>
-                        <dgm:param type="txAnchorVert" val="t"/>
-                      </dgm:alg>
-                      <dgm:shape xmlns:r="http://schemas.openxmlformats.org/officeDocument/2006/relationships" type="rect" r:blip="">
-                        <dgm:adjLst/>
-                      </dgm:shape>
-                      <dgm:presOf axis="self"/>
-                      <dgm:constrLst>
-                        <dgm:constr type="tMarg" refType="primFontSz" fact="0.3"/>
-                        <dgm:constr type="bMarg" refType="primFontSz" fact="0.3"/>
-                        <dgm:constr type="lMarg" refType="primFontSz" fact="0.3"/>
-                        <dgm:constr type="rMarg" refType="primFontSz" fact="0.3"/>
-                      </dgm:constrLst>
-                      <dgm:ruleLst>
-                        <dgm:rule type="primFontSz" val="5" fact="NaN" max="NaN"/>
-                      </dgm:ruleLst>
-                    </dgm:layoutNode>
-                    <dgm:layoutNode name="vert3">
-                      <dgm:choose name="Name30">
-                        <dgm:if name="Name31" func="var" arg="dir" op="equ" val="norm">
-                          <dgm:alg type="lin">
-                            <dgm:param type="linDir" val="fromT"/>
-                            <dgm:param type="nodeHorzAlign" val="l"/>
-                          </dgm:alg>
-                        </dgm:if>
-                        <dgm:else name="Name32">
-                          <dgm:alg type="lin">
-                            <dgm:param type="linDir" val="fromT"/>
-                            <dgm:param type="nodeHorzAlign" val="r"/>
-                          </dgm:alg>
-                        </dgm:else>
-                      </dgm:choose>
-                      <dgm:shape xmlns:r="http://schemas.openxmlformats.org/officeDocument/2006/relationships" r:blip="">
-                        <dgm:adjLst/>
-                      </dgm:shape>
-                      <dgm:presOf/>
-                      <dgm:forEach name="Name33" axis="ch" ptType="node">
-                        <dgm:layoutNode name="horz4">
-                          <dgm:choose name="Name34">
-                            <dgm:if name="Name35" func="var" arg="dir" op="equ" val="norm">
-                              <dgm:alg type="lin">
-                                <dgm:param type="linDir" val="fromL"/>
-                                <dgm:param type="nodeVertAlign" val="t"/>
-                              </dgm:alg>
-                            </dgm:if>
-                            <dgm:else name="Name36">
-                              <dgm:alg type="lin">
-                                <dgm:param type="linDir" val="fromR"/>
-                                <dgm:param type="nodeVertAlign" val="t"/>
-                              </dgm:alg>
-                            </dgm:else>
-                          </dgm:choose>
-                          <dgm:shape xmlns:r="http://schemas.openxmlformats.org/officeDocument/2006/relationships" r:blip="">
-                            <dgm:adjLst/>
-                          </dgm:shape>
-                          <dgm:presOf/>
-                          <dgm:layoutNode name="horzSpace4">
-                            <dgm:alg type="sp"/>
-                            <dgm:shape xmlns:r="http://schemas.openxmlformats.org/officeDocument/2006/relationships" r:blip="">
-                              <dgm:adjLst/>
-                            </dgm:shape>
-                            <dgm:presOf/>
-                          </dgm:layoutNode>
-                          <dgm:layoutNode name="tx4" styleLbl="revTx">
-                            <dgm:varLst>
-                              <dgm:bulletEnabled val="1"/>
-                            </dgm:varLst>
-                            <dgm:alg type="tx">
-                              <dgm:param type="parTxLTRAlign" val="l"/>
-                              <dgm:param type="parTxRTLAlign" val="r"/>
-                              <dgm:param type="txAnchorVert" val="t"/>
-                            </dgm:alg>
-                            <dgm:shape xmlns:r="http://schemas.openxmlformats.org/officeDocument/2006/relationships" type="rect" r:blip="">
-                              <dgm:adjLst/>
-                            </dgm:shape>
-                            <dgm:presOf axis="desOrSelf" ptType="node"/>
-                            <dgm:constrLst>
-                              <dgm:constr type="tMarg" refType="primFontSz" fact="0.3"/>
-                              <dgm:constr type="bMarg" refType="primFontSz" fact="0.3"/>
-                              <dgm:constr type="lMarg" refType="primFontSz" fact="0.3"/>
-                              <dgm:constr type="rMarg" refType="primFontSz" fact="0.3"/>
-                            </dgm:constrLst>
-                            <dgm:ruleLst>
-                              <dgm:rule type="primFontSz" val="5" fact="NaN" max="NaN"/>
-                            </dgm:ruleLst>
-                          </dgm:layoutNode>
-                        </dgm:layoutNode>
-                      </dgm:forEach>
-                    </dgm:layoutNode>
-                  </dgm:layoutNode>
-                  <dgm:forEach name="Name37" axis="followSib" ptType="sibTrans" cnt="1">
-                    <dgm:layoutNode name="thinLine3" styleLbl="callout">
-                      <dgm:alg type="sp"/>
-                      <dgm:shape xmlns:r="http://schemas.openxmlformats.org/officeDocument/2006/relationships" type="line" r:blip="">
-                        <dgm:adjLst/>
-                      </dgm:shape>
-                      <dgm:presOf/>
-                    </dgm:layoutNode>
-                  </dgm:forEach>
-                </dgm:forEach>
-              </dgm:layoutNode>
-            </dgm:layoutNode>
-            <dgm:layoutNode name="thinLine2b" styleLbl="callout">
-              <dgm:alg type="sp"/>
-              <dgm:shape xmlns:r="http://schemas.openxmlformats.org/officeDocument/2006/relationships" type="line" r:blip="">
-                <dgm:adjLst/>
-              </dgm:shape>
-              <dgm:presOf/>
-            </dgm:layoutNode>
-            <dgm:layoutNode name="vertSpace2b">
-              <dgm:alg type="sp"/>
-              <dgm:shape xmlns:r="http://schemas.openxmlformats.org/officeDocument/2006/relationships" r:blip="">
-                <dgm:adjLst/>
-              </dgm:shape>
-              <dgm:presOf/>
-            </dgm:layoutNode>
-          </dgm:forEach>
+          <dgm:constrLst/>
+          <dgm:forEach name="Name28" ref="accentRepeat"/>
         </dgm:layoutNode>
-      </dgm:layoutNode>
-    </dgm:forEach>
+      </dgm:forEach>
+      <dgm:forEach name="Name29" axis="ch" ptType="node" st="2" cnt="1">
+        <dgm:layoutNode name="text_2" styleLbl="node1">
+          <dgm:varLst>
+            <dgm:bulletEnabled val="1"/>
+          </dgm:varLst>
+          <dgm:choose name="Name30">
+            <dgm:if name="Name31" func="var" arg="dir" op="equ" val="norm">
+              <dgm:alg type="tx">
+                <dgm:param type="parTxLTRAlign" val="l"/>
+                <dgm:param type="shpTxLTRAlignCh" val="l"/>
+                <dgm:param type="parTxRTLAlign" val="l"/>
+                <dgm:param type="shpTxRTLAlignCh" val="l"/>
+              </dgm:alg>
+            </dgm:if>
+            <dgm:else name="Name32">
+              <dgm:alg type="tx">
+                <dgm:param type="parTxLTRAlign" val="r"/>
+                <dgm:param type="shpTxLTRAlignCh" val="r"/>
+                <dgm:param type="parTxRTLAlign" val="r"/>
+                <dgm:param type="shpTxRTLAlignCh" val="r"/>
+              </dgm:alg>
+            </dgm:else>
+          </dgm:choose>
+          <dgm:shape xmlns:r="http://schemas.openxmlformats.org/officeDocument/2006/relationships" type="rect" r:blip="">
+            <dgm:adjLst/>
+          </dgm:shape>
+          <dgm:presOf axis="desOrSelf" ptType="node"/>
+          <dgm:constrLst>
+            <dgm:constr type="primFontSz" val="65"/>
+            <dgm:constr type="lMarg" refType="primFontSz" fact="0.2"/>
+            <dgm:constr type="rMarg" refType="primFontSz" fact="0.2"/>
+            <dgm:constr type="tMarg" refType="primFontSz" fact="0.2"/>
+            <dgm:constr type="bMarg" refType="primFontSz" fact="0.2"/>
+          </dgm:constrLst>
+          <dgm:ruleLst>
+            <dgm:rule type="primFontSz" val="5" fact="NaN" max="NaN"/>
+          </dgm:ruleLst>
+        </dgm:layoutNode>
+        <dgm:layoutNode name="accent_2">
+          <dgm:alg type="sp"/>
+          <dgm:shape xmlns:r="http://schemas.openxmlformats.org/officeDocument/2006/relationships" r:blip="">
+            <dgm:adjLst/>
+          </dgm:shape>
+          <dgm:presOf/>
+          <dgm:constrLst/>
+          <dgm:forEach name="Name33" ref="accentRepeat"/>
+        </dgm:layoutNode>
+      </dgm:forEach>
+      <dgm:forEach name="Name34" axis="ch" ptType="node" st="3" cnt="1">
+        <dgm:layoutNode name="text_3" styleLbl="node1">
+          <dgm:varLst>
+            <dgm:bulletEnabled val="1"/>
+          </dgm:varLst>
+          <dgm:choose name="Name35">
+            <dgm:if name="Name36" func="var" arg="dir" op="equ" val="norm">
+              <dgm:alg type="tx">
+                <dgm:param type="parTxLTRAlign" val="l"/>
+                <dgm:param type="shpTxLTRAlignCh" val="l"/>
+                <dgm:param type="parTxRTLAlign" val="l"/>
+                <dgm:param type="shpTxRTLAlignCh" val="l"/>
+              </dgm:alg>
+            </dgm:if>
+            <dgm:else name="Name37">
+              <dgm:alg type="tx">
+                <dgm:param type="parTxLTRAlign" val="r"/>
+                <dgm:param type="shpTxLTRAlignCh" val="r"/>
+                <dgm:param type="parTxRTLAlign" val="r"/>
+                <dgm:param type="shpTxRTLAlignCh" val="r"/>
+              </dgm:alg>
+            </dgm:else>
+          </dgm:choose>
+          <dgm:shape xmlns:r="http://schemas.openxmlformats.org/officeDocument/2006/relationships" type="rect" r:blip="">
+            <dgm:adjLst/>
+          </dgm:shape>
+          <dgm:presOf axis="desOrSelf" ptType="node"/>
+          <dgm:constrLst>
+            <dgm:constr type="primFontSz" val="65"/>
+            <dgm:constr type="lMarg" refType="primFontSz" fact="0.2"/>
+            <dgm:constr type="rMarg" refType="primFontSz" fact="0.2"/>
+            <dgm:constr type="tMarg" refType="primFontSz" fact="0.2"/>
+            <dgm:constr type="bMarg" refType="primFontSz" fact="0.2"/>
+          </dgm:constrLst>
+          <dgm:ruleLst>
+            <dgm:rule type="primFontSz" val="5" fact="NaN" max="NaN"/>
+          </dgm:ruleLst>
+        </dgm:layoutNode>
+        <dgm:layoutNode name="accent_3">
+          <dgm:alg type="sp"/>
+          <dgm:shape xmlns:r="http://schemas.openxmlformats.org/officeDocument/2006/relationships" r:blip="">
+            <dgm:adjLst/>
+          </dgm:shape>
+          <dgm:presOf/>
+          <dgm:constrLst/>
+          <dgm:forEach name="Name38" ref="accentRepeat"/>
+        </dgm:layoutNode>
+      </dgm:forEach>
+      <dgm:forEach name="Name39" axis="ch" ptType="node" st="4" cnt="1">
+        <dgm:layoutNode name="text_4" styleLbl="node1">
+          <dgm:varLst>
+            <dgm:bulletEnabled val="1"/>
+          </dgm:varLst>
+          <dgm:choose name="Name40">
+            <dgm:if name="Name41" func="var" arg="dir" op="equ" val="norm">
+              <dgm:alg type="tx">
+                <dgm:param type="parTxLTRAlign" val="l"/>
+                <dgm:param type="shpTxLTRAlignCh" val="l"/>
+                <dgm:param type="parTxRTLAlign" val="l"/>
+                <dgm:param type="shpTxRTLAlignCh" val="l"/>
+              </dgm:alg>
+            </dgm:if>
+            <dgm:else name="Name42">
+              <dgm:alg type="tx">
+                <dgm:param type="parTxLTRAlign" val="r"/>
+                <dgm:param type="shpTxLTRAlignCh" val="r"/>
+                <dgm:param type="parTxRTLAlign" val="r"/>
+                <dgm:param type="shpTxRTLAlignCh" val="r"/>
+              </dgm:alg>
+            </dgm:else>
+          </dgm:choose>
+          <dgm:shape xmlns:r="http://schemas.openxmlformats.org/officeDocument/2006/relationships" type="rect" r:blip="">
+            <dgm:adjLst/>
+          </dgm:shape>
+          <dgm:presOf axis="desOrSelf" ptType="node"/>
+          <dgm:constrLst>
+            <dgm:constr type="primFontSz" val="65"/>
+            <dgm:constr type="lMarg" refType="primFontSz" fact="0.2"/>
+            <dgm:constr type="rMarg" refType="primFontSz" fact="0.2"/>
+            <dgm:constr type="tMarg" refType="primFontSz" fact="0.2"/>
+            <dgm:constr type="bMarg" refType="primFontSz" fact="0.2"/>
+          </dgm:constrLst>
+          <dgm:ruleLst>
+            <dgm:rule type="primFontSz" val="5" fact="NaN" max="NaN"/>
+          </dgm:ruleLst>
+        </dgm:layoutNode>
+        <dgm:layoutNode name="accent_4">
+          <dgm:alg type="sp"/>
+          <dgm:shape xmlns:r="http://schemas.openxmlformats.org/officeDocument/2006/relationships" r:blip="">
+            <dgm:adjLst/>
+          </dgm:shape>
+          <dgm:presOf/>
+          <dgm:constrLst/>
+          <dgm:forEach name="Name43" ref="accentRepeat"/>
+        </dgm:layoutNode>
+      </dgm:forEach>
+      <dgm:forEach name="Name44" axis="ch" ptType="node" st="5" cnt="1">
+        <dgm:layoutNode name="text_5" styleLbl="node1">
+          <dgm:varLst>
+            <dgm:bulletEnabled val="1"/>
+          </dgm:varLst>
+          <dgm:choose name="Name45">
+            <dgm:if name="Name46" func="var" arg="dir" op="equ" val="norm">
+              <dgm:alg type="tx">
+                <dgm:param type="parTxLTRAlign" val="l"/>
+                <dgm:param type="shpTxLTRAlignCh" val="l"/>
+                <dgm:param type="parTxRTLAlign" val="l"/>
+                <dgm:param type="shpTxRTLAlignCh" val="l"/>
+              </dgm:alg>
+            </dgm:if>
+            <dgm:else name="Name47">
+              <dgm:alg type="tx">
+                <dgm:param type="parTxLTRAlign" val="r"/>
+                <dgm:param type="shpTxLTRAlignCh" val="r"/>
+                <dgm:param type="parTxRTLAlign" val="r"/>
+                <dgm:param type="shpTxRTLAlignCh" val="r"/>
+              </dgm:alg>
+            </dgm:else>
+          </dgm:choose>
+          <dgm:shape xmlns:r="http://schemas.openxmlformats.org/officeDocument/2006/relationships" type="rect" r:blip="">
+            <dgm:adjLst/>
+          </dgm:shape>
+          <dgm:presOf axis="desOrSelf" ptType="node"/>
+          <dgm:constrLst>
+            <dgm:constr type="primFontSz" val="65"/>
+            <dgm:constr type="lMarg" refType="primFontSz" fact="0.2"/>
+            <dgm:constr type="rMarg" refType="primFontSz" fact="0.2"/>
+            <dgm:constr type="tMarg" refType="primFontSz" fact="0.2"/>
+            <dgm:constr type="bMarg" refType="primFontSz" fact="0.2"/>
+          </dgm:constrLst>
+          <dgm:ruleLst>
+            <dgm:rule type="primFontSz" val="5" fact="NaN" max="NaN"/>
+          </dgm:ruleLst>
+        </dgm:layoutNode>
+        <dgm:layoutNode name="accent_5">
+          <dgm:alg type="sp"/>
+          <dgm:shape xmlns:r="http://schemas.openxmlformats.org/officeDocument/2006/relationships" r:blip="">
+            <dgm:adjLst/>
+          </dgm:shape>
+          <dgm:presOf/>
+          <dgm:constrLst/>
+          <dgm:forEach name="Name48" ref="accentRepeat"/>
+        </dgm:layoutNode>
+      </dgm:forEach>
+      <dgm:forEach name="Name49" axis="ch" ptType="node" st="6" cnt="1">
+        <dgm:layoutNode name="text_6" styleLbl="node1">
+          <dgm:varLst>
+            <dgm:bulletEnabled val="1"/>
+          </dgm:varLst>
+          <dgm:choose name="Name50">
+            <dgm:if name="Name51" func="var" arg="dir" op="equ" val="norm">
+              <dgm:alg type="tx">
+                <dgm:param type="parTxLTRAlign" val="l"/>
+                <dgm:param type="shpTxLTRAlignCh" val="l"/>
+                <dgm:param type="parTxRTLAlign" val="l"/>
+                <dgm:param type="shpTxRTLAlignCh" val="l"/>
+              </dgm:alg>
+            </dgm:if>
+            <dgm:else name="Name52">
+              <dgm:alg type="tx">
+                <dgm:param type="parTxLTRAlign" val="r"/>
+                <dgm:param type="shpTxLTRAlignCh" val="r"/>
+                <dgm:param type="parTxRTLAlign" val="r"/>
+                <dgm:param type="shpTxRTLAlignCh" val="r"/>
+              </dgm:alg>
+            </dgm:else>
+          </dgm:choose>
+          <dgm:shape xmlns:r="http://schemas.openxmlformats.org/officeDocument/2006/relationships" type="rect" r:blip="">
+            <dgm:adjLst/>
+          </dgm:shape>
+          <dgm:presOf axis="desOrSelf" ptType="node"/>
+          <dgm:constrLst>
+            <dgm:constr type="primFontSz" val="65"/>
+            <dgm:constr type="lMarg" refType="primFontSz" fact="0.2"/>
+            <dgm:constr type="rMarg" refType="primFontSz" fact="0.2"/>
+            <dgm:constr type="tMarg" refType="primFontSz" fact="0.2"/>
+            <dgm:constr type="bMarg" refType="primFontSz" fact="0.2"/>
+          </dgm:constrLst>
+          <dgm:ruleLst>
+            <dgm:rule type="primFontSz" val="5" fact="NaN" max="NaN"/>
+          </dgm:ruleLst>
+        </dgm:layoutNode>
+        <dgm:layoutNode name="accent_6">
+          <dgm:alg type="sp"/>
+          <dgm:shape xmlns:r="http://schemas.openxmlformats.org/officeDocument/2006/relationships" r:blip="">
+            <dgm:adjLst/>
+          </dgm:shape>
+          <dgm:presOf/>
+          <dgm:constrLst/>
+          <dgm:forEach name="Name53" ref="accentRepeat"/>
+        </dgm:layoutNode>
+      </dgm:forEach>
+      <dgm:forEach name="Name54" axis="ch" ptType="node" st="7" cnt="1">
+        <dgm:layoutNode name="text_7" styleLbl="node1">
+          <dgm:varLst>
+            <dgm:bulletEnabled val="1"/>
+          </dgm:varLst>
+          <dgm:choose name="Name55">
+            <dgm:if name="Name56" func="var" arg="dir" op="equ" val="norm">
+              <dgm:alg type="tx">
+                <dgm:param type="parTxLTRAlign" val="l"/>
+                <dgm:param type="shpTxLTRAlignCh" val="l"/>
+                <dgm:param type="parTxRTLAlign" val="l"/>
+                <dgm:param type="shpTxRTLAlignCh" val="l"/>
+              </dgm:alg>
+            </dgm:if>
+            <dgm:else name="Name57">
+              <dgm:alg type="tx">
+                <dgm:param type="parTxLTRAlign" val="r"/>
+                <dgm:param type="shpTxLTRAlignCh" val="r"/>
+                <dgm:param type="parTxRTLAlign" val="r"/>
+                <dgm:param type="shpTxRTLAlignCh" val="r"/>
+              </dgm:alg>
+            </dgm:else>
+          </dgm:choose>
+          <dgm:shape xmlns:r="http://schemas.openxmlformats.org/officeDocument/2006/relationships" type="rect" r:blip="">
+            <dgm:adjLst/>
+          </dgm:shape>
+          <dgm:presOf axis="desOrSelf" ptType="node"/>
+          <dgm:constrLst>
+            <dgm:constr type="primFontSz" val="65"/>
+            <dgm:constr type="lMarg" refType="primFontSz" fact="0.2"/>
+            <dgm:constr type="rMarg" refType="primFontSz" fact="0.2"/>
+            <dgm:constr type="tMarg" refType="primFontSz" fact="0.2"/>
+            <dgm:constr type="bMarg" refType="primFontSz" fact="0.2"/>
+          </dgm:constrLst>
+          <dgm:ruleLst>
+            <dgm:rule type="primFontSz" val="5" fact="NaN" max="NaN"/>
+          </dgm:ruleLst>
+        </dgm:layoutNode>
+        <dgm:layoutNode name="accent_7">
+          <dgm:alg type="sp"/>
+          <dgm:shape xmlns:r="http://schemas.openxmlformats.org/officeDocument/2006/relationships" r:blip="">
+            <dgm:adjLst/>
+          </dgm:shape>
+          <dgm:presOf/>
+          <dgm:constrLst/>
+          <dgm:forEach name="Name58" ref="accentRepeat"/>
+        </dgm:layoutNode>
+      </dgm:forEach>
+    </dgm:layoutNode>
   </dgm:layoutNode>
 </dgm:layoutDef>
 </file>
@@ -23404,7 +22602,10 @@
           <a:bodyPr/>
           <a:lstStyle/>
           <a:p>
-            <a:endParaRPr lang="hu-HU" dirty="0"/>
+            <a:r>
+              <a:rPr lang="hu-HU" dirty="0"/>
+              <a:t>Módszertani, biztonsági és stabilitási kérdéseket vet fel</a:t>
+            </a:r>
           </a:p>
         </p:txBody>
       </p:sp>
@@ -36567,7 +35768,7 @@
           <p:nvPr>
             <p:extLst>
               <p:ext uri="{D42A27DB-BD31-4B8C-83A1-F6EECF244321}">
-                <p14:modId xmlns:p14="http://schemas.microsoft.com/office/powerpoint/2010/main" val="2940426212"/>
+                <p14:modId xmlns:p14="http://schemas.microsoft.com/office/powerpoint/2010/main" val="3422845727"/>
               </p:ext>
             </p:extLst>
           </p:nvPr>
@@ -36685,7 +35886,7 @@
           <p:nvPr>
             <p:extLst>
               <p:ext uri="{D42A27DB-BD31-4B8C-83A1-F6EECF244321}">
-                <p14:modId xmlns:p14="http://schemas.microsoft.com/office/powerpoint/2010/main" val="315966976"/>
+                <p14:modId xmlns:p14="http://schemas.microsoft.com/office/powerpoint/2010/main" val="1532851738"/>
               </p:ext>
             </p:extLst>
           </p:nvPr>
@@ -38061,7 +37262,7 @@
           <p:nvPr>
             <p:extLst>
               <p:ext uri="{D42A27DB-BD31-4B8C-83A1-F6EECF244321}">
-                <p14:modId xmlns:p14="http://schemas.microsoft.com/office/powerpoint/2010/main" val="3248294759"/>
+                <p14:modId xmlns:p14="http://schemas.microsoft.com/office/powerpoint/2010/main" val="3216863683"/>
               </p:ext>
             </p:extLst>
           </p:nvPr>
@@ -38161,7 +37362,7 @@
           <a:p>
             <a:r>
               <a:rPr lang="hu-HU" sz="4000" cap="none" dirty="0"/>
-              <a:t>Use-Case példák kényszerekre</a:t>
+              <a:t>Példák kényszerekre</a:t>
             </a:r>
           </a:p>
         </p:txBody>
@@ -38179,7 +37380,7 @@
           <p:nvPr>
             <p:extLst>
               <p:ext uri="{D42A27DB-BD31-4B8C-83A1-F6EECF244321}">
-                <p14:modId xmlns:p14="http://schemas.microsoft.com/office/powerpoint/2010/main" val="2510897109"/>
+                <p14:modId xmlns:p14="http://schemas.microsoft.com/office/powerpoint/2010/main" val="369050657"/>
               </p:ext>
             </p:extLst>
           </p:nvPr>
@@ -38445,7 +37646,7 @@
           <p:nvPr>
             <p:extLst>
               <p:ext uri="{D42A27DB-BD31-4B8C-83A1-F6EECF244321}">
-                <p14:modId xmlns:p14="http://schemas.microsoft.com/office/powerpoint/2010/main" val="3813922620"/>
+                <p14:modId xmlns:p14="http://schemas.microsoft.com/office/powerpoint/2010/main" val="2300373010"/>
               </p:ext>
             </p:extLst>
           </p:nvPr>

--- a/ppt/prezi.pptx
+++ b/ppt/prezi.pptx
@@ -21307,7 +21307,7 @@
           <a:p>
             <a:fld id="{FC986574-F80F-4CC2-A923-9267EE346C6E}" type="datetimeFigureOut">
               <a:rPr lang="hu-HU" smtClean="0"/>
-              <a:t>2023. 05. 17.</a:t>
+              <a:t>2023. 05. 30.</a:t>
             </a:fld>
             <a:endParaRPr lang="hu-HU"/>
           </a:p>
@@ -22872,6 +22872,22 @@
           <a:bodyPr/>
           <a:lstStyle/>
           <a:p>
+            <a:r>
+              <a:rPr lang="hu-HU" dirty="0"/>
+              <a:t>Fabric8 3rd </a:t>
+            </a:r>
+            <a:r>
+              <a:rPr lang="hu-HU" dirty="0" err="1"/>
+              <a:t>party</a:t>
+            </a:r>
+            <a:r>
+              <a:rPr lang="hu-HU" dirty="0"/>
+              <a:t> k8s Java </a:t>
+            </a:r>
+            <a:r>
+              <a:rPr lang="hu-HU" dirty="0" err="1"/>
+              <a:t>lib</a:t>
+            </a:r>
             <a:endParaRPr lang="hu-HU" dirty="0"/>
           </a:p>
         </p:txBody>
@@ -23471,7 +23487,7 @@
           <a:p>
             <a:fld id="{2B23A63D-9524-4AB2-929F-89B21E00AA97}" type="datetimeFigureOut">
               <a:rPr lang="hu-HU" smtClean="0"/>
-              <a:t>2023. 05. 17.</a:t>
+              <a:t>2023. 05. 30.</a:t>
             </a:fld>
             <a:endParaRPr lang="hu-HU"/>
           </a:p>
@@ -23737,7 +23753,7 @@
           <a:p>
             <a:fld id="{2B23A63D-9524-4AB2-929F-89B21E00AA97}" type="datetimeFigureOut">
               <a:rPr lang="hu-HU" smtClean="0"/>
-              <a:t>2023. 05. 17.</a:t>
+              <a:t>2023. 05. 30.</a:t>
             </a:fld>
             <a:endParaRPr lang="hu-HU"/>
           </a:p>
@@ -23987,7 +24003,7 @@
           <a:p>
             <a:fld id="{2B23A63D-9524-4AB2-929F-89B21E00AA97}" type="datetimeFigureOut">
               <a:rPr lang="hu-HU" smtClean="0"/>
-              <a:t>2023. 05. 17.</a:t>
+              <a:t>2023. 05. 30.</a:t>
             </a:fld>
             <a:endParaRPr lang="hu-HU"/>
           </a:p>
@@ -24295,7 +24311,7 @@
           <a:p>
             <a:fld id="{2B23A63D-9524-4AB2-929F-89B21E00AA97}" type="datetimeFigureOut">
               <a:rPr lang="hu-HU" smtClean="0"/>
-              <a:t>2023. 05. 17.</a:t>
+              <a:t>2023. 05. 30.</a:t>
             </a:fld>
             <a:endParaRPr lang="hu-HU"/>
           </a:p>
@@ -24613,7 +24629,7 @@
           <a:p>
             <a:fld id="{2B23A63D-9524-4AB2-929F-89B21E00AA97}" type="datetimeFigureOut">
               <a:rPr lang="hu-HU" smtClean="0"/>
-              <a:t>2023. 05. 17.</a:t>
+              <a:t>2023. 05. 30.</a:t>
             </a:fld>
             <a:endParaRPr lang="hu-HU"/>
           </a:p>
@@ -24915,7 +24931,7 @@
           <a:p>
             <a:fld id="{2B23A63D-9524-4AB2-929F-89B21E00AA97}" type="datetimeFigureOut">
               <a:rPr lang="hu-HU" smtClean="0"/>
-              <a:t>2023. 05. 17.</a:t>
+              <a:t>2023. 05. 30.</a:t>
             </a:fld>
             <a:endParaRPr lang="hu-HU"/>
           </a:p>
@@ -25282,7 +25298,7 @@
           <a:p>
             <a:fld id="{2B23A63D-9524-4AB2-929F-89B21E00AA97}" type="datetimeFigureOut">
               <a:rPr lang="hu-HU" smtClean="0"/>
-              <a:t>2023. 05. 17.</a:t>
+              <a:t>2023. 05. 30.</a:t>
             </a:fld>
             <a:endParaRPr lang="hu-HU"/>
           </a:p>
@@ -25468,7 +25484,7 @@
           <a:p>
             <a:fld id="{2B23A63D-9524-4AB2-929F-89B21E00AA97}" type="datetimeFigureOut">
               <a:rPr lang="hu-HU" smtClean="0"/>
-              <a:t>2023. 05. 17.</a:t>
+              <a:t>2023. 05. 30.</a:t>
             </a:fld>
             <a:endParaRPr lang="hu-HU"/>
           </a:p>
@@ -25654,7 +25670,7 @@
           <a:p>
             <a:fld id="{2B23A63D-9524-4AB2-929F-89B21E00AA97}" type="datetimeFigureOut">
               <a:rPr lang="hu-HU" smtClean="0"/>
-              <a:t>2023. 05. 17.</a:t>
+              <a:t>2023. 05. 30.</a:t>
             </a:fld>
             <a:endParaRPr lang="hu-HU"/>
           </a:p>
@@ -25829,7 +25845,7 @@
           <a:p>
             <a:fld id="{2B23A63D-9524-4AB2-929F-89B21E00AA97}" type="datetimeFigureOut">
               <a:rPr lang="hu-HU" smtClean="0"/>
-              <a:t>2023. 05. 17.</a:t>
+              <a:t>2023. 05. 30.</a:t>
             </a:fld>
             <a:endParaRPr lang="hu-HU"/>
           </a:p>
@@ -26009,7 +26025,7 @@
           <a:p>
             <a:fld id="{2B23A63D-9524-4AB2-929F-89B21E00AA97}" type="datetimeFigureOut">
               <a:rPr lang="hu-HU" smtClean="0"/>
-              <a:t>2023. 05. 17.</a:t>
+              <a:t>2023. 05. 30.</a:t>
             </a:fld>
             <a:endParaRPr lang="hu-HU"/>
           </a:p>
@@ -26259,7 +26275,7 @@
           <a:p>
             <a:fld id="{2B23A63D-9524-4AB2-929F-89B21E00AA97}" type="datetimeFigureOut">
               <a:rPr lang="hu-HU" smtClean="0"/>
-              <a:t>2023. 05. 17.</a:t>
+              <a:t>2023. 05. 30.</a:t>
             </a:fld>
             <a:endParaRPr lang="hu-HU"/>
           </a:p>
@@ -26506,7 +26522,7 @@
           <a:p>
             <a:fld id="{2B23A63D-9524-4AB2-929F-89B21E00AA97}" type="datetimeFigureOut">
               <a:rPr lang="hu-HU" smtClean="0"/>
-              <a:t>2023. 05. 17.</a:t>
+              <a:t>2023. 05. 30.</a:t>
             </a:fld>
             <a:endParaRPr lang="hu-HU"/>
           </a:p>
@@ -26895,7 +26911,7 @@
           <a:p>
             <a:fld id="{2B23A63D-9524-4AB2-929F-89B21E00AA97}" type="datetimeFigureOut">
               <a:rPr lang="hu-HU" smtClean="0"/>
-              <a:t>2023. 05. 17.</a:t>
+              <a:t>2023. 05. 30.</a:t>
             </a:fld>
             <a:endParaRPr lang="hu-HU"/>
           </a:p>
@@ -27024,7 +27040,7 @@
           <a:p>
             <a:fld id="{2B23A63D-9524-4AB2-929F-89B21E00AA97}" type="datetimeFigureOut">
               <a:rPr lang="hu-HU" smtClean="0"/>
-              <a:t>2023. 05. 17.</a:t>
+              <a:t>2023. 05. 30.</a:t>
             </a:fld>
             <a:endParaRPr lang="hu-HU"/>
           </a:p>
@@ -27119,7 +27135,7 @@
           <a:p>
             <a:fld id="{2B23A63D-9524-4AB2-929F-89B21E00AA97}" type="datetimeFigureOut">
               <a:rPr lang="hu-HU" smtClean="0"/>
-              <a:t>2023. 05. 17.</a:t>
+              <a:t>2023. 05. 30.</a:t>
             </a:fld>
             <a:endParaRPr lang="hu-HU"/>
           </a:p>
@@ -27374,7 +27390,7 @@
           <a:p>
             <a:fld id="{2B23A63D-9524-4AB2-929F-89B21E00AA97}" type="datetimeFigureOut">
               <a:rPr lang="hu-HU" smtClean="0"/>
-              <a:t>2023. 05. 17.</a:t>
+              <a:t>2023. 05. 30.</a:t>
             </a:fld>
             <a:endParaRPr lang="hu-HU"/>
           </a:p>
@@ -27657,7 +27673,7 @@
           <a:p>
             <a:fld id="{2B23A63D-9524-4AB2-929F-89B21E00AA97}" type="datetimeFigureOut">
               <a:rPr lang="hu-HU" smtClean="0"/>
-              <a:t>2023. 05. 17.</a:t>
+              <a:t>2023. 05. 30.</a:t>
             </a:fld>
             <a:endParaRPr lang="hu-HU"/>
           </a:p>
@@ -28068,7 +28084,7 @@
           <a:p>
             <a:fld id="{2B23A63D-9524-4AB2-929F-89B21E00AA97}" type="datetimeFigureOut">
               <a:rPr lang="hu-HU" smtClean="0"/>
-              <a:t>2023. 05. 17.</a:t>
+              <a:t>2023. 05. 30.</a:t>
             </a:fld>
             <a:endParaRPr lang="hu-HU"/>
           </a:p>
@@ -35624,12 +35640,10 @@
                 </a:solidFill>
                 <a:latin typeface="Century Gothic" panose="020B0502020202020204"/>
               </a:rPr>
-              <a:t>Fordítás: 2~3 perc</a:t>
-            </a:r>
-          </a:p>
-          <a:p>
-            <a:r>
-              <a:rPr lang="hu-HU" sz="3000" dirty="0">
+              <a:t>Fordítás: </a:t>
+            </a:r>
+            <a:r>
+              <a:rPr lang="en-US" sz="3000" dirty="0">
                 <a:solidFill>
                   <a:prstClr val="black">
                     <a:hueOff val="0"/>
@@ -35640,7 +35654,37 @@
                 </a:solidFill>
                 <a:latin typeface="Century Gothic" panose="020B0502020202020204"/>
               </a:rPr>
-              <a:t>Indítás: 2~5 másodperc</a:t>
+              <a:t>~40</a:t>
+            </a:r>
+            <a:r>
+              <a:rPr lang="hu-HU" sz="3000" dirty="0">
+                <a:solidFill>
+                  <a:prstClr val="black">
+                    <a:hueOff val="0"/>
+                    <a:satOff val="0"/>
+                    <a:lumOff val="0"/>
+                    <a:alphaOff val="0"/>
+                  </a:prstClr>
+                </a:solidFill>
+                <a:latin typeface="Century Gothic" panose="020B0502020202020204"/>
+              </a:rPr>
+              <a:t> másodperc</a:t>
+            </a:r>
+          </a:p>
+          <a:p>
+            <a:r>
+              <a:rPr lang="hu-HU" sz="3000" dirty="0">
+                <a:solidFill>
+                  <a:prstClr val="black">
+                    <a:hueOff val="0"/>
+                    <a:satOff val="0"/>
+                    <a:lumOff val="0"/>
+                    <a:alphaOff val="0"/>
+                  </a:prstClr>
+                </a:solidFill>
+                <a:latin typeface="Century Gothic" panose="020B0502020202020204"/>
+              </a:rPr>
+              <a:t>Indítás: ~5 másodperc</a:t>
             </a:r>
           </a:p>
           <a:p>

--- a/ppt/prezi.pptx
+++ b/ppt/prezi.pptx
@@ -5,7 +5,7 @@
     <p:sldMasterId id="2147484077" r:id="rId1"/>
   </p:sldMasterIdLst>
   <p:notesMasterIdLst>
-    <p:notesMasterId r:id="rId19"/>
+    <p:notesMasterId r:id="rId20"/>
   </p:notesMasterIdLst>
   <p:sldIdLst>
     <p:sldId id="257" r:id="rId2"/>
@@ -16,15 +16,16 @@
     <p:sldId id="290" r:id="rId7"/>
     <p:sldId id="291" r:id="rId8"/>
     <p:sldId id="297" r:id="rId9"/>
-    <p:sldId id="293" r:id="rId10"/>
-    <p:sldId id="292" r:id="rId11"/>
-    <p:sldId id="298" r:id="rId12"/>
-    <p:sldId id="299" r:id="rId13"/>
-    <p:sldId id="302" r:id="rId14"/>
-    <p:sldId id="294" r:id="rId15"/>
-    <p:sldId id="295" r:id="rId16"/>
-    <p:sldId id="301" r:id="rId17"/>
-    <p:sldId id="272" r:id="rId18"/>
+    <p:sldId id="305" r:id="rId10"/>
+    <p:sldId id="293" r:id="rId11"/>
+    <p:sldId id="292" r:id="rId12"/>
+    <p:sldId id="298" r:id="rId13"/>
+    <p:sldId id="299" r:id="rId14"/>
+    <p:sldId id="302" r:id="rId15"/>
+    <p:sldId id="294" r:id="rId16"/>
+    <p:sldId id="295" r:id="rId17"/>
+    <p:sldId id="301" r:id="rId18"/>
+    <p:sldId id="272" r:id="rId19"/>
   </p:sldIdLst>
   <p:sldSz cx="9144000" cy="6858000" type="screen4x3"/>
   <p:notesSz cx="6858000" cy="9144000"/>
@@ -3879,6 +3880,753 @@
 </file>
 
 <file path=ppt/diagrams/colors6.xml><?xml version="1.0" encoding="utf-8"?>
+<dgm:colorsDef xmlns:dgm="http://schemas.openxmlformats.org/drawingml/2006/diagram" xmlns:a="http://schemas.openxmlformats.org/drawingml/2006/main" uniqueId="urn:microsoft.com/office/officeart/2005/8/colors/accent1_2">
+  <dgm:title val=""/>
+  <dgm:desc val=""/>
+  <dgm:catLst>
+    <dgm:cat type="accent1" pri="11200"/>
+  </dgm:catLst>
+  <dgm:styleLbl name="node0">
+    <dgm:fillClrLst meth="repeat">
+      <a:schemeClr val="accent1"/>
+    </dgm:fillClrLst>
+    <dgm:linClrLst meth="repeat">
+      <a:schemeClr val="lt1"/>
+    </dgm:linClrLst>
+    <dgm:effectClrLst/>
+    <dgm:txLinClrLst/>
+    <dgm:txFillClrLst/>
+    <dgm:txEffectClrLst/>
+  </dgm:styleLbl>
+  <dgm:styleLbl name="alignNode1">
+    <dgm:fillClrLst meth="repeat">
+      <a:schemeClr val="accent1"/>
+    </dgm:fillClrLst>
+    <dgm:linClrLst meth="repeat">
+      <a:schemeClr val="accent1"/>
+    </dgm:linClrLst>
+    <dgm:effectClrLst/>
+    <dgm:txLinClrLst/>
+    <dgm:txFillClrLst/>
+    <dgm:txEffectClrLst/>
+  </dgm:styleLbl>
+  <dgm:styleLbl name="node1">
+    <dgm:fillClrLst meth="repeat">
+      <a:schemeClr val="accent1"/>
+    </dgm:fillClrLst>
+    <dgm:linClrLst meth="repeat">
+      <a:schemeClr val="lt1"/>
+    </dgm:linClrLst>
+    <dgm:effectClrLst/>
+    <dgm:txLinClrLst/>
+    <dgm:txFillClrLst/>
+    <dgm:txEffectClrLst/>
+  </dgm:styleLbl>
+  <dgm:styleLbl name="lnNode1">
+    <dgm:fillClrLst meth="repeat">
+      <a:schemeClr val="accent1"/>
+    </dgm:fillClrLst>
+    <dgm:linClrLst meth="repeat">
+      <a:schemeClr val="lt1"/>
+    </dgm:linClrLst>
+    <dgm:effectClrLst/>
+    <dgm:txLinClrLst/>
+    <dgm:txFillClrLst/>
+    <dgm:txEffectClrLst/>
+  </dgm:styleLbl>
+  <dgm:styleLbl name="vennNode1">
+    <dgm:fillClrLst meth="repeat">
+      <a:schemeClr val="accent1">
+        <a:alpha val="50000"/>
+      </a:schemeClr>
+    </dgm:fillClrLst>
+    <dgm:linClrLst meth="repeat">
+      <a:schemeClr val="lt1"/>
+    </dgm:linClrLst>
+    <dgm:effectClrLst/>
+    <dgm:txLinClrLst/>
+    <dgm:txFillClrLst/>
+    <dgm:txEffectClrLst/>
+  </dgm:styleLbl>
+  <dgm:styleLbl name="node2">
+    <dgm:fillClrLst meth="repeat">
+      <a:schemeClr val="accent1"/>
+    </dgm:fillClrLst>
+    <dgm:linClrLst meth="repeat">
+      <a:schemeClr val="lt1"/>
+    </dgm:linClrLst>
+    <dgm:effectClrLst/>
+    <dgm:txLinClrLst/>
+    <dgm:txFillClrLst/>
+    <dgm:txEffectClrLst/>
+  </dgm:styleLbl>
+  <dgm:styleLbl name="node3">
+    <dgm:fillClrLst meth="repeat">
+      <a:schemeClr val="accent1"/>
+    </dgm:fillClrLst>
+    <dgm:linClrLst meth="repeat">
+      <a:schemeClr val="lt1"/>
+    </dgm:linClrLst>
+    <dgm:effectClrLst/>
+    <dgm:txLinClrLst/>
+    <dgm:txFillClrLst/>
+    <dgm:txEffectClrLst/>
+  </dgm:styleLbl>
+  <dgm:styleLbl name="node4">
+    <dgm:fillClrLst meth="repeat">
+      <a:schemeClr val="accent1"/>
+    </dgm:fillClrLst>
+    <dgm:linClrLst meth="repeat">
+      <a:schemeClr val="lt1"/>
+    </dgm:linClrLst>
+    <dgm:effectClrLst/>
+    <dgm:txLinClrLst/>
+    <dgm:txFillClrLst/>
+    <dgm:txEffectClrLst/>
+  </dgm:styleLbl>
+  <dgm:styleLbl name="fgImgPlace1">
+    <dgm:fillClrLst meth="repeat">
+      <a:schemeClr val="accent1">
+        <a:tint val="50000"/>
+      </a:schemeClr>
+    </dgm:fillClrLst>
+    <dgm:linClrLst meth="repeat">
+      <a:schemeClr val="lt1"/>
+    </dgm:linClrLst>
+    <dgm:effectClrLst/>
+    <dgm:txLinClrLst/>
+    <dgm:txFillClrLst meth="repeat">
+      <a:schemeClr val="lt1"/>
+    </dgm:txFillClrLst>
+    <dgm:txEffectClrLst/>
+  </dgm:styleLbl>
+  <dgm:styleLbl name="alignImgPlace1">
+    <dgm:fillClrLst meth="repeat">
+      <a:schemeClr val="accent1">
+        <a:tint val="50000"/>
+      </a:schemeClr>
+    </dgm:fillClrLst>
+    <dgm:linClrLst meth="repeat">
+      <a:schemeClr val="lt1"/>
+    </dgm:linClrLst>
+    <dgm:effectClrLst/>
+    <dgm:txLinClrLst/>
+    <dgm:txFillClrLst meth="repeat">
+      <a:schemeClr val="lt1"/>
+    </dgm:txFillClrLst>
+    <dgm:txEffectClrLst/>
+  </dgm:styleLbl>
+  <dgm:styleLbl name="bgImgPlace1">
+    <dgm:fillClrLst meth="repeat">
+      <a:schemeClr val="accent1">
+        <a:tint val="50000"/>
+      </a:schemeClr>
+    </dgm:fillClrLst>
+    <dgm:linClrLst meth="repeat">
+      <a:schemeClr val="lt1"/>
+    </dgm:linClrLst>
+    <dgm:effectClrLst/>
+    <dgm:txLinClrLst/>
+    <dgm:txFillClrLst meth="repeat">
+      <a:schemeClr val="lt1"/>
+    </dgm:txFillClrLst>
+    <dgm:txEffectClrLst/>
+  </dgm:styleLbl>
+  <dgm:styleLbl name="sibTrans2D1">
+    <dgm:fillClrLst meth="repeat">
+      <a:schemeClr val="accent1">
+        <a:tint val="60000"/>
+      </a:schemeClr>
+    </dgm:fillClrLst>
+    <dgm:linClrLst meth="repeat">
+      <a:schemeClr val="accent1">
+        <a:tint val="60000"/>
+      </a:schemeClr>
+    </dgm:linClrLst>
+    <dgm:effectClrLst/>
+    <dgm:txLinClrLst/>
+    <dgm:txFillClrLst/>
+    <dgm:txEffectClrLst/>
+  </dgm:styleLbl>
+  <dgm:styleLbl name="fgSibTrans2D1">
+    <dgm:fillClrLst meth="repeat">
+      <a:schemeClr val="accent1">
+        <a:tint val="60000"/>
+      </a:schemeClr>
+    </dgm:fillClrLst>
+    <dgm:linClrLst meth="repeat">
+      <a:schemeClr val="accent1">
+        <a:tint val="60000"/>
+      </a:schemeClr>
+    </dgm:linClrLst>
+    <dgm:effectClrLst/>
+    <dgm:txLinClrLst/>
+    <dgm:txFillClrLst/>
+    <dgm:txEffectClrLst/>
+  </dgm:styleLbl>
+  <dgm:styleLbl name="bgSibTrans2D1">
+    <dgm:fillClrLst meth="repeat">
+      <a:schemeClr val="accent1">
+        <a:tint val="60000"/>
+      </a:schemeClr>
+    </dgm:fillClrLst>
+    <dgm:linClrLst meth="repeat">
+      <a:schemeClr val="accent1">
+        <a:tint val="60000"/>
+      </a:schemeClr>
+    </dgm:linClrLst>
+    <dgm:effectClrLst/>
+    <dgm:txLinClrLst/>
+    <dgm:txFillClrLst/>
+    <dgm:txEffectClrLst/>
+  </dgm:styleLbl>
+  <dgm:styleLbl name="sibTrans1D1">
+    <dgm:fillClrLst meth="repeat">
+      <a:schemeClr val="accent1"/>
+    </dgm:fillClrLst>
+    <dgm:linClrLst meth="repeat">
+      <a:schemeClr val="accent1"/>
+    </dgm:linClrLst>
+    <dgm:effectClrLst/>
+    <dgm:txLinClrLst/>
+    <dgm:txFillClrLst meth="repeat">
+      <a:schemeClr val="tx1"/>
+    </dgm:txFillClrLst>
+    <dgm:txEffectClrLst/>
+  </dgm:styleLbl>
+  <dgm:styleLbl name="callout">
+    <dgm:fillClrLst meth="repeat">
+      <a:schemeClr val="accent1"/>
+    </dgm:fillClrLst>
+    <dgm:linClrLst meth="repeat">
+      <a:schemeClr val="accent1">
+        <a:tint val="50000"/>
+      </a:schemeClr>
+    </dgm:linClrLst>
+    <dgm:effectClrLst/>
+    <dgm:txLinClrLst/>
+    <dgm:txFillClrLst meth="repeat">
+      <a:schemeClr val="tx1"/>
+    </dgm:txFillClrLst>
+    <dgm:txEffectClrLst/>
+  </dgm:styleLbl>
+  <dgm:styleLbl name="asst0">
+    <dgm:fillClrLst meth="repeat">
+      <a:schemeClr val="accent1"/>
+    </dgm:fillClrLst>
+    <dgm:linClrLst meth="repeat">
+      <a:schemeClr val="lt1"/>
+    </dgm:linClrLst>
+    <dgm:effectClrLst/>
+    <dgm:txLinClrLst/>
+    <dgm:txFillClrLst/>
+    <dgm:txEffectClrLst/>
+  </dgm:styleLbl>
+  <dgm:styleLbl name="asst1">
+    <dgm:fillClrLst meth="repeat">
+      <a:schemeClr val="accent1"/>
+    </dgm:fillClrLst>
+    <dgm:linClrLst meth="repeat">
+      <a:schemeClr val="lt1"/>
+    </dgm:linClrLst>
+    <dgm:effectClrLst/>
+    <dgm:txLinClrLst/>
+    <dgm:txFillClrLst/>
+    <dgm:txEffectClrLst/>
+  </dgm:styleLbl>
+  <dgm:styleLbl name="asst2">
+    <dgm:fillClrLst meth="repeat">
+      <a:schemeClr val="accent1"/>
+    </dgm:fillClrLst>
+    <dgm:linClrLst meth="repeat">
+      <a:schemeClr val="lt1"/>
+    </dgm:linClrLst>
+    <dgm:effectClrLst/>
+    <dgm:txLinClrLst/>
+    <dgm:txFillClrLst/>
+    <dgm:txEffectClrLst/>
+  </dgm:styleLbl>
+  <dgm:styleLbl name="asst3">
+    <dgm:fillClrLst meth="repeat">
+      <a:schemeClr val="accent1"/>
+    </dgm:fillClrLst>
+    <dgm:linClrLst meth="repeat">
+      <a:schemeClr val="lt1"/>
+    </dgm:linClrLst>
+    <dgm:effectClrLst/>
+    <dgm:txLinClrLst/>
+    <dgm:txFillClrLst/>
+    <dgm:txEffectClrLst/>
+  </dgm:styleLbl>
+  <dgm:styleLbl name="asst4">
+    <dgm:fillClrLst meth="repeat">
+      <a:schemeClr val="accent1"/>
+    </dgm:fillClrLst>
+    <dgm:linClrLst meth="repeat">
+      <a:schemeClr val="lt1"/>
+    </dgm:linClrLst>
+    <dgm:effectClrLst/>
+    <dgm:txLinClrLst/>
+    <dgm:txFillClrLst/>
+    <dgm:txEffectClrLst/>
+  </dgm:styleLbl>
+  <dgm:styleLbl name="parChTrans2D1">
+    <dgm:fillClrLst meth="repeat">
+      <a:schemeClr val="accent1">
+        <a:tint val="60000"/>
+      </a:schemeClr>
+    </dgm:fillClrLst>
+    <dgm:linClrLst meth="repeat">
+      <a:schemeClr val="accent1">
+        <a:tint val="60000"/>
+      </a:schemeClr>
+    </dgm:linClrLst>
+    <dgm:effectClrLst/>
+    <dgm:txLinClrLst/>
+    <dgm:txFillClrLst meth="repeat">
+      <a:schemeClr val="lt1"/>
+    </dgm:txFillClrLst>
+    <dgm:txEffectClrLst/>
+  </dgm:styleLbl>
+  <dgm:styleLbl name="parChTrans2D2">
+    <dgm:fillClrLst meth="repeat">
+      <a:schemeClr val="accent1"/>
+    </dgm:fillClrLst>
+    <dgm:linClrLst meth="repeat">
+      <a:schemeClr val="accent1"/>
+    </dgm:linClrLst>
+    <dgm:effectClrLst/>
+    <dgm:txLinClrLst/>
+    <dgm:txFillClrLst meth="repeat">
+      <a:schemeClr val="lt1"/>
+    </dgm:txFillClrLst>
+    <dgm:txEffectClrLst/>
+  </dgm:styleLbl>
+  <dgm:styleLbl name="parChTrans2D3">
+    <dgm:fillClrLst meth="repeat">
+      <a:schemeClr val="accent1"/>
+    </dgm:fillClrLst>
+    <dgm:linClrLst meth="repeat">
+      <a:schemeClr val="accent1"/>
+    </dgm:linClrLst>
+    <dgm:effectClrLst/>
+    <dgm:txLinClrLst/>
+    <dgm:txFillClrLst meth="repeat">
+      <a:schemeClr val="lt1"/>
+    </dgm:txFillClrLst>
+    <dgm:txEffectClrLst/>
+  </dgm:styleLbl>
+  <dgm:styleLbl name="parChTrans2D4">
+    <dgm:fillClrLst meth="repeat">
+      <a:schemeClr val="accent1"/>
+    </dgm:fillClrLst>
+    <dgm:linClrLst meth="repeat">
+      <a:schemeClr val="accent1"/>
+    </dgm:linClrLst>
+    <dgm:effectClrLst/>
+    <dgm:txLinClrLst/>
+    <dgm:txFillClrLst meth="repeat">
+      <a:schemeClr val="lt1"/>
+    </dgm:txFillClrLst>
+    <dgm:txEffectClrLst/>
+  </dgm:styleLbl>
+  <dgm:styleLbl name="parChTrans1D1">
+    <dgm:fillClrLst meth="repeat">
+      <a:schemeClr val="accent1"/>
+    </dgm:fillClrLst>
+    <dgm:linClrLst meth="repeat">
+      <a:schemeClr val="accent1">
+        <a:shade val="60000"/>
+      </a:schemeClr>
+    </dgm:linClrLst>
+    <dgm:effectClrLst/>
+    <dgm:txLinClrLst/>
+    <dgm:txFillClrLst meth="repeat">
+      <a:schemeClr val="tx1"/>
+    </dgm:txFillClrLst>
+    <dgm:txEffectClrLst/>
+  </dgm:styleLbl>
+  <dgm:styleLbl name="parChTrans1D2">
+    <dgm:fillClrLst meth="repeat">
+      <a:schemeClr val="accent1"/>
+    </dgm:fillClrLst>
+    <dgm:linClrLst meth="repeat">
+      <a:schemeClr val="accent1">
+        <a:shade val="60000"/>
+      </a:schemeClr>
+    </dgm:linClrLst>
+    <dgm:effectClrLst/>
+    <dgm:txLinClrLst/>
+    <dgm:txFillClrLst meth="repeat">
+      <a:schemeClr val="tx1"/>
+    </dgm:txFillClrLst>
+    <dgm:txEffectClrLst/>
+  </dgm:styleLbl>
+  <dgm:styleLbl name="parChTrans1D3">
+    <dgm:fillClrLst meth="repeat">
+      <a:schemeClr val="accent1"/>
+    </dgm:fillClrLst>
+    <dgm:linClrLst meth="repeat">
+      <a:schemeClr val="accent1">
+        <a:shade val="80000"/>
+      </a:schemeClr>
+    </dgm:linClrLst>
+    <dgm:effectClrLst/>
+    <dgm:txLinClrLst/>
+    <dgm:txFillClrLst meth="repeat">
+      <a:schemeClr val="tx1"/>
+    </dgm:txFillClrLst>
+    <dgm:txEffectClrLst/>
+  </dgm:styleLbl>
+  <dgm:styleLbl name="parChTrans1D4">
+    <dgm:fillClrLst meth="repeat">
+      <a:schemeClr val="accent1"/>
+    </dgm:fillClrLst>
+    <dgm:linClrLst meth="repeat">
+      <a:schemeClr val="accent1">
+        <a:shade val="80000"/>
+      </a:schemeClr>
+    </dgm:linClrLst>
+    <dgm:effectClrLst/>
+    <dgm:txLinClrLst/>
+    <dgm:txFillClrLst meth="repeat">
+      <a:schemeClr val="tx1"/>
+    </dgm:txFillClrLst>
+    <dgm:txEffectClrLst/>
+  </dgm:styleLbl>
+  <dgm:styleLbl name="fgAcc1">
+    <dgm:fillClrLst meth="repeat">
+      <a:schemeClr val="lt1">
+        <a:alpha val="90000"/>
+      </a:schemeClr>
+    </dgm:fillClrLst>
+    <dgm:linClrLst meth="repeat">
+      <a:schemeClr val="accent1"/>
+    </dgm:linClrLst>
+    <dgm:effectClrLst/>
+    <dgm:txLinClrLst/>
+    <dgm:txFillClrLst meth="repeat">
+      <a:schemeClr val="dk1"/>
+    </dgm:txFillClrLst>
+    <dgm:txEffectClrLst/>
+  </dgm:styleLbl>
+  <dgm:styleLbl name="conFgAcc1">
+    <dgm:fillClrLst meth="repeat">
+      <a:schemeClr val="lt1">
+        <a:alpha val="90000"/>
+      </a:schemeClr>
+    </dgm:fillClrLst>
+    <dgm:linClrLst meth="repeat">
+      <a:schemeClr val="accent1"/>
+    </dgm:linClrLst>
+    <dgm:effectClrLst/>
+    <dgm:txLinClrLst/>
+    <dgm:txFillClrLst meth="repeat">
+      <a:schemeClr val="dk1"/>
+    </dgm:txFillClrLst>
+    <dgm:txEffectClrLst/>
+  </dgm:styleLbl>
+  <dgm:styleLbl name="alignAcc1">
+    <dgm:fillClrLst meth="repeat">
+      <a:schemeClr val="lt1">
+        <a:alpha val="90000"/>
+      </a:schemeClr>
+    </dgm:fillClrLst>
+    <dgm:linClrLst meth="repeat">
+      <a:schemeClr val="accent1"/>
+    </dgm:linClrLst>
+    <dgm:effectClrLst/>
+    <dgm:txLinClrLst/>
+    <dgm:txFillClrLst meth="repeat">
+      <a:schemeClr val="dk1"/>
+    </dgm:txFillClrLst>
+    <dgm:txEffectClrLst/>
+  </dgm:styleLbl>
+  <dgm:styleLbl name="trAlignAcc1">
+    <dgm:fillClrLst meth="repeat">
+      <a:schemeClr val="lt1">
+        <a:alpha val="40000"/>
+      </a:schemeClr>
+    </dgm:fillClrLst>
+    <dgm:linClrLst meth="repeat">
+      <a:schemeClr val="accent1"/>
+    </dgm:linClrLst>
+    <dgm:effectClrLst/>
+    <dgm:txLinClrLst/>
+    <dgm:txFillClrLst meth="repeat">
+      <a:schemeClr val="dk1"/>
+    </dgm:txFillClrLst>
+    <dgm:txEffectClrLst/>
+  </dgm:styleLbl>
+  <dgm:styleLbl name="bgAcc1">
+    <dgm:fillClrLst meth="repeat">
+      <a:schemeClr val="lt1">
+        <a:alpha val="90000"/>
+      </a:schemeClr>
+    </dgm:fillClrLst>
+    <dgm:linClrLst meth="repeat">
+      <a:schemeClr val="accent1"/>
+    </dgm:linClrLst>
+    <dgm:effectClrLst/>
+    <dgm:txLinClrLst/>
+    <dgm:txFillClrLst meth="repeat">
+      <a:schemeClr val="dk1"/>
+    </dgm:txFillClrLst>
+    <dgm:txEffectClrLst/>
+  </dgm:styleLbl>
+  <dgm:styleLbl name="solidFgAcc1">
+    <dgm:fillClrLst meth="repeat">
+      <a:schemeClr val="lt1"/>
+    </dgm:fillClrLst>
+    <dgm:linClrLst meth="repeat">
+      <a:schemeClr val="accent1"/>
+    </dgm:linClrLst>
+    <dgm:effectClrLst/>
+    <dgm:txLinClrLst/>
+    <dgm:txFillClrLst meth="repeat">
+      <a:schemeClr val="dk1"/>
+    </dgm:txFillClrLst>
+    <dgm:txEffectClrLst/>
+  </dgm:styleLbl>
+  <dgm:styleLbl name="solidAlignAcc1">
+    <dgm:fillClrLst meth="repeat">
+      <a:schemeClr val="lt1"/>
+    </dgm:fillClrLst>
+    <dgm:linClrLst meth="repeat">
+      <a:schemeClr val="accent1"/>
+    </dgm:linClrLst>
+    <dgm:effectClrLst/>
+    <dgm:txLinClrLst/>
+    <dgm:txFillClrLst meth="repeat">
+      <a:schemeClr val="dk1"/>
+    </dgm:txFillClrLst>
+    <dgm:txEffectClrLst/>
+  </dgm:styleLbl>
+  <dgm:styleLbl name="solidBgAcc1">
+    <dgm:fillClrLst meth="repeat">
+      <a:schemeClr val="lt1"/>
+    </dgm:fillClrLst>
+    <dgm:linClrLst meth="repeat">
+      <a:schemeClr val="accent1"/>
+    </dgm:linClrLst>
+    <dgm:effectClrLst/>
+    <dgm:txLinClrLst/>
+    <dgm:txFillClrLst meth="repeat">
+      <a:schemeClr val="dk1"/>
+    </dgm:txFillClrLst>
+    <dgm:txEffectClrLst/>
+  </dgm:styleLbl>
+  <dgm:styleLbl name="fgAccFollowNode1">
+    <dgm:fillClrLst meth="repeat">
+      <a:schemeClr val="accent1">
+        <a:alpha val="90000"/>
+        <a:tint val="40000"/>
+      </a:schemeClr>
+    </dgm:fillClrLst>
+    <dgm:linClrLst meth="repeat">
+      <a:schemeClr val="accent1">
+        <a:alpha val="90000"/>
+        <a:tint val="40000"/>
+      </a:schemeClr>
+    </dgm:linClrLst>
+    <dgm:effectClrLst/>
+    <dgm:txLinClrLst/>
+    <dgm:txFillClrLst meth="repeat">
+      <a:schemeClr val="dk1"/>
+    </dgm:txFillClrLst>
+    <dgm:txEffectClrLst/>
+  </dgm:styleLbl>
+  <dgm:styleLbl name="alignAccFollowNode1">
+    <dgm:fillClrLst meth="repeat">
+      <a:schemeClr val="accent1">
+        <a:alpha val="90000"/>
+        <a:tint val="40000"/>
+      </a:schemeClr>
+    </dgm:fillClrLst>
+    <dgm:linClrLst meth="repeat">
+      <a:schemeClr val="accent1">
+        <a:alpha val="90000"/>
+        <a:tint val="40000"/>
+      </a:schemeClr>
+    </dgm:linClrLst>
+    <dgm:effectClrLst/>
+    <dgm:txLinClrLst/>
+    <dgm:txFillClrLst meth="repeat">
+      <a:schemeClr val="dk1"/>
+    </dgm:txFillClrLst>
+    <dgm:txEffectClrLst/>
+  </dgm:styleLbl>
+  <dgm:styleLbl name="bgAccFollowNode1">
+    <dgm:fillClrLst meth="repeat">
+      <a:schemeClr val="accent1">
+        <a:alpha val="90000"/>
+        <a:tint val="40000"/>
+      </a:schemeClr>
+    </dgm:fillClrLst>
+    <dgm:linClrLst meth="repeat">
+      <a:schemeClr val="accent1">
+        <a:alpha val="90000"/>
+        <a:tint val="40000"/>
+      </a:schemeClr>
+    </dgm:linClrLst>
+    <dgm:effectClrLst/>
+    <dgm:txLinClrLst/>
+    <dgm:txFillClrLst meth="repeat">
+      <a:schemeClr val="dk1"/>
+    </dgm:txFillClrLst>
+    <dgm:txEffectClrLst/>
+  </dgm:styleLbl>
+  <dgm:styleLbl name="fgAcc0">
+    <dgm:fillClrLst meth="repeat">
+      <a:schemeClr val="lt1">
+        <a:alpha val="90000"/>
+      </a:schemeClr>
+    </dgm:fillClrLst>
+    <dgm:linClrLst meth="repeat">
+      <a:schemeClr val="accent1"/>
+    </dgm:linClrLst>
+    <dgm:effectClrLst/>
+    <dgm:txLinClrLst/>
+    <dgm:txFillClrLst meth="repeat">
+      <a:schemeClr val="dk1"/>
+    </dgm:txFillClrLst>
+    <dgm:txEffectClrLst/>
+  </dgm:styleLbl>
+  <dgm:styleLbl name="fgAcc2">
+    <dgm:fillClrLst meth="repeat">
+      <a:schemeClr val="lt1">
+        <a:alpha val="90000"/>
+      </a:schemeClr>
+    </dgm:fillClrLst>
+    <dgm:linClrLst meth="repeat">
+      <a:schemeClr val="accent1"/>
+    </dgm:linClrLst>
+    <dgm:effectClrLst/>
+    <dgm:txLinClrLst/>
+    <dgm:txFillClrLst meth="repeat">
+      <a:schemeClr val="dk1"/>
+    </dgm:txFillClrLst>
+    <dgm:txEffectClrLst/>
+  </dgm:styleLbl>
+  <dgm:styleLbl name="fgAcc3">
+    <dgm:fillClrLst meth="repeat">
+      <a:schemeClr val="lt1">
+        <a:alpha val="90000"/>
+      </a:schemeClr>
+    </dgm:fillClrLst>
+    <dgm:linClrLst meth="repeat">
+      <a:schemeClr val="accent1"/>
+    </dgm:linClrLst>
+    <dgm:effectClrLst/>
+    <dgm:txLinClrLst/>
+    <dgm:txFillClrLst meth="repeat">
+      <a:schemeClr val="dk1"/>
+    </dgm:txFillClrLst>
+    <dgm:txEffectClrLst/>
+  </dgm:styleLbl>
+  <dgm:styleLbl name="fgAcc4">
+    <dgm:fillClrLst meth="repeat">
+      <a:schemeClr val="lt1">
+        <a:alpha val="90000"/>
+      </a:schemeClr>
+    </dgm:fillClrLst>
+    <dgm:linClrLst meth="repeat">
+      <a:schemeClr val="accent1"/>
+    </dgm:linClrLst>
+    <dgm:effectClrLst/>
+    <dgm:txLinClrLst/>
+    <dgm:txFillClrLst meth="repeat">
+      <a:schemeClr val="dk1"/>
+    </dgm:txFillClrLst>
+    <dgm:txEffectClrLst/>
+  </dgm:styleLbl>
+  <dgm:styleLbl name="bgShp">
+    <dgm:fillClrLst meth="repeat">
+      <a:schemeClr val="accent1">
+        <a:tint val="40000"/>
+      </a:schemeClr>
+    </dgm:fillClrLst>
+    <dgm:linClrLst meth="repeat">
+      <a:schemeClr val="accent1"/>
+    </dgm:linClrLst>
+    <dgm:effectClrLst/>
+    <dgm:txLinClrLst/>
+    <dgm:txFillClrLst meth="repeat">
+      <a:schemeClr val="dk1"/>
+    </dgm:txFillClrLst>
+    <dgm:txEffectClrLst/>
+  </dgm:styleLbl>
+  <dgm:styleLbl name="dkBgShp">
+    <dgm:fillClrLst meth="repeat">
+      <a:schemeClr val="accent1">
+        <a:shade val="80000"/>
+      </a:schemeClr>
+    </dgm:fillClrLst>
+    <dgm:linClrLst meth="repeat">
+      <a:schemeClr val="accent1"/>
+    </dgm:linClrLst>
+    <dgm:effectClrLst/>
+    <dgm:txLinClrLst/>
+    <dgm:txFillClrLst meth="repeat">
+      <a:schemeClr val="lt1"/>
+    </dgm:txFillClrLst>
+    <dgm:txEffectClrLst/>
+  </dgm:styleLbl>
+  <dgm:styleLbl name="trBgShp">
+    <dgm:fillClrLst meth="repeat">
+      <a:schemeClr val="accent1">
+        <a:tint val="50000"/>
+        <a:alpha val="40000"/>
+      </a:schemeClr>
+    </dgm:fillClrLst>
+    <dgm:linClrLst meth="repeat">
+      <a:schemeClr val="accent1"/>
+    </dgm:linClrLst>
+    <dgm:effectClrLst/>
+    <dgm:txLinClrLst/>
+    <dgm:txFillClrLst meth="repeat">
+      <a:schemeClr val="lt1"/>
+    </dgm:txFillClrLst>
+    <dgm:txEffectClrLst/>
+  </dgm:styleLbl>
+  <dgm:styleLbl name="fgShp">
+    <dgm:fillClrLst meth="repeat">
+      <a:schemeClr val="accent1">
+        <a:tint val="60000"/>
+      </a:schemeClr>
+    </dgm:fillClrLst>
+    <dgm:linClrLst meth="repeat">
+      <a:schemeClr val="lt1"/>
+    </dgm:linClrLst>
+    <dgm:effectClrLst/>
+    <dgm:txLinClrLst/>
+    <dgm:txFillClrLst meth="repeat">
+      <a:schemeClr val="dk1"/>
+    </dgm:txFillClrLst>
+    <dgm:txEffectClrLst/>
+  </dgm:styleLbl>
+  <dgm:styleLbl name="revTx">
+    <dgm:fillClrLst meth="repeat">
+      <a:schemeClr val="lt1">
+        <a:alpha val="0"/>
+      </a:schemeClr>
+    </dgm:fillClrLst>
+    <dgm:linClrLst meth="repeat">
+      <a:schemeClr val="dk1">
+        <a:alpha val="0"/>
+      </a:schemeClr>
+    </dgm:linClrLst>
+    <dgm:effectClrLst/>
+    <dgm:txLinClrLst/>
+    <dgm:txFillClrLst meth="repeat">
+      <a:schemeClr val="tx1"/>
+    </dgm:txFillClrLst>
+    <dgm:txEffectClrLst/>
+  </dgm:styleLbl>
+</dgm:colorsDef>
+</file>
+
+<file path=ppt/diagrams/colors7.xml><?xml version="1.0" encoding="utf-8"?>
 <dgm:colorsDef xmlns:dgm="http://schemas.openxmlformats.org/drawingml/2006/diagram" xmlns:a="http://schemas.openxmlformats.org/drawingml/2006/main" uniqueId="urn:microsoft.com/office/officeart/2005/8/colors/accent1_1">
   <dgm:title val=""/>
   <dgm:desc val=""/>
@@ -5181,50 +5929,6 @@
         </a:p>
       </dgm:t>
     </dgm:pt>
-    <dgm:pt modelId="{BE58C9A6-24B5-4335-80C4-F90A3D681D38}">
-      <dgm:prSet/>
-      <dgm:spPr/>
-      <dgm:t>
-        <a:bodyPr/>
-        <a:lstStyle/>
-        <a:p>
-          <a:r>
-            <a:rPr lang="hu-HU" dirty="0"/>
-            <a:t>Minden komponensnél kötelező annotációk, hogy a </a:t>
-          </a:r>
-          <a:br>
-            <a:rPr lang="hu-HU" dirty="0"/>
-          </a:br>
-          <a:r>
-            <a:rPr lang="hu-HU" dirty="0"/>
-            <a:t>monitoring komponensek fel tudják fedezni. </a:t>
-          </a:r>
-          <a:endParaRPr lang="en-US" dirty="0"/>
-        </a:p>
-      </dgm:t>
-    </dgm:pt>
-    <dgm:pt modelId="{1229AC33-F085-49D3-B868-26400B4E7611}" type="parTrans" cxnId="{4A994796-3DA0-41F6-B207-97A39CD63820}">
-      <dgm:prSet/>
-      <dgm:spPr/>
-      <dgm:t>
-        <a:bodyPr/>
-        <a:lstStyle/>
-        <a:p>
-          <a:endParaRPr lang="hu-HU"/>
-        </a:p>
-      </dgm:t>
-    </dgm:pt>
-    <dgm:pt modelId="{E75569BA-4E11-4048-BC43-C8A65BC7B475}" type="sibTrans" cxnId="{4A994796-3DA0-41F6-B207-97A39CD63820}">
-      <dgm:prSet/>
-      <dgm:spPr/>
-      <dgm:t>
-        <a:bodyPr/>
-        <a:lstStyle/>
-        <a:p>
-          <a:endParaRPr lang="hu-HU"/>
-        </a:p>
-      </dgm:t>
-    </dgm:pt>
     <dgm:pt modelId="{42CF10C7-92B1-4A47-9A2F-76116A7E058B}" type="pres">
       <dgm:prSet presAssocID="{99B3D88B-F46C-4592-AF78-0BA948D61478}" presName="vert0" presStyleCnt="0">
         <dgm:presLayoutVars>
@@ -5236,7 +5940,7 @@
       <dgm:spPr/>
     </dgm:pt>
     <dgm:pt modelId="{FC6804BF-02BC-42E3-8247-BDCE86367ECF}" type="pres">
-      <dgm:prSet presAssocID="{6B6CB7B3-8F90-424F-B540-997DEE25A032}" presName="thickLine" presStyleLbl="alignNode1" presStyleIdx="0" presStyleCnt="4"/>
+      <dgm:prSet presAssocID="{6B6CB7B3-8F90-424F-B540-997DEE25A032}" presName="thickLine" presStyleLbl="alignNode1" presStyleIdx="0" presStyleCnt="3"/>
       <dgm:spPr/>
     </dgm:pt>
     <dgm:pt modelId="{70644090-6FD4-454D-851E-9BA2FA696D98}" type="pres">
@@ -5244,7 +5948,7 @@
       <dgm:spPr/>
     </dgm:pt>
     <dgm:pt modelId="{D212F466-15A9-4107-91F4-00EE99847FA1}" type="pres">
-      <dgm:prSet presAssocID="{6B6CB7B3-8F90-424F-B540-997DEE25A032}" presName="tx1" presStyleLbl="revTx" presStyleIdx="0" presStyleCnt="4"/>
+      <dgm:prSet presAssocID="{6B6CB7B3-8F90-424F-B540-997DEE25A032}" presName="tx1" presStyleLbl="revTx" presStyleIdx="0" presStyleCnt="3" custScaleY="88517"/>
       <dgm:spPr/>
     </dgm:pt>
     <dgm:pt modelId="{98107CCB-4977-41A7-99C5-8E6F1184FF86}" type="pres">
@@ -5252,7 +5956,7 @@
       <dgm:spPr/>
     </dgm:pt>
     <dgm:pt modelId="{E592AC9B-8B1F-4D11-83FA-CDA76DD7DE23}" type="pres">
-      <dgm:prSet presAssocID="{5F02017F-8E6F-4633-A47B-EFC32CC0D909}" presName="thickLine" presStyleLbl="alignNode1" presStyleIdx="1" presStyleCnt="4"/>
+      <dgm:prSet presAssocID="{5F02017F-8E6F-4633-A47B-EFC32CC0D909}" presName="thickLine" presStyleLbl="alignNode1" presStyleIdx="1" presStyleCnt="3"/>
       <dgm:spPr/>
     </dgm:pt>
     <dgm:pt modelId="{5B9768D2-E4C1-4E5F-9A4A-4762EA525843}" type="pres">
@@ -5260,7 +5964,7 @@
       <dgm:spPr/>
     </dgm:pt>
     <dgm:pt modelId="{6E0A7F02-DA16-4A37-BF71-7491219D8486}" type="pres">
-      <dgm:prSet presAssocID="{5F02017F-8E6F-4633-A47B-EFC32CC0D909}" presName="tx1" presStyleLbl="revTx" presStyleIdx="1" presStyleCnt="4"/>
+      <dgm:prSet presAssocID="{5F02017F-8E6F-4633-A47B-EFC32CC0D909}" presName="tx1" presStyleLbl="revTx" presStyleIdx="1" presStyleCnt="3" custScaleY="56253"/>
       <dgm:spPr/>
     </dgm:pt>
     <dgm:pt modelId="{7F24F976-1E87-4556-9B52-8A43CBDD85C6}" type="pres">
@@ -5268,7 +5972,7 @@
       <dgm:spPr/>
     </dgm:pt>
     <dgm:pt modelId="{A07F5946-CDFD-4F65-AE94-BAE1A42CA3BC}" type="pres">
-      <dgm:prSet presAssocID="{64CA276B-9E29-4C25-B953-636D5DE373CB}" presName="thickLine" presStyleLbl="alignNode1" presStyleIdx="2" presStyleCnt="4"/>
+      <dgm:prSet presAssocID="{64CA276B-9E29-4C25-B953-636D5DE373CB}" presName="thickLine" presStyleLbl="alignNode1" presStyleIdx="2" presStyleCnt="3"/>
       <dgm:spPr/>
     </dgm:pt>
     <dgm:pt modelId="{20725B78-B936-4DD1-8E48-AECC9BCC02BE}" type="pres">
@@ -5276,27 +5980,11 @@
       <dgm:spPr/>
     </dgm:pt>
     <dgm:pt modelId="{EC7BC41A-3DC6-45B8-98F4-B8FF7015C783}" type="pres">
-      <dgm:prSet presAssocID="{64CA276B-9E29-4C25-B953-636D5DE373CB}" presName="tx1" presStyleLbl="revTx" presStyleIdx="2" presStyleCnt="4"/>
+      <dgm:prSet presAssocID="{64CA276B-9E29-4C25-B953-636D5DE373CB}" presName="tx1" presStyleLbl="revTx" presStyleIdx="2" presStyleCnt="3"/>
       <dgm:spPr/>
     </dgm:pt>
     <dgm:pt modelId="{CC322A68-0D75-4AFC-8472-F73A006E746C}" type="pres">
       <dgm:prSet presAssocID="{64CA276B-9E29-4C25-B953-636D5DE373CB}" presName="vert1" presStyleCnt="0"/>
-      <dgm:spPr/>
-    </dgm:pt>
-    <dgm:pt modelId="{ED50DA84-85C5-42CF-BBB7-0B9A6519B8A7}" type="pres">
-      <dgm:prSet presAssocID="{BE58C9A6-24B5-4335-80C4-F90A3D681D38}" presName="thickLine" presStyleLbl="alignNode1" presStyleIdx="3" presStyleCnt="4"/>
-      <dgm:spPr/>
-    </dgm:pt>
-    <dgm:pt modelId="{00294189-283D-461F-ACBE-BFC6ACDD1B69}" type="pres">
-      <dgm:prSet presAssocID="{BE58C9A6-24B5-4335-80C4-F90A3D681D38}" presName="horz1" presStyleCnt="0"/>
-      <dgm:spPr/>
-    </dgm:pt>
-    <dgm:pt modelId="{766971D8-7E65-45F5-B64A-D60FAA325286}" type="pres">
-      <dgm:prSet presAssocID="{BE58C9A6-24B5-4335-80C4-F90A3D681D38}" presName="tx1" presStyleLbl="revTx" presStyleIdx="3" presStyleCnt="4"/>
-      <dgm:spPr/>
-    </dgm:pt>
-    <dgm:pt modelId="{B0C09B99-2C82-43E0-AB92-9535DC35667F}" type="pres">
-      <dgm:prSet presAssocID="{BE58C9A6-24B5-4335-80C4-F90A3D681D38}" presName="vert1" presStyleCnt="0"/>
       <dgm:spPr/>
     </dgm:pt>
   </dgm:ptLst>
@@ -5306,9 +5994,7 @@
     <dgm:cxn modelId="{3BD6CD4C-6067-4966-9965-4F601F110135}" type="presOf" srcId="{5F02017F-8E6F-4633-A47B-EFC32CC0D909}" destId="{6E0A7F02-DA16-4A37-BF71-7491219D8486}" srcOrd="0" destOrd="0" presId="urn:microsoft.com/office/officeart/2008/layout/LinedList"/>
     <dgm:cxn modelId="{8AC22183-22FF-4DC9-AA04-41FBC3D4C247}" type="presOf" srcId="{64CA276B-9E29-4C25-B953-636D5DE373CB}" destId="{EC7BC41A-3DC6-45B8-98F4-B8FF7015C783}" srcOrd="0" destOrd="0" presId="urn:microsoft.com/office/officeart/2008/layout/LinedList"/>
     <dgm:cxn modelId="{DFE69D94-3B18-4754-80E7-9248EA72D726}" srcId="{99B3D88B-F46C-4592-AF78-0BA948D61478}" destId="{5F02017F-8E6F-4633-A47B-EFC32CC0D909}" srcOrd="1" destOrd="0" parTransId="{EFA134A1-BB50-4AD1-8DCF-5D8CCA96FBBC}" sibTransId="{47E2311A-82F0-4165-AAD8-BBEA82904F14}"/>
-    <dgm:cxn modelId="{4A994796-3DA0-41F6-B207-97A39CD63820}" srcId="{99B3D88B-F46C-4592-AF78-0BA948D61478}" destId="{BE58C9A6-24B5-4335-80C4-F90A3D681D38}" srcOrd="3" destOrd="0" parTransId="{1229AC33-F085-49D3-B868-26400B4E7611}" sibTransId="{E75569BA-4E11-4048-BC43-C8A65BC7B475}"/>
     <dgm:cxn modelId="{0C2318D3-00CE-4C3D-87D0-CE6541FCE0A0}" type="presOf" srcId="{99B3D88B-F46C-4592-AF78-0BA948D61478}" destId="{42CF10C7-92B1-4A47-9A2F-76116A7E058B}" srcOrd="0" destOrd="0" presId="urn:microsoft.com/office/officeart/2008/layout/LinedList"/>
-    <dgm:cxn modelId="{E47AFEFB-34A8-4F16-973F-E2D79A1A2FDB}" type="presOf" srcId="{BE58C9A6-24B5-4335-80C4-F90A3D681D38}" destId="{766971D8-7E65-45F5-B64A-D60FAA325286}" srcOrd="0" destOrd="0" presId="urn:microsoft.com/office/officeart/2008/layout/LinedList"/>
     <dgm:cxn modelId="{7B6B65FF-797E-4D41-8BDF-76A05655121F}" type="presOf" srcId="{6B6CB7B3-8F90-424F-B540-997DEE25A032}" destId="{D212F466-15A9-4107-91F4-00EE99847FA1}" srcOrd="0" destOrd="0" presId="urn:microsoft.com/office/officeart/2008/layout/LinedList"/>
     <dgm:cxn modelId="{89D68187-855E-4080-8CDB-D0B462AE241A}" type="presParOf" srcId="{42CF10C7-92B1-4A47-9A2F-76116A7E058B}" destId="{FC6804BF-02BC-42E3-8247-BDCE86367ECF}" srcOrd="0" destOrd="0" presId="urn:microsoft.com/office/officeart/2008/layout/LinedList"/>
     <dgm:cxn modelId="{B65B984F-FA05-4343-ADBD-F12062C41764}" type="presParOf" srcId="{42CF10C7-92B1-4A47-9A2F-76116A7E058B}" destId="{70644090-6FD4-454D-851E-9BA2FA696D98}" srcOrd="1" destOrd="0" presId="urn:microsoft.com/office/officeart/2008/layout/LinedList"/>
@@ -5322,10 +6008,6 @@
     <dgm:cxn modelId="{1FC8DFD9-6820-4AAC-872A-D7F32AFF79B5}" type="presParOf" srcId="{42CF10C7-92B1-4A47-9A2F-76116A7E058B}" destId="{20725B78-B936-4DD1-8E48-AECC9BCC02BE}" srcOrd="5" destOrd="0" presId="urn:microsoft.com/office/officeart/2008/layout/LinedList"/>
     <dgm:cxn modelId="{F06EC1D3-BDDE-4111-88DB-06DCB195223E}" type="presParOf" srcId="{20725B78-B936-4DD1-8E48-AECC9BCC02BE}" destId="{EC7BC41A-3DC6-45B8-98F4-B8FF7015C783}" srcOrd="0" destOrd="0" presId="urn:microsoft.com/office/officeart/2008/layout/LinedList"/>
     <dgm:cxn modelId="{0FFD58F4-A0A5-4261-87B9-F22BBF2BC48F}" type="presParOf" srcId="{20725B78-B936-4DD1-8E48-AECC9BCC02BE}" destId="{CC322A68-0D75-4AFC-8472-F73A006E746C}" srcOrd="1" destOrd="0" presId="urn:microsoft.com/office/officeart/2008/layout/LinedList"/>
-    <dgm:cxn modelId="{BE92AE30-E838-4B84-B26F-83AB814ADCC8}" type="presParOf" srcId="{42CF10C7-92B1-4A47-9A2F-76116A7E058B}" destId="{ED50DA84-85C5-42CF-BBB7-0B9A6519B8A7}" srcOrd="6" destOrd="0" presId="urn:microsoft.com/office/officeart/2008/layout/LinedList"/>
-    <dgm:cxn modelId="{26E2011C-E828-4E82-8232-2CE7BAF995FE}" type="presParOf" srcId="{42CF10C7-92B1-4A47-9A2F-76116A7E058B}" destId="{00294189-283D-461F-ACBE-BFC6ACDD1B69}" srcOrd="7" destOrd="0" presId="urn:microsoft.com/office/officeart/2008/layout/LinedList"/>
-    <dgm:cxn modelId="{7BE20DEF-AE33-406E-9354-9DC5924BED27}" type="presParOf" srcId="{00294189-283D-461F-ACBE-BFC6ACDD1B69}" destId="{766971D8-7E65-45F5-B64A-D60FAA325286}" srcOrd="0" destOrd="0" presId="urn:microsoft.com/office/officeart/2008/layout/LinedList"/>
-    <dgm:cxn modelId="{E79281CF-86F6-4036-8E66-3573137DE319}" type="presParOf" srcId="{00294189-283D-461F-ACBE-BFC6ACDD1B69}" destId="{B0C09B99-2C82-43E0-AB92-9535DC35667F}" srcOrd="1" destOrd="0" presId="urn:microsoft.com/office/officeart/2008/layout/LinedList"/>
   </dgm:cxnLst>
   <dgm:bg/>
   <dgm:whole/>
@@ -5338,6 +6020,271 @@
 </file>
 
 <file path=ppt/diagrams/data3.xml><?xml version="1.0" encoding="utf-8"?>
+<dgm:dataModel xmlns:dgm="http://schemas.openxmlformats.org/drawingml/2006/diagram" xmlns:a="http://schemas.openxmlformats.org/drawingml/2006/main">
+  <dgm:ptLst>
+    <dgm:pt modelId="{99B3D88B-F46C-4592-AF78-0BA948D61478}" type="doc">
+      <dgm:prSet loTypeId="urn:microsoft.com/office/officeart/2005/8/layout/list1" loCatId="list" qsTypeId="urn:microsoft.com/office/officeart/2005/8/quickstyle/simple1" qsCatId="simple" csTypeId="urn:microsoft.com/office/officeart/2005/8/colors/accent1_2" csCatId="accent1" phldr="1"/>
+      <dgm:spPr/>
+      <dgm:t>
+        <a:bodyPr/>
+        <a:lstStyle/>
+        <a:p>
+          <a:endParaRPr lang="en-US"/>
+        </a:p>
+      </dgm:t>
+    </dgm:pt>
+    <dgm:pt modelId="{285BF0EC-0949-4684-9D6B-8EA8E774533F}">
+      <dgm:prSet/>
+      <dgm:spPr/>
+      <dgm:t>
+        <a:bodyPr/>
+        <a:lstStyle/>
+        <a:p>
+          <a:r>
+            <a:rPr lang="hu-HU" dirty="0"/>
+            <a:t>Betartatni</a:t>
+          </a:r>
+        </a:p>
+      </dgm:t>
+    </dgm:pt>
+    <dgm:pt modelId="{70B12BAD-0C16-4340-85CA-C21976658BEA}" type="parTrans" cxnId="{AFF43756-A942-4E4B-8586-110579BA4E3D}">
+      <dgm:prSet/>
+      <dgm:spPr/>
+      <dgm:t>
+        <a:bodyPr/>
+        <a:lstStyle/>
+        <a:p>
+          <a:endParaRPr lang="hu-HU"/>
+        </a:p>
+      </dgm:t>
+    </dgm:pt>
+    <dgm:pt modelId="{3A375FF0-7B59-4885-B932-6D59E7F600CC}" type="sibTrans" cxnId="{AFF43756-A942-4E4B-8586-110579BA4E3D}">
+      <dgm:prSet/>
+      <dgm:spPr/>
+      <dgm:t>
+        <a:bodyPr/>
+        <a:lstStyle/>
+        <a:p>
+          <a:endParaRPr lang="hu-HU"/>
+        </a:p>
+      </dgm:t>
+    </dgm:pt>
+    <dgm:pt modelId="{2066D69A-D8DF-4B5B-827F-E2D67A6091A8}">
+      <dgm:prSet/>
+      <dgm:spPr/>
+      <dgm:t>
+        <a:bodyPr/>
+        <a:lstStyle/>
+        <a:p>
+          <a:r>
+            <a:rPr lang="hu-HU" dirty="0"/>
+            <a:t>Módosítani</a:t>
+          </a:r>
+          <a:endParaRPr lang="en-US" dirty="0"/>
+        </a:p>
+      </dgm:t>
+    </dgm:pt>
+    <dgm:pt modelId="{FFA1449C-54C2-4BDB-94C4-C7E3122E6A1B}" type="parTrans" cxnId="{0285A13A-7496-4615-8FCC-217100C7AB1F}">
+      <dgm:prSet/>
+      <dgm:spPr/>
+      <dgm:t>
+        <a:bodyPr/>
+        <a:lstStyle/>
+        <a:p>
+          <a:endParaRPr lang="hu-HU"/>
+        </a:p>
+      </dgm:t>
+    </dgm:pt>
+    <dgm:pt modelId="{E5D5D71D-9B0D-4B75-8430-0A97E7C06029}" type="sibTrans" cxnId="{0285A13A-7496-4615-8FCC-217100C7AB1F}">
+      <dgm:prSet/>
+      <dgm:spPr/>
+      <dgm:t>
+        <a:bodyPr/>
+        <a:lstStyle/>
+        <a:p>
+          <a:endParaRPr lang="hu-HU"/>
+        </a:p>
+      </dgm:t>
+    </dgm:pt>
+    <dgm:pt modelId="{4B8D331A-6388-4F29-A8AF-4B2B1392FB89}">
+      <dgm:prSet/>
+      <dgm:spPr/>
+      <dgm:t>
+        <a:bodyPr/>
+        <a:lstStyle/>
+        <a:p>
+          <a:r>
+            <a:rPr lang="hu-HU" dirty="0"/>
+            <a:t>Nehéz</a:t>
+          </a:r>
+        </a:p>
+      </dgm:t>
+    </dgm:pt>
+    <dgm:pt modelId="{BDFF8615-A017-4C33-A8B5-A4808E285B12}" type="parTrans" cxnId="{3562645D-9D73-4EF6-BC7A-6BD02086D91E}">
+      <dgm:prSet/>
+      <dgm:spPr/>
+      <dgm:t>
+        <a:bodyPr/>
+        <a:lstStyle/>
+        <a:p>
+          <a:endParaRPr lang="hu-HU"/>
+        </a:p>
+      </dgm:t>
+    </dgm:pt>
+    <dgm:pt modelId="{22CE6DA7-D1B2-4F7A-81F6-4FE3350B498F}" type="sibTrans" cxnId="{3562645D-9D73-4EF6-BC7A-6BD02086D91E}">
+      <dgm:prSet/>
+      <dgm:spPr/>
+      <dgm:t>
+        <a:bodyPr/>
+        <a:lstStyle/>
+        <a:p>
+          <a:endParaRPr lang="hu-HU"/>
+        </a:p>
+      </dgm:t>
+    </dgm:pt>
+    <dgm:pt modelId="{9067DDAD-9FA9-4002-8F4A-FCC4D24474BB}">
+      <dgm:prSet/>
+      <dgm:spPr/>
+      <dgm:t>
+        <a:bodyPr/>
+        <a:lstStyle/>
+        <a:p>
+          <a:r>
+            <a:rPr lang="hu-HU" dirty="0" err="1"/>
+            <a:t>Számontartani</a:t>
+          </a:r>
+          <a:endParaRPr lang="hu-HU" dirty="0"/>
+        </a:p>
+      </dgm:t>
+    </dgm:pt>
+    <dgm:pt modelId="{8BBFC254-B986-40A4-AFE6-9738E3ABE219}" type="parTrans" cxnId="{A91C2EE5-7551-42C7-95D3-6243A8E7D86E}">
+      <dgm:prSet/>
+      <dgm:spPr/>
+      <dgm:t>
+        <a:bodyPr/>
+        <a:lstStyle/>
+        <a:p>
+          <a:endParaRPr lang="hu-HU"/>
+        </a:p>
+      </dgm:t>
+    </dgm:pt>
+    <dgm:pt modelId="{82118F0D-5B5C-4434-ADDD-04559D44913B}" type="sibTrans" cxnId="{A91C2EE5-7551-42C7-95D3-6243A8E7D86E}">
+      <dgm:prSet/>
+      <dgm:spPr/>
+      <dgm:t>
+        <a:bodyPr/>
+        <a:lstStyle/>
+        <a:p>
+          <a:endParaRPr lang="hu-HU"/>
+        </a:p>
+      </dgm:t>
+    </dgm:pt>
+    <dgm:pt modelId="{D647394A-8FA8-412F-BFB6-D8C638C227A9}">
+      <dgm:prSet/>
+      <dgm:spPr/>
+      <dgm:t>
+        <a:bodyPr/>
+        <a:lstStyle/>
+        <a:p>
+          <a:r>
+            <a:rPr lang="hu-HU" dirty="0"/>
+            <a:t>Megfigyelni</a:t>
+          </a:r>
+        </a:p>
+      </dgm:t>
+    </dgm:pt>
+    <dgm:pt modelId="{30915C60-BA46-4B3F-BF74-F8B81D500A30}" type="parTrans" cxnId="{A2B9C4C3-3C53-410D-B0FB-856C4F8520B4}">
+      <dgm:prSet/>
+      <dgm:spPr/>
+      <dgm:t>
+        <a:bodyPr/>
+        <a:lstStyle/>
+        <a:p>
+          <a:endParaRPr lang="hu-HU"/>
+        </a:p>
+      </dgm:t>
+    </dgm:pt>
+    <dgm:pt modelId="{13D62932-3A74-4416-9D81-3D88C091BACD}" type="sibTrans" cxnId="{A2B9C4C3-3C53-410D-B0FB-856C4F8520B4}">
+      <dgm:prSet/>
+      <dgm:spPr/>
+      <dgm:t>
+        <a:bodyPr/>
+        <a:lstStyle/>
+        <a:p>
+          <a:endParaRPr lang="hu-HU"/>
+        </a:p>
+      </dgm:t>
+    </dgm:pt>
+    <dgm:pt modelId="{FF792998-1C18-41A5-8179-551D8405C406}" type="pres">
+      <dgm:prSet presAssocID="{99B3D88B-F46C-4592-AF78-0BA948D61478}" presName="linear" presStyleCnt="0">
+        <dgm:presLayoutVars>
+          <dgm:dir/>
+          <dgm:animLvl val="lvl"/>
+          <dgm:resizeHandles val="exact"/>
+        </dgm:presLayoutVars>
+      </dgm:prSet>
+      <dgm:spPr/>
+    </dgm:pt>
+    <dgm:pt modelId="{7F6723FD-EF4C-47EC-A719-D6AAF54DBC1B}" type="pres">
+      <dgm:prSet presAssocID="{4B8D331A-6388-4F29-A8AF-4B2B1392FB89}" presName="parentLin" presStyleCnt="0"/>
+      <dgm:spPr/>
+    </dgm:pt>
+    <dgm:pt modelId="{CA2BCBED-A8D8-43DA-9FF0-79CF887D016B}" type="pres">
+      <dgm:prSet presAssocID="{4B8D331A-6388-4F29-A8AF-4B2B1392FB89}" presName="parentLeftMargin" presStyleLbl="node1" presStyleIdx="0" presStyleCnt="1"/>
+      <dgm:spPr/>
+    </dgm:pt>
+    <dgm:pt modelId="{337E1952-013F-4A9F-A414-E52786055378}" type="pres">
+      <dgm:prSet presAssocID="{4B8D331A-6388-4F29-A8AF-4B2B1392FB89}" presName="parentText" presStyleLbl="node1" presStyleIdx="0" presStyleCnt="1">
+        <dgm:presLayoutVars>
+          <dgm:chMax val="0"/>
+          <dgm:bulletEnabled val="1"/>
+        </dgm:presLayoutVars>
+      </dgm:prSet>
+      <dgm:spPr/>
+    </dgm:pt>
+    <dgm:pt modelId="{9BE9C7ED-49CD-430A-99C3-38F2A17EA104}" type="pres">
+      <dgm:prSet presAssocID="{4B8D331A-6388-4F29-A8AF-4B2B1392FB89}" presName="negativeSpace" presStyleCnt="0"/>
+      <dgm:spPr/>
+    </dgm:pt>
+    <dgm:pt modelId="{6230BD24-1B16-42B7-B1A0-F885098772AE}" type="pres">
+      <dgm:prSet presAssocID="{4B8D331A-6388-4F29-A8AF-4B2B1392FB89}" presName="childText" presStyleLbl="conFgAcc1" presStyleIdx="0" presStyleCnt="1">
+        <dgm:presLayoutVars>
+          <dgm:bulletEnabled val="1"/>
+        </dgm:presLayoutVars>
+      </dgm:prSet>
+      <dgm:spPr/>
+    </dgm:pt>
+  </dgm:ptLst>
+  <dgm:cxnLst>
+    <dgm:cxn modelId="{896A6C1F-7425-47BB-89A3-409A5DD736F7}" type="presOf" srcId="{9067DDAD-9FA9-4002-8F4A-FCC4D24474BB}" destId="{6230BD24-1B16-42B7-B1A0-F885098772AE}" srcOrd="0" destOrd="1" presId="urn:microsoft.com/office/officeart/2005/8/layout/list1"/>
+    <dgm:cxn modelId="{0285A13A-7496-4615-8FCC-217100C7AB1F}" srcId="{4B8D331A-6388-4F29-A8AF-4B2B1392FB89}" destId="{2066D69A-D8DF-4B5B-827F-E2D67A6091A8}" srcOrd="3" destOrd="0" parTransId="{FFA1449C-54C2-4BDB-94C4-C7E3122E6A1B}" sibTransId="{E5D5D71D-9B0D-4B75-8430-0A97E7C06029}"/>
+    <dgm:cxn modelId="{3562645D-9D73-4EF6-BC7A-6BD02086D91E}" srcId="{99B3D88B-F46C-4592-AF78-0BA948D61478}" destId="{4B8D331A-6388-4F29-A8AF-4B2B1392FB89}" srcOrd="0" destOrd="0" parTransId="{BDFF8615-A017-4C33-A8B5-A4808E285B12}" sibTransId="{22CE6DA7-D1B2-4F7A-81F6-4FE3350B498F}"/>
+    <dgm:cxn modelId="{B8E8D662-97DB-4604-B1D9-892159009640}" type="presOf" srcId="{99B3D88B-F46C-4592-AF78-0BA948D61478}" destId="{FF792998-1C18-41A5-8179-551D8405C406}" srcOrd="0" destOrd="0" presId="urn:microsoft.com/office/officeart/2005/8/layout/list1"/>
+    <dgm:cxn modelId="{AFF43756-A942-4E4B-8586-110579BA4E3D}" srcId="{4B8D331A-6388-4F29-A8AF-4B2B1392FB89}" destId="{285BF0EC-0949-4684-9D6B-8EA8E774533F}" srcOrd="2" destOrd="0" parTransId="{70B12BAD-0C16-4340-85CA-C21976658BEA}" sibTransId="{3A375FF0-7B59-4885-B932-6D59E7F600CC}"/>
+    <dgm:cxn modelId="{D7DF6878-B182-4A85-AFA8-0727ECE12604}" type="presOf" srcId="{2066D69A-D8DF-4B5B-827F-E2D67A6091A8}" destId="{6230BD24-1B16-42B7-B1A0-F885098772AE}" srcOrd="0" destOrd="3" presId="urn:microsoft.com/office/officeart/2005/8/layout/list1"/>
+    <dgm:cxn modelId="{6A86C189-E9F4-4DA6-B6FD-E93201F1752D}" type="presOf" srcId="{4B8D331A-6388-4F29-A8AF-4B2B1392FB89}" destId="{337E1952-013F-4A9F-A414-E52786055378}" srcOrd="1" destOrd="0" presId="urn:microsoft.com/office/officeart/2005/8/layout/list1"/>
+    <dgm:cxn modelId="{F3AFAEA3-2B68-422F-B1D1-E9ED3978CB50}" type="presOf" srcId="{D647394A-8FA8-412F-BFB6-D8C638C227A9}" destId="{6230BD24-1B16-42B7-B1A0-F885098772AE}" srcOrd="0" destOrd="0" presId="urn:microsoft.com/office/officeart/2005/8/layout/list1"/>
+    <dgm:cxn modelId="{739C7FB5-9137-41E5-A8D4-DCD550158FC2}" type="presOf" srcId="{285BF0EC-0949-4684-9D6B-8EA8E774533F}" destId="{6230BD24-1B16-42B7-B1A0-F885098772AE}" srcOrd="0" destOrd="2" presId="urn:microsoft.com/office/officeart/2005/8/layout/list1"/>
+    <dgm:cxn modelId="{A2B9C4C3-3C53-410D-B0FB-856C4F8520B4}" srcId="{4B8D331A-6388-4F29-A8AF-4B2B1392FB89}" destId="{D647394A-8FA8-412F-BFB6-D8C638C227A9}" srcOrd="0" destOrd="0" parTransId="{30915C60-BA46-4B3F-BF74-F8B81D500A30}" sibTransId="{13D62932-3A74-4416-9D81-3D88C091BACD}"/>
+    <dgm:cxn modelId="{A91C2EE5-7551-42C7-95D3-6243A8E7D86E}" srcId="{4B8D331A-6388-4F29-A8AF-4B2B1392FB89}" destId="{9067DDAD-9FA9-4002-8F4A-FCC4D24474BB}" srcOrd="1" destOrd="0" parTransId="{8BBFC254-B986-40A4-AFE6-9738E3ABE219}" sibTransId="{82118F0D-5B5C-4434-ADDD-04559D44913B}"/>
+    <dgm:cxn modelId="{31AE03E6-5EE2-42A8-801D-71FD406F1D54}" type="presOf" srcId="{4B8D331A-6388-4F29-A8AF-4B2B1392FB89}" destId="{CA2BCBED-A8D8-43DA-9FF0-79CF887D016B}" srcOrd="0" destOrd="0" presId="urn:microsoft.com/office/officeart/2005/8/layout/list1"/>
+    <dgm:cxn modelId="{93769990-A0B7-4E57-9B43-808FA41BACED}" type="presParOf" srcId="{FF792998-1C18-41A5-8179-551D8405C406}" destId="{7F6723FD-EF4C-47EC-A719-D6AAF54DBC1B}" srcOrd="0" destOrd="0" presId="urn:microsoft.com/office/officeart/2005/8/layout/list1"/>
+    <dgm:cxn modelId="{A7F67DD8-4C3B-4C92-979B-4A960EC87334}" type="presParOf" srcId="{7F6723FD-EF4C-47EC-A719-D6AAF54DBC1B}" destId="{CA2BCBED-A8D8-43DA-9FF0-79CF887D016B}" srcOrd="0" destOrd="0" presId="urn:microsoft.com/office/officeart/2005/8/layout/list1"/>
+    <dgm:cxn modelId="{1EDDC8E0-55FB-4576-AADA-547C9125E96A}" type="presParOf" srcId="{7F6723FD-EF4C-47EC-A719-D6AAF54DBC1B}" destId="{337E1952-013F-4A9F-A414-E52786055378}" srcOrd="1" destOrd="0" presId="urn:microsoft.com/office/officeart/2005/8/layout/list1"/>
+    <dgm:cxn modelId="{2320B270-86C6-4690-BD5D-20A4D633FE51}" type="presParOf" srcId="{FF792998-1C18-41A5-8179-551D8405C406}" destId="{9BE9C7ED-49CD-430A-99C3-38F2A17EA104}" srcOrd="1" destOrd="0" presId="urn:microsoft.com/office/officeart/2005/8/layout/list1"/>
+    <dgm:cxn modelId="{7DF446C5-F5D0-436B-92DC-EA8EA58D106D}" type="presParOf" srcId="{FF792998-1C18-41A5-8179-551D8405C406}" destId="{6230BD24-1B16-42B7-B1A0-F885098772AE}" srcOrd="2" destOrd="0" presId="urn:microsoft.com/office/officeart/2005/8/layout/list1"/>
+  </dgm:cxnLst>
+  <dgm:bg/>
+  <dgm:whole/>
+  <dgm:extLst>
+    <a:ext uri="http://schemas.microsoft.com/office/drawing/2008/diagram">
+      <dsp:dataModelExt xmlns:dsp="http://schemas.microsoft.com/office/drawing/2008/diagram" relId="rId13" minVer="http://schemas.openxmlformats.org/drawingml/2006/diagram"/>
+    </a:ext>
+  </dgm:extLst>
+</dgm:dataModel>
+</file>
+
+<file path=ppt/diagrams/data4.xml><?xml version="1.0" encoding="utf-8"?>
 <dgm:dataModel xmlns:dgm="http://schemas.openxmlformats.org/drawingml/2006/diagram" xmlns:a="http://schemas.openxmlformats.org/drawingml/2006/main">
   <dgm:ptLst>
     <dgm:pt modelId="{90FF3307-D54A-4434-A4EB-C1202042FFBC}" type="doc">
@@ -5684,7 +6631,7 @@
 </dgm:dataModel>
 </file>
 
-<file path=ppt/diagrams/data4.xml><?xml version="1.0" encoding="utf-8"?>
+<file path=ppt/diagrams/data5.xml><?xml version="1.0" encoding="utf-8"?>
 <dgm:dataModel xmlns:dgm="http://schemas.openxmlformats.org/drawingml/2006/diagram" xmlns:a="http://schemas.openxmlformats.org/drawingml/2006/main">
   <dgm:ptLst>
     <dgm:pt modelId="{90FF3307-D54A-4434-A4EB-C1202042FFBC}" type="doc">
@@ -6225,7 +7172,7 @@
 </dgm:dataModel>
 </file>
 
-<file path=ppt/diagrams/data5.xml><?xml version="1.0" encoding="utf-8"?>
+<file path=ppt/diagrams/data6.xml><?xml version="1.0" encoding="utf-8"?>
 <dgm:dataModel xmlns:dgm="http://schemas.openxmlformats.org/drawingml/2006/diagram" xmlns:a="http://schemas.openxmlformats.org/drawingml/2006/main">
   <dgm:ptLst>
     <dgm:pt modelId="{90FF3307-D54A-4434-A4EB-C1202042FFBC}" type="doc">
@@ -7109,7 +8056,7 @@
 </dgm:dataModel>
 </file>
 
-<file path=ppt/diagrams/data6.xml><?xml version="1.0" encoding="utf-8"?>
+<file path=ppt/diagrams/data7.xml><?xml version="1.0" encoding="utf-8"?>
 <dgm:dataModel xmlns:dgm="http://schemas.openxmlformats.org/drawingml/2006/diagram" xmlns:a="http://schemas.openxmlformats.org/drawingml/2006/main">
   <dgm:ptLst>
     <dgm:pt modelId="{99B3D88B-F46C-4592-AF78-0BA948D61478}" type="doc">
@@ -7306,58 +8253,6 @@
         </a:p>
       </dgm:t>
     </dgm:pt>
-    <dgm:pt modelId="{FC12C0D7-1A12-487E-903C-4925A67FF405}">
-      <dgm:prSet/>
-      <dgm:spPr/>
-      <dgm:t>
-        <a:bodyPr/>
-        <a:lstStyle/>
-        <a:p>
-          <a:r>
-            <a:rPr lang="hu-HU" dirty="0"/>
-            <a:t>Gyorsabb </a:t>
-          </a:r>
-          <a:r>
-            <a:rPr lang="hu-HU" dirty="0" err="1"/>
-            <a:t>build</a:t>
-          </a:r>
-          <a:r>
-            <a:rPr lang="hu-HU" dirty="0"/>
-            <a:t>, vékonyabb </a:t>
-          </a:r>
-          <a:r>
-            <a:rPr lang="hu-HU" dirty="0" err="1"/>
-            <a:t>builder</a:t>
-          </a:r>
-          <a:r>
-            <a:rPr lang="hu-HU" dirty="0"/>
-            <a:t> image</a:t>
-          </a:r>
-        </a:p>
-      </dgm:t>
-    </dgm:pt>
-    <dgm:pt modelId="{1A5EC8B6-6581-4F30-AD3C-FACD51DED751}" type="parTrans" cxnId="{D9237D49-1003-4842-B9FE-E2163055F153}">
-      <dgm:prSet/>
-      <dgm:spPr/>
-      <dgm:t>
-        <a:bodyPr/>
-        <a:lstStyle/>
-        <a:p>
-          <a:endParaRPr lang="hu-HU"/>
-        </a:p>
-      </dgm:t>
-    </dgm:pt>
-    <dgm:pt modelId="{221F548C-C791-4208-A08E-4A990AE169BA}" type="sibTrans" cxnId="{D9237D49-1003-4842-B9FE-E2163055F153}">
-      <dgm:prSet/>
-      <dgm:spPr/>
-      <dgm:t>
-        <a:bodyPr/>
-        <a:lstStyle/>
-        <a:p>
-          <a:endParaRPr lang="hu-HU"/>
-        </a:p>
-      </dgm:t>
-    </dgm:pt>
     <dgm:pt modelId="{840CC45C-AEA6-4585-B382-1F0F976EF5B4}">
       <dgm:prSet/>
       <dgm:spPr/>
@@ -7430,39 +8325,6 @@
         </a:p>
       </dgm:t>
     </dgm:pt>
-    <dgm:pt modelId="{651CA0B4-94CA-4679-914C-7166DF5AAE59}">
-      <dgm:prSet/>
-      <dgm:spPr/>
-      <dgm:t>
-        <a:bodyPr/>
-        <a:lstStyle/>
-        <a:p>
-          <a:endParaRPr lang="hu-HU"/>
-        </a:p>
-      </dgm:t>
-    </dgm:pt>
-    <dgm:pt modelId="{FEFB1FC7-E1DE-4931-9CF0-AF1CE240E5CE}" type="parTrans" cxnId="{646D5ABA-A1F7-4AD9-9F79-126B3CACFB44}">
-      <dgm:prSet/>
-      <dgm:spPr/>
-      <dgm:t>
-        <a:bodyPr/>
-        <a:lstStyle/>
-        <a:p>
-          <a:endParaRPr lang="hu-HU"/>
-        </a:p>
-      </dgm:t>
-    </dgm:pt>
-    <dgm:pt modelId="{1FF38C1B-9033-46AB-8748-D1C238CCDFE5}" type="sibTrans" cxnId="{646D5ABA-A1F7-4AD9-9F79-126B3CACFB44}">
-      <dgm:prSet/>
-      <dgm:spPr/>
-      <dgm:t>
-        <a:bodyPr/>
-        <a:lstStyle/>
-        <a:p>
-          <a:endParaRPr lang="hu-HU"/>
-        </a:p>
-      </dgm:t>
-    </dgm:pt>
     <dgm:pt modelId="{25859603-92E0-424D-BF03-CDCA63B353F4}" type="pres">
       <dgm:prSet presAssocID="{99B3D88B-F46C-4592-AF78-0BA948D61478}" presName="Name0" presStyleCnt="0">
         <dgm:presLayoutVars>
@@ -7482,7 +8344,7 @@
       <dgm:spPr/>
     </dgm:pt>
     <dgm:pt modelId="{8DC23378-7430-46DF-9384-4DFF8CC115A4}" type="pres">
-      <dgm:prSet presAssocID="{99B3D88B-F46C-4592-AF78-0BA948D61478}" presName="srcNode" presStyleLbl="node1" presStyleIdx="0" presStyleCnt="7"/>
+      <dgm:prSet presAssocID="{99B3D88B-F46C-4592-AF78-0BA948D61478}" presName="srcNode" presStyleLbl="node1" presStyleIdx="0" presStyleCnt="6"/>
       <dgm:spPr/>
     </dgm:pt>
     <dgm:pt modelId="{A05C33CF-7F64-4AAA-B29F-CBD16F6B3B60}" type="pres">
@@ -7490,15 +8352,15 @@
       <dgm:spPr/>
     </dgm:pt>
     <dgm:pt modelId="{C1B697C9-C6D2-4BF9-8721-84119C006441}" type="pres">
-      <dgm:prSet presAssocID="{99B3D88B-F46C-4592-AF78-0BA948D61478}" presName="extraNode" presStyleLbl="node1" presStyleIdx="0" presStyleCnt="7"/>
+      <dgm:prSet presAssocID="{99B3D88B-F46C-4592-AF78-0BA948D61478}" presName="extraNode" presStyleLbl="node1" presStyleIdx="0" presStyleCnt="6"/>
       <dgm:spPr/>
     </dgm:pt>
     <dgm:pt modelId="{C8D76D16-1831-442F-ADB8-4837983E9C4C}" type="pres">
-      <dgm:prSet presAssocID="{99B3D88B-F46C-4592-AF78-0BA948D61478}" presName="dstNode" presStyleLbl="node1" presStyleIdx="0" presStyleCnt="7"/>
+      <dgm:prSet presAssocID="{99B3D88B-F46C-4592-AF78-0BA948D61478}" presName="dstNode" presStyleLbl="node1" presStyleIdx="0" presStyleCnt="6"/>
       <dgm:spPr/>
     </dgm:pt>
     <dgm:pt modelId="{87CA96F5-C5BA-437E-ABA4-5048F149C033}" type="pres">
-      <dgm:prSet presAssocID="{87075331-C2E3-459F-809F-89E1EDA1A048}" presName="text_1" presStyleLbl="node1" presStyleIdx="0" presStyleCnt="7">
+      <dgm:prSet presAssocID="{87075331-C2E3-459F-809F-89E1EDA1A048}" presName="text_1" presStyleLbl="node1" presStyleIdx="0" presStyleCnt="6">
         <dgm:presLayoutVars>
           <dgm:bulletEnabled val="1"/>
         </dgm:presLayoutVars>
@@ -7510,11 +8372,11 @@
       <dgm:spPr/>
     </dgm:pt>
     <dgm:pt modelId="{30835E3A-3F32-4666-AD3D-D3A8A6F885F1}" type="pres">
-      <dgm:prSet presAssocID="{87075331-C2E3-459F-809F-89E1EDA1A048}" presName="accentRepeatNode" presStyleLbl="solidFgAcc1" presStyleIdx="0" presStyleCnt="7"/>
+      <dgm:prSet presAssocID="{87075331-C2E3-459F-809F-89E1EDA1A048}" presName="accentRepeatNode" presStyleLbl="solidFgAcc1" presStyleIdx="0" presStyleCnt="6"/>
       <dgm:spPr/>
     </dgm:pt>
     <dgm:pt modelId="{3B034A50-E290-4758-877A-24BC0BBF9938}" type="pres">
-      <dgm:prSet presAssocID="{B3DFBFAF-F478-4926-8BD0-89DE9D47D956}" presName="text_2" presStyleLbl="node1" presStyleIdx="1" presStyleCnt="7">
+      <dgm:prSet presAssocID="{B3DFBFAF-F478-4926-8BD0-89DE9D47D956}" presName="text_2" presStyleLbl="node1" presStyleIdx="1" presStyleCnt="6">
         <dgm:presLayoutVars>
           <dgm:bulletEnabled val="1"/>
         </dgm:presLayoutVars>
@@ -7526,11 +8388,11 @@
       <dgm:spPr/>
     </dgm:pt>
     <dgm:pt modelId="{4E914480-8164-4AF5-BD60-A10E371908BC}" type="pres">
-      <dgm:prSet presAssocID="{B3DFBFAF-F478-4926-8BD0-89DE9D47D956}" presName="accentRepeatNode" presStyleLbl="solidFgAcc1" presStyleIdx="1" presStyleCnt="7"/>
+      <dgm:prSet presAssocID="{B3DFBFAF-F478-4926-8BD0-89DE9D47D956}" presName="accentRepeatNode" presStyleLbl="solidFgAcc1" presStyleIdx="1" presStyleCnt="6"/>
       <dgm:spPr/>
     </dgm:pt>
     <dgm:pt modelId="{4078CEC1-A047-4AE0-8472-01872902B7C9}" type="pres">
-      <dgm:prSet presAssocID="{7F44ADDD-435A-454C-A820-B6896BCC465B}" presName="text_3" presStyleLbl="node1" presStyleIdx="2" presStyleCnt="7">
+      <dgm:prSet presAssocID="{7F44ADDD-435A-454C-A820-B6896BCC465B}" presName="text_3" presStyleLbl="node1" presStyleIdx="2" presStyleCnt="6">
         <dgm:presLayoutVars>
           <dgm:bulletEnabled val="1"/>
         </dgm:presLayoutVars>
@@ -7542,11 +8404,11 @@
       <dgm:spPr/>
     </dgm:pt>
     <dgm:pt modelId="{A94F5950-94FD-4F5E-8222-68E625670AB0}" type="pres">
-      <dgm:prSet presAssocID="{7F44ADDD-435A-454C-A820-B6896BCC465B}" presName="accentRepeatNode" presStyleLbl="solidFgAcc1" presStyleIdx="2" presStyleCnt="7"/>
+      <dgm:prSet presAssocID="{7F44ADDD-435A-454C-A820-B6896BCC465B}" presName="accentRepeatNode" presStyleLbl="solidFgAcc1" presStyleIdx="2" presStyleCnt="6"/>
       <dgm:spPr/>
     </dgm:pt>
     <dgm:pt modelId="{FE80661E-326D-4BDE-8C9A-688EB1E8576B}" type="pres">
-      <dgm:prSet presAssocID="{33DCDFCD-A4C9-4F41-80E2-ECAE31F3C5F5}" presName="text_4" presStyleLbl="node1" presStyleIdx="3" presStyleCnt="7">
+      <dgm:prSet presAssocID="{33DCDFCD-A4C9-4F41-80E2-ECAE31F3C5F5}" presName="text_4" presStyleLbl="node1" presStyleIdx="3" presStyleCnt="6">
         <dgm:presLayoutVars>
           <dgm:bulletEnabled val="1"/>
         </dgm:presLayoutVars>
@@ -7558,76 +8420,57 @@
       <dgm:spPr/>
     </dgm:pt>
     <dgm:pt modelId="{05E6345C-D000-4A22-A1BC-59F816C2986F}" type="pres">
-      <dgm:prSet presAssocID="{33DCDFCD-A4C9-4F41-80E2-ECAE31F3C5F5}" presName="accentRepeatNode" presStyleLbl="solidFgAcc1" presStyleIdx="3" presStyleCnt="7"/>
+      <dgm:prSet presAssocID="{33DCDFCD-A4C9-4F41-80E2-ECAE31F3C5F5}" presName="accentRepeatNode" presStyleLbl="solidFgAcc1" presStyleIdx="3" presStyleCnt="6"/>
       <dgm:spPr/>
     </dgm:pt>
-    <dgm:pt modelId="{3F3C4002-B3A5-417E-A145-AE40AA89DE65}" type="pres">
-      <dgm:prSet presAssocID="{FC12C0D7-1A12-487E-903C-4925A67FF405}" presName="text_5" presStyleLbl="node1" presStyleIdx="4" presStyleCnt="7">
+    <dgm:pt modelId="{33F83D4C-7914-4086-B62B-7AB46E5EFC1D}" type="pres">
+      <dgm:prSet presAssocID="{840CC45C-AEA6-4585-B382-1F0F976EF5B4}" presName="text_5" presStyleLbl="node1" presStyleIdx="4" presStyleCnt="6">
         <dgm:presLayoutVars>
           <dgm:bulletEnabled val="1"/>
         </dgm:presLayoutVars>
       </dgm:prSet>
       <dgm:spPr/>
     </dgm:pt>
-    <dgm:pt modelId="{19300B39-363E-4F1C-A025-A1D4AB0E5F77}" type="pres">
-      <dgm:prSet presAssocID="{FC12C0D7-1A12-487E-903C-4925A67FF405}" presName="accent_5" presStyleCnt="0"/>
+    <dgm:pt modelId="{6F9C0646-208F-4762-92F9-1DD1976B2815}" type="pres">
+      <dgm:prSet presAssocID="{840CC45C-AEA6-4585-B382-1F0F976EF5B4}" presName="accent_5" presStyleCnt="0"/>
       <dgm:spPr/>
     </dgm:pt>
-    <dgm:pt modelId="{2D50A284-2B64-4F84-BCBD-AE447564C8A6}" type="pres">
-      <dgm:prSet presAssocID="{FC12C0D7-1A12-487E-903C-4925A67FF405}" presName="accentRepeatNode" presStyleLbl="solidFgAcc1" presStyleIdx="4" presStyleCnt="7"/>
+    <dgm:pt modelId="{D9A13788-0EF7-4BAA-AEC0-4230E31F42EB}" type="pres">
+      <dgm:prSet presAssocID="{840CC45C-AEA6-4585-B382-1F0F976EF5B4}" presName="accentRepeatNode" presStyleLbl="solidFgAcc1" presStyleIdx="4" presStyleCnt="6"/>
       <dgm:spPr/>
     </dgm:pt>
-    <dgm:pt modelId="{15747308-FECB-443C-B112-2F6DA68B65DD}" type="pres">
-      <dgm:prSet presAssocID="{840CC45C-AEA6-4585-B382-1F0F976EF5B4}" presName="text_6" presStyleLbl="node1" presStyleIdx="5" presStyleCnt="7">
+    <dgm:pt modelId="{220FB7A1-DAB4-47FD-9B43-8E87F6E5E725}" type="pres">
+      <dgm:prSet presAssocID="{0EE21E77-7EFB-466F-A2D3-663CD28FF549}" presName="text_6" presStyleLbl="node1" presStyleIdx="5" presStyleCnt="6">
         <dgm:presLayoutVars>
           <dgm:bulletEnabled val="1"/>
         </dgm:presLayoutVars>
       </dgm:prSet>
       <dgm:spPr/>
     </dgm:pt>
-    <dgm:pt modelId="{CF141EC6-A5D9-45FA-98E8-1DC53B420372}" type="pres">
-      <dgm:prSet presAssocID="{840CC45C-AEA6-4585-B382-1F0F976EF5B4}" presName="accent_6" presStyleCnt="0"/>
-      <dgm:spPr/>
-    </dgm:pt>
-    <dgm:pt modelId="{D9A13788-0EF7-4BAA-AEC0-4230E31F42EB}" type="pres">
-      <dgm:prSet presAssocID="{840CC45C-AEA6-4585-B382-1F0F976EF5B4}" presName="accentRepeatNode" presStyleLbl="solidFgAcc1" presStyleIdx="5" presStyleCnt="7"/>
-      <dgm:spPr/>
-    </dgm:pt>
-    <dgm:pt modelId="{1D502BF2-C4D8-4E48-AA9A-F9C0E2453EAC}" type="pres">
-      <dgm:prSet presAssocID="{0EE21E77-7EFB-466F-A2D3-663CD28FF549}" presName="text_7" presStyleLbl="node1" presStyleIdx="6" presStyleCnt="7">
-        <dgm:presLayoutVars>
-          <dgm:bulletEnabled val="1"/>
-        </dgm:presLayoutVars>
-      </dgm:prSet>
-      <dgm:spPr/>
-    </dgm:pt>
-    <dgm:pt modelId="{642229FF-8781-429B-AED9-89FACC471511}" type="pres">
-      <dgm:prSet presAssocID="{0EE21E77-7EFB-466F-A2D3-663CD28FF549}" presName="accent_7" presStyleCnt="0"/>
+    <dgm:pt modelId="{7C1B6BBB-6607-438D-88B2-9EDE5DFF1F55}" type="pres">
+      <dgm:prSet presAssocID="{0EE21E77-7EFB-466F-A2D3-663CD28FF549}" presName="accent_6" presStyleCnt="0"/>
       <dgm:spPr/>
     </dgm:pt>
     <dgm:pt modelId="{0F583E48-0668-4627-8290-FE3E6C8F5639}" type="pres">
-      <dgm:prSet presAssocID="{0EE21E77-7EFB-466F-A2D3-663CD28FF549}" presName="accentRepeatNode" presStyleLbl="solidFgAcc1" presStyleIdx="6" presStyleCnt="7"/>
+      <dgm:prSet presAssocID="{0EE21E77-7EFB-466F-A2D3-663CD28FF549}" presName="accentRepeatNode" presStyleLbl="solidFgAcc1" presStyleIdx="5" presStyleCnt="6"/>
       <dgm:spPr/>
     </dgm:pt>
   </dgm:ptLst>
   <dgm:cxnLst>
-    <dgm:cxn modelId="{209D6026-2B20-447E-9076-4C8E2E65EA0B}" srcId="{99B3D88B-F46C-4592-AF78-0BA948D61478}" destId="{0EE21E77-7EFB-466F-A2D3-663CD28FF549}" srcOrd="6" destOrd="0" parTransId="{C5CB3BFF-D81D-4A1C-908D-8C5E7B2A0493}" sibTransId="{3B60F232-8335-464D-9A66-7CAD3A43FC6A}"/>
+    <dgm:cxn modelId="{BB90590E-05DF-4F73-A917-6D076148817C}" type="presOf" srcId="{0EE21E77-7EFB-466F-A2D3-663CD28FF549}" destId="{220FB7A1-DAB4-47FD-9B43-8E87F6E5E725}" srcOrd="0" destOrd="0" presId="urn:microsoft.com/office/officeart/2008/layout/VerticalCurvedList"/>
+    <dgm:cxn modelId="{B4D60D13-135D-48FA-9872-806828E139CB}" type="presOf" srcId="{840CC45C-AEA6-4585-B382-1F0F976EF5B4}" destId="{33F83D4C-7914-4086-B62B-7AB46E5EFC1D}" srcOrd="0" destOrd="0" presId="urn:microsoft.com/office/officeart/2008/layout/VerticalCurvedList"/>
+    <dgm:cxn modelId="{209D6026-2B20-447E-9076-4C8E2E65EA0B}" srcId="{99B3D88B-F46C-4592-AF78-0BA948D61478}" destId="{0EE21E77-7EFB-466F-A2D3-663CD28FF549}" srcOrd="5" destOrd="0" parTransId="{C5CB3BFF-D81D-4A1C-908D-8C5E7B2A0493}" sibTransId="{3B60F232-8335-464D-9A66-7CAD3A43FC6A}"/>
     <dgm:cxn modelId="{7DDAE22F-5875-460D-ACD9-BA0132603286}" type="presOf" srcId="{1C8152C3-FE73-4F05-86FF-8FDF39397FAE}" destId="{A05C33CF-7F64-4AAA-B29F-CBD16F6B3B60}" srcOrd="0" destOrd="0" presId="urn:microsoft.com/office/officeart/2008/layout/VerticalCurvedList"/>
     <dgm:cxn modelId="{E0503D3F-1898-4D64-81D4-C70FDFFF21ED}" srcId="{99B3D88B-F46C-4592-AF78-0BA948D61478}" destId="{33DCDFCD-A4C9-4F41-80E2-ECAE31F3C5F5}" srcOrd="3" destOrd="0" parTransId="{8AFB6A06-764F-4250-9224-96BF9C0D34FD}" sibTransId="{B2A4BF4B-015E-47D1-B4A5-55CA3CAFECD0}"/>
-    <dgm:cxn modelId="{61C1BA61-72C4-4B39-B3E9-23709AC7A914}" type="presOf" srcId="{840CC45C-AEA6-4585-B382-1F0F976EF5B4}" destId="{15747308-FECB-443C-B112-2F6DA68B65DD}" srcOrd="0" destOrd="0" presId="urn:microsoft.com/office/officeart/2008/layout/VerticalCurvedList"/>
     <dgm:cxn modelId="{F9CD4D63-0730-4260-A626-AE1784A0B9BB}" srcId="{99B3D88B-F46C-4592-AF78-0BA948D61478}" destId="{7F44ADDD-435A-454C-A820-B6896BCC465B}" srcOrd="2" destOrd="0" parTransId="{8CBBEE42-FBE8-4528-8C35-3FD7F9983EB5}" sibTransId="{56ECB930-C39C-4DC4-9FA9-5674EF807061}"/>
-    <dgm:cxn modelId="{D9237D49-1003-4842-B9FE-E2163055F153}" srcId="{99B3D88B-F46C-4592-AF78-0BA948D61478}" destId="{FC12C0D7-1A12-487E-903C-4925A67FF405}" srcOrd="4" destOrd="0" parTransId="{1A5EC8B6-6581-4F30-AD3C-FACD51DED751}" sibTransId="{221F548C-C791-4208-A08E-4A990AE169BA}"/>
     <dgm:cxn modelId="{D44BDF50-A849-4415-8843-9433318E9599}" type="presOf" srcId="{99B3D88B-F46C-4592-AF78-0BA948D61478}" destId="{25859603-92E0-424D-BF03-CDCA63B353F4}" srcOrd="0" destOrd="0" presId="urn:microsoft.com/office/officeart/2008/layout/VerticalCurvedList"/>
     <dgm:cxn modelId="{9D638E53-3454-48D9-B907-970AA2E4ED69}" type="presOf" srcId="{87075331-C2E3-459F-809F-89E1EDA1A048}" destId="{87CA96F5-C5BA-437E-ABA4-5048F149C033}" srcOrd="0" destOrd="0" presId="urn:microsoft.com/office/officeart/2008/layout/VerticalCurvedList"/>
     <dgm:cxn modelId="{487DED78-E7F0-43F6-A9A8-8676A68572DF}" type="presOf" srcId="{33DCDFCD-A4C9-4F41-80E2-ECAE31F3C5F5}" destId="{FE80661E-326D-4BDE-8C9A-688EB1E8576B}" srcOrd="0" destOrd="0" presId="urn:microsoft.com/office/officeart/2008/layout/VerticalCurvedList"/>
-    <dgm:cxn modelId="{4D95797D-60F0-42D4-9441-A51000F8D731}" type="presOf" srcId="{FC12C0D7-1A12-487E-903C-4925A67FF405}" destId="{3F3C4002-B3A5-417E-A145-AE40AA89DE65}" srcOrd="0" destOrd="0" presId="urn:microsoft.com/office/officeart/2008/layout/VerticalCurvedList"/>
     <dgm:cxn modelId="{EE3F0C9A-0F4F-4D80-8C9E-50ADA2F5B362}" srcId="{99B3D88B-F46C-4592-AF78-0BA948D61478}" destId="{B3DFBFAF-F478-4926-8BD0-89DE9D47D956}" srcOrd="1" destOrd="0" parTransId="{7B747D84-ACA0-4085-BCAD-0AD4942733E3}" sibTransId="{39BC4813-F189-4AE7-B1CD-CABE04A82AD6}"/>
     <dgm:cxn modelId="{CDA404A8-39D5-4800-B7DD-7E0FCCC64F45}" srcId="{99B3D88B-F46C-4592-AF78-0BA948D61478}" destId="{87075331-C2E3-459F-809F-89E1EDA1A048}" srcOrd="0" destOrd="0" parTransId="{AA322E95-2702-4CF7-906D-5A8E24533522}" sibTransId="{1C8152C3-FE73-4F05-86FF-8FDF39397FAE}"/>
-    <dgm:cxn modelId="{23D505B5-D914-4F67-B2FB-65B2E6B33DFE}" srcId="{99B3D88B-F46C-4592-AF78-0BA948D61478}" destId="{840CC45C-AEA6-4585-B382-1F0F976EF5B4}" srcOrd="5" destOrd="0" parTransId="{FCF46165-1D5C-4D76-B158-C0E6F886F809}" sibTransId="{AE2CAB88-D446-43AA-A21F-D6614DD2D5C7}"/>
-    <dgm:cxn modelId="{646D5ABA-A1F7-4AD9-9F79-126B3CACFB44}" srcId="{99B3D88B-F46C-4592-AF78-0BA948D61478}" destId="{651CA0B4-94CA-4679-914C-7166DF5AAE59}" srcOrd="7" destOrd="0" parTransId="{FEFB1FC7-E1DE-4931-9CF0-AF1CE240E5CE}" sibTransId="{1FF38C1B-9033-46AB-8748-D1C238CCDFE5}"/>
+    <dgm:cxn modelId="{23D505B5-D914-4F67-B2FB-65B2E6B33DFE}" srcId="{99B3D88B-F46C-4592-AF78-0BA948D61478}" destId="{840CC45C-AEA6-4585-B382-1F0F976EF5B4}" srcOrd="4" destOrd="0" parTransId="{FCF46165-1D5C-4D76-B158-C0E6F886F809}" sibTransId="{AE2CAB88-D446-43AA-A21F-D6614DD2D5C7}"/>
     <dgm:cxn modelId="{0C38D4D9-1988-4BA6-8B18-253D52AF4830}" type="presOf" srcId="{7F44ADDD-435A-454C-A820-B6896BCC465B}" destId="{4078CEC1-A047-4AE0-8472-01872902B7C9}" srcOrd="0" destOrd="0" presId="urn:microsoft.com/office/officeart/2008/layout/VerticalCurvedList"/>
     <dgm:cxn modelId="{435031DA-59C8-4D74-87EC-4E994142BBF9}" type="presOf" srcId="{B3DFBFAF-F478-4926-8BD0-89DE9D47D956}" destId="{3B034A50-E290-4758-877A-24BC0BBF9938}" srcOrd="0" destOrd="0" presId="urn:microsoft.com/office/officeart/2008/layout/VerticalCurvedList"/>
-    <dgm:cxn modelId="{E467C8EE-F357-43D6-B48F-2A7EAFC75771}" type="presOf" srcId="{0EE21E77-7EFB-466F-A2D3-663CD28FF549}" destId="{1D502BF2-C4D8-4E48-AA9A-F9C0E2453EAC}" srcOrd="0" destOrd="0" presId="urn:microsoft.com/office/officeart/2008/layout/VerticalCurvedList"/>
     <dgm:cxn modelId="{F5B2F938-9676-46EA-BBDF-5EEB9BDDE873}" type="presParOf" srcId="{25859603-92E0-424D-BF03-CDCA63B353F4}" destId="{BCE6FDBA-83AD-4F36-85FB-F45426633A7A}" srcOrd="0" destOrd="0" presId="urn:microsoft.com/office/officeart/2008/layout/VerticalCurvedList"/>
     <dgm:cxn modelId="{7095EC0E-986B-4764-9CEA-DAB65C917C41}" type="presParOf" srcId="{BCE6FDBA-83AD-4F36-85FB-F45426633A7A}" destId="{AA8485C9-71AA-4F06-912C-BAEC2406CE65}" srcOrd="0" destOrd="0" presId="urn:microsoft.com/office/officeart/2008/layout/VerticalCurvedList"/>
     <dgm:cxn modelId="{0AA2B05A-9584-4721-BB10-D0466E03278F}" type="presParOf" srcId="{AA8485C9-71AA-4F06-912C-BAEC2406CE65}" destId="{8DC23378-7430-46DF-9384-4DFF8CC115A4}" srcOrd="0" destOrd="0" presId="urn:microsoft.com/office/officeart/2008/layout/VerticalCurvedList"/>
@@ -7646,15 +8489,12 @@
     <dgm:cxn modelId="{9D8A63A3-F601-4106-875C-0669297A77A2}" type="presParOf" srcId="{BCE6FDBA-83AD-4F36-85FB-F45426633A7A}" destId="{FE80661E-326D-4BDE-8C9A-688EB1E8576B}" srcOrd="7" destOrd="0" presId="urn:microsoft.com/office/officeart/2008/layout/VerticalCurvedList"/>
     <dgm:cxn modelId="{A76FCA64-A54C-43E8-9917-1FAF9E485366}" type="presParOf" srcId="{BCE6FDBA-83AD-4F36-85FB-F45426633A7A}" destId="{AB45C75E-D897-4D32-8558-63029409A5D7}" srcOrd="8" destOrd="0" presId="urn:microsoft.com/office/officeart/2008/layout/VerticalCurvedList"/>
     <dgm:cxn modelId="{0031FC1A-1471-4A57-99A4-4866AAA533D5}" type="presParOf" srcId="{AB45C75E-D897-4D32-8558-63029409A5D7}" destId="{05E6345C-D000-4A22-A1BC-59F816C2986F}" srcOrd="0" destOrd="0" presId="urn:microsoft.com/office/officeart/2008/layout/VerticalCurvedList"/>
-    <dgm:cxn modelId="{99DE5D4D-EBBF-4B65-A270-3053A27130EA}" type="presParOf" srcId="{BCE6FDBA-83AD-4F36-85FB-F45426633A7A}" destId="{3F3C4002-B3A5-417E-A145-AE40AA89DE65}" srcOrd="9" destOrd="0" presId="urn:microsoft.com/office/officeart/2008/layout/VerticalCurvedList"/>
-    <dgm:cxn modelId="{E378ACA2-9005-4BC2-BB09-F4B9EB379D1F}" type="presParOf" srcId="{BCE6FDBA-83AD-4F36-85FB-F45426633A7A}" destId="{19300B39-363E-4F1C-A025-A1D4AB0E5F77}" srcOrd="10" destOrd="0" presId="urn:microsoft.com/office/officeart/2008/layout/VerticalCurvedList"/>
-    <dgm:cxn modelId="{A76DB262-4F9A-4B78-805A-6F741A3BD4DC}" type="presParOf" srcId="{19300B39-363E-4F1C-A025-A1D4AB0E5F77}" destId="{2D50A284-2B64-4F84-BCBD-AE447564C8A6}" srcOrd="0" destOrd="0" presId="urn:microsoft.com/office/officeart/2008/layout/VerticalCurvedList"/>
-    <dgm:cxn modelId="{EDFBB404-9BA8-4036-B917-A6A964C3CC84}" type="presParOf" srcId="{BCE6FDBA-83AD-4F36-85FB-F45426633A7A}" destId="{15747308-FECB-443C-B112-2F6DA68B65DD}" srcOrd="11" destOrd="0" presId="urn:microsoft.com/office/officeart/2008/layout/VerticalCurvedList"/>
-    <dgm:cxn modelId="{9F645F84-A884-4077-A63B-7CE3DFAC3692}" type="presParOf" srcId="{BCE6FDBA-83AD-4F36-85FB-F45426633A7A}" destId="{CF141EC6-A5D9-45FA-98E8-1DC53B420372}" srcOrd="12" destOrd="0" presId="urn:microsoft.com/office/officeart/2008/layout/VerticalCurvedList"/>
-    <dgm:cxn modelId="{A25F48B7-D652-4306-92A6-F79D81C33D71}" type="presParOf" srcId="{CF141EC6-A5D9-45FA-98E8-1DC53B420372}" destId="{D9A13788-0EF7-4BAA-AEC0-4230E31F42EB}" srcOrd="0" destOrd="0" presId="urn:microsoft.com/office/officeart/2008/layout/VerticalCurvedList"/>
-    <dgm:cxn modelId="{CDDBF9ED-3F8D-4680-BFEF-2F88A26901CC}" type="presParOf" srcId="{BCE6FDBA-83AD-4F36-85FB-F45426633A7A}" destId="{1D502BF2-C4D8-4E48-AA9A-F9C0E2453EAC}" srcOrd="13" destOrd="0" presId="urn:microsoft.com/office/officeart/2008/layout/VerticalCurvedList"/>
-    <dgm:cxn modelId="{4CEF1B85-2E17-4451-B2C9-5199D5EBE4E6}" type="presParOf" srcId="{BCE6FDBA-83AD-4F36-85FB-F45426633A7A}" destId="{642229FF-8781-429B-AED9-89FACC471511}" srcOrd="14" destOrd="0" presId="urn:microsoft.com/office/officeart/2008/layout/VerticalCurvedList"/>
-    <dgm:cxn modelId="{9849599D-42D5-4D87-8507-E8A068CA41E1}" type="presParOf" srcId="{642229FF-8781-429B-AED9-89FACC471511}" destId="{0F583E48-0668-4627-8290-FE3E6C8F5639}" srcOrd="0" destOrd="0" presId="urn:microsoft.com/office/officeart/2008/layout/VerticalCurvedList"/>
+    <dgm:cxn modelId="{5B6F1E78-490F-41D6-835E-5D8DF3E80943}" type="presParOf" srcId="{BCE6FDBA-83AD-4F36-85FB-F45426633A7A}" destId="{33F83D4C-7914-4086-B62B-7AB46E5EFC1D}" srcOrd="9" destOrd="0" presId="urn:microsoft.com/office/officeart/2008/layout/VerticalCurvedList"/>
+    <dgm:cxn modelId="{01E1F611-D03E-4E2D-B506-1036F042B92E}" type="presParOf" srcId="{BCE6FDBA-83AD-4F36-85FB-F45426633A7A}" destId="{6F9C0646-208F-4762-92F9-1DD1976B2815}" srcOrd="10" destOrd="0" presId="urn:microsoft.com/office/officeart/2008/layout/VerticalCurvedList"/>
+    <dgm:cxn modelId="{2E242DBB-CDCC-417E-B592-F9E2C3A7CFD6}" type="presParOf" srcId="{6F9C0646-208F-4762-92F9-1DD1976B2815}" destId="{D9A13788-0EF7-4BAA-AEC0-4230E31F42EB}" srcOrd="0" destOrd="0" presId="urn:microsoft.com/office/officeart/2008/layout/VerticalCurvedList"/>
+    <dgm:cxn modelId="{A559AE97-D30A-4DD8-824F-5DDDFE722C01}" type="presParOf" srcId="{BCE6FDBA-83AD-4F36-85FB-F45426633A7A}" destId="{220FB7A1-DAB4-47FD-9B43-8E87F6E5E725}" srcOrd="11" destOrd="0" presId="urn:microsoft.com/office/officeart/2008/layout/VerticalCurvedList"/>
+    <dgm:cxn modelId="{AD70A8FC-F03B-448F-9111-5E747D27C70D}" type="presParOf" srcId="{BCE6FDBA-83AD-4F36-85FB-F45426633A7A}" destId="{7C1B6BBB-6607-438D-88B2-9EDE5DFF1F55}" srcOrd="12" destOrd="0" presId="urn:microsoft.com/office/officeart/2008/layout/VerticalCurvedList"/>
+    <dgm:cxn modelId="{76BB6C8F-E317-46FE-A9F3-C8E852698727}" type="presParOf" srcId="{7C1B6BBB-6607-438D-88B2-9EDE5DFF1F55}" destId="{0F583E48-0668-4627-8290-FE3E6C8F5639}" srcOrd="0" destOrd="0" presId="urn:microsoft.com/office/officeart/2008/layout/VerticalCurvedList"/>
   </dgm:cxnLst>
   <dgm:bg/>
   <dgm:whole/>
@@ -8254,7 +9094,7 @@
       </dsp:nvSpPr>
       <dsp:spPr>
         <a:xfrm>
-          <a:off x="0" y="0"/>
+          <a:off x="0" y="1052"/>
           <a:ext cx="8534399" cy="0"/>
         </a:xfrm>
         <a:prstGeom prst="line">
@@ -8303,8 +9143,8 @@
       </dsp:nvSpPr>
       <dsp:spPr>
         <a:xfrm>
-          <a:off x="0" y="0"/>
-          <a:ext cx="8534399" cy="754693"/>
+          <a:off x="0" y="1052"/>
+          <a:ext cx="8534399" cy="903859"/>
         </a:xfrm>
         <a:prstGeom prst="rect">
           <a:avLst/>
@@ -8328,12 +9168,12 @@
         <a:fontRef idx="minor"/>
       </dsp:style>
       <dsp:txBody>
-        <a:bodyPr spcFirstLastPara="0" vert="horz" wrap="square" lIns="80010" tIns="80010" rIns="80010" bIns="80010" numCol="1" spcCol="1270" anchor="t" anchorCtr="0">
+        <a:bodyPr spcFirstLastPara="0" vert="horz" wrap="square" lIns="91440" tIns="91440" rIns="91440" bIns="91440" numCol="1" spcCol="1270" anchor="t" anchorCtr="0">
           <a:noAutofit/>
         </a:bodyPr>
         <a:lstStyle/>
         <a:p>
-          <a:pPr marL="0" lvl="0" indent="0" algn="l" defTabSz="933450">
+          <a:pPr marL="0" lvl="0" indent="0" algn="l" defTabSz="1066800">
             <a:lnSpc>
               <a:spcPct val="90000"/>
             </a:lnSpc>
@@ -8346,31 +9186,31 @@
             <a:buNone/>
           </a:pPr>
           <a:r>
-            <a:rPr lang="hu-HU" sz="2100" kern="1200" dirty="0"/>
+            <a:rPr lang="hu-HU" sz="2400" kern="1200" dirty="0"/>
             <a:t>Minden frontend </a:t>
           </a:r>
           <a:r>
-            <a:rPr lang="hu-HU" sz="2100" kern="1200" dirty="0" err="1"/>
+            <a:rPr lang="hu-HU" sz="2400" kern="1200" dirty="0" err="1"/>
             <a:t>pod</a:t>
           </a:r>
           <a:r>
-            <a:rPr lang="hu-HU" sz="2100" kern="1200" dirty="0"/>
+            <a:rPr lang="hu-HU" sz="2400" kern="1200" dirty="0"/>
             <a:t> két példányban fusson, különböző </a:t>
           </a:r>
           <a:r>
-            <a:rPr lang="hu-HU" sz="2100" kern="1200" dirty="0" err="1"/>
+            <a:rPr lang="hu-HU" sz="2400" kern="1200" dirty="0" err="1"/>
             <a:t>node</a:t>
           </a:r>
           <a:r>
-            <a:rPr lang="hu-HU" sz="2100" kern="1200" dirty="0"/>
+            <a:rPr lang="hu-HU" sz="2400" kern="1200" dirty="0"/>
             <a:t>-okon a magas rendelkezésre állás miatt</a:t>
           </a:r>
-          <a:endParaRPr lang="en-US" sz="2100" kern="1200" dirty="0"/>
+          <a:endParaRPr lang="en-US" sz="2400" kern="1200" dirty="0"/>
         </a:p>
       </dsp:txBody>
       <dsp:txXfrm>
-        <a:off x="0" y="0"/>
-        <a:ext cx="8534399" cy="754693"/>
+        <a:off x="0" y="1052"/>
+        <a:ext cx="8534399" cy="903859"/>
       </dsp:txXfrm>
     </dsp:sp>
     <dsp:sp modelId="{E592AC9B-8B1F-4D11-83FA-CDA76DD7DE23}">
@@ -8380,7 +9220,7 @@
       </dsp:nvSpPr>
       <dsp:spPr>
         <a:xfrm>
-          <a:off x="0" y="754693"/>
+          <a:off x="0" y="904911"/>
           <a:ext cx="8534399" cy="0"/>
         </a:xfrm>
         <a:prstGeom prst="line">
@@ -8429,8 +9269,8 @@
       </dsp:nvSpPr>
       <dsp:spPr>
         <a:xfrm>
-          <a:off x="0" y="754693"/>
-          <a:ext cx="8534399" cy="754693"/>
+          <a:off x="0" y="904911"/>
+          <a:ext cx="8534399" cy="574407"/>
         </a:xfrm>
         <a:prstGeom prst="rect">
           <a:avLst/>
@@ -8454,12 +9294,12 @@
         <a:fontRef idx="minor"/>
       </dsp:style>
       <dsp:txBody>
-        <a:bodyPr spcFirstLastPara="0" vert="horz" wrap="square" lIns="80010" tIns="80010" rIns="80010" bIns="80010" numCol="1" spcCol="1270" anchor="t" anchorCtr="0">
+        <a:bodyPr spcFirstLastPara="0" vert="horz" wrap="square" lIns="91440" tIns="91440" rIns="91440" bIns="91440" numCol="1" spcCol="1270" anchor="t" anchorCtr="0">
           <a:noAutofit/>
         </a:bodyPr>
         <a:lstStyle/>
         <a:p>
-          <a:pPr marL="0" lvl="0" indent="0" algn="l" defTabSz="933450">
+          <a:pPr marL="0" lvl="0" indent="0" algn="l" defTabSz="1066800">
             <a:lnSpc>
               <a:spcPct val="90000"/>
             </a:lnSpc>
@@ -8472,31 +9312,31 @@
             <a:buNone/>
           </a:pPr>
           <a:r>
-            <a:rPr lang="hu-HU" sz="2100" kern="1200" dirty="0"/>
+            <a:rPr lang="hu-HU" sz="2400" kern="1200" dirty="0"/>
             <a:t>Minden </a:t>
           </a:r>
           <a:r>
-            <a:rPr lang="hu-HU" sz="2100" kern="1200" dirty="0" err="1"/>
+            <a:rPr lang="hu-HU" sz="2400" kern="1200" dirty="0" err="1"/>
             <a:t>podnak</a:t>
           </a:r>
           <a:r>
-            <a:rPr lang="hu-HU" sz="2100" kern="1200" dirty="0"/>
+            <a:rPr lang="hu-HU" sz="2400" kern="1200" dirty="0"/>
             <a:t> kell legyen </a:t>
           </a:r>
           <a:r>
-            <a:rPr lang="hu-HU" sz="2100" kern="1200" dirty="0" err="1"/>
+            <a:rPr lang="hu-HU" sz="2400" kern="1200" dirty="0" err="1"/>
             <a:t>resources</a:t>
           </a:r>
           <a:r>
-            <a:rPr lang="hu-HU" sz="2100" kern="1200" dirty="0"/>
+            <a:rPr lang="hu-HU" sz="2400" kern="1200" dirty="0"/>
             <a:t> limit megszabva</a:t>
           </a:r>
-          <a:endParaRPr lang="en-US" sz="2100" kern="1200" dirty="0"/>
+          <a:endParaRPr lang="en-US" sz="2400" kern="1200" dirty="0"/>
         </a:p>
       </dsp:txBody>
       <dsp:txXfrm>
-        <a:off x="0" y="754693"/>
-        <a:ext cx="8534399" cy="754693"/>
+        <a:off x="0" y="904911"/>
+        <a:ext cx="8534399" cy="574407"/>
       </dsp:txXfrm>
     </dsp:sp>
     <dsp:sp modelId="{A07F5946-CDFD-4F65-AE94-BAE1A42CA3BC}">
@@ -8506,7 +9346,7 @@
       </dsp:nvSpPr>
       <dsp:spPr>
         <a:xfrm>
-          <a:off x="0" y="1509386"/>
+          <a:off x="0" y="1479318"/>
           <a:ext cx="8534399" cy="0"/>
         </a:xfrm>
         <a:prstGeom prst="line">
@@ -8555,8 +9395,8 @@
       </dsp:nvSpPr>
       <dsp:spPr>
         <a:xfrm>
-          <a:off x="0" y="1509387"/>
-          <a:ext cx="8534399" cy="754693"/>
+          <a:off x="0" y="1479318"/>
+          <a:ext cx="8534399" cy="1021113"/>
         </a:xfrm>
         <a:prstGeom prst="rect">
           <a:avLst/>
@@ -8580,12 +9420,12 @@
         <a:fontRef idx="minor"/>
       </dsp:style>
       <dsp:txBody>
-        <a:bodyPr spcFirstLastPara="0" vert="horz" wrap="square" lIns="80010" tIns="80010" rIns="80010" bIns="80010" numCol="1" spcCol="1270" anchor="t" anchorCtr="0">
+        <a:bodyPr spcFirstLastPara="0" vert="horz" wrap="square" lIns="91440" tIns="91440" rIns="91440" bIns="91440" numCol="1" spcCol="1270" anchor="t" anchorCtr="0">
           <a:noAutofit/>
         </a:bodyPr>
         <a:lstStyle/>
         <a:p>
-          <a:pPr marL="0" lvl="0" indent="0" algn="l" defTabSz="933450">
+          <a:pPr marL="0" lvl="0" indent="0" algn="l" defTabSz="1066800">
             <a:lnSpc>
               <a:spcPct val="90000"/>
             </a:lnSpc>
@@ -8598,48 +9438,61 @@
             <a:buNone/>
           </a:pPr>
           <a:r>
-            <a:rPr lang="hu-HU" sz="2100" kern="1200" dirty="0"/>
+            <a:rPr lang="hu-HU" sz="2400" kern="1200" dirty="0"/>
             <a:t>Horizontálisan skálázott komponenseknél a </a:t>
           </a:r>
           <a:r>
-            <a:rPr lang="hu-HU" sz="2100" kern="1200" dirty="0" err="1"/>
+            <a:rPr lang="hu-HU" sz="2400" kern="1200" dirty="0" err="1"/>
             <a:t>resources</a:t>
           </a:r>
           <a:r>
-            <a:rPr lang="hu-HU" sz="2100" kern="1200" dirty="0"/>
+            <a:rPr lang="hu-HU" sz="2400" kern="1200" dirty="0"/>
             <a:t> limit és </a:t>
           </a:r>
           <a:r>
-            <a:rPr lang="hu-HU" sz="2100" kern="1200" dirty="0" err="1"/>
+            <a:rPr lang="hu-HU" sz="2400" kern="1200" dirty="0" err="1"/>
             <a:t>request</a:t>
           </a:r>
           <a:r>
-            <a:rPr lang="hu-HU" sz="2100" kern="1200" dirty="0"/>
+            <a:rPr lang="hu-HU" sz="2400" kern="1200" dirty="0"/>
             <a:t> meg kell egyezzen.</a:t>
           </a:r>
-          <a:endParaRPr lang="en-US" sz="2100" kern="1200" dirty="0"/>
+          <a:endParaRPr lang="en-US" sz="2400" kern="1200" dirty="0"/>
         </a:p>
       </dsp:txBody>
       <dsp:txXfrm>
-        <a:off x="0" y="1509387"/>
-        <a:ext cx="8534399" cy="754693"/>
+        <a:off x="0" y="1479318"/>
+        <a:ext cx="8534399" cy="1021113"/>
       </dsp:txXfrm>
     </dsp:sp>
-    <dsp:sp modelId="{ED50DA84-85C5-42CF-BBB7-0B9A6519B8A7}">
+  </dsp:spTree>
+</dsp:drawing>
+</file>
+
+<file path=ppt/diagrams/drawing3.xml><?xml version="1.0" encoding="utf-8"?>
+<dsp:drawing xmlns:dgm="http://schemas.openxmlformats.org/drawingml/2006/diagram" xmlns:dsp="http://schemas.microsoft.com/office/drawing/2008/diagram" xmlns:a="http://schemas.openxmlformats.org/drawingml/2006/main">
+  <dsp:spTree>
+    <dsp:nvGrpSpPr>
+      <dsp:cNvPr id="0" name=""/>
+      <dsp:cNvGrpSpPr/>
+    </dsp:nvGrpSpPr>
+    <dsp:grpSpPr/>
+    <dsp:sp modelId="{6230BD24-1B16-42B7-B1A0-F885098772AE}">
       <dsp:nvSpPr>
         <dsp:cNvPr id="0" name=""/>
         <dsp:cNvSpPr/>
       </dsp:nvSpPr>
       <dsp:spPr>
         <a:xfrm>
-          <a:off x="0" y="2264080"/>
-          <a:ext cx="8534399" cy="0"/>
+          <a:off x="0" y="330678"/>
+          <a:ext cx="2959081" cy="1918350"/>
         </a:xfrm>
-        <a:prstGeom prst="line">
+        <a:prstGeom prst="rect">
           <a:avLst/>
         </a:prstGeom>
         <a:solidFill>
-          <a:schemeClr val="accent1">
+          <a:schemeClr val="lt1">
+            <a:alpha val="90000"/>
             <a:hueOff val="0"/>
             <a:satOff val="0"/>
             <a:lumOff val="0"/>
@@ -8669,44 +9522,143 @@
         <a:effectRef idx="0">
           <a:scrgbClr r="0" g="0" b="0"/>
         </a:effectRef>
-        <a:fontRef idx="minor">
-          <a:schemeClr val="lt1"/>
-        </a:fontRef>
+        <a:fontRef idx="minor"/>
       </dsp:style>
+      <dsp:txBody>
+        <a:bodyPr spcFirstLastPara="0" vert="horz" wrap="square" lIns="229658" tIns="437388" rIns="229658" bIns="149352" numCol="1" spcCol="1270" anchor="t" anchorCtr="0">
+          <a:noAutofit/>
+        </a:bodyPr>
+        <a:lstStyle/>
+        <a:p>
+          <a:pPr marL="228600" lvl="1" indent="-228600" algn="l" defTabSz="933450">
+            <a:lnSpc>
+              <a:spcPct val="90000"/>
+            </a:lnSpc>
+            <a:spcBef>
+              <a:spcPct val="0"/>
+            </a:spcBef>
+            <a:spcAft>
+              <a:spcPct val="15000"/>
+            </a:spcAft>
+            <a:buChar char="•"/>
+          </a:pPr>
+          <a:r>
+            <a:rPr lang="hu-HU" sz="2100" kern="1200" dirty="0"/>
+            <a:t>Megfigyelni</a:t>
+          </a:r>
+        </a:p>
+        <a:p>
+          <a:pPr marL="228600" lvl="1" indent="-228600" algn="l" defTabSz="933450">
+            <a:lnSpc>
+              <a:spcPct val="90000"/>
+            </a:lnSpc>
+            <a:spcBef>
+              <a:spcPct val="0"/>
+            </a:spcBef>
+            <a:spcAft>
+              <a:spcPct val="15000"/>
+            </a:spcAft>
+            <a:buChar char="•"/>
+          </a:pPr>
+          <a:r>
+            <a:rPr lang="hu-HU" sz="2100" kern="1200" dirty="0" err="1"/>
+            <a:t>Számontartani</a:t>
+          </a:r>
+          <a:endParaRPr lang="hu-HU" sz="2100" kern="1200" dirty="0"/>
+        </a:p>
+        <a:p>
+          <a:pPr marL="228600" lvl="1" indent="-228600" algn="l" defTabSz="933450">
+            <a:lnSpc>
+              <a:spcPct val="90000"/>
+            </a:lnSpc>
+            <a:spcBef>
+              <a:spcPct val="0"/>
+            </a:spcBef>
+            <a:spcAft>
+              <a:spcPct val="15000"/>
+            </a:spcAft>
+            <a:buChar char="•"/>
+          </a:pPr>
+          <a:r>
+            <a:rPr lang="hu-HU" sz="2100" kern="1200" dirty="0"/>
+            <a:t>Betartatni</a:t>
+          </a:r>
+        </a:p>
+        <a:p>
+          <a:pPr marL="228600" lvl="1" indent="-228600" algn="l" defTabSz="933450">
+            <a:lnSpc>
+              <a:spcPct val="90000"/>
+            </a:lnSpc>
+            <a:spcBef>
+              <a:spcPct val="0"/>
+            </a:spcBef>
+            <a:spcAft>
+              <a:spcPct val="15000"/>
+            </a:spcAft>
+            <a:buChar char="•"/>
+          </a:pPr>
+          <a:r>
+            <a:rPr lang="hu-HU" sz="2100" kern="1200" dirty="0"/>
+            <a:t>Módosítani</a:t>
+          </a:r>
+          <a:endParaRPr lang="en-US" sz="2100" kern="1200" dirty="0"/>
+        </a:p>
+      </dsp:txBody>
+      <dsp:txXfrm>
+        <a:off x="0" y="330678"/>
+        <a:ext cx="2959081" cy="1918350"/>
+      </dsp:txXfrm>
     </dsp:sp>
-    <dsp:sp modelId="{766971D8-7E65-45F5-B64A-D60FAA325286}">
+    <dsp:sp modelId="{337E1952-013F-4A9F-A414-E52786055378}">
       <dsp:nvSpPr>
         <dsp:cNvPr id="0" name=""/>
         <dsp:cNvSpPr/>
       </dsp:nvSpPr>
       <dsp:spPr>
         <a:xfrm>
-          <a:off x="0" y="2264080"/>
-          <a:ext cx="8534399" cy="754693"/>
+          <a:off x="147954" y="20718"/>
+          <a:ext cx="2071356" cy="619920"/>
         </a:xfrm>
-        <a:prstGeom prst="rect">
+        <a:prstGeom prst="roundRect">
           <a:avLst/>
         </a:prstGeom>
-        <a:noFill/>
-        <a:ln>
-          <a:noFill/>
+        <a:solidFill>
+          <a:schemeClr val="accent1">
+            <a:hueOff val="0"/>
+            <a:satOff val="0"/>
+            <a:lumOff val="0"/>
+            <a:alphaOff val="0"/>
+          </a:schemeClr>
+        </a:solidFill>
+        <a:ln w="12700" cap="rnd" cmpd="sng" algn="ctr">
+          <a:solidFill>
+            <a:schemeClr val="lt1">
+              <a:hueOff val="0"/>
+              <a:satOff val="0"/>
+              <a:lumOff val="0"/>
+              <a:alphaOff val="0"/>
+            </a:schemeClr>
+          </a:solidFill>
+          <a:prstDash val="solid"/>
         </a:ln>
         <a:effectLst/>
       </dsp:spPr>
       <dsp:style>
-        <a:lnRef idx="0">
+        <a:lnRef idx="2">
           <a:scrgbClr r="0" g="0" b="0"/>
         </a:lnRef>
-        <a:fillRef idx="0">
+        <a:fillRef idx="1">
           <a:scrgbClr r="0" g="0" b="0"/>
         </a:fillRef>
         <a:effectRef idx="0">
           <a:scrgbClr r="0" g="0" b="0"/>
         </a:effectRef>
-        <a:fontRef idx="minor"/>
+        <a:fontRef idx="minor">
+          <a:schemeClr val="lt1"/>
+        </a:fontRef>
       </dsp:style>
       <dsp:txBody>
-        <a:bodyPr spcFirstLastPara="0" vert="horz" wrap="square" lIns="80010" tIns="80010" rIns="80010" bIns="80010" numCol="1" spcCol="1270" anchor="t" anchorCtr="0">
+        <a:bodyPr spcFirstLastPara="0" vert="horz" wrap="square" lIns="78292" tIns="0" rIns="78292" bIns="0" numCol="1" spcCol="1270" anchor="ctr" anchorCtr="0">
           <a:noAutofit/>
         </a:bodyPr>
         <a:lstStyle/>
@@ -8725,28 +9677,20 @@
           </a:pPr>
           <a:r>
             <a:rPr lang="hu-HU" sz="2100" kern="1200" dirty="0"/>
-            <a:t>Minden komponensnél kötelező annotációk, hogy a </a:t>
+            <a:t>Nehéz</a:t>
           </a:r>
-          <a:br>
-            <a:rPr lang="hu-HU" sz="2100" kern="1200" dirty="0"/>
-          </a:br>
-          <a:r>
-            <a:rPr lang="hu-HU" sz="2100" kern="1200" dirty="0"/>
-            <a:t>monitoring komponensek fel tudják fedezni. </a:t>
-          </a:r>
-          <a:endParaRPr lang="en-US" sz="2100" kern="1200" dirty="0"/>
         </a:p>
       </dsp:txBody>
       <dsp:txXfrm>
-        <a:off x="0" y="2264080"/>
-        <a:ext cx="8534399" cy="754693"/>
+        <a:off x="178216" y="50980"/>
+        <a:ext cx="2010832" cy="559396"/>
       </dsp:txXfrm>
     </dsp:sp>
   </dsp:spTree>
 </dsp:drawing>
 </file>
 
-<file path=ppt/diagrams/drawing3.xml><?xml version="1.0" encoding="utf-8"?>
+<file path=ppt/diagrams/drawing4.xml><?xml version="1.0" encoding="utf-8"?>
 <dsp:drawing xmlns:dgm="http://schemas.openxmlformats.org/drawingml/2006/diagram" xmlns:dsp="http://schemas.microsoft.com/office/drawing/2008/diagram" xmlns:a="http://schemas.openxmlformats.org/drawingml/2006/main">
   <dsp:spTree>
     <dsp:nvGrpSpPr>
@@ -9132,7 +10076,7 @@
 </dsp:drawing>
 </file>
 
-<file path=ppt/diagrams/drawing4.xml><?xml version="1.0" encoding="utf-8"?>
+<file path=ppt/diagrams/drawing5.xml><?xml version="1.0" encoding="utf-8"?>
 <dsp:drawing xmlns:dgm="http://schemas.openxmlformats.org/drawingml/2006/diagram" xmlns:dsp="http://schemas.microsoft.com/office/drawing/2008/diagram" xmlns:a="http://schemas.openxmlformats.org/drawingml/2006/main">
   <dsp:spTree>
     <dsp:nvGrpSpPr>
@@ -9718,7 +10662,7 @@
 </dsp:drawing>
 </file>
 
-<file path=ppt/diagrams/drawing5.xml><?xml version="1.0" encoding="utf-8"?>
+<file path=ppt/diagrams/drawing6.xml><?xml version="1.0" encoding="utf-8"?>
 <dsp:drawing xmlns:dgm="http://schemas.openxmlformats.org/drawingml/2006/diagram" xmlns:dsp="http://schemas.microsoft.com/office/drawing/2008/diagram" xmlns:a="http://schemas.openxmlformats.org/drawingml/2006/main">
   <dsp:spTree>
     <dsp:nvGrpSpPr>
@@ -10461,7 +11405,7 @@
 </dsp:drawing>
 </file>
 
-<file path=ppt/diagrams/drawing6.xml><?xml version="1.0" encoding="utf-8"?>
+<file path=ppt/diagrams/drawing7.xml><?xml version="1.0" encoding="utf-8"?>
 <dsp:drawing xmlns:dgm="http://schemas.openxmlformats.org/drawingml/2006/diagram" xmlns:dsp="http://schemas.microsoft.com/office/drawing/2008/diagram" xmlns:a="http://schemas.openxmlformats.org/drawingml/2006/main">
   <dsp:spTree>
     <dsp:nvGrpSpPr>
@@ -10476,7 +11420,7 @@
       </dsp:nvSpPr>
       <dsp:spPr>
         <a:xfrm>
-          <a:off x="-5270479" y="-807564"/>
+          <a:off x="-5272877" y="-807564"/>
           <a:ext cx="6278874" cy="6278874"/>
         </a:xfrm>
         <a:prstGeom prst="blockArc">
@@ -10521,8 +11465,8 @@
       </dsp:nvSpPr>
       <dsp:spPr>
         <a:xfrm>
-          <a:off x="327161" y="212013"/>
-          <a:ext cx="8001777" cy="423841"/>
+          <a:off x="375132" y="245592"/>
+          <a:ext cx="7951408" cy="490999"/>
         </a:xfrm>
         <a:prstGeom prst="rect">
           <a:avLst/>
@@ -10564,12 +11508,12 @@
         </a:fontRef>
       </dsp:style>
       <dsp:txBody>
-        <a:bodyPr spcFirstLastPara="0" vert="horz" wrap="square" lIns="336424" tIns="55880" rIns="55880" bIns="55880" numCol="1" spcCol="1270" anchor="ctr" anchorCtr="0">
+        <a:bodyPr spcFirstLastPara="0" vert="horz" wrap="square" lIns="389731" tIns="63500" rIns="63500" bIns="63500" numCol="1" spcCol="1270" anchor="ctr" anchorCtr="0">
           <a:noAutofit/>
         </a:bodyPr>
         <a:lstStyle/>
         <a:p>
-          <a:pPr marL="0" lvl="0" indent="0" algn="l" defTabSz="977900">
+          <a:pPr marL="0" lvl="0" indent="0" algn="l" defTabSz="1111250">
             <a:lnSpc>
               <a:spcPct val="90000"/>
             </a:lnSpc>
@@ -10582,19 +11526,19 @@
             <a:buNone/>
           </a:pPr>
           <a:r>
-            <a:rPr lang="hu-HU" sz="2200" kern="1200" dirty="0"/>
+            <a:rPr lang="hu-HU" sz="2500" kern="1200" dirty="0"/>
             <a:t>Szebb, jobb </a:t>
           </a:r>
           <a:r>
-            <a:rPr lang="hu-HU" sz="2200" kern="1200" dirty="0" err="1"/>
+            <a:rPr lang="hu-HU" sz="2500" kern="1200" dirty="0" err="1"/>
             <a:t>WebUI</a:t>
           </a:r>
-          <a:endParaRPr lang="hu-HU" sz="2200" kern="1200" dirty="0"/>
+          <a:endParaRPr lang="hu-HU" sz="2500" kern="1200" dirty="0"/>
         </a:p>
       </dsp:txBody>
       <dsp:txXfrm>
-        <a:off x="327161" y="212013"/>
-        <a:ext cx="8001777" cy="423841"/>
+        <a:off x="375132" y="245592"/>
+        <a:ext cx="7951408" cy="490999"/>
       </dsp:txXfrm>
     </dsp:sp>
     <dsp:sp modelId="{30835E3A-3F32-4666-AD3D-D3A8A6F885F1}">
@@ -10604,8 +11548,8 @@
       </dsp:nvSpPr>
       <dsp:spPr>
         <a:xfrm>
-          <a:off x="62261" y="159033"/>
-          <a:ext cx="529801" cy="529801"/>
+          <a:off x="68257" y="184217"/>
+          <a:ext cx="613748" cy="613748"/>
         </a:xfrm>
         <a:prstGeom prst="ellipse">
           <a:avLst/>
@@ -10651,8 +11595,8 @@
       </dsp:nvSpPr>
       <dsp:spPr>
         <a:xfrm>
-          <a:off x="710988" y="848148"/>
-          <a:ext cx="7617950" cy="423841"/>
+          <a:off x="779012" y="981998"/>
+          <a:ext cx="7547528" cy="490999"/>
         </a:xfrm>
         <a:prstGeom prst="rect">
           <a:avLst/>
@@ -10694,12 +11638,12 @@
         </a:fontRef>
       </dsp:style>
       <dsp:txBody>
-        <a:bodyPr spcFirstLastPara="0" vert="horz" wrap="square" lIns="336424" tIns="55880" rIns="55880" bIns="55880" numCol="1" spcCol="1270" anchor="ctr" anchorCtr="0">
+        <a:bodyPr spcFirstLastPara="0" vert="horz" wrap="square" lIns="389731" tIns="63500" rIns="63500" bIns="63500" numCol="1" spcCol="1270" anchor="ctr" anchorCtr="0">
           <a:noAutofit/>
         </a:bodyPr>
         <a:lstStyle/>
         <a:p>
-          <a:pPr marL="0" lvl="0" indent="0" algn="l" defTabSz="977900">
+          <a:pPr marL="0" lvl="0" indent="0" algn="l" defTabSz="1111250">
             <a:lnSpc>
               <a:spcPct val="90000"/>
             </a:lnSpc>
@@ -10712,14 +11656,14 @@
             <a:buNone/>
           </a:pPr>
           <a:r>
-            <a:rPr lang="hu-HU" sz="2200" kern="1200" dirty="0"/>
+            <a:rPr lang="hu-HU" sz="2500" kern="1200" dirty="0"/>
             <a:t>Hibatűrés, tesztek</a:t>
           </a:r>
         </a:p>
       </dsp:txBody>
       <dsp:txXfrm>
-        <a:off x="710988" y="848148"/>
-        <a:ext cx="7617950" cy="423841"/>
+        <a:off x="779012" y="981998"/>
+        <a:ext cx="7547528" cy="490999"/>
       </dsp:txXfrm>
     </dsp:sp>
     <dsp:sp modelId="{4E914480-8164-4AF5-BD60-A10E371908BC}">
@@ -10729,8 +11673,8 @@
       </dsp:nvSpPr>
       <dsp:spPr>
         <a:xfrm>
-          <a:off x="446087" y="795168"/>
-          <a:ext cx="529801" cy="529801"/>
+          <a:off x="472138" y="920623"/>
+          <a:ext cx="613748" cy="613748"/>
         </a:xfrm>
         <a:prstGeom prst="ellipse">
           <a:avLst/>
@@ -10776,8 +11720,8 @@
       </dsp:nvSpPr>
       <dsp:spPr>
         <a:xfrm>
-          <a:off x="921323" y="1483817"/>
-          <a:ext cx="7407615" cy="423841"/>
+          <a:off x="963697" y="1718403"/>
+          <a:ext cx="7362844" cy="490999"/>
         </a:xfrm>
         <a:prstGeom prst="rect">
           <a:avLst/>
@@ -10819,12 +11763,12 @@
         </a:fontRef>
       </dsp:style>
       <dsp:txBody>
-        <a:bodyPr spcFirstLastPara="0" vert="horz" wrap="square" lIns="336424" tIns="55880" rIns="55880" bIns="55880" numCol="1" spcCol="1270" anchor="ctr" anchorCtr="0">
+        <a:bodyPr spcFirstLastPara="0" vert="horz" wrap="square" lIns="389731" tIns="63500" rIns="63500" bIns="63500" numCol="1" spcCol="1270" anchor="ctr" anchorCtr="0">
           <a:noAutofit/>
         </a:bodyPr>
         <a:lstStyle/>
         <a:p>
-          <a:pPr marL="0" lvl="0" indent="0" algn="l" defTabSz="977900">
+          <a:pPr marL="0" lvl="0" indent="0" algn="l" defTabSz="1111250">
             <a:lnSpc>
               <a:spcPct val="90000"/>
             </a:lnSpc>
@@ -10837,39 +11781,39 @@
             <a:buNone/>
           </a:pPr>
           <a:r>
-            <a:rPr lang="hu-HU" sz="2200" kern="1200" dirty="0" err="1"/>
+            <a:rPr lang="hu-HU" sz="2500" kern="1200" dirty="0" err="1"/>
             <a:t>Refaktorálás</a:t>
           </a:r>
           <a:r>
-            <a:rPr lang="hu-HU" sz="2200" kern="1200" dirty="0"/>
+            <a:rPr lang="hu-HU" sz="2500" kern="1200" dirty="0"/>
             <a:t>, </a:t>
           </a:r>
           <a:r>
-            <a:rPr lang="hu-HU" sz="2200" kern="1200" dirty="0" err="1"/>
+            <a:rPr lang="hu-HU" sz="2500" kern="1200" dirty="0" err="1"/>
             <a:t>code</a:t>
           </a:r>
           <a:r>
-            <a:rPr lang="hu-HU" sz="2200" kern="1200" dirty="0"/>
+            <a:rPr lang="hu-HU" sz="2500" kern="1200" dirty="0"/>
             <a:t> </a:t>
           </a:r>
           <a:r>
-            <a:rPr lang="hu-HU" sz="2200" kern="1200" dirty="0" err="1"/>
+            <a:rPr lang="hu-HU" sz="2500" kern="1200" dirty="0" err="1"/>
             <a:t>quality</a:t>
           </a:r>
           <a:r>
-            <a:rPr lang="hu-HU" sz="2200" kern="1200" dirty="0"/>
+            <a:rPr lang="hu-HU" sz="2500" kern="1200" dirty="0"/>
             <a:t> </a:t>
           </a:r>
           <a:r>
-            <a:rPr lang="hu-HU" sz="2200" kern="1200" dirty="0" err="1"/>
+            <a:rPr lang="hu-HU" sz="2500" kern="1200" dirty="0" err="1"/>
             <a:t>improvement</a:t>
           </a:r>
-          <a:endParaRPr lang="hu-HU" sz="2200" kern="1200" dirty="0"/>
+          <a:endParaRPr lang="hu-HU" sz="2500" kern="1200" dirty="0"/>
         </a:p>
       </dsp:txBody>
       <dsp:txXfrm>
-        <a:off x="921323" y="1483817"/>
-        <a:ext cx="7407615" cy="423841"/>
+        <a:off x="963697" y="1718403"/>
+        <a:ext cx="7362844" cy="490999"/>
       </dsp:txXfrm>
     </dsp:sp>
     <dsp:sp modelId="{A94F5950-94FD-4F5E-8222-68E625670AB0}">
@@ -10879,8 +11823,8 @@
       </dsp:nvSpPr>
       <dsp:spPr>
         <a:xfrm>
-          <a:off x="656422" y="1430837"/>
-          <a:ext cx="529801" cy="529801"/>
+          <a:off x="656822" y="1657028"/>
+          <a:ext cx="613748" cy="613748"/>
         </a:xfrm>
         <a:prstGeom prst="ellipse">
           <a:avLst/>
@@ -10926,8 +11870,8 @@
       </dsp:nvSpPr>
       <dsp:spPr>
         <a:xfrm>
-          <a:off x="988480" y="2119952"/>
-          <a:ext cx="7340458" cy="423841"/>
+          <a:off x="963697" y="2454342"/>
+          <a:ext cx="7362844" cy="490999"/>
         </a:xfrm>
         <a:prstGeom prst="rect">
           <a:avLst/>
@@ -10969,12 +11913,12 @@
         </a:fontRef>
       </dsp:style>
       <dsp:txBody>
-        <a:bodyPr spcFirstLastPara="0" vert="horz" wrap="square" lIns="336424" tIns="55880" rIns="55880" bIns="55880" numCol="1" spcCol="1270" anchor="ctr" anchorCtr="0">
+        <a:bodyPr spcFirstLastPara="0" vert="horz" wrap="square" lIns="389731" tIns="63500" rIns="63500" bIns="63500" numCol="1" spcCol="1270" anchor="ctr" anchorCtr="0">
           <a:noAutofit/>
         </a:bodyPr>
         <a:lstStyle/>
         <a:p>
-          <a:pPr marL="0" lvl="0" indent="0" algn="l" defTabSz="977900">
+          <a:pPr marL="0" lvl="0" indent="0" algn="l" defTabSz="1111250">
             <a:lnSpc>
               <a:spcPct val="90000"/>
             </a:lnSpc>
@@ -10987,23 +11931,23 @@
             <a:buNone/>
           </a:pPr>
           <a:r>
-            <a:rPr lang="hu-HU" sz="2200" kern="1200" dirty="0" err="1"/>
+            <a:rPr lang="hu-HU" sz="2500" kern="1200" dirty="0" err="1"/>
             <a:t>Authentikáció</a:t>
           </a:r>
           <a:r>
-            <a:rPr lang="hu-HU" sz="2200" kern="1200" dirty="0"/>
+            <a:rPr lang="hu-HU" sz="2500" kern="1200" dirty="0"/>
             <a:t>, </a:t>
           </a:r>
           <a:r>
-            <a:rPr lang="hu-HU" sz="2200" kern="1200" dirty="0" err="1"/>
+            <a:rPr lang="hu-HU" sz="2500" kern="1200" dirty="0" err="1"/>
             <a:t>Authorizáció</a:t>
           </a:r>
-          <a:endParaRPr lang="hu-HU" sz="2200" kern="1200" dirty="0"/>
+          <a:endParaRPr lang="hu-HU" sz="2500" kern="1200" dirty="0"/>
         </a:p>
       </dsp:txBody>
       <dsp:txXfrm>
-        <a:off x="988480" y="2119952"/>
-        <a:ext cx="7340458" cy="423841"/>
+        <a:off x="963697" y="2454342"/>
+        <a:ext cx="7362844" cy="490999"/>
       </dsp:txXfrm>
     </dsp:sp>
     <dsp:sp modelId="{05E6345C-D000-4A22-A1BC-59F816C2986F}">
@@ -11013,8 +11957,8 @@
       </dsp:nvSpPr>
       <dsp:spPr>
         <a:xfrm>
-          <a:off x="723580" y="2066972"/>
-          <a:ext cx="529801" cy="529801"/>
+          <a:off x="656822" y="2392968"/>
+          <a:ext cx="613748" cy="613748"/>
         </a:xfrm>
         <a:prstGeom prst="ellipse">
           <a:avLst/>
@@ -11053,15 +11997,15 @@
         <a:fontRef idx="minor"/>
       </dsp:style>
     </dsp:sp>
-    <dsp:sp modelId="{3F3C4002-B3A5-417E-A145-AE40AA89DE65}">
+    <dsp:sp modelId="{33F83D4C-7914-4086-B62B-7AB46E5EFC1D}">
       <dsp:nvSpPr>
         <dsp:cNvPr id="0" name=""/>
         <dsp:cNvSpPr/>
       </dsp:nvSpPr>
       <dsp:spPr>
         <a:xfrm>
-          <a:off x="921323" y="2756087"/>
-          <a:ext cx="7407615" cy="423841"/>
+          <a:off x="779012" y="3190748"/>
+          <a:ext cx="7547528" cy="490999"/>
         </a:xfrm>
         <a:prstGeom prst="rect">
           <a:avLst/>
@@ -11103,12 +12047,12 @@
         </a:fontRef>
       </dsp:style>
       <dsp:txBody>
-        <a:bodyPr spcFirstLastPara="0" vert="horz" wrap="square" lIns="336424" tIns="55880" rIns="55880" bIns="55880" numCol="1" spcCol="1270" anchor="ctr" anchorCtr="0">
+        <a:bodyPr spcFirstLastPara="0" vert="horz" wrap="square" lIns="389731" tIns="63500" rIns="63500" bIns="63500" numCol="1" spcCol="1270" anchor="ctr" anchorCtr="0">
           <a:noAutofit/>
         </a:bodyPr>
         <a:lstStyle/>
         <a:p>
-          <a:pPr marL="0" lvl="0" indent="0" algn="l" defTabSz="977900">
+          <a:pPr marL="0" lvl="0" indent="0" algn="l" defTabSz="1111250">
             <a:lnSpc>
               <a:spcPct val="90000"/>
             </a:lnSpc>
@@ -11121,41 +12065,25 @@
             <a:buNone/>
           </a:pPr>
           <a:r>
-            <a:rPr lang="hu-HU" sz="2200" kern="1200" dirty="0"/>
-            <a:t>Gyorsabb </a:t>
-          </a:r>
-          <a:r>
-            <a:rPr lang="hu-HU" sz="2200" kern="1200" dirty="0" err="1"/>
-            <a:t>build</a:t>
-          </a:r>
-          <a:r>
-            <a:rPr lang="hu-HU" sz="2200" kern="1200" dirty="0"/>
-            <a:t>, vékonyabb </a:t>
-          </a:r>
-          <a:r>
-            <a:rPr lang="hu-HU" sz="2200" kern="1200" dirty="0" err="1"/>
-            <a:t>builder</a:t>
-          </a:r>
-          <a:r>
-            <a:rPr lang="hu-HU" sz="2200" kern="1200" dirty="0"/>
-            <a:t> image</a:t>
+            <a:rPr lang="hu-HU" sz="2500" kern="1200" dirty="0"/>
+            <a:t>Teljes esettanulmány</a:t>
           </a:r>
         </a:p>
       </dsp:txBody>
       <dsp:txXfrm>
-        <a:off x="921323" y="2756087"/>
-        <a:ext cx="7407615" cy="423841"/>
+        <a:off x="779012" y="3190748"/>
+        <a:ext cx="7547528" cy="490999"/>
       </dsp:txXfrm>
     </dsp:sp>
-    <dsp:sp modelId="{2D50A284-2B64-4F84-BCBD-AE447564C8A6}">
+    <dsp:sp modelId="{D9A13788-0EF7-4BAA-AEC0-4230E31F42EB}">
       <dsp:nvSpPr>
         <dsp:cNvPr id="0" name=""/>
         <dsp:cNvSpPr/>
       </dsp:nvSpPr>
       <dsp:spPr>
         <a:xfrm>
-          <a:off x="656422" y="2703107"/>
-          <a:ext cx="529801" cy="529801"/>
+          <a:off x="472138" y="3129373"/>
+          <a:ext cx="613748" cy="613748"/>
         </a:xfrm>
         <a:prstGeom prst="ellipse">
           <a:avLst/>
@@ -11194,15 +12122,15 @@
         <a:fontRef idx="minor"/>
       </dsp:style>
     </dsp:sp>
-    <dsp:sp modelId="{15747308-FECB-443C-B112-2F6DA68B65DD}">
+    <dsp:sp modelId="{220FB7A1-DAB4-47FD-9B43-8E87F6E5E725}">
       <dsp:nvSpPr>
         <dsp:cNvPr id="0" name=""/>
         <dsp:cNvSpPr/>
       </dsp:nvSpPr>
       <dsp:spPr>
         <a:xfrm>
-          <a:off x="710988" y="3391755"/>
-          <a:ext cx="7617950" cy="423841"/>
+          <a:off x="375132" y="3927153"/>
+          <a:ext cx="7951408" cy="490999"/>
         </a:xfrm>
         <a:prstGeom prst="rect">
           <a:avLst/>
@@ -11244,12 +12172,12 @@
         </a:fontRef>
       </dsp:style>
       <dsp:txBody>
-        <a:bodyPr spcFirstLastPara="0" vert="horz" wrap="square" lIns="336424" tIns="55880" rIns="55880" bIns="55880" numCol="1" spcCol="1270" anchor="ctr" anchorCtr="0">
+        <a:bodyPr spcFirstLastPara="0" vert="horz" wrap="square" lIns="389731" tIns="63500" rIns="63500" bIns="63500" numCol="1" spcCol="1270" anchor="ctr" anchorCtr="0">
           <a:noAutofit/>
         </a:bodyPr>
         <a:lstStyle/>
         <a:p>
-          <a:pPr marL="0" lvl="0" indent="0" algn="l" defTabSz="977900">
+          <a:pPr marL="0" lvl="0" indent="0" algn="l" defTabSz="1111250">
             <a:lnSpc>
               <a:spcPct val="90000"/>
             </a:lnSpc>
@@ -11262,139 +12190,14 @@
             <a:buNone/>
           </a:pPr>
           <a:r>
-            <a:rPr lang="hu-HU" sz="2200" kern="1200" dirty="0"/>
-            <a:t>Teljes esettanulmány</a:t>
-          </a:r>
-        </a:p>
-      </dsp:txBody>
-      <dsp:txXfrm>
-        <a:off x="710988" y="3391755"/>
-        <a:ext cx="7617950" cy="423841"/>
-      </dsp:txXfrm>
-    </dsp:sp>
-    <dsp:sp modelId="{D9A13788-0EF7-4BAA-AEC0-4230E31F42EB}">
-      <dsp:nvSpPr>
-        <dsp:cNvPr id="0" name=""/>
-        <dsp:cNvSpPr/>
-      </dsp:nvSpPr>
-      <dsp:spPr>
-        <a:xfrm>
-          <a:off x="446087" y="3338775"/>
-          <a:ext cx="529801" cy="529801"/>
-        </a:xfrm>
-        <a:prstGeom prst="ellipse">
-          <a:avLst/>
-        </a:prstGeom>
-        <a:solidFill>
-          <a:schemeClr val="lt1">
-            <a:hueOff val="0"/>
-            <a:satOff val="0"/>
-            <a:lumOff val="0"/>
-            <a:alphaOff val="0"/>
-          </a:schemeClr>
-        </a:solidFill>
-        <a:ln w="12700" cap="rnd" cmpd="sng" algn="ctr">
-          <a:solidFill>
-            <a:schemeClr val="accent1">
-              <a:hueOff val="0"/>
-              <a:satOff val="0"/>
-              <a:lumOff val="0"/>
-              <a:alphaOff val="0"/>
-            </a:schemeClr>
-          </a:solidFill>
-          <a:prstDash val="solid"/>
-        </a:ln>
-        <a:effectLst/>
-      </dsp:spPr>
-      <dsp:style>
-        <a:lnRef idx="2">
-          <a:scrgbClr r="0" g="0" b="0"/>
-        </a:lnRef>
-        <a:fillRef idx="1">
-          <a:scrgbClr r="0" g="0" b="0"/>
-        </a:fillRef>
-        <a:effectRef idx="0">
-          <a:scrgbClr r="0" g="0" b="0"/>
-        </a:effectRef>
-        <a:fontRef idx="minor"/>
-      </dsp:style>
-    </dsp:sp>
-    <dsp:sp modelId="{1D502BF2-C4D8-4E48-AA9A-F9C0E2453EAC}">
-      <dsp:nvSpPr>
-        <dsp:cNvPr id="0" name=""/>
-        <dsp:cNvSpPr/>
-      </dsp:nvSpPr>
-      <dsp:spPr>
-        <a:xfrm>
-          <a:off x="327161" y="4027890"/>
-          <a:ext cx="8001777" cy="423841"/>
-        </a:xfrm>
-        <a:prstGeom prst="rect">
-          <a:avLst/>
-        </a:prstGeom>
-        <a:solidFill>
-          <a:schemeClr val="lt1">
-            <a:hueOff val="0"/>
-            <a:satOff val="0"/>
-            <a:lumOff val="0"/>
-            <a:alphaOff val="0"/>
-          </a:schemeClr>
-        </a:solidFill>
-        <a:ln w="12700" cap="rnd" cmpd="sng" algn="ctr">
-          <a:solidFill>
-            <a:schemeClr val="accent1">
-              <a:shade val="80000"/>
-              <a:hueOff val="0"/>
-              <a:satOff val="0"/>
-              <a:lumOff val="0"/>
-              <a:alphaOff val="0"/>
-            </a:schemeClr>
-          </a:solidFill>
-          <a:prstDash val="solid"/>
-        </a:ln>
-        <a:effectLst/>
-      </dsp:spPr>
-      <dsp:style>
-        <a:lnRef idx="2">
-          <a:scrgbClr r="0" g="0" b="0"/>
-        </a:lnRef>
-        <a:fillRef idx="1">
-          <a:scrgbClr r="0" g="0" b="0"/>
-        </a:fillRef>
-        <a:effectRef idx="0">
-          <a:scrgbClr r="0" g="0" b="0"/>
-        </a:effectRef>
-        <a:fontRef idx="minor">
-          <a:schemeClr val="lt1"/>
-        </a:fontRef>
-      </dsp:style>
-      <dsp:txBody>
-        <a:bodyPr spcFirstLastPara="0" vert="horz" wrap="square" lIns="336424" tIns="55880" rIns="55880" bIns="55880" numCol="1" spcCol="1270" anchor="ctr" anchorCtr="0">
-          <a:noAutofit/>
-        </a:bodyPr>
-        <a:lstStyle/>
-        <a:p>
-          <a:pPr marL="0" lvl="0" indent="0" algn="l" defTabSz="977900">
-            <a:lnSpc>
-              <a:spcPct val="90000"/>
-            </a:lnSpc>
-            <a:spcBef>
-              <a:spcPct val="0"/>
-            </a:spcBef>
-            <a:spcAft>
-              <a:spcPct val="35000"/>
-            </a:spcAft>
-            <a:buNone/>
-          </a:pPr>
-          <a:r>
-            <a:rPr lang="hu-HU" sz="2200" kern="1200" dirty="0"/>
+            <a:rPr lang="hu-HU" sz="2500" kern="1200" dirty="0"/>
             <a:t>Beépített, előre definiált szabályok</a:t>
           </a:r>
         </a:p>
       </dsp:txBody>
       <dsp:txXfrm>
-        <a:off x="327161" y="4027890"/>
-        <a:ext cx="8001777" cy="423841"/>
+        <a:off x="375132" y="3927153"/>
+        <a:ext cx="7951408" cy="490999"/>
       </dsp:txXfrm>
     </dsp:sp>
     <dsp:sp modelId="{0F583E48-0668-4627-8290-FE3E6C8F5639}">
@@ -11404,8 +12207,8 @@
       </dsp:nvSpPr>
       <dsp:spPr>
         <a:xfrm>
-          <a:off x="62261" y="3974910"/>
-          <a:ext cx="529801" cy="529801"/>
+          <a:off x="68257" y="3865779"/>
+          <a:ext cx="613748" cy="613748"/>
         </a:xfrm>
         <a:prstGeom prst="ellipse">
           <a:avLst/>
@@ -13193,6 +13996,231 @@
 </file>
 
 <file path=ppt/diagrams/layout3.xml><?xml version="1.0" encoding="utf-8"?>
+<dgm:layoutDef xmlns:dgm="http://schemas.openxmlformats.org/drawingml/2006/diagram" xmlns:a="http://schemas.openxmlformats.org/drawingml/2006/main" uniqueId="urn:microsoft.com/office/officeart/2005/8/layout/list1">
+  <dgm:title val=""/>
+  <dgm:desc val=""/>
+  <dgm:catLst>
+    <dgm:cat type="list" pri="4000"/>
+  </dgm:catLst>
+  <dgm:sampData>
+    <dgm:dataModel>
+      <dgm:ptLst>
+        <dgm:pt modelId="0" type="doc"/>
+        <dgm:pt modelId="1">
+          <dgm:prSet phldr="1"/>
+        </dgm:pt>
+        <dgm:pt modelId="2">
+          <dgm:prSet phldr="1"/>
+        </dgm:pt>
+        <dgm:pt modelId="3">
+          <dgm:prSet phldr="1"/>
+        </dgm:pt>
+      </dgm:ptLst>
+      <dgm:cxnLst>
+        <dgm:cxn modelId="4" srcId="0" destId="1" srcOrd="0" destOrd="0"/>
+        <dgm:cxn modelId="5" srcId="0" destId="2" srcOrd="1" destOrd="0"/>
+        <dgm:cxn modelId="6" srcId="0" destId="3" srcOrd="2" destOrd="0"/>
+      </dgm:cxnLst>
+      <dgm:bg/>
+      <dgm:whole/>
+    </dgm:dataModel>
+  </dgm:sampData>
+  <dgm:styleData>
+    <dgm:dataModel>
+      <dgm:ptLst>
+        <dgm:pt modelId="0" type="doc"/>
+        <dgm:pt modelId="1"/>
+        <dgm:pt modelId="2"/>
+      </dgm:ptLst>
+      <dgm:cxnLst>
+        <dgm:cxn modelId="4" srcId="0" destId="1" srcOrd="0" destOrd="0"/>
+        <dgm:cxn modelId="5" srcId="0" destId="2" srcOrd="1" destOrd="0"/>
+      </dgm:cxnLst>
+      <dgm:bg/>
+      <dgm:whole/>
+    </dgm:dataModel>
+  </dgm:styleData>
+  <dgm:clrData>
+    <dgm:dataModel>
+      <dgm:ptLst>
+        <dgm:pt modelId="0" type="doc"/>
+        <dgm:pt modelId="1"/>
+        <dgm:pt modelId="2"/>
+        <dgm:pt modelId="3"/>
+        <dgm:pt modelId="4"/>
+      </dgm:ptLst>
+      <dgm:cxnLst>
+        <dgm:cxn modelId="5" srcId="0" destId="1" srcOrd="0" destOrd="0"/>
+        <dgm:cxn modelId="6" srcId="0" destId="2" srcOrd="1" destOrd="0"/>
+        <dgm:cxn modelId="7" srcId="0" destId="3" srcOrd="2" destOrd="0"/>
+        <dgm:cxn modelId="8" srcId="0" destId="4" srcOrd="3" destOrd="0"/>
+      </dgm:cxnLst>
+      <dgm:bg/>
+      <dgm:whole/>
+    </dgm:dataModel>
+  </dgm:clrData>
+  <dgm:layoutNode name="linear">
+    <dgm:varLst>
+      <dgm:dir/>
+      <dgm:animLvl val="lvl"/>
+      <dgm:resizeHandles val="exact"/>
+    </dgm:varLst>
+    <dgm:choose name="Name0">
+      <dgm:if name="Name1" func="var" arg="dir" op="equ" val="norm">
+        <dgm:alg type="lin">
+          <dgm:param type="linDir" val="fromT"/>
+          <dgm:param type="vertAlign" val="mid"/>
+          <dgm:param type="horzAlign" val="l"/>
+          <dgm:param type="nodeHorzAlign" val="l"/>
+        </dgm:alg>
+      </dgm:if>
+      <dgm:else name="Name2">
+        <dgm:alg type="lin">
+          <dgm:param type="linDir" val="fromT"/>
+          <dgm:param type="vertAlign" val="mid"/>
+          <dgm:param type="horzAlign" val="r"/>
+          <dgm:param type="nodeHorzAlign" val="r"/>
+        </dgm:alg>
+      </dgm:else>
+    </dgm:choose>
+    <dgm:shape xmlns:r="http://schemas.openxmlformats.org/officeDocument/2006/relationships" r:blip="">
+      <dgm:adjLst/>
+    </dgm:shape>
+    <dgm:presOf/>
+    <dgm:constrLst>
+      <dgm:constr type="w" for="ch" forName="parentLin" refType="w"/>
+      <dgm:constr type="h" for="ch" forName="parentLin" val="INF"/>
+      <dgm:constr type="w" for="des" forName="parentLeftMargin" refType="w" fact="0.05"/>
+      <dgm:constr type="w" for="des" forName="parentText" refType="w" fact="0.7"/>
+      <dgm:constr type="h" for="des" forName="parentText" refType="primFontSz" refFor="des" refForName="parentText" fact="0.82"/>
+      <dgm:constr type="h" for="ch" forName="negativeSpace" refType="primFontSz" refFor="des" refForName="parentText" fact="-0.41"/>
+      <dgm:constr type="h" for="ch" forName="negativeSpace" refType="h" refFor="des" refForName="parentText" op="lte" fact="-0.82"/>
+      <dgm:constr type="h" for="ch" forName="negativeSpace" refType="h" refFor="des" refForName="parentText" op="gte" fact="-0.82"/>
+      <dgm:constr type="w" for="ch" forName="childText" refType="w"/>
+      <dgm:constr type="h" for="ch" forName="childText" refType="primFontSz" refFor="des" refForName="parentText" fact="0.7"/>
+      <dgm:constr type="primFontSz" for="des" forName="parentText" val="65"/>
+      <dgm:constr type="primFontSz" for="ch" forName="childText" refType="primFontSz" refFor="des" refForName="parentText"/>
+      <dgm:constr type="tMarg" for="ch" forName="childText" refType="primFontSz" refFor="des" refForName="parentText" fact="1.64"/>
+      <dgm:constr type="tMarg" for="ch" forName="childText" refType="h" refFor="des" refForName="parentText" op="lte" fact="3.28"/>
+      <dgm:constr type="tMarg" for="ch" forName="childText" refType="h" refFor="des" refForName="parentText" op="gte" fact="3.28"/>
+      <dgm:constr type="lMarg" for="ch" forName="childText" refType="w" fact="0.22"/>
+      <dgm:constr type="rMarg" for="ch" forName="childText" refType="lMarg" refFor="ch" refForName="childText"/>
+      <dgm:constr type="lMarg" for="des" forName="parentText" refType="w" fact="0.075"/>
+      <dgm:constr type="rMarg" for="des" forName="parentText" refType="lMarg" refFor="des" refForName="parentText"/>
+      <dgm:constr type="h" for="ch" forName="spaceBetweenRectangles" refType="primFontSz" refFor="des" refForName="parentText" fact="0.15"/>
+    </dgm:constrLst>
+    <dgm:ruleLst>
+      <dgm:rule type="primFontSz" for="des" forName="parentText" val="5" fact="NaN" max="NaN"/>
+    </dgm:ruleLst>
+    <dgm:forEach name="Name3" axis="ch" ptType="node">
+      <dgm:layoutNode name="parentLin">
+        <dgm:choose name="Name4">
+          <dgm:if name="Name5" func="var" arg="dir" op="equ" val="norm">
+            <dgm:alg type="lin">
+              <dgm:param type="linDir" val="fromL"/>
+              <dgm:param type="horzAlign" val="l"/>
+              <dgm:param type="nodeHorzAlign" val="l"/>
+            </dgm:alg>
+          </dgm:if>
+          <dgm:else name="Name6">
+            <dgm:alg type="lin">
+              <dgm:param type="linDir" val="fromR"/>
+              <dgm:param type="horzAlign" val="r"/>
+              <dgm:param type="nodeHorzAlign" val="r"/>
+            </dgm:alg>
+          </dgm:else>
+        </dgm:choose>
+        <dgm:shape xmlns:r="http://schemas.openxmlformats.org/officeDocument/2006/relationships" r:blip="">
+          <dgm:adjLst/>
+        </dgm:shape>
+        <dgm:presOf/>
+        <dgm:constrLst/>
+        <dgm:ruleLst/>
+        <dgm:layoutNode name="parentLeftMargin">
+          <dgm:alg type="sp"/>
+          <dgm:shape xmlns:r="http://schemas.openxmlformats.org/officeDocument/2006/relationships" type="rect" r:blip="" hideGeom="1">
+            <dgm:adjLst/>
+          </dgm:shape>
+          <dgm:presOf axis="self"/>
+          <dgm:constrLst>
+            <dgm:constr type="h"/>
+          </dgm:constrLst>
+          <dgm:ruleLst/>
+        </dgm:layoutNode>
+        <dgm:layoutNode name="parentText" styleLbl="node1">
+          <dgm:varLst>
+            <dgm:chMax val="0"/>
+            <dgm:bulletEnabled val="1"/>
+          </dgm:varLst>
+          <dgm:choose name="Name7">
+            <dgm:if name="Name8" func="var" arg="dir" op="equ" val="norm">
+              <dgm:alg type="tx">
+                <dgm:param type="parTxLTRAlign" val="l"/>
+                <dgm:param type="parTxRTLAlign" val="l"/>
+              </dgm:alg>
+            </dgm:if>
+            <dgm:else name="Name9">
+              <dgm:alg type="tx">
+                <dgm:param type="parTxLTRAlign" val="r"/>
+                <dgm:param type="parTxRTLAlign" val="r"/>
+              </dgm:alg>
+            </dgm:else>
+          </dgm:choose>
+          <dgm:shape xmlns:r="http://schemas.openxmlformats.org/officeDocument/2006/relationships" type="roundRect" r:blip="">
+            <dgm:adjLst/>
+          </dgm:shape>
+          <dgm:presOf axis="self" ptType="node"/>
+          <dgm:constrLst>
+            <dgm:constr type="tMarg"/>
+            <dgm:constr type="bMarg"/>
+          </dgm:constrLst>
+          <dgm:ruleLst/>
+        </dgm:layoutNode>
+      </dgm:layoutNode>
+      <dgm:layoutNode name="negativeSpace">
+        <dgm:alg type="sp"/>
+        <dgm:shape xmlns:r="http://schemas.openxmlformats.org/officeDocument/2006/relationships" r:blip="">
+          <dgm:adjLst/>
+        </dgm:shape>
+        <dgm:presOf/>
+        <dgm:constrLst/>
+        <dgm:ruleLst/>
+      </dgm:layoutNode>
+      <dgm:layoutNode name="childText" styleLbl="conFgAcc1">
+        <dgm:varLst>
+          <dgm:bulletEnabled val="1"/>
+        </dgm:varLst>
+        <dgm:alg type="tx">
+          <dgm:param type="stBulletLvl" val="1"/>
+        </dgm:alg>
+        <dgm:shape xmlns:r="http://schemas.openxmlformats.org/officeDocument/2006/relationships" type="rect" r:blip="" zOrderOff="-2">
+          <dgm:adjLst/>
+        </dgm:shape>
+        <dgm:presOf axis="des" ptType="node"/>
+        <dgm:constrLst>
+          <dgm:constr type="secFontSz" refType="primFontSz"/>
+        </dgm:constrLst>
+        <dgm:ruleLst>
+          <dgm:rule type="h" val="INF" fact="NaN" max="NaN"/>
+        </dgm:ruleLst>
+      </dgm:layoutNode>
+      <dgm:forEach name="Name10" axis="followSib" ptType="sibTrans" cnt="1">
+        <dgm:layoutNode name="spaceBetweenRectangles">
+          <dgm:alg type="sp"/>
+          <dgm:shape xmlns:r="http://schemas.openxmlformats.org/officeDocument/2006/relationships" r:blip="">
+            <dgm:adjLst/>
+          </dgm:shape>
+          <dgm:presOf/>
+          <dgm:constrLst/>
+          <dgm:ruleLst/>
+        </dgm:layoutNode>
+      </dgm:forEach>
+    </dgm:forEach>
+  </dgm:layoutNode>
+</dgm:layoutDef>
+</file>
+
+<file path=ppt/diagrams/layout4.xml><?xml version="1.0" encoding="utf-8"?>
 <dgm:layoutDef xmlns:dgm="http://schemas.openxmlformats.org/drawingml/2006/diagram" xmlns:a="http://schemas.openxmlformats.org/drawingml/2006/main" uniqueId="urn:microsoft.com/office/officeart/2005/8/layout/hList1">
   <dgm:title val=""/>
   <dgm:desc val=""/>
@@ -13409,173 +14437,6 @@
 </dgm:layoutDef>
 </file>
 
-<file path=ppt/diagrams/layout4.xml><?xml version="1.0" encoding="utf-8"?>
-<dgm:layoutDef xmlns:dgm="http://schemas.openxmlformats.org/drawingml/2006/diagram" xmlns:a="http://schemas.openxmlformats.org/drawingml/2006/main" uniqueId="urn:microsoft.com/office/officeart/2005/8/layout/vList2">
-  <dgm:title val=""/>
-  <dgm:desc val=""/>
-  <dgm:catLst>
-    <dgm:cat type="list" pri="3000"/>
-    <dgm:cat type="convert" pri="1000"/>
-  </dgm:catLst>
-  <dgm:sampData>
-    <dgm:dataModel>
-      <dgm:ptLst>
-        <dgm:pt modelId="0" type="doc"/>
-        <dgm:pt modelId="1">
-          <dgm:prSet phldr="1"/>
-        </dgm:pt>
-        <dgm:pt modelId="11">
-          <dgm:prSet phldr="1"/>
-        </dgm:pt>
-        <dgm:pt modelId="2">
-          <dgm:prSet phldr="1"/>
-        </dgm:pt>
-        <dgm:pt modelId="21">
-          <dgm:prSet phldr="1"/>
-        </dgm:pt>
-      </dgm:ptLst>
-      <dgm:cxnLst>
-        <dgm:cxn modelId="4" srcId="0" destId="1" srcOrd="0" destOrd="0"/>
-        <dgm:cxn modelId="5" srcId="0" destId="2" srcOrd="1" destOrd="0"/>
-        <dgm:cxn modelId="12" srcId="1" destId="11" srcOrd="0" destOrd="0"/>
-        <dgm:cxn modelId="23" srcId="2" destId="21" srcOrd="0" destOrd="0"/>
-      </dgm:cxnLst>
-      <dgm:bg/>
-      <dgm:whole/>
-    </dgm:dataModel>
-  </dgm:sampData>
-  <dgm:styleData>
-    <dgm:dataModel>
-      <dgm:ptLst>
-        <dgm:pt modelId="0" type="doc"/>
-        <dgm:pt modelId="1"/>
-        <dgm:pt modelId="2"/>
-      </dgm:ptLst>
-      <dgm:cxnLst>
-        <dgm:cxn modelId="3" srcId="0" destId="1" srcOrd="0" destOrd="0"/>
-        <dgm:cxn modelId="4" srcId="0" destId="2" srcOrd="1" destOrd="0"/>
-      </dgm:cxnLst>
-      <dgm:bg/>
-      <dgm:whole/>
-    </dgm:dataModel>
-  </dgm:styleData>
-  <dgm:clrData>
-    <dgm:dataModel>
-      <dgm:ptLst>
-        <dgm:pt modelId="0" type="doc"/>
-        <dgm:pt modelId="1"/>
-        <dgm:pt modelId="2"/>
-        <dgm:pt modelId="3"/>
-        <dgm:pt modelId="4"/>
-      </dgm:ptLst>
-      <dgm:cxnLst>
-        <dgm:cxn modelId="5" srcId="0" destId="1" srcOrd="0" destOrd="0"/>
-        <dgm:cxn modelId="6" srcId="0" destId="2" srcOrd="1" destOrd="0"/>
-        <dgm:cxn modelId="7" srcId="0" destId="3" srcOrd="2" destOrd="0"/>
-        <dgm:cxn modelId="8" srcId="0" destId="4" srcOrd="3" destOrd="0"/>
-      </dgm:cxnLst>
-      <dgm:bg/>
-      <dgm:whole/>
-    </dgm:dataModel>
-  </dgm:clrData>
-  <dgm:layoutNode name="linear">
-    <dgm:varLst>
-      <dgm:animLvl val="lvl"/>
-      <dgm:resizeHandles val="exact"/>
-    </dgm:varLst>
-    <dgm:alg type="lin">
-      <dgm:param type="linDir" val="fromT"/>
-      <dgm:param type="vertAlign" val="mid"/>
-    </dgm:alg>
-    <dgm:shape xmlns:r="http://schemas.openxmlformats.org/officeDocument/2006/relationships" r:blip="">
-      <dgm:adjLst/>
-    </dgm:shape>
-    <dgm:presOf/>
-    <dgm:constrLst>
-      <dgm:constr type="w" for="ch" forName="parentText" refType="w"/>
-      <dgm:constr type="h" for="ch" forName="parentText" refType="primFontSz" refFor="ch" refForName="parentText" fact="0.52"/>
-      <dgm:constr type="w" for="ch" forName="childText" refType="w"/>
-      <dgm:constr type="h" for="ch" forName="childText" refType="primFontSz" refFor="ch" refForName="parentText" fact="0.46"/>
-      <dgm:constr type="h" for="ch" forName="parentText" op="equ"/>
-      <dgm:constr type="primFontSz" for="ch" forName="parentText" op="equ" val="65"/>
-      <dgm:constr type="primFontSz" for="ch" forName="childText" refType="primFontSz" refFor="ch" refForName="parentText" op="equ"/>
-      <dgm:constr type="h" for="ch" forName="spacer" refType="primFontSz" refFor="ch" refForName="parentText" fact="0.08"/>
-    </dgm:constrLst>
-    <dgm:ruleLst>
-      <dgm:rule type="primFontSz" for="ch" forName="parentText" val="5" fact="NaN" max="NaN"/>
-    </dgm:ruleLst>
-    <dgm:forEach name="Name0" axis="ch" ptType="node">
-      <dgm:layoutNode name="parentText" styleLbl="node1">
-        <dgm:varLst>
-          <dgm:chMax val="0"/>
-          <dgm:bulletEnabled val="1"/>
-        </dgm:varLst>
-        <dgm:alg type="tx">
-          <dgm:param type="parTxLTRAlign" val="l"/>
-          <dgm:param type="parTxRTLAlign" val="r"/>
-        </dgm:alg>
-        <dgm:shape xmlns:r="http://schemas.openxmlformats.org/officeDocument/2006/relationships" type="roundRect" r:blip="">
-          <dgm:adjLst/>
-        </dgm:shape>
-        <dgm:presOf axis="self"/>
-        <dgm:constrLst>
-          <dgm:constr type="tMarg" refType="primFontSz" fact="0.3"/>
-          <dgm:constr type="bMarg" refType="primFontSz" fact="0.3"/>
-          <dgm:constr type="lMarg" refType="primFontSz" fact="0.3"/>
-          <dgm:constr type="rMarg" refType="primFontSz" fact="0.3"/>
-        </dgm:constrLst>
-        <dgm:ruleLst>
-          <dgm:rule type="h" val="INF" fact="NaN" max="NaN"/>
-        </dgm:ruleLst>
-      </dgm:layoutNode>
-      <dgm:choose name="Name1">
-        <dgm:if name="Name2" axis="ch" ptType="node" func="cnt" op="gte" val="1">
-          <dgm:layoutNode name="childText" styleLbl="revTx">
-            <dgm:varLst>
-              <dgm:bulletEnabled val="1"/>
-            </dgm:varLst>
-            <dgm:alg type="tx">
-              <dgm:param type="stBulletLvl" val="1"/>
-              <dgm:param type="lnSpAfChP" val="20"/>
-            </dgm:alg>
-            <dgm:shape xmlns:r="http://schemas.openxmlformats.org/officeDocument/2006/relationships" type="rect" r:blip="">
-              <dgm:adjLst/>
-            </dgm:shape>
-            <dgm:presOf axis="des" ptType="node"/>
-            <dgm:constrLst>
-              <dgm:constr type="tMarg" refType="primFontSz" fact="0.1"/>
-              <dgm:constr type="bMarg" refType="primFontSz" fact="0.1"/>
-              <dgm:constr type="lMarg" refType="w" fact="0.09"/>
-            </dgm:constrLst>
-            <dgm:ruleLst>
-              <dgm:rule type="h" val="INF" fact="NaN" max="NaN"/>
-            </dgm:ruleLst>
-          </dgm:layoutNode>
-        </dgm:if>
-        <dgm:else name="Name3">
-          <dgm:choose name="Name4">
-            <dgm:if name="Name5" axis="par ch" ptType="doc node" func="cnt" op="gte" val="2">
-              <dgm:forEach name="Name6" axis="followSib" ptType="sibTrans" cnt="1">
-                <dgm:layoutNode name="spacer">
-                  <dgm:alg type="sp"/>
-                  <dgm:shape xmlns:r="http://schemas.openxmlformats.org/officeDocument/2006/relationships" r:blip="">
-                    <dgm:adjLst/>
-                  </dgm:shape>
-                  <dgm:presOf/>
-                  <dgm:constrLst/>
-                  <dgm:ruleLst/>
-                </dgm:layoutNode>
-              </dgm:forEach>
-            </dgm:if>
-            <dgm:else name="Name7"/>
-          </dgm:choose>
-        </dgm:else>
-      </dgm:choose>
-    </dgm:forEach>
-  </dgm:layoutNode>
-</dgm:layoutDef>
-</file>
-
 <file path=ppt/diagrams/layout5.xml><?xml version="1.0" encoding="utf-8"?>
 <dgm:layoutDef xmlns:dgm="http://schemas.openxmlformats.org/drawingml/2006/diagram" xmlns:a="http://schemas.openxmlformats.org/drawingml/2006/main" uniqueId="urn:microsoft.com/office/officeart/2005/8/layout/vList2">
   <dgm:title val=""/>
@@ -13744,6 +14605,173 @@
 </file>
 
 <file path=ppt/diagrams/layout6.xml><?xml version="1.0" encoding="utf-8"?>
+<dgm:layoutDef xmlns:dgm="http://schemas.openxmlformats.org/drawingml/2006/diagram" xmlns:a="http://schemas.openxmlformats.org/drawingml/2006/main" uniqueId="urn:microsoft.com/office/officeart/2005/8/layout/vList2">
+  <dgm:title val=""/>
+  <dgm:desc val=""/>
+  <dgm:catLst>
+    <dgm:cat type="list" pri="3000"/>
+    <dgm:cat type="convert" pri="1000"/>
+  </dgm:catLst>
+  <dgm:sampData>
+    <dgm:dataModel>
+      <dgm:ptLst>
+        <dgm:pt modelId="0" type="doc"/>
+        <dgm:pt modelId="1">
+          <dgm:prSet phldr="1"/>
+        </dgm:pt>
+        <dgm:pt modelId="11">
+          <dgm:prSet phldr="1"/>
+        </dgm:pt>
+        <dgm:pt modelId="2">
+          <dgm:prSet phldr="1"/>
+        </dgm:pt>
+        <dgm:pt modelId="21">
+          <dgm:prSet phldr="1"/>
+        </dgm:pt>
+      </dgm:ptLst>
+      <dgm:cxnLst>
+        <dgm:cxn modelId="4" srcId="0" destId="1" srcOrd="0" destOrd="0"/>
+        <dgm:cxn modelId="5" srcId="0" destId="2" srcOrd="1" destOrd="0"/>
+        <dgm:cxn modelId="12" srcId="1" destId="11" srcOrd="0" destOrd="0"/>
+        <dgm:cxn modelId="23" srcId="2" destId="21" srcOrd="0" destOrd="0"/>
+      </dgm:cxnLst>
+      <dgm:bg/>
+      <dgm:whole/>
+    </dgm:dataModel>
+  </dgm:sampData>
+  <dgm:styleData>
+    <dgm:dataModel>
+      <dgm:ptLst>
+        <dgm:pt modelId="0" type="doc"/>
+        <dgm:pt modelId="1"/>
+        <dgm:pt modelId="2"/>
+      </dgm:ptLst>
+      <dgm:cxnLst>
+        <dgm:cxn modelId="3" srcId="0" destId="1" srcOrd="0" destOrd="0"/>
+        <dgm:cxn modelId="4" srcId="0" destId="2" srcOrd="1" destOrd="0"/>
+      </dgm:cxnLst>
+      <dgm:bg/>
+      <dgm:whole/>
+    </dgm:dataModel>
+  </dgm:styleData>
+  <dgm:clrData>
+    <dgm:dataModel>
+      <dgm:ptLst>
+        <dgm:pt modelId="0" type="doc"/>
+        <dgm:pt modelId="1"/>
+        <dgm:pt modelId="2"/>
+        <dgm:pt modelId="3"/>
+        <dgm:pt modelId="4"/>
+      </dgm:ptLst>
+      <dgm:cxnLst>
+        <dgm:cxn modelId="5" srcId="0" destId="1" srcOrd="0" destOrd="0"/>
+        <dgm:cxn modelId="6" srcId="0" destId="2" srcOrd="1" destOrd="0"/>
+        <dgm:cxn modelId="7" srcId="0" destId="3" srcOrd="2" destOrd="0"/>
+        <dgm:cxn modelId="8" srcId="0" destId="4" srcOrd="3" destOrd="0"/>
+      </dgm:cxnLst>
+      <dgm:bg/>
+      <dgm:whole/>
+    </dgm:dataModel>
+  </dgm:clrData>
+  <dgm:layoutNode name="linear">
+    <dgm:varLst>
+      <dgm:animLvl val="lvl"/>
+      <dgm:resizeHandles val="exact"/>
+    </dgm:varLst>
+    <dgm:alg type="lin">
+      <dgm:param type="linDir" val="fromT"/>
+      <dgm:param type="vertAlign" val="mid"/>
+    </dgm:alg>
+    <dgm:shape xmlns:r="http://schemas.openxmlformats.org/officeDocument/2006/relationships" r:blip="">
+      <dgm:adjLst/>
+    </dgm:shape>
+    <dgm:presOf/>
+    <dgm:constrLst>
+      <dgm:constr type="w" for="ch" forName="parentText" refType="w"/>
+      <dgm:constr type="h" for="ch" forName="parentText" refType="primFontSz" refFor="ch" refForName="parentText" fact="0.52"/>
+      <dgm:constr type="w" for="ch" forName="childText" refType="w"/>
+      <dgm:constr type="h" for="ch" forName="childText" refType="primFontSz" refFor="ch" refForName="parentText" fact="0.46"/>
+      <dgm:constr type="h" for="ch" forName="parentText" op="equ"/>
+      <dgm:constr type="primFontSz" for="ch" forName="parentText" op="equ" val="65"/>
+      <dgm:constr type="primFontSz" for="ch" forName="childText" refType="primFontSz" refFor="ch" refForName="parentText" op="equ"/>
+      <dgm:constr type="h" for="ch" forName="spacer" refType="primFontSz" refFor="ch" refForName="parentText" fact="0.08"/>
+    </dgm:constrLst>
+    <dgm:ruleLst>
+      <dgm:rule type="primFontSz" for="ch" forName="parentText" val="5" fact="NaN" max="NaN"/>
+    </dgm:ruleLst>
+    <dgm:forEach name="Name0" axis="ch" ptType="node">
+      <dgm:layoutNode name="parentText" styleLbl="node1">
+        <dgm:varLst>
+          <dgm:chMax val="0"/>
+          <dgm:bulletEnabled val="1"/>
+        </dgm:varLst>
+        <dgm:alg type="tx">
+          <dgm:param type="parTxLTRAlign" val="l"/>
+          <dgm:param type="parTxRTLAlign" val="r"/>
+        </dgm:alg>
+        <dgm:shape xmlns:r="http://schemas.openxmlformats.org/officeDocument/2006/relationships" type="roundRect" r:blip="">
+          <dgm:adjLst/>
+        </dgm:shape>
+        <dgm:presOf axis="self"/>
+        <dgm:constrLst>
+          <dgm:constr type="tMarg" refType="primFontSz" fact="0.3"/>
+          <dgm:constr type="bMarg" refType="primFontSz" fact="0.3"/>
+          <dgm:constr type="lMarg" refType="primFontSz" fact="0.3"/>
+          <dgm:constr type="rMarg" refType="primFontSz" fact="0.3"/>
+        </dgm:constrLst>
+        <dgm:ruleLst>
+          <dgm:rule type="h" val="INF" fact="NaN" max="NaN"/>
+        </dgm:ruleLst>
+      </dgm:layoutNode>
+      <dgm:choose name="Name1">
+        <dgm:if name="Name2" axis="ch" ptType="node" func="cnt" op="gte" val="1">
+          <dgm:layoutNode name="childText" styleLbl="revTx">
+            <dgm:varLst>
+              <dgm:bulletEnabled val="1"/>
+            </dgm:varLst>
+            <dgm:alg type="tx">
+              <dgm:param type="stBulletLvl" val="1"/>
+              <dgm:param type="lnSpAfChP" val="20"/>
+            </dgm:alg>
+            <dgm:shape xmlns:r="http://schemas.openxmlformats.org/officeDocument/2006/relationships" type="rect" r:blip="">
+              <dgm:adjLst/>
+            </dgm:shape>
+            <dgm:presOf axis="des" ptType="node"/>
+            <dgm:constrLst>
+              <dgm:constr type="tMarg" refType="primFontSz" fact="0.1"/>
+              <dgm:constr type="bMarg" refType="primFontSz" fact="0.1"/>
+              <dgm:constr type="lMarg" refType="w" fact="0.09"/>
+            </dgm:constrLst>
+            <dgm:ruleLst>
+              <dgm:rule type="h" val="INF" fact="NaN" max="NaN"/>
+            </dgm:ruleLst>
+          </dgm:layoutNode>
+        </dgm:if>
+        <dgm:else name="Name3">
+          <dgm:choose name="Name4">
+            <dgm:if name="Name5" axis="par ch" ptType="doc node" func="cnt" op="gte" val="2">
+              <dgm:forEach name="Name6" axis="followSib" ptType="sibTrans" cnt="1">
+                <dgm:layoutNode name="spacer">
+                  <dgm:alg type="sp"/>
+                  <dgm:shape xmlns:r="http://schemas.openxmlformats.org/officeDocument/2006/relationships" r:blip="">
+                    <dgm:adjLst/>
+                  </dgm:shape>
+                  <dgm:presOf/>
+                  <dgm:constrLst/>
+                  <dgm:ruleLst/>
+                </dgm:layoutNode>
+              </dgm:forEach>
+            </dgm:if>
+            <dgm:else name="Name7"/>
+          </dgm:choose>
+        </dgm:else>
+      </dgm:choose>
+    </dgm:forEach>
+  </dgm:layoutNode>
+</dgm:layoutDef>
+</file>
+
+<file path=ppt/diagrams/layout7.xml><?xml version="1.0" encoding="utf-8"?>
 <dgm:layoutDef xmlns:dgm="http://schemas.openxmlformats.org/drawingml/2006/diagram" xmlns:a="http://schemas.openxmlformats.org/drawingml/2006/main" uniqueId="urn:microsoft.com/office/officeart/2008/layout/VerticalCurvedList">
   <dgm:title val=""/>
   <dgm:desc val=""/>
@@ -17090,11 +18118,11 @@
 </file>
 
 <file path=ppt/diagrams/quickStyle3.xml><?xml version="1.0" encoding="utf-8"?>
-<dgm:styleDef xmlns:dgm="http://schemas.openxmlformats.org/drawingml/2006/diagram" xmlns:a="http://schemas.openxmlformats.org/drawingml/2006/main" uniqueId="urn:microsoft.com/office/officeart/2005/8/quickstyle/simple2">
+<dgm:styleDef xmlns:dgm="http://schemas.openxmlformats.org/drawingml/2006/diagram" xmlns:a="http://schemas.openxmlformats.org/drawingml/2006/main" uniqueId="urn:microsoft.com/office/officeart/2005/8/quickstyle/simple1">
   <dgm:title val=""/>
   <dgm:desc val=""/>
   <dgm:catLst>
-    <dgm:cat type="simple" pri="10200"/>
+    <dgm:cat type="simple" pri="10100"/>
   </dgm:catLst>
   <dgm:scene3d>
     <a:camera prst="orthographicFront"/>
@@ -17108,13 +18136,13 @@
     <dgm:sp3d/>
     <dgm:txPr/>
     <dgm:style>
-      <a:lnRef idx="3">
+      <a:lnRef idx="2">
         <a:scrgbClr r="0" g="0" b="0"/>
       </a:lnRef>
       <a:fillRef idx="1">
         <a:scrgbClr r="0" g="0" b="0"/>
       </a:fillRef>
-      <a:effectRef idx="1">
+      <a:effectRef idx="0">
         <a:scrgbClr r="0" g="0" b="0"/>
       </a:effectRef>
       <a:fontRef idx="minor">
@@ -17130,13 +18158,13 @@
     <dgm:sp3d/>
     <dgm:txPr/>
     <dgm:style>
-      <a:lnRef idx="3">
+      <a:lnRef idx="2">
         <a:scrgbClr r="0" g="0" b="0"/>
       </a:lnRef>
       <a:fillRef idx="1">
         <a:scrgbClr r="0" g="0" b="0"/>
       </a:fillRef>
-      <a:effectRef idx="1">
+      <a:effectRef idx="0">
         <a:scrgbClr r="0" g="0" b="0"/>
       </a:effectRef>
       <a:fontRef idx="minor">
@@ -17152,7 +18180,7 @@
     <dgm:sp3d/>
     <dgm:txPr/>
     <dgm:style>
-      <a:lnRef idx="3">
+      <a:lnRef idx="2">
         <a:scrgbClr r="0" g="0" b="0"/>
       </a:lnRef>
       <a:fillRef idx="1">
@@ -17180,7 +18208,7 @@
       <a:fillRef idx="1">
         <a:scrgbClr r="0" g="0" b="0"/>
       </a:fillRef>
-      <a:effectRef idx="1">
+      <a:effectRef idx="0">
         <a:scrgbClr r="0" g="0" b="0"/>
       </a:effectRef>
       <a:fontRef idx="minor">
@@ -17196,13 +18224,13 @@
     <dgm:sp3d/>
     <dgm:txPr/>
     <dgm:style>
-      <a:lnRef idx="3">
+      <a:lnRef idx="2">
         <a:scrgbClr r="0" g="0" b="0"/>
       </a:lnRef>
       <a:fillRef idx="1">
         <a:scrgbClr r="0" g="0" b="0"/>
       </a:fillRef>
-      <a:effectRef idx="1">
+      <a:effectRef idx="0">
         <a:scrgbClr r="0" g="0" b="0"/>
       </a:effectRef>
       <a:fontRef idx="minor">
@@ -17218,13 +18246,13 @@
     <dgm:sp3d/>
     <dgm:txPr/>
     <dgm:style>
-      <a:lnRef idx="3">
+      <a:lnRef idx="2">
         <a:scrgbClr r="0" g="0" b="0"/>
       </a:lnRef>
       <a:fillRef idx="1">
         <a:scrgbClr r="0" g="0" b="0"/>
       </a:fillRef>
-      <a:effectRef idx="1">
+      <a:effectRef idx="0">
         <a:scrgbClr r="0" g="0" b="0"/>
       </a:effectRef>
       <a:fontRef idx="minor">
@@ -17240,13 +18268,13 @@
     <dgm:sp3d/>
     <dgm:txPr/>
     <dgm:style>
-      <a:lnRef idx="3">
+      <a:lnRef idx="2">
         <a:scrgbClr r="0" g="0" b="0"/>
       </a:lnRef>
       <a:fillRef idx="1">
         <a:scrgbClr r="0" g="0" b="0"/>
       </a:fillRef>
-      <a:effectRef idx="1">
+      <a:effectRef idx="0">
         <a:scrgbClr r="0" g="0" b="0"/>
       </a:effectRef>
       <a:fontRef idx="minor">
@@ -17262,13 +18290,13 @@
     <dgm:sp3d/>
     <dgm:txPr/>
     <dgm:style>
-      <a:lnRef idx="3">
+      <a:lnRef idx="2">
         <a:scrgbClr r="0" g="0" b="0"/>
       </a:lnRef>
       <a:fillRef idx="1">
         <a:scrgbClr r="0" g="0" b="0"/>
       </a:fillRef>
-      <a:effectRef idx="1">
+      <a:effectRef idx="0">
         <a:scrgbClr r="0" g="0" b="0"/>
       </a:effectRef>
       <a:fontRef idx="minor">
@@ -17284,13 +18312,13 @@
     <dgm:sp3d/>
     <dgm:txPr/>
     <dgm:style>
-      <a:lnRef idx="3">
+      <a:lnRef idx="2">
         <a:scrgbClr r="0" g="0" b="0"/>
       </a:lnRef>
       <a:fillRef idx="1">
         <a:scrgbClr r="0" g="0" b="0"/>
       </a:fillRef>
-      <a:effectRef idx="1">
+      <a:effectRef idx="0">
         <a:scrgbClr r="0" g="0" b="0"/>
       </a:effectRef>
       <a:fontRef idx="minor"/>
@@ -17304,13 +18332,13 @@
     <dgm:sp3d/>
     <dgm:txPr/>
     <dgm:style>
-      <a:lnRef idx="3">
+      <a:lnRef idx="2">
         <a:scrgbClr r="0" g="0" b="0"/>
       </a:lnRef>
       <a:fillRef idx="1">
         <a:scrgbClr r="0" g="0" b="0"/>
       </a:fillRef>
-      <a:effectRef idx="1">
+      <a:effectRef idx="0">
         <a:scrgbClr r="0" g="0" b="0"/>
       </a:effectRef>
       <a:fontRef idx="minor"/>
@@ -17324,13 +18352,13 @@
     <dgm:sp3d/>
     <dgm:txPr/>
     <dgm:style>
-      <a:lnRef idx="3">
+      <a:lnRef idx="2">
         <a:scrgbClr r="0" g="0" b="0"/>
       </a:lnRef>
       <a:fillRef idx="1">
         <a:scrgbClr r="0" g="0" b="0"/>
       </a:fillRef>
-      <a:effectRef idx="1">
+      <a:effectRef idx="0">
         <a:scrgbClr r="0" g="0" b="0"/>
       </a:effectRef>
       <a:fontRef idx="minor"/>
@@ -17350,7 +18378,7 @@
       <a:fillRef idx="1">
         <a:scrgbClr r="0" g="0" b="0"/>
       </a:fillRef>
-      <a:effectRef idx="1">
+      <a:effectRef idx="0">
         <a:scrgbClr r="0" g="0" b="0"/>
       </a:effectRef>
       <a:fontRef idx="minor">
@@ -17372,7 +18400,7 @@
       <a:fillRef idx="1">
         <a:scrgbClr r="0" g="0" b="0"/>
       </a:fillRef>
-      <a:effectRef idx="1">
+      <a:effectRef idx="0">
         <a:scrgbClr r="0" g="0" b="0"/>
       </a:effectRef>
       <a:fontRef idx="minor">
@@ -17394,7 +18422,7 @@
       <a:fillRef idx="1">
         <a:scrgbClr r="0" g="0" b="0"/>
       </a:fillRef>
-      <a:effectRef idx="1">
+      <a:effectRef idx="0">
         <a:scrgbClr r="0" g="0" b="0"/>
       </a:effectRef>
       <a:fontRef idx="minor">
@@ -17436,7 +18464,7 @@
       <a:fillRef idx="1">
         <a:scrgbClr r="0" g="0" b="0"/>
       </a:fillRef>
-      <a:effectRef idx="1">
+      <a:effectRef idx="0">
         <a:scrgbClr r="0" g="0" b="0"/>
       </a:effectRef>
       <a:fontRef idx="minor"/>
@@ -17450,13 +18478,13 @@
     <dgm:sp3d/>
     <dgm:txPr/>
     <dgm:style>
-      <a:lnRef idx="3">
+      <a:lnRef idx="2">
         <a:scrgbClr r="0" g="0" b="0"/>
       </a:lnRef>
       <a:fillRef idx="1">
         <a:scrgbClr r="0" g="0" b="0"/>
       </a:fillRef>
-      <a:effectRef idx="1">
+      <a:effectRef idx="0">
         <a:scrgbClr r="0" g="0" b="0"/>
       </a:effectRef>
       <a:fontRef idx="minor">
@@ -17472,13 +18500,13 @@
     <dgm:sp3d/>
     <dgm:txPr/>
     <dgm:style>
-      <a:lnRef idx="3">
+      <a:lnRef idx="2">
         <a:scrgbClr r="0" g="0" b="0"/>
       </a:lnRef>
       <a:fillRef idx="1">
         <a:scrgbClr r="0" g="0" b="0"/>
       </a:fillRef>
-      <a:effectRef idx="1">
+      <a:effectRef idx="0">
         <a:scrgbClr r="0" g="0" b="0"/>
       </a:effectRef>
       <a:fontRef idx="minor">
@@ -17494,13 +18522,13 @@
     <dgm:sp3d/>
     <dgm:txPr/>
     <dgm:style>
-      <a:lnRef idx="3">
+      <a:lnRef idx="2">
         <a:scrgbClr r="0" g="0" b="0"/>
       </a:lnRef>
       <a:fillRef idx="1">
         <a:scrgbClr r="0" g="0" b="0"/>
       </a:fillRef>
-      <a:effectRef idx="1">
+      <a:effectRef idx="0">
         <a:scrgbClr r="0" g="0" b="0"/>
       </a:effectRef>
       <a:fontRef idx="minor">
@@ -17516,13 +18544,13 @@
     <dgm:sp3d/>
     <dgm:txPr/>
     <dgm:style>
-      <a:lnRef idx="3">
+      <a:lnRef idx="2">
         <a:scrgbClr r="0" g="0" b="0"/>
       </a:lnRef>
       <a:fillRef idx="1">
         <a:scrgbClr r="0" g="0" b="0"/>
       </a:fillRef>
-      <a:effectRef idx="1">
+      <a:effectRef idx="0">
         <a:scrgbClr r="0" g="0" b="0"/>
       </a:effectRef>
       <a:fontRef idx="minor">
@@ -17538,13 +18566,13 @@
     <dgm:sp3d/>
     <dgm:txPr/>
     <dgm:style>
-      <a:lnRef idx="3">
+      <a:lnRef idx="2">
         <a:scrgbClr r="0" g="0" b="0"/>
       </a:lnRef>
       <a:fillRef idx="1">
         <a:scrgbClr r="0" g="0" b="0"/>
       </a:fillRef>
-      <a:effectRef idx="1">
+      <a:effectRef idx="0">
         <a:scrgbClr r="0" g="0" b="0"/>
       </a:effectRef>
       <a:fontRef idx="minor">
@@ -17560,13 +18588,13 @@
     <dgm:sp3d/>
     <dgm:txPr/>
     <dgm:style>
-      <a:lnRef idx="3">
+      <a:lnRef idx="2">
         <a:scrgbClr r="0" g="0" b="0"/>
       </a:lnRef>
       <a:fillRef idx="1">
         <a:scrgbClr r="0" g="0" b="0"/>
       </a:fillRef>
-      <a:effectRef idx="1">
+      <a:effectRef idx="0">
         <a:scrgbClr r="0" g="0" b="0"/>
       </a:effectRef>
       <a:fontRef idx="minor">
@@ -17582,13 +18610,13 @@
     <dgm:sp3d/>
     <dgm:txPr/>
     <dgm:style>
-      <a:lnRef idx="3">
+      <a:lnRef idx="2">
         <a:scrgbClr r="0" g="0" b="0"/>
       </a:lnRef>
       <a:fillRef idx="1">
         <a:scrgbClr r="0" g="0" b="0"/>
       </a:fillRef>
-      <a:effectRef idx="1">
+      <a:effectRef idx="0">
         <a:scrgbClr r="0" g="0" b="0"/>
       </a:effectRef>
       <a:fontRef idx="minor">
@@ -17604,13 +18632,13 @@
     <dgm:sp3d/>
     <dgm:txPr/>
     <dgm:style>
-      <a:lnRef idx="3">
+      <a:lnRef idx="2">
         <a:scrgbClr r="0" g="0" b="0"/>
       </a:lnRef>
       <a:fillRef idx="1">
         <a:scrgbClr r="0" g="0" b="0"/>
       </a:fillRef>
-      <a:effectRef idx="1">
+      <a:effectRef idx="0">
         <a:scrgbClr r="0" g="0" b="0"/>
       </a:effectRef>
       <a:fontRef idx="minor">
@@ -17626,13 +18654,13 @@
     <dgm:sp3d/>
     <dgm:txPr/>
     <dgm:style>
-      <a:lnRef idx="3">
+      <a:lnRef idx="2">
         <a:scrgbClr r="0" g="0" b="0"/>
       </a:lnRef>
       <a:fillRef idx="1">
         <a:scrgbClr r="0" g="0" b="0"/>
       </a:fillRef>
-      <a:effectRef idx="1">
+      <a:effectRef idx="0">
         <a:scrgbClr r="0" g="0" b="0"/>
       </a:effectRef>
       <a:fontRef idx="minor">
@@ -18088,13 +19116,13 @@
     <dgm:sp3d/>
     <dgm:txPr/>
     <dgm:style>
-      <a:lnRef idx="3">
+      <a:lnRef idx="2">
         <a:scrgbClr r="0" g="0" b="0"/>
       </a:lnRef>
       <a:fillRef idx="1">
         <a:scrgbClr r="0" g="0" b="0"/>
       </a:fillRef>
-      <a:effectRef idx="1">
+      <a:effectRef idx="0">
         <a:scrgbClr r="0" g="0" b="0"/>
       </a:effectRef>
       <a:fontRef idx="minor"/>
@@ -20192,6 +21220,1040 @@
 </file>
 
 <file path=ppt/diagrams/quickStyle6.xml><?xml version="1.0" encoding="utf-8"?>
+<dgm:styleDef xmlns:dgm="http://schemas.openxmlformats.org/drawingml/2006/diagram" xmlns:a="http://schemas.openxmlformats.org/drawingml/2006/main" uniqueId="urn:microsoft.com/office/officeart/2005/8/quickstyle/simple2">
+  <dgm:title val=""/>
+  <dgm:desc val=""/>
+  <dgm:catLst>
+    <dgm:cat type="simple" pri="10200"/>
+  </dgm:catLst>
+  <dgm:scene3d>
+    <a:camera prst="orthographicFront"/>
+    <a:lightRig rig="threePt" dir="t"/>
+  </dgm:scene3d>
+  <dgm:styleLbl name="node0">
+    <dgm:scene3d>
+      <a:camera prst="orthographicFront"/>
+      <a:lightRig rig="threePt" dir="t"/>
+    </dgm:scene3d>
+    <dgm:sp3d/>
+    <dgm:txPr/>
+    <dgm:style>
+      <a:lnRef idx="3">
+        <a:scrgbClr r="0" g="0" b="0"/>
+      </a:lnRef>
+      <a:fillRef idx="1">
+        <a:scrgbClr r="0" g="0" b="0"/>
+      </a:fillRef>
+      <a:effectRef idx="1">
+        <a:scrgbClr r="0" g="0" b="0"/>
+      </a:effectRef>
+      <a:fontRef idx="minor">
+        <a:schemeClr val="lt1"/>
+      </a:fontRef>
+    </dgm:style>
+  </dgm:styleLbl>
+  <dgm:styleLbl name="lnNode1">
+    <dgm:scene3d>
+      <a:camera prst="orthographicFront"/>
+      <a:lightRig rig="threePt" dir="t"/>
+    </dgm:scene3d>
+    <dgm:sp3d/>
+    <dgm:txPr/>
+    <dgm:style>
+      <a:lnRef idx="3">
+        <a:scrgbClr r="0" g="0" b="0"/>
+      </a:lnRef>
+      <a:fillRef idx="1">
+        <a:scrgbClr r="0" g="0" b="0"/>
+      </a:fillRef>
+      <a:effectRef idx="1">
+        <a:scrgbClr r="0" g="0" b="0"/>
+      </a:effectRef>
+      <a:fontRef idx="minor">
+        <a:schemeClr val="lt1"/>
+      </a:fontRef>
+    </dgm:style>
+  </dgm:styleLbl>
+  <dgm:styleLbl name="vennNode1">
+    <dgm:scene3d>
+      <a:camera prst="orthographicFront"/>
+      <a:lightRig rig="threePt" dir="t"/>
+    </dgm:scene3d>
+    <dgm:sp3d/>
+    <dgm:txPr/>
+    <dgm:style>
+      <a:lnRef idx="3">
+        <a:scrgbClr r="0" g="0" b="0"/>
+      </a:lnRef>
+      <a:fillRef idx="1">
+        <a:scrgbClr r="0" g="0" b="0"/>
+      </a:fillRef>
+      <a:effectRef idx="0">
+        <a:scrgbClr r="0" g="0" b="0"/>
+      </a:effectRef>
+      <a:fontRef idx="minor">
+        <a:schemeClr val="tx1"/>
+      </a:fontRef>
+    </dgm:style>
+  </dgm:styleLbl>
+  <dgm:styleLbl name="alignNode1">
+    <dgm:scene3d>
+      <a:camera prst="orthographicFront"/>
+      <a:lightRig rig="threePt" dir="t"/>
+    </dgm:scene3d>
+    <dgm:sp3d/>
+    <dgm:txPr/>
+    <dgm:style>
+      <a:lnRef idx="2">
+        <a:scrgbClr r="0" g="0" b="0"/>
+      </a:lnRef>
+      <a:fillRef idx="1">
+        <a:scrgbClr r="0" g="0" b="0"/>
+      </a:fillRef>
+      <a:effectRef idx="1">
+        <a:scrgbClr r="0" g="0" b="0"/>
+      </a:effectRef>
+      <a:fontRef idx="minor">
+        <a:schemeClr val="lt1"/>
+      </a:fontRef>
+    </dgm:style>
+  </dgm:styleLbl>
+  <dgm:styleLbl name="node1">
+    <dgm:scene3d>
+      <a:camera prst="orthographicFront"/>
+      <a:lightRig rig="threePt" dir="t"/>
+    </dgm:scene3d>
+    <dgm:sp3d/>
+    <dgm:txPr/>
+    <dgm:style>
+      <a:lnRef idx="3">
+        <a:scrgbClr r="0" g="0" b="0"/>
+      </a:lnRef>
+      <a:fillRef idx="1">
+        <a:scrgbClr r="0" g="0" b="0"/>
+      </a:fillRef>
+      <a:effectRef idx="1">
+        <a:scrgbClr r="0" g="0" b="0"/>
+      </a:effectRef>
+      <a:fontRef idx="minor">
+        <a:schemeClr val="lt1"/>
+      </a:fontRef>
+    </dgm:style>
+  </dgm:styleLbl>
+  <dgm:styleLbl name="node2">
+    <dgm:scene3d>
+      <a:camera prst="orthographicFront"/>
+      <a:lightRig rig="threePt" dir="t"/>
+    </dgm:scene3d>
+    <dgm:sp3d/>
+    <dgm:txPr/>
+    <dgm:style>
+      <a:lnRef idx="3">
+        <a:scrgbClr r="0" g="0" b="0"/>
+      </a:lnRef>
+      <a:fillRef idx="1">
+        <a:scrgbClr r="0" g="0" b="0"/>
+      </a:fillRef>
+      <a:effectRef idx="1">
+        <a:scrgbClr r="0" g="0" b="0"/>
+      </a:effectRef>
+      <a:fontRef idx="minor">
+        <a:schemeClr val="lt1"/>
+      </a:fontRef>
+    </dgm:style>
+  </dgm:styleLbl>
+  <dgm:styleLbl name="node3">
+    <dgm:scene3d>
+      <a:camera prst="orthographicFront"/>
+      <a:lightRig rig="threePt" dir="t"/>
+    </dgm:scene3d>
+    <dgm:sp3d/>
+    <dgm:txPr/>
+    <dgm:style>
+      <a:lnRef idx="3">
+        <a:scrgbClr r="0" g="0" b="0"/>
+      </a:lnRef>
+      <a:fillRef idx="1">
+        <a:scrgbClr r="0" g="0" b="0"/>
+      </a:fillRef>
+      <a:effectRef idx="1">
+        <a:scrgbClr r="0" g="0" b="0"/>
+      </a:effectRef>
+      <a:fontRef idx="minor">
+        <a:schemeClr val="lt1"/>
+      </a:fontRef>
+    </dgm:style>
+  </dgm:styleLbl>
+  <dgm:styleLbl name="node4">
+    <dgm:scene3d>
+      <a:camera prst="orthographicFront"/>
+      <a:lightRig rig="threePt" dir="t"/>
+    </dgm:scene3d>
+    <dgm:sp3d/>
+    <dgm:txPr/>
+    <dgm:style>
+      <a:lnRef idx="3">
+        <a:scrgbClr r="0" g="0" b="0"/>
+      </a:lnRef>
+      <a:fillRef idx="1">
+        <a:scrgbClr r="0" g="0" b="0"/>
+      </a:fillRef>
+      <a:effectRef idx="1">
+        <a:scrgbClr r="0" g="0" b="0"/>
+      </a:effectRef>
+      <a:fontRef idx="minor">
+        <a:schemeClr val="lt1"/>
+      </a:fontRef>
+    </dgm:style>
+  </dgm:styleLbl>
+  <dgm:styleLbl name="fgImgPlace1">
+    <dgm:scene3d>
+      <a:camera prst="orthographicFront"/>
+      <a:lightRig rig="threePt" dir="t"/>
+    </dgm:scene3d>
+    <dgm:sp3d/>
+    <dgm:txPr/>
+    <dgm:style>
+      <a:lnRef idx="3">
+        <a:scrgbClr r="0" g="0" b="0"/>
+      </a:lnRef>
+      <a:fillRef idx="1">
+        <a:scrgbClr r="0" g="0" b="0"/>
+      </a:fillRef>
+      <a:effectRef idx="1">
+        <a:scrgbClr r="0" g="0" b="0"/>
+      </a:effectRef>
+      <a:fontRef idx="minor"/>
+    </dgm:style>
+  </dgm:styleLbl>
+  <dgm:styleLbl name="alignImgPlace1">
+    <dgm:scene3d>
+      <a:camera prst="orthographicFront"/>
+      <a:lightRig rig="threePt" dir="t"/>
+    </dgm:scene3d>
+    <dgm:sp3d/>
+    <dgm:txPr/>
+    <dgm:style>
+      <a:lnRef idx="3">
+        <a:scrgbClr r="0" g="0" b="0"/>
+      </a:lnRef>
+      <a:fillRef idx="1">
+        <a:scrgbClr r="0" g="0" b="0"/>
+      </a:fillRef>
+      <a:effectRef idx="1">
+        <a:scrgbClr r="0" g="0" b="0"/>
+      </a:effectRef>
+      <a:fontRef idx="minor"/>
+    </dgm:style>
+  </dgm:styleLbl>
+  <dgm:styleLbl name="bgImgPlace1">
+    <dgm:scene3d>
+      <a:camera prst="orthographicFront"/>
+      <a:lightRig rig="threePt" dir="t"/>
+    </dgm:scene3d>
+    <dgm:sp3d/>
+    <dgm:txPr/>
+    <dgm:style>
+      <a:lnRef idx="3">
+        <a:scrgbClr r="0" g="0" b="0"/>
+      </a:lnRef>
+      <a:fillRef idx="1">
+        <a:scrgbClr r="0" g="0" b="0"/>
+      </a:fillRef>
+      <a:effectRef idx="1">
+        <a:scrgbClr r="0" g="0" b="0"/>
+      </a:effectRef>
+      <a:fontRef idx="minor"/>
+    </dgm:style>
+  </dgm:styleLbl>
+  <dgm:styleLbl name="sibTrans2D1">
+    <dgm:scene3d>
+      <a:camera prst="orthographicFront"/>
+      <a:lightRig rig="threePt" dir="t"/>
+    </dgm:scene3d>
+    <dgm:sp3d/>
+    <dgm:txPr/>
+    <dgm:style>
+      <a:lnRef idx="0">
+        <a:scrgbClr r="0" g="0" b="0"/>
+      </a:lnRef>
+      <a:fillRef idx="1">
+        <a:scrgbClr r="0" g="0" b="0"/>
+      </a:fillRef>
+      <a:effectRef idx="1">
+        <a:scrgbClr r="0" g="0" b="0"/>
+      </a:effectRef>
+      <a:fontRef idx="minor">
+        <a:schemeClr val="lt1"/>
+      </a:fontRef>
+    </dgm:style>
+  </dgm:styleLbl>
+  <dgm:styleLbl name="fgSibTrans2D1">
+    <dgm:scene3d>
+      <a:camera prst="orthographicFront"/>
+      <a:lightRig rig="threePt" dir="t"/>
+    </dgm:scene3d>
+    <dgm:sp3d/>
+    <dgm:txPr/>
+    <dgm:style>
+      <a:lnRef idx="0">
+        <a:scrgbClr r="0" g="0" b="0"/>
+      </a:lnRef>
+      <a:fillRef idx="1">
+        <a:scrgbClr r="0" g="0" b="0"/>
+      </a:fillRef>
+      <a:effectRef idx="1">
+        <a:scrgbClr r="0" g="0" b="0"/>
+      </a:effectRef>
+      <a:fontRef idx="minor">
+        <a:schemeClr val="lt1"/>
+      </a:fontRef>
+    </dgm:style>
+  </dgm:styleLbl>
+  <dgm:styleLbl name="bgSibTrans2D1">
+    <dgm:scene3d>
+      <a:camera prst="orthographicFront"/>
+      <a:lightRig rig="threePt" dir="t"/>
+    </dgm:scene3d>
+    <dgm:sp3d/>
+    <dgm:txPr/>
+    <dgm:style>
+      <a:lnRef idx="0">
+        <a:scrgbClr r="0" g="0" b="0"/>
+      </a:lnRef>
+      <a:fillRef idx="1">
+        <a:scrgbClr r="0" g="0" b="0"/>
+      </a:fillRef>
+      <a:effectRef idx="1">
+        <a:scrgbClr r="0" g="0" b="0"/>
+      </a:effectRef>
+      <a:fontRef idx="minor">
+        <a:schemeClr val="lt1"/>
+      </a:fontRef>
+    </dgm:style>
+  </dgm:styleLbl>
+  <dgm:styleLbl name="sibTrans1D1">
+    <dgm:scene3d>
+      <a:camera prst="orthographicFront"/>
+      <a:lightRig rig="threePt" dir="t"/>
+    </dgm:scene3d>
+    <dgm:sp3d/>
+    <dgm:txPr/>
+    <dgm:style>
+      <a:lnRef idx="1">
+        <a:scrgbClr r="0" g="0" b="0"/>
+      </a:lnRef>
+      <a:fillRef idx="0">
+        <a:scrgbClr r="0" g="0" b="0"/>
+      </a:fillRef>
+      <a:effectRef idx="0">
+        <a:scrgbClr r="0" g="0" b="0"/>
+      </a:effectRef>
+      <a:fontRef idx="minor"/>
+    </dgm:style>
+  </dgm:styleLbl>
+  <dgm:styleLbl name="callout">
+    <dgm:scene3d>
+      <a:camera prst="orthographicFront"/>
+      <a:lightRig rig="threePt" dir="t"/>
+    </dgm:scene3d>
+    <dgm:sp3d/>
+    <dgm:txPr/>
+    <dgm:style>
+      <a:lnRef idx="2">
+        <a:scrgbClr r="0" g="0" b="0"/>
+      </a:lnRef>
+      <a:fillRef idx="1">
+        <a:scrgbClr r="0" g="0" b="0"/>
+      </a:fillRef>
+      <a:effectRef idx="1">
+        <a:scrgbClr r="0" g="0" b="0"/>
+      </a:effectRef>
+      <a:fontRef idx="minor"/>
+    </dgm:style>
+  </dgm:styleLbl>
+  <dgm:styleLbl name="asst0">
+    <dgm:scene3d>
+      <a:camera prst="orthographicFront"/>
+      <a:lightRig rig="threePt" dir="t"/>
+    </dgm:scene3d>
+    <dgm:sp3d/>
+    <dgm:txPr/>
+    <dgm:style>
+      <a:lnRef idx="3">
+        <a:scrgbClr r="0" g="0" b="0"/>
+      </a:lnRef>
+      <a:fillRef idx="1">
+        <a:scrgbClr r="0" g="0" b="0"/>
+      </a:fillRef>
+      <a:effectRef idx="1">
+        <a:scrgbClr r="0" g="0" b="0"/>
+      </a:effectRef>
+      <a:fontRef idx="minor">
+        <a:schemeClr val="lt1"/>
+      </a:fontRef>
+    </dgm:style>
+  </dgm:styleLbl>
+  <dgm:styleLbl name="asst1">
+    <dgm:scene3d>
+      <a:camera prst="orthographicFront"/>
+      <a:lightRig rig="threePt" dir="t"/>
+    </dgm:scene3d>
+    <dgm:sp3d/>
+    <dgm:txPr/>
+    <dgm:style>
+      <a:lnRef idx="3">
+        <a:scrgbClr r="0" g="0" b="0"/>
+      </a:lnRef>
+      <a:fillRef idx="1">
+        <a:scrgbClr r="0" g="0" b="0"/>
+      </a:fillRef>
+      <a:effectRef idx="1">
+        <a:scrgbClr r="0" g="0" b="0"/>
+      </a:effectRef>
+      <a:fontRef idx="minor">
+        <a:schemeClr val="lt1"/>
+      </a:fontRef>
+    </dgm:style>
+  </dgm:styleLbl>
+  <dgm:styleLbl name="asst2">
+    <dgm:scene3d>
+      <a:camera prst="orthographicFront"/>
+      <a:lightRig rig="threePt" dir="t"/>
+    </dgm:scene3d>
+    <dgm:sp3d/>
+    <dgm:txPr/>
+    <dgm:style>
+      <a:lnRef idx="3">
+        <a:scrgbClr r="0" g="0" b="0"/>
+      </a:lnRef>
+      <a:fillRef idx="1">
+        <a:scrgbClr r="0" g="0" b="0"/>
+      </a:fillRef>
+      <a:effectRef idx="1">
+        <a:scrgbClr r="0" g="0" b="0"/>
+      </a:effectRef>
+      <a:fontRef idx="minor">
+        <a:schemeClr val="lt1"/>
+      </a:fontRef>
+    </dgm:style>
+  </dgm:styleLbl>
+  <dgm:styleLbl name="asst3">
+    <dgm:scene3d>
+      <a:camera prst="orthographicFront"/>
+      <a:lightRig rig="threePt" dir="t"/>
+    </dgm:scene3d>
+    <dgm:sp3d/>
+    <dgm:txPr/>
+    <dgm:style>
+      <a:lnRef idx="3">
+        <a:scrgbClr r="0" g="0" b="0"/>
+      </a:lnRef>
+      <a:fillRef idx="1">
+        <a:scrgbClr r="0" g="0" b="0"/>
+      </a:fillRef>
+      <a:effectRef idx="1">
+        <a:scrgbClr r="0" g="0" b="0"/>
+      </a:effectRef>
+      <a:fontRef idx="minor">
+        <a:schemeClr val="lt1"/>
+      </a:fontRef>
+    </dgm:style>
+  </dgm:styleLbl>
+  <dgm:styleLbl name="asst4">
+    <dgm:scene3d>
+      <a:camera prst="orthographicFront"/>
+      <a:lightRig rig="threePt" dir="t"/>
+    </dgm:scene3d>
+    <dgm:sp3d/>
+    <dgm:txPr/>
+    <dgm:style>
+      <a:lnRef idx="3">
+        <a:scrgbClr r="0" g="0" b="0"/>
+      </a:lnRef>
+      <a:fillRef idx="1">
+        <a:scrgbClr r="0" g="0" b="0"/>
+      </a:fillRef>
+      <a:effectRef idx="1">
+        <a:scrgbClr r="0" g="0" b="0"/>
+      </a:effectRef>
+      <a:fontRef idx="minor">
+        <a:schemeClr val="lt1"/>
+      </a:fontRef>
+    </dgm:style>
+  </dgm:styleLbl>
+  <dgm:styleLbl name="parChTrans2D1">
+    <dgm:scene3d>
+      <a:camera prst="orthographicFront"/>
+      <a:lightRig rig="threePt" dir="t"/>
+    </dgm:scene3d>
+    <dgm:sp3d/>
+    <dgm:txPr/>
+    <dgm:style>
+      <a:lnRef idx="3">
+        <a:scrgbClr r="0" g="0" b="0"/>
+      </a:lnRef>
+      <a:fillRef idx="1">
+        <a:scrgbClr r="0" g="0" b="0"/>
+      </a:fillRef>
+      <a:effectRef idx="1">
+        <a:scrgbClr r="0" g="0" b="0"/>
+      </a:effectRef>
+      <a:fontRef idx="minor">
+        <a:schemeClr val="lt1"/>
+      </a:fontRef>
+    </dgm:style>
+  </dgm:styleLbl>
+  <dgm:styleLbl name="parChTrans2D2">
+    <dgm:scene3d>
+      <a:camera prst="orthographicFront"/>
+      <a:lightRig rig="threePt" dir="t"/>
+    </dgm:scene3d>
+    <dgm:sp3d/>
+    <dgm:txPr/>
+    <dgm:style>
+      <a:lnRef idx="3">
+        <a:scrgbClr r="0" g="0" b="0"/>
+      </a:lnRef>
+      <a:fillRef idx="1">
+        <a:scrgbClr r="0" g="0" b="0"/>
+      </a:fillRef>
+      <a:effectRef idx="1">
+        <a:scrgbClr r="0" g="0" b="0"/>
+      </a:effectRef>
+      <a:fontRef idx="minor">
+        <a:schemeClr val="lt1"/>
+      </a:fontRef>
+    </dgm:style>
+  </dgm:styleLbl>
+  <dgm:styleLbl name="parChTrans2D3">
+    <dgm:scene3d>
+      <a:camera prst="orthographicFront"/>
+      <a:lightRig rig="threePt" dir="t"/>
+    </dgm:scene3d>
+    <dgm:sp3d/>
+    <dgm:txPr/>
+    <dgm:style>
+      <a:lnRef idx="3">
+        <a:scrgbClr r="0" g="0" b="0"/>
+      </a:lnRef>
+      <a:fillRef idx="1">
+        <a:scrgbClr r="0" g="0" b="0"/>
+      </a:fillRef>
+      <a:effectRef idx="1">
+        <a:scrgbClr r="0" g="0" b="0"/>
+      </a:effectRef>
+      <a:fontRef idx="minor">
+        <a:schemeClr val="lt1"/>
+      </a:fontRef>
+    </dgm:style>
+  </dgm:styleLbl>
+  <dgm:styleLbl name="parChTrans2D4">
+    <dgm:scene3d>
+      <a:camera prst="orthographicFront"/>
+      <a:lightRig rig="threePt" dir="t"/>
+    </dgm:scene3d>
+    <dgm:sp3d/>
+    <dgm:txPr/>
+    <dgm:style>
+      <a:lnRef idx="3">
+        <a:scrgbClr r="0" g="0" b="0"/>
+      </a:lnRef>
+      <a:fillRef idx="1">
+        <a:scrgbClr r="0" g="0" b="0"/>
+      </a:fillRef>
+      <a:effectRef idx="1">
+        <a:scrgbClr r="0" g="0" b="0"/>
+      </a:effectRef>
+      <a:fontRef idx="minor">
+        <a:schemeClr val="lt1"/>
+      </a:fontRef>
+    </dgm:style>
+  </dgm:styleLbl>
+  <dgm:styleLbl name="parChTrans1D1">
+    <dgm:scene3d>
+      <a:camera prst="orthographicFront"/>
+      <a:lightRig rig="threePt" dir="t"/>
+    </dgm:scene3d>
+    <dgm:sp3d/>
+    <dgm:txPr/>
+    <dgm:style>
+      <a:lnRef idx="2">
+        <a:scrgbClr r="0" g="0" b="0"/>
+      </a:lnRef>
+      <a:fillRef idx="0">
+        <a:scrgbClr r="0" g="0" b="0"/>
+      </a:fillRef>
+      <a:effectRef idx="0">
+        <a:scrgbClr r="0" g="0" b="0"/>
+      </a:effectRef>
+      <a:fontRef idx="minor"/>
+    </dgm:style>
+  </dgm:styleLbl>
+  <dgm:styleLbl name="parChTrans1D2">
+    <dgm:scene3d>
+      <a:camera prst="orthographicFront"/>
+      <a:lightRig rig="threePt" dir="t"/>
+    </dgm:scene3d>
+    <dgm:sp3d/>
+    <dgm:txPr/>
+    <dgm:style>
+      <a:lnRef idx="2">
+        <a:scrgbClr r="0" g="0" b="0"/>
+      </a:lnRef>
+      <a:fillRef idx="0">
+        <a:scrgbClr r="0" g="0" b="0"/>
+      </a:fillRef>
+      <a:effectRef idx="0">
+        <a:scrgbClr r="0" g="0" b="0"/>
+      </a:effectRef>
+      <a:fontRef idx="minor"/>
+    </dgm:style>
+  </dgm:styleLbl>
+  <dgm:styleLbl name="parChTrans1D3">
+    <dgm:scene3d>
+      <a:camera prst="orthographicFront"/>
+      <a:lightRig rig="threePt" dir="t"/>
+    </dgm:scene3d>
+    <dgm:sp3d/>
+    <dgm:txPr/>
+    <dgm:style>
+      <a:lnRef idx="2">
+        <a:scrgbClr r="0" g="0" b="0"/>
+      </a:lnRef>
+      <a:fillRef idx="0">
+        <a:scrgbClr r="0" g="0" b="0"/>
+      </a:fillRef>
+      <a:effectRef idx="0">
+        <a:scrgbClr r="0" g="0" b="0"/>
+      </a:effectRef>
+      <a:fontRef idx="minor"/>
+    </dgm:style>
+  </dgm:styleLbl>
+  <dgm:styleLbl name="parChTrans1D4">
+    <dgm:scene3d>
+      <a:camera prst="orthographicFront"/>
+      <a:lightRig rig="threePt" dir="t"/>
+    </dgm:scene3d>
+    <dgm:sp3d/>
+    <dgm:txPr/>
+    <dgm:style>
+      <a:lnRef idx="2">
+        <a:scrgbClr r="0" g="0" b="0"/>
+      </a:lnRef>
+      <a:fillRef idx="0">
+        <a:scrgbClr r="0" g="0" b="0"/>
+      </a:fillRef>
+      <a:effectRef idx="0">
+        <a:scrgbClr r="0" g="0" b="0"/>
+      </a:effectRef>
+      <a:fontRef idx="minor"/>
+    </dgm:style>
+  </dgm:styleLbl>
+  <dgm:styleLbl name="fgAcc1">
+    <dgm:scene3d>
+      <a:camera prst="orthographicFront"/>
+      <a:lightRig rig="threePt" dir="t"/>
+    </dgm:scene3d>
+    <dgm:sp3d/>
+    <dgm:txPr/>
+    <dgm:style>
+      <a:lnRef idx="2">
+        <a:scrgbClr r="0" g="0" b="0"/>
+      </a:lnRef>
+      <a:fillRef idx="1">
+        <a:scrgbClr r="0" g="0" b="0"/>
+      </a:fillRef>
+      <a:effectRef idx="0">
+        <a:scrgbClr r="0" g="0" b="0"/>
+      </a:effectRef>
+      <a:fontRef idx="minor"/>
+    </dgm:style>
+  </dgm:styleLbl>
+  <dgm:styleLbl name="conFgAcc1">
+    <dgm:scene3d>
+      <a:camera prst="orthographicFront"/>
+      <a:lightRig rig="threePt" dir="t"/>
+    </dgm:scene3d>
+    <dgm:sp3d/>
+    <dgm:txPr/>
+    <dgm:style>
+      <a:lnRef idx="2">
+        <a:scrgbClr r="0" g="0" b="0"/>
+      </a:lnRef>
+      <a:fillRef idx="1">
+        <a:scrgbClr r="0" g="0" b="0"/>
+      </a:fillRef>
+      <a:effectRef idx="0">
+        <a:scrgbClr r="0" g="0" b="0"/>
+      </a:effectRef>
+      <a:fontRef idx="minor"/>
+    </dgm:style>
+  </dgm:styleLbl>
+  <dgm:styleLbl name="alignAcc1">
+    <dgm:scene3d>
+      <a:camera prst="orthographicFront"/>
+      <a:lightRig rig="threePt" dir="t"/>
+    </dgm:scene3d>
+    <dgm:sp3d/>
+    <dgm:txPr/>
+    <dgm:style>
+      <a:lnRef idx="2">
+        <a:scrgbClr r="0" g="0" b="0"/>
+      </a:lnRef>
+      <a:fillRef idx="1">
+        <a:scrgbClr r="0" g="0" b="0"/>
+      </a:fillRef>
+      <a:effectRef idx="0">
+        <a:scrgbClr r="0" g="0" b="0"/>
+      </a:effectRef>
+      <a:fontRef idx="minor"/>
+    </dgm:style>
+  </dgm:styleLbl>
+  <dgm:styleLbl name="trAlignAcc1">
+    <dgm:scene3d>
+      <a:camera prst="orthographicFront"/>
+      <a:lightRig rig="threePt" dir="t"/>
+    </dgm:scene3d>
+    <dgm:sp3d/>
+    <dgm:txPr/>
+    <dgm:style>
+      <a:lnRef idx="1">
+        <a:scrgbClr r="0" g="0" b="0"/>
+      </a:lnRef>
+      <a:fillRef idx="1">
+        <a:scrgbClr r="0" g="0" b="0"/>
+      </a:fillRef>
+      <a:effectRef idx="0">
+        <a:scrgbClr r="0" g="0" b="0"/>
+      </a:effectRef>
+      <a:fontRef idx="minor"/>
+    </dgm:style>
+  </dgm:styleLbl>
+  <dgm:styleLbl name="bgAcc1">
+    <dgm:scene3d>
+      <a:camera prst="orthographicFront"/>
+      <a:lightRig rig="threePt" dir="t"/>
+    </dgm:scene3d>
+    <dgm:sp3d/>
+    <dgm:txPr/>
+    <dgm:style>
+      <a:lnRef idx="2">
+        <a:scrgbClr r="0" g="0" b="0"/>
+      </a:lnRef>
+      <a:fillRef idx="1">
+        <a:scrgbClr r="0" g="0" b="0"/>
+      </a:fillRef>
+      <a:effectRef idx="0">
+        <a:scrgbClr r="0" g="0" b="0"/>
+      </a:effectRef>
+      <a:fontRef idx="minor"/>
+    </dgm:style>
+  </dgm:styleLbl>
+  <dgm:styleLbl name="solidFgAcc1">
+    <dgm:scene3d>
+      <a:camera prst="orthographicFront"/>
+      <a:lightRig rig="threePt" dir="t"/>
+    </dgm:scene3d>
+    <dgm:sp3d/>
+    <dgm:txPr/>
+    <dgm:style>
+      <a:lnRef idx="2">
+        <a:scrgbClr r="0" g="0" b="0"/>
+      </a:lnRef>
+      <a:fillRef idx="1">
+        <a:scrgbClr r="0" g="0" b="0"/>
+      </a:fillRef>
+      <a:effectRef idx="0">
+        <a:scrgbClr r="0" g="0" b="0"/>
+      </a:effectRef>
+      <a:fontRef idx="minor"/>
+    </dgm:style>
+  </dgm:styleLbl>
+  <dgm:styleLbl name="solidAlignAcc1">
+    <dgm:scene3d>
+      <a:camera prst="orthographicFront"/>
+      <a:lightRig rig="threePt" dir="t"/>
+    </dgm:scene3d>
+    <dgm:sp3d/>
+    <dgm:txPr/>
+    <dgm:style>
+      <a:lnRef idx="2">
+        <a:scrgbClr r="0" g="0" b="0"/>
+      </a:lnRef>
+      <a:fillRef idx="1">
+        <a:scrgbClr r="0" g="0" b="0"/>
+      </a:fillRef>
+      <a:effectRef idx="0">
+        <a:scrgbClr r="0" g="0" b="0"/>
+      </a:effectRef>
+      <a:fontRef idx="minor"/>
+    </dgm:style>
+  </dgm:styleLbl>
+  <dgm:styleLbl name="solidBgAcc1">
+    <dgm:scene3d>
+      <a:camera prst="orthographicFront"/>
+      <a:lightRig rig="threePt" dir="t"/>
+    </dgm:scene3d>
+    <dgm:sp3d/>
+    <dgm:txPr/>
+    <dgm:style>
+      <a:lnRef idx="2">
+        <a:scrgbClr r="0" g="0" b="0"/>
+      </a:lnRef>
+      <a:fillRef idx="1">
+        <a:scrgbClr r="0" g="0" b="0"/>
+      </a:fillRef>
+      <a:effectRef idx="0">
+        <a:scrgbClr r="0" g="0" b="0"/>
+      </a:effectRef>
+      <a:fontRef idx="minor"/>
+    </dgm:style>
+  </dgm:styleLbl>
+  <dgm:styleLbl name="fgAccFollowNode1">
+    <dgm:scene3d>
+      <a:camera prst="orthographicFront"/>
+      <a:lightRig rig="threePt" dir="t"/>
+    </dgm:scene3d>
+    <dgm:sp3d/>
+    <dgm:txPr/>
+    <dgm:style>
+      <a:lnRef idx="2">
+        <a:scrgbClr r="0" g="0" b="0"/>
+      </a:lnRef>
+      <a:fillRef idx="1">
+        <a:scrgbClr r="0" g="0" b="0"/>
+      </a:fillRef>
+      <a:effectRef idx="0">
+        <a:scrgbClr r="0" g="0" b="0"/>
+      </a:effectRef>
+      <a:fontRef idx="minor"/>
+    </dgm:style>
+  </dgm:styleLbl>
+  <dgm:styleLbl name="alignAccFollowNode1">
+    <dgm:scene3d>
+      <a:camera prst="orthographicFront"/>
+      <a:lightRig rig="threePt" dir="t"/>
+    </dgm:scene3d>
+    <dgm:sp3d/>
+    <dgm:txPr/>
+    <dgm:style>
+      <a:lnRef idx="2">
+        <a:scrgbClr r="0" g="0" b="0"/>
+      </a:lnRef>
+      <a:fillRef idx="1">
+        <a:scrgbClr r="0" g="0" b="0"/>
+      </a:fillRef>
+      <a:effectRef idx="0">
+        <a:scrgbClr r="0" g="0" b="0"/>
+      </a:effectRef>
+      <a:fontRef idx="minor"/>
+    </dgm:style>
+  </dgm:styleLbl>
+  <dgm:styleLbl name="bgAccFollowNode1">
+    <dgm:scene3d>
+      <a:camera prst="orthographicFront"/>
+      <a:lightRig rig="threePt" dir="t"/>
+    </dgm:scene3d>
+    <dgm:sp3d/>
+    <dgm:txPr/>
+    <dgm:style>
+      <a:lnRef idx="2">
+        <a:scrgbClr r="0" g="0" b="0"/>
+      </a:lnRef>
+      <a:fillRef idx="1">
+        <a:scrgbClr r="0" g="0" b="0"/>
+      </a:fillRef>
+      <a:effectRef idx="0">
+        <a:scrgbClr r="0" g="0" b="0"/>
+      </a:effectRef>
+      <a:fontRef idx="minor"/>
+    </dgm:style>
+  </dgm:styleLbl>
+  <dgm:styleLbl name="fgAcc0">
+    <dgm:scene3d>
+      <a:camera prst="orthographicFront"/>
+      <a:lightRig rig="threePt" dir="t"/>
+    </dgm:scene3d>
+    <dgm:sp3d/>
+    <dgm:txPr/>
+    <dgm:style>
+      <a:lnRef idx="2">
+        <a:scrgbClr r="0" g="0" b="0"/>
+      </a:lnRef>
+      <a:fillRef idx="1">
+        <a:scrgbClr r="0" g="0" b="0"/>
+      </a:fillRef>
+      <a:effectRef idx="0">
+        <a:scrgbClr r="0" g="0" b="0"/>
+      </a:effectRef>
+      <a:fontRef idx="minor"/>
+    </dgm:style>
+  </dgm:styleLbl>
+  <dgm:styleLbl name="fgAcc2">
+    <dgm:scene3d>
+      <a:camera prst="orthographicFront"/>
+      <a:lightRig rig="threePt" dir="t"/>
+    </dgm:scene3d>
+    <dgm:sp3d/>
+    <dgm:txPr/>
+    <dgm:style>
+      <a:lnRef idx="2">
+        <a:scrgbClr r="0" g="0" b="0"/>
+      </a:lnRef>
+      <a:fillRef idx="1">
+        <a:scrgbClr r="0" g="0" b="0"/>
+      </a:fillRef>
+      <a:effectRef idx="0">
+        <a:scrgbClr r="0" g="0" b="0"/>
+      </a:effectRef>
+      <a:fontRef idx="minor"/>
+    </dgm:style>
+  </dgm:styleLbl>
+  <dgm:styleLbl name="fgAcc3">
+    <dgm:scene3d>
+      <a:camera prst="orthographicFront"/>
+      <a:lightRig rig="threePt" dir="t"/>
+    </dgm:scene3d>
+    <dgm:sp3d/>
+    <dgm:txPr/>
+    <dgm:style>
+      <a:lnRef idx="2">
+        <a:scrgbClr r="0" g="0" b="0"/>
+      </a:lnRef>
+      <a:fillRef idx="1">
+        <a:scrgbClr r="0" g="0" b="0"/>
+      </a:fillRef>
+      <a:effectRef idx="0">
+        <a:scrgbClr r="0" g="0" b="0"/>
+      </a:effectRef>
+      <a:fontRef idx="minor"/>
+    </dgm:style>
+  </dgm:styleLbl>
+  <dgm:styleLbl name="fgAcc4">
+    <dgm:scene3d>
+      <a:camera prst="orthographicFront"/>
+      <a:lightRig rig="threePt" dir="t"/>
+    </dgm:scene3d>
+    <dgm:sp3d/>
+    <dgm:txPr/>
+    <dgm:style>
+      <a:lnRef idx="2">
+        <a:scrgbClr r="0" g="0" b="0"/>
+      </a:lnRef>
+      <a:fillRef idx="1">
+        <a:scrgbClr r="0" g="0" b="0"/>
+      </a:fillRef>
+      <a:effectRef idx="0">
+        <a:scrgbClr r="0" g="0" b="0"/>
+      </a:effectRef>
+      <a:fontRef idx="minor"/>
+    </dgm:style>
+  </dgm:styleLbl>
+  <dgm:styleLbl name="bgShp">
+    <dgm:scene3d>
+      <a:camera prst="orthographicFront"/>
+      <a:lightRig rig="threePt" dir="t"/>
+    </dgm:scene3d>
+    <dgm:sp3d/>
+    <dgm:txPr/>
+    <dgm:style>
+      <a:lnRef idx="0">
+        <a:scrgbClr r="0" g="0" b="0"/>
+      </a:lnRef>
+      <a:fillRef idx="1">
+        <a:scrgbClr r="0" g="0" b="0"/>
+      </a:fillRef>
+      <a:effectRef idx="0">
+        <a:scrgbClr r="0" g="0" b="0"/>
+      </a:effectRef>
+      <a:fontRef idx="minor"/>
+    </dgm:style>
+  </dgm:styleLbl>
+  <dgm:styleLbl name="dkBgShp">
+    <dgm:scene3d>
+      <a:camera prst="orthographicFront"/>
+      <a:lightRig rig="threePt" dir="t"/>
+    </dgm:scene3d>
+    <dgm:sp3d/>
+    <dgm:txPr/>
+    <dgm:style>
+      <a:lnRef idx="0">
+        <a:scrgbClr r="0" g="0" b="0"/>
+      </a:lnRef>
+      <a:fillRef idx="1">
+        <a:scrgbClr r="0" g="0" b="0"/>
+      </a:fillRef>
+      <a:effectRef idx="0">
+        <a:scrgbClr r="0" g="0" b="0"/>
+      </a:effectRef>
+      <a:fontRef idx="minor"/>
+    </dgm:style>
+  </dgm:styleLbl>
+  <dgm:styleLbl name="trBgShp">
+    <dgm:scene3d>
+      <a:camera prst="orthographicFront"/>
+      <a:lightRig rig="threePt" dir="t"/>
+    </dgm:scene3d>
+    <dgm:sp3d/>
+    <dgm:txPr/>
+    <dgm:style>
+      <a:lnRef idx="0">
+        <a:scrgbClr r="0" g="0" b="0"/>
+      </a:lnRef>
+      <a:fillRef idx="1">
+        <a:scrgbClr r="0" g="0" b="0"/>
+      </a:fillRef>
+      <a:effectRef idx="0">
+        <a:scrgbClr r="0" g="0" b="0"/>
+      </a:effectRef>
+      <a:fontRef idx="minor"/>
+    </dgm:style>
+  </dgm:styleLbl>
+  <dgm:styleLbl name="fgShp">
+    <dgm:scene3d>
+      <a:camera prst="orthographicFront"/>
+      <a:lightRig rig="threePt" dir="t"/>
+    </dgm:scene3d>
+    <dgm:sp3d/>
+    <dgm:txPr/>
+    <dgm:style>
+      <a:lnRef idx="3">
+        <a:scrgbClr r="0" g="0" b="0"/>
+      </a:lnRef>
+      <a:fillRef idx="1">
+        <a:scrgbClr r="0" g="0" b="0"/>
+      </a:fillRef>
+      <a:effectRef idx="1">
+        <a:scrgbClr r="0" g="0" b="0"/>
+      </a:effectRef>
+      <a:fontRef idx="minor"/>
+    </dgm:style>
+  </dgm:styleLbl>
+  <dgm:styleLbl name="revTx">
+    <dgm:scene3d>
+      <a:camera prst="orthographicFront"/>
+      <a:lightRig rig="threePt" dir="t"/>
+    </dgm:scene3d>
+    <dgm:sp3d/>
+    <dgm:txPr/>
+    <dgm:style>
+      <a:lnRef idx="0">
+        <a:scrgbClr r="0" g="0" b="0"/>
+      </a:lnRef>
+      <a:fillRef idx="0">
+        <a:scrgbClr r="0" g="0" b="0"/>
+      </a:fillRef>
+      <a:effectRef idx="0">
+        <a:scrgbClr r="0" g="0" b="0"/>
+      </a:effectRef>
+      <a:fontRef idx="minor"/>
+    </dgm:style>
+  </dgm:styleLbl>
+</dgm:styleDef>
+</file>
+
+<file path=ppt/diagrams/quickStyle7.xml><?xml version="1.0" encoding="utf-8"?>
 <dgm:styleDef xmlns:dgm="http://schemas.openxmlformats.org/drawingml/2006/diagram" xmlns:a="http://schemas.openxmlformats.org/drawingml/2006/main" uniqueId="urn:microsoft.com/office/officeart/2005/8/quickstyle/simple1">
   <dgm:title val=""/>
   <dgm:desc val=""/>
@@ -21307,7 +23369,7 @@
           <a:p>
             <a:fld id="{FC986574-F80F-4CC2-A923-9267EE346C6E}" type="datetimeFigureOut">
               <a:rPr lang="hu-HU" smtClean="0"/>
-              <a:t>2023. 05. 30.</a:t>
+              <a:t>2023. 06. 07.</a:t>
             </a:fld>
             <a:endParaRPr lang="hu-HU"/>
           </a:p>
@@ -21742,7 +23804,7 @@
     </p:spTree>
     <p:extLst>
       <p:ext uri="{BB962C8B-B14F-4D97-AF65-F5344CB8AC3E}">
-        <p14:creationId xmlns:p14="http://schemas.microsoft.com/office/powerpoint/2010/main" val="563546885"/>
+        <p14:creationId xmlns:p14="http://schemas.microsoft.com/office/powerpoint/2010/main" val="561678159"/>
       </p:ext>
     </p:extLst>
   </p:cSld>
@@ -21831,7 +23893,7 @@
     </p:spTree>
     <p:extLst>
       <p:ext uri="{BB962C8B-B14F-4D97-AF65-F5344CB8AC3E}">
-        <p14:creationId xmlns:p14="http://schemas.microsoft.com/office/powerpoint/2010/main" val="3229619321"/>
+        <p14:creationId xmlns:p14="http://schemas.microsoft.com/office/powerpoint/2010/main" val="563546885"/>
       </p:ext>
     </p:extLst>
   </p:cSld>
@@ -21920,7 +23982,7 @@
     </p:spTree>
     <p:extLst>
       <p:ext uri="{BB962C8B-B14F-4D97-AF65-F5344CB8AC3E}">
-        <p14:creationId xmlns:p14="http://schemas.microsoft.com/office/powerpoint/2010/main" val="1793013149"/>
+        <p14:creationId xmlns:p14="http://schemas.microsoft.com/office/powerpoint/2010/main" val="3229619321"/>
       </p:ext>
     </p:extLst>
   </p:cSld>
@@ -22009,7 +24071,7 @@
     </p:spTree>
     <p:extLst>
       <p:ext uri="{BB962C8B-B14F-4D97-AF65-F5344CB8AC3E}">
-        <p14:creationId xmlns:p14="http://schemas.microsoft.com/office/powerpoint/2010/main" val="1339611433"/>
+        <p14:creationId xmlns:p14="http://schemas.microsoft.com/office/powerpoint/2010/main" val="1793013149"/>
       </p:ext>
     </p:extLst>
   </p:cSld>
@@ -22098,7 +24160,7 @@
     </p:spTree>
     <p:extLst>
       <p:ext uri="{BB962C8B-B14F-4D97-AF65-F5344CB8AC3E}">
-        <p14:creationId xmlns:p14="http://schemas.microsoft.com/office/powerpoint/2010/main" val="1588545769"/>
+        <p14:creationId xmlns:p14="http://schemas.microsoft.com/office/powerpoint/2010/main" val="1339611433"/>
       </p:ext>
     </p:extLst>
   </p:cSld>
@@ -22187,7 +24249,7 @@
     </p:spTree>
     <p:extLst>
       <p:ext uri="{BB962C8B-B14F-4D97-AF65-F5344CB8AC3E}">
-        <p14:creationId xmlns:p14="http://schemas.microsoft.com/office/powerpoint/2010/main" val="3273696609"/>
+        <p14:creationId xmlns:p14="http://schemas.microsoft.com/office/powerpoint/2010/main" val="1588545769"/>
       </p:ext>
     </p:extLst>
   </p:cSld>
@@ -22276,7 +24338,7 @@
     </p:spTree>
     <p:extLst>
       <p:ext uri="{BB962C8B-B14F-4D97-AF65-F5344CB8AC3E}">
-        <p14:creationId xmlns:p14="http://schemas.microsoft.com/office/powerpoint/2010/main" val="2230667987"/>
+        <p14:creationId xmlns:p14="http://schemas.microsoft.com/office/powerpoint/2010/main" val="3273696609"/>
       </p:ext>
     </p:extLst>
   </p:cSld>
@@ -22357,6 +24419,95 @@
             <a:fld id="{DF642BA7-E0BF-40CF-B9AA-D388A2858438}" type="slidenum">
               <a:rPr lang="hu-HU" smtClean="0"/>
               <a:t>17</a:t>
+            </a:fld>
+            <a:endParaRPr lang="hu-HU"/>
+          </a:p>
+        </p:txBody>
+      </p:sp>
+    </p:spTree>
+    <p:extLst>
+      <p:ext uri="{BB962C8B-B14F-4D97-AF65-F5344CB8AC3E}">
+        <p14:creationId xmlns:p14="http://schemas.microsoft.com/office/powerpoint/2010/main" val="2230667987"/>
+      </p:ext>
+    </p:extLst>
+  </p:cSld>
+  <p:clrMapOvr>
+    <a:masterClrMapping/>
+  </p:clrMapOvr>
+</p:notes>
+</file>
+
+<file path=ppt/notesSlides/notesSlide18.xml><?xml version="1.0" encoding="utf-8"?>
+<p:notes xmlns:a="http://schemas.openxmlformats.org/drawingml/2006/main" xmlns:r="http://schemas.openxmlformats.org/officeDocument/2006/relationships" xmlns:p="http://schemas.openxmlformats.org/presentationml/2006/main">
+  <p:cSld>
+    <p:spTree>
+      <p:nvGrpSpPr>
+        <p:cNvPr id="1" name=""/>
+        <p:cNvGrpSpPr/>
+        <p:nvPr/>
+      </p:nvGrpSpPr>
+      <p:grpSpPr>
+        <a:xfrm>
+          <a:off x="0" y="0"/>
+          <a:ext cx="0" cy="0"/>
+          <a:chOff x="0" y="0"/>
+          <a:chExt cx="0" cy="0"/>
+        </a:xfrm>
+      </p:grpSpPr>
+      <p:sp>
+        <p:nvSpPr>
+          <p:cNvPr id="2" name="Diakép helye 1"/>
+          <p:cNvSpPr>
+            <a:spLocks noGrp="1" noRot="1" noChangeAspect="1"/>
+          </p:cNvSpPr>
+          <p:nvPr>
+            <p:ph type="sldImg"/>
+          </p:nvPr>
+        </p:nvSpPr>
+        <p:spPr>
+          <a:xfrm>
+            <a:off x="1371600" y="1143000"/>
+            <a:ext cx="4114800" cy="3086100"/>
+          </a:xfrm>
+        </p:spPr>
+      </p:sp>
+      <p:sp>
+        <p:nvSpPr>
+          <p:cNvPr id="3" name="Jegyzetek helye 2"/>
+          <p:cNvSpPr>
+            <a:spLocks noGrp="1"/>
+          </p:cNvSpPr>
+          <p:nvPr>
+            <p:ph type="body" idx="1"/>
+          </p:nvPr>
+        </p:nvSpPr>
+        <p:spPr/>
+        <p:txBody>
+          <a:bodyPr/>
+          <a:lstStyle/>
+          <a:p>
+            <a:endParaRPr lang="hu-HU" dirty="0"/>
+          </a:p>
+        </p:txBody>
+      </p:sp>
+      <p:sp>
+        <p:nvSpPr>
+          <p:cNvPr id="4" name="Dia számának helye 3"/>
+          <p:cNvSpPr>
+            <a:spLocks noGrp="1"/>
+          </p:cNvSpPr>
+          <p:nvPr>
+            <p:ph type="sldNum" sz="quarter" idx="5"/>
+          </p:nvPr>
+        </p:nvSpPr>
+        <p:spPr/>
+        <p:txBody>
+          <a:bodyPr/>
+          <a:lstStyle/>
+          <a:p>
+            <a:fld id="{DF642BA7-E0BF-40CF-B9AA-D388A2858438}" type="slidenum">
+              <a:rPr lang="hu-HU" smtClean="0"/>
+              <a:t>18</a:t>
             </a:fld>
             <a:endParaRPr lang="hu-HU"/>
           </a:p>
@@ -23096,7 +25247,7 @@
     </p:spTree>
     <p:extLst>
       <p:ext uri="{BB962C8B-B14F-4D97-AF65-F5344CB8AC3E}">
-        <p14:creationId xmlns:p14="http://schemas.microsoft.com/office/powerpoint/2010/main" val="561678159"/>
+        <p14:creationId xmlns:p14="http://schemas.microsoft.com/office/powerpoint/2010/main" val="3487495989"/>
       </p:ext>
     </p:extLst>
   </p:cSld>
@@ -23487,7 +25638,7 @@
           <a:p>
             <a:fld id="{2B23A63D-9524-4AB2-929F-89B21E00AA97}" type="datetimeFigureOut">
               <a:rPr lang="hu-HU" smtClean="0"/>
-              <a:t>2023. 05. 30.</a:t>
+              <a:t>2023. 06. 07.</a:t>
             </a:fld>
             <a:endParaRPr lang="hu-HU"/>
           </a:p>
@@ -23753,7 +25904,7 @@
           <a:p>
             <a:fld id="{2B23A63D-9524-4AB2-929F-89B21E00AA97}" type="datetimeFigureOut">
               <a:rPr lang="hu-HU" smtClean="0"/>
-              <a:t>2023. 05. 30.</a:t>
+              <a:t>2023. 06. 07.</a:t>
             </a:fld>
             <a:endParaRPr lang="hu-HU"/>
           </a:p>
@@ -24003,7 +26154,7 @@
           <a:p>
             <a:fld id="{2B23A63D-9524-4AB2-929F-89B21E00AA97}" type="datetimeFigureOut">
               <a:rPr lang="hu-HU" smtClean="0"/>
-              <a:t>2023. 05. 30.</a:t>
+              <a:t>2023. 06. 07.</a:t>
             </a:fld>
             <a:endParaRPr lang="hu-HU"/>
           </a:p>
@@ -24311,7 +26462,7 @@
           <a:p>
             <a:fld id="{2B23A63D-9524-4AB2-929F-89B21E00AA97}" type="datetimeFigureOut">
               <a:rPr lang="hu-HU" smtClean="0"/>
-              <a:t>2023. 05. 30.</a:t>
+              <a:t>2023. 06. 07.</a:t>
             </a:fld>
             <a:endParaRPr lang="hu-HU"/>
           </a:p>
@@ -24629,7 +26780,7 @@
           <a:p>
             <a:fld id="{2B23A63D-9524-4AB2-929F-89B21E00AA97}" type="datetimeFigureOut">
               <a:rPr lang="hu-HU" smtClean="0"/>
-              <a:t>2023. 05. 30.</a:t>
+              <a:t>2023. 06. 07.</a:t>
             </a:fld>
             <a:endParaRPr lang="hu-HU"/>
           </a:p>
@@ -24931,7 +27082,7 @@
           <a:p>
             <a:fld id="{2B23A63D-9524-4AB2-929F-89B21E00AA97}" type="datetimeFigureOut">
               <a:rPr lang="hu-HU" smtClean="0"/>
-              <a:t>2023. 05. 30.</a:t>
+              <a:t>2023. 06. 07.</a:t>
             </a:fld>
             <a:endParaRPr lang="hu-HU"/>
           </a:p>
@@ -25298,7 +27449,7 @@
           <a:p>
             <a:fld id="{2B23A63D-9524-4AB2-929F-89B21E00AA97}" type="datetimeFigureOut">
               <a:rPr lang="hu-HU" smtClean="0"/>
-              <a:t>2023. 05. 30.</a:t>
+              <a:t>2023. 06. 07.</a:t>
             </a:fld>
             <a:endParaRPr lang="hu-HU"/>
           </a:p>
@@ -25484,7 +27635,7 @@
           <a:p>
             <a:fld id="{2B23A63D-9524-4AB2-929F-89B21E00AA97}" type="datetimeFigureOut">
               <a:rPr lang="hu-HU" smtClean="0"/>
-              <a:t>2023. 05. 30.</a:t>
+              <a:t>2023. 06. 07.</a:t>
             </a:fld>
             <a:endParaRPr lang="hu-HU"/>
           </a:p>
@@ -25670,7 +27821,7 @@
           <a:p>
             <a:fld id="{2B23A63D-9524-4AB2-929F-89B21E00AA97}" type="datetimeFigureOut">
               <a:rPr lang="hu-HU" smtClean="0"/>
-              <a:t>2023. 05. 30.</a:t>
+              <a:t>2023. 06. 07.</a:t>
             </a:fld>
             <a:endParaRPr lang="hu-HU"/>
           </a:p>
@@ -25845,7 +27996,7 @@
           <a:p>
             <a:fld id="{2B23A63D-9524-4AB2-929F-89B21E00AA97}" type="datetimeFigureOut">
               <a:rPr lang="hu-HU" smtClean="0"/>
-              <a:t>2023. 05. 30.</a:t>
+              <a:t>2023. 06. 07.</a:t>
             </a:fld>
             <a:endParaRPr lang="hu-HU"/>
           </a:p>
@@ -26025,7 +28176,7 @@
           <a:p>
             <a:fld id="{2B23A63D-9524-4AB2-929F-89B21E00AA97}" type="datetimeFigureOut">
               <a:rPr lang="hu-HU" smtClean="0"/>
-              <a:t>2023. 05. 30.</a:t>
+              <a:t>2023. 06. 07.</a:t>
             </a:fld>
             <a:endParaRPr lang="hu-HU"/>
           </a:p>
@@ -26275,7 +28426,7 @@
           <a:p>
             <a:fld id="{2B23A63D-9524-4AB2-929F-89B21E00AA97}" type="datetimeFigureOut">
               <a:rPr lang="hu-HU" smtClean="0"/>
-              <a:t>2023. 05. 30.</a:t>
+              <a:t>2023. 06. 07.</a:t>
             </a:fld>
             <a:endParaRPr lang="hu-HU"/>
           </a:p>
@@ -26522,7 +28673,7 @@
           <a:p>
             <a:fld id="{2B23A63D-9524-4AB2-929F-89B21E00AA97}" type="datetimeFigureOut">
               <a:rPr lang="hu-HU" smtClean="0"/>
-              <a:t>2023. 05. 30.</a:t>
+              <a:t>2023. 06. 07.</a:t>
             </a:fld>
             <a:endParaRPr lang="hu-HU"/>
           </a:p>
@@ -26911,7 +29062,7 @@
           <a:p>
             <a:fld id="{2B23A63D-9524-4AB2-929F-89B21E00AA97}" type="datetimeFigureOut">
               <a:rPr lang="hu-HU" smtClean="0"/>
-              <a:t>2023. 05. 30.</a:t>
+              <a:t>2023. 06. 07.</a:t>
             </a:fld>
             <a:endParaRPr lang="hu-HU"/>
           </a:p>
@@ -27040,7 +29191,7 @@
           <a:p>
             <a:fld id="{2B23A63D-9524-4AB2-929F-89B21E00AA97}" type="datetimeFigureOut">
               <a:rPr lang="hu-HU" smtClean="0"/>
-              <a:t>2023. 05. 30.</a:t>
+              <a:t>2023. 06. 07.</a:t>
             </a:fld>
             <a:endParaRPr lang="hu-HU"/>
           </a:p>
@@ -27135,7 +29286,7 @@
           <a:p>
             <a:fld id="{2B23A63D-9524-4AB2-929F-89B21E00AA97}" type="datetimeFigureOut">
               <a:rPr lang="hu-HU" smtClean="0"/>
-              <a:t>2023. 05. 30.</a:t>
+              <a:t>2023. 06. 07.</a:t>
             </a:fld>
             <a:endParaRPr lang="hu-HU"/>
           </a:p>
@@ -27390,7 +29541,7 @@
           <a:p>
             <a:fld id="{2B23A63D-9524-4AB2-929F-89B21E00AA97}" type="datetimeFigureOut">
               <a:rPr lang="hu-HU" smtClean="0"/>
-              <a:t>2023. 05. 30.</a:t>
+              <a:t>2023. 06. 07.</a:t>
             </a:fld>
             <a:endParaRPr lang="hu-HU"/>
           </a:p>
@@ -27673,7 +29824,7 @@
           <a:p>
             <a:fld id="{2B23A63D-9524-4AB2-929F-89B21E00AA97}" type="datetimeFigureOut">
               <a:rPr lang="hu-HU" smtClean="0"/>
-              <a:t>2023. 05. 30.</a:t>
+              <a:t>2023. 06. 07.</a:t>
             </a:fld>
             <a:endParaRPr lang="hu-HU"/>
           </a:p>
@@ -28084,7 +30235,7 @@
           <a:p>
             <a:fld id="{2B23A63D-9524-4AB2-929F-89B21E00AA97}" type="datetimeFigureOut">
               <a:rPr lang="hu-HU" smtClean="0"/>
-              <a:t>2023. 05. 30.</a:t>
+              <a:t>2023. 06. 07.</a:t>
             </a:fld>
             <a:endParaRPr lang="hu-HU"/>
           </a:p>
@@ -29030,8 +31181,13 @@
           <a:p>
             <a:r>
               <a:rPr lang="hu-HU" sz="4000" cap="none" dirty="0"/>
-              <a:t>Nyelv – Esemény módosítás</a:t>
-            </a:r>
+              <a:t>Nyelv – Esemény </a:t>
+            </a:r>
+            <a:r>
+              <a:rPr lang="hu-HU" sz="4000" cap="none" dirty="0" err="1"/>
+              <a:t>validálás</a:t>
+            </a:r>
+            <a:endParaRPr lang="hu-HU" sz="4000" cap="none" dirty="0"/>
           </a:p>
         </p:txBody>
       </p:sp>
@@ -29114,6 +31270,1196 @@
                 <a:effectLst/>
                 <a:latin typeface="JetBrains Mono"/>
               </a:rPr>
+              <a:t>deny</a:t>
+            </a:r>
+            <a:r>
+              <a:rPr lang="hu-HU" dirty="0">
+                <a:solidFill>
+                  <a:srgbClr val="00733B"/>
+                </a:solidFill>
+                <a:effectLst/>
+                <a:latin typeface="JetBrains Mono"/>
+              </a:rPr>
+              <a:t>-no-</a:t>
+            </a:r>
+            <a:r>
+              <a:rPr lang="hu-HU" dirty="0" err="1">
+                <a:solidFill>
+                  <a:srgbClr val="00733B"/>
+                </a:solidFill>
+                <a:effectLst/>
+                <a:latin typeface="JetBrains Mono"/>
+              </a:rPr>
+              <a:t>resources</a:t>
+            </a:r>
+            <a:r>
+              <a:rPr lang="hu-HU" dirty="0">
+                <a:solidFill>
+                  <a:srgbClr val="00733B"/>
+                </a:solidFill>
+                <a:effectLst/>
+                <a:latin typeface="JetBrains Mono"/>
+              </a:rPr>
+              <a:t>"</a:t>
+            </a:r>
+            <a:r>
+              <a:rPr lang="hu-HU" dirty="0">
+                <a:solidFill>
+                  <a:srgbClr val="262626"/>
+                </a:solidFill>
+                <a:effectLst/>
+                <a:latin typeface="JetBrains Mono"/>
+              </a:rPr>
+              <a:t>, </a:t>
+            </a:r>
+            <a:r>
+              <a:rPr lang="hu-HU" i="1" dirty="0" err="1">
+                <a:solidFill>
+                  <a:srgbClr val="660E7A"/>
+                </a:solidFill>
+                <a:effectLst/>
+                <a:latin typeface="JetBrains Mono"/>
+              </a:rPr>
+              <a:t>defaults</a:t>
+            </a:r>
+            <a:r>
+              <a:rPr lang="hu-HU" dirty="0">
+                <a:solidFill>
+                  <a:srgbClr val="262626"/>
+                </a:solidFill>
+                <a:effectLst/>
+                <a:latin typeface="JetBrains Mono"/>
+              </a:rPr>
+              <a:t>) </a:t>
+            </a:r>
+            <a:r>
+              <a:rPr lang="hu-HU" b="1" dirty="0">
+                <a:solidFill>
+                  <a:srgbClr val="262626"/>
+                </a:solidFill>
+                <a:effectLst/>
+                <a:latin typeface="JetBrains Mono"/>
+              </a:rPr>
+              <a:t>{</a:t>
+            </a:r>
+          </a:p>
+          <a:p>
+            <a:r>
+              <a:rPr lang="hu-HU" b="1" dirty="0">
+                <a:solidFill>
+                  <a:srgbClr val="262626"/>
+                </a:solidFill>
+                <a:effectLst/>
+                <a:latin typeface="JetBrains Mono"/>
+              </a:rPr>
+              <a:t>    </a:t>
+            </a:r>
+            <a:r>
+              <a:rPr lang="hu-HU" b="1" dirty="0" err="1">
+                <a:solidFill>
+                  <a:srgbClr val="006666"/>
+                </a:solidFill>
+                <a:effectLst/>
+                <a:latin typeface="JetBrains Mono"/>
+              </a:rPr>
+              <a:t>operations</a:t>
+            </a:r>
+            <a:r>
+              <a:rPr lang="hu-HU" dirty="0">
+                <a:solidFill>
+                  <a:srgbClr val="262626"/>
+                </a:solidFill>
+                <a:effectLst/>
+                <a:latin typeface="JetBrains Mono"/>
+              </a:rPr>
+              <a:t>(</a:t>
+            </a:r>
+            <a:r>
+              <a:rPr lang="hu-HU" b="1" dirty="0">
+                <a:solidFill>
+                  <a:srgbClr val="000080"/>
+                </a:solidFill>
+                <a:effectLst/>
+                <a:latin typeface="JetBrains Mono"/>
+              </a:rPr>
+              <a:t>CREATE</a:t>
+            </a:r>
+            <a:r>
+              <a:rPr lang="hu-HU" dirty="0">
+                <a:solidFill>
+                  <a:srgbClr val="262626"/>
+                </a:solidFill>
+                <a:effectLst/>
+                <a:latin typeface="JetBrains Mono"/>
+              </a:rPr>
+              <a:t>, </a:t>
+            </a:r>
+            <a:r>
+              <a:rPr lang="hu-HU" b="1" dirty="0">
+                <a:solidFill>
+                  <a:srgbClr val="000080"/>
+                </a:solidFill>
+                <a:effectLst/>
+                <a:latin typeface="JetBrains Mono"/>
+              </a:rPr>
+              <a:t>UPDATE</a:t>
+            </a:r>
+            <a:r>
+              <a:rPr lang="hu-HU" dirty="0">
+                <a:solidFill>
+                  <a:srgbClr val="262626"/>
+                </a:solidFill>
+                <a:effectLst/>
+                <a:latin typeface="JetBrains Mono"/>
+              </a:rPr>
+              <a:t>)</a:t>
+            </a:r>
+            <a:br>
+              <a:rPr lang="hu-HU" dirty="0">
+                <a:solidFill>
+                  <a:srgbClr val="262626"/>
+                </a:solidFill>
+                <a:effectLst/>
+                <a:latin typeface="JetBrains Mono"/>
+              </a:rPr>
+            </a:br>
+            <a:r>
+              <a:rPr lang="hu-HU" dirty="0">
+                <a:solidFill>
+                  <a:srgbClr val="262626"/>
+                </a:solidFill>
+                <a:effectLst/>
+                <a:latin typeface="JetBrains Mono"/>
+              </a:rPr>
+              <a:t>    </a:t>
+            </a:r>
+            <a:r>
+              <a:rPr lang="hu-HU" b="1" dirty="0" err="1">
+                <a:solidFill>
+                  <a:srgbClr val="006666"/>
+                </a:solidFill>
+                <a:effectLst/>
+                <a:latin typeface="JetBrains Mono"/>
+              </a:rPr>
+              <a:t>resources</a:t>
+            </a:r>
+            <a:r>
+              <a:rPr lang="hu-HU" dirty="0">
+                <a:solidFill>
+                  <a:srgbClr val="262626"/>
+                </a:solidFill>
+                <a:effectLst/>
+                <a:latin typeface="JetBrains Mono"/>
+              </a:rPr>
+              <a:t>(</a:t>
+            </a:r>
+            <a:r>
+              <a:rPr lang="hu-HU" b="1" dirty="0">
+                <a:solidFill>
+                  <a:srgbClr val="000080"/>
+                </a:solidFill>
+                <a:effectLst/>
+                <a:latin typeface="JetBrains Mono"/>
+              </a:rPr>
+              <a:t>DEPLOYMENTS</a:t>
+            </a:r>
+            <a:r>
+              <a:rPr lang="hu-HU" dirty="0">
+                <a:solidFill>
+                  <a:srgbClr val="262626"/>
+                </a:solidFill>
+                <a:effectLst/>
+                <a:latin typeface="JetBrains Mono"/>
+              </a:rPr>
+              <a:t>)</a:t>
+            </a:r>
+            <a:br>
+              <a:rPr lang="hu-HU" b="1" dirty="0">
+                <a:solidFill>
+                  <a:srgbClr val="262626"/>
+                </a:solidFill>
+                <a:effectLst/>
+                <a:latin typeface="JetBrains Mono"/>
+              </a:rPr>
+            </a:br>
+            <a:r>
+              <a:rPr lang="hu-HU" b="1" dirty="0">
+                <a:solidFill>
+                  <a:srgbClr val="262626"/>
+                </a:solidFill>
+                <a:effectLst/>
+                <a:latin typeface="JetBrains Mono"/>
+              </a:rPr>
+              <a:t>    </a:t>
+            </a:r>
+            <a:r>
+              <a:rPr lang="hu-HU" b="1" dirty="0" err="1">
+                <a:solidFill>
+                  <a:srgbClr val="660E7A"/>
+                </a:solidFill>
+                <a:effectLst/>
+                <a:latin typeface="JetBrains Mono"/>
+              </a:rPr>
+              <a:t>behavior</a:t>
+            </a:r>
+            <a:r>
+              <a:rPr lang="hu-HU" b="1" dirty="0">
+                <a:solidFill>
+                  <a:srgbClr val="660E7A"/>
+                </a:solidFill>
+                <a:effectLst/>
+                <a:latin typeface="JetBrains Mono"/>
+              </a:rPr>
+              <a:t> </a:t>
+            </a:r>
+            <a:r>
+              <a:rPr lang="hu-HU" b="1" dirty="0">
+                <a:solidFill>
+                  <a:srgbClr val="262626"/>
+                </a:solidFill>
+                <a:effectLst/>
+                <a:latin typeface="JetBrains Mono"/>
+              </a:rPr>
+              <a:t>{</a:t>
+            </a:r>
+            <a:br>
+              <a:rPr lang="hu-HU" b="1" dirty="0">
+                <a:solidFill>
+                  <a:srgbClr val="262626"/>
+                </a:solidFill>
+                <a:effectLst/>
+                <a:latin typeface="JetBrains Mono"/>
+              </a:rPr>
+            </a:br>
+            <a:r>
+              <a:rPr lang="hu-HU" b="1" dirty="0">
+                <a:solidFill>
+                  <a:srgbClr val="262626"/>
+                </a:solidFill>
+                <a:effectLst/>
+                <a:latin typeface="JetBrains Mono"/>
+              </a:rPr>
+              <a:t>        </a:t>
+            </a:r>
+            <a:r>
+              <a:rPr lang="hu-HU" dirty="0" err="1">
+                <a:solidFill>
+                  <a:srgbClr val="000080"/>
+                </a:solidFill>
+                <a:effectLst/>
+                <a:latin typeface="JetBrains Mono"/>
+              </a:rPr>
+              <a:t>val</a:t>
+            </a:r>
+            <a:r>
+              <a:rPr lang="hu-HU" dirty="0">
+                <a:solidFill>
+                  <a:srgbClr val="000080"/>
+                </a:solidFill>
+                <a:effectLst/>
+                <a:latin typeface="JetBrains Mono"/>
+              </a:rPr>
+              <a:t> </a:t>
+            </a:r>
+            <a:r>
+              <a:rPr lang="hu-HU" dirty="0" err="1">
+                <a:solidFill>
+                  <a:srgbClr val="000000"/>
+                </a:solidFill>
+                <a:effectLst/>
+                <a:latin typeface="JetBrains Mono"/>
+              </a:rPr>
+              <a:t>containers</a:t>
+            </a:r>
+            <a:r>
+              <a:rPr lang="hu-HU" dirty="0">
+                <a:solidFill>
+                  <a:srgbClr val="000000"/>
+                </a:solidFill>
+                <a:effectLst/>
+                <a:latin typeface="JetBrains Mono"/>
+              </a:rPr>
+              <a:t> </a:t>
+            </a:r>
+            <a:r>
+              <a:rPr lang="hu-HU" dirty="0">
+                <a:solidFill>
+                  <a:srgbClr val="262626"/>
+                </a:solidFill>
+                <a:effectLst/>
+                <a:latin typeface="JetBrains Mono"/>
+              </a:rPr>
+              <a:t>= (</a:t>
+            </a:r>
+            <a:r>
+              <a:rPr lang="hu-HU" dirty="0" err="1">
+                <a:solidFill>
+                  <a:srgbClr val="660E7A"/>
+                </a:solidFill>
+                <a:effectLst/>
+                <a:latin typeface="JetBrains Mono"/>
+              </a:rPr>
+              <a:t>request</a:t>
+            </a:r>
+            <a:r>
+              <a:rPr lang="hu-HU" dirty="0">
+                <a:solidFill>
+                  <a:srgbClr val="660E7A"/>
+                </a:solidFill>
+                <a:effectLst/>
+                <a:latin typeface="JetBrains Mono"/>
+              </a:rPr>
+              <a:t> </a:t>
+            </a:r>
+            <a:r>
+              <a:rPr lang="hu-HU" b="1" dirty="0" err="1">
+                <a:solidFill>
+                  <a:srgbClr val="006666"/>
+                </a:solidFill>
+                <a:latin typeface="JetBrains Mono"/>
+              </a:rPr>
+              <a:t>jqx</a:t>
+            </a:r>
+            <a:r>
+              <a:rPr lang="hu-HU" b="1" dirty="0">
+                <a:solidFill>
+                  <a:srgbClr val="660E7A"/>
+                </a:solidFill>
+                <a:effectLst/>
+                <a:latin typeface="JetBrains Mono"/>
+              </a:rPr>
+              <a:t> </a:t>
+            </a:r>
+            <a:r>
+              <a:rPr lang="hu-HU" dirty="0">
+                <a:solidFill>
+                  <a:srgbClr val="00733B"/>
+                </a:solidFill>
+                <a:effectLst/>
+                <a:latin typeface="JetBrains Mono"/>
+              </a:rPr>
+              <a:t>"/</a:t>
+            </a:r>
+            <a:r>
+              <a:rPr lang="hu-HU" dirty="0" err="1">
+                <a:solidFill>
+                  <a:srgbClr val="00733B"/>
+                </a:solidFill>
+                <a:effectLst/>
+                <a:latin typeface="JetBrains Mono"/>
+              </a:rPr>
+              <a:t>object</a:t>
+            </a:r>
+            <a:r>
+              <a:rPr lang="hu-HU" dirty="0">
+                <a:solidFill>
+                  <a:srgbClr val="00733B"/>
+                </a:solidFill>
+                <a:effectLst/>
+                <a:latin typeface="JetBrains Mono"/>
+              </a:rPr>
+              <a:t>/</a:t>
+            </a:r>
+            <a:r>
+              <a:rPr lang="hu-HU" dirty="0" err="1">
+                <a:solidFill>
+                  <a:srgbClr val="00733B"/>
+                </a:solidFill>
+                <a:effectLst/>
+                <a:latin typeface="JetBrains Mono"/>
+              </a:rPr>
+              <a:t>spec</a:t>
+            </a:r>
+            <a:r>
+              <a:rPr lang="hu-HU" dirty="0">
+                <a:solidFill>
+                  <a:srgbClr val="00733B"/>
+                </a:solidFill>
+                <a:effectLst/>
+                <a:latin typeface="JetBrains Mono"/>
+              </a:rPr>
+              <a:t>/</a:t>
+            </a:r>
+            <a:r>
+              <a:rPr lang="hu-HU" dirty="0" err="1">
+                <a:solidFill>
+                  <a:srgbClr val="00733B"/>
+                </a:solidFill>
+                <a:effectLst/>
+                <a:latin typeface="JetBrains Mono"/>
+              </a:rPr>
+              <a:t>template</a:t>
+            </a:r>
+            <a:r>
+              <a:rPr lang="hu-HU" dirty="0">
+                <a:solidFill>
+                  <a:srgbClr val="00733B"/>
+                </a:solidFill>
+                <a:effectLst/>
+                <a:latin typeface="JetBrains Mono"/>
+              </a:rPr>
+              <a:t>/</a:t>
+            </a:r>
+            <a:r>
+              <a:rPr lang="hu-HU" dirty="0" err="1">
+                <a:solidFill>
+                  <a:srgbClr val="00733B"/>
+                </a:solidFill>
+                <a:effectLst/>
+                <a:latin typeface="JetBrains Mono"/>
+              </a:rPr>
+              <a:t>spec</a:t>
+            </a:r>
+            <a:r>
+              <a:rPr lang="hu-HU" dirty="0">
+                <a:solidFill>
+                  <a:srgbClr val="00733B"/>
+                </a:solidFill>
+                <a:effectLst/>
+                <a:latin typeface="JetBrains Mono"/>
+              </a:rPr>
+              <a:t>/</a:t>
+            </a:r>
+            <a:r>
+              <a:rPr lang="hu-HU" dirty="0" err="1">
+                <a:solidFill>
+                  <a:srgbClr val="00733B"/>
+                </a:solidFill>
+                <a:effectLst/>
+                <a:latin typeface="JetBrains Mono"/>
+              </a:rPr>
+              <a:t>containers</a:t>
+            </a:r>
+            <a:r>
+              <a:rPr lang="hu-HU" dirty="0">
+                <a:solidFill>
+                  <a:srgbClr val="00733B"/>
+                </a:solidFill>
+                <a:effectLst/>
+                <a:latin typeface="JetBrains Mono"/>
+              </a:rPr>
+              <a:t>"</a:t>
+            </a:r>
+            <a:r>
+              <a:rPr lang="hu-HU" dirty="0">
+                <a:solidFill>
+                  <a:srgbClr val="262626"/>
+                </a:solidFill>
+                <a:effectLst/>
+                <a:latin typeface="JetBrains Mono"/>
+              </a:rPr>
+              <a:t>).</a:t>
+            </a:r>
+            <a:r>
+              <a:rPr lang="hu-HU" i="1" dirty="0" err="1">
+                <a:solidFill>
+                  <a:srgbClr val="660E7A"/>
+                </a:solidFill>
+                <a:effectLst/>
+                <a:latin typeface="JetBrains Mono"/>
+              </a:rPr>
+              <a:t>jsonArray</a:t>
+            </a:r>
+            <a:br>
+              <a:rPr lang="hu-HU" i="1" dirty="0">
+                <a:solidFill>
+                  <a:srgbClr val="660E7A"/>
+                </a:solidFill>
+                <a:effectLst/>
+                <a:latin typeface="JetBrains Mono"/>
+              </a:rPr>
+            </a:br>
+            <a:r>
+              <a:rPr lang="hu-HU" i="1" dirty="0">
+                <a:solidFill>
+                  <a:srgbClr val="660E7A"/>
+                </a:solidFill>
+                <a:effectLst/>
+                <a:latin typeface="JetBrains Mono"/>
+              </a:rPr>
+              <a:t>        </a:t>
+            </a:r>
+            <a:r>
+              <a:rPr lang="hu-HU" b="1" dirty="0" err="1">
+                <a:solidFill>
+                  <a:srgbClr val="660E7A"/>
+                </a:solidFill>
+                <a:effectLst/>
+                <a:latin typeface="JetBrains Mono"/>
+              </a:rPr>
+              <a:t>allowed</a:t>
+            </a:r>
+            <a:r>
+              <a:rPr lang="hu-HU" b="1" dirty="0">
+                <a:solidFill>
+                  <a:srgbClr val="660E7A"/>
+                </a:solidFill>
+                <a:effectLst/>
+                <a:latin typeface="JetBrains Mono"/>
+              </a:rPr>
+              <a:t> </a:t>
+            </a:r>
+            <a:r>
+              <a:rPr lang="hu-HU" b="1" dirty="0">
+                <a:solidFill>
+                  <a:srgbClr val="262626"/>
+                </a:solidFill>
+                <a:effectLst/>
+                <a:latin typeface="JetBrains Mono"/>
+              </a:rPr>
+              <a:t>{</a:t>
+            </a:r>
+            <a:br>
+              <a:rPr lang="hu-HU" b="1" dirty="0">
+                <a:solidFill>
+                  <a:srgbClr val="262626"/>
+                </a:solidFill>
+                <a:effectLst/>
+                <a:latin typeface="JetBrains Mono"/>
+              </a:rPr>
+            </a:br>
+            <a:r>
+              <a:rPr lang="hu-HU" b="1" dirty="0">
+                <a:solidFill>
+                  <a:srgbClr val="262626"/>
+                </a:solidFill>
+                <a:effectLst/>
+                <a:latin typeface="JetBrains Mono"/>
+              </a:rPr>
+              <a:t>            </a:t>
+            </a:r>
+            <a:r>
+              <a:rPr lang="hu-HU" dirty="0" err="1">
+                <a:solidFill>
+                  <a:srgbClr val="000000"/>
+                </a:solidFill>
+                <a:effectLst/>
+                <a:latin typeface="JetBrains Mono"/>
+              </a:rPr>
+              <a:t>containers</a:t>
+            </a:r>
+            <a:r>
+              <a:rPr lang="hu-HU" dirty="0" err="1">
+                <a:solidFill>
+                  <a:srgbClr val="262626"/>
+                </a:solidFill>
+                <a:effectLst/>
+                <a:latin typeface="JetBrains Mono"/>
+              </a:rPr>
+              <a:t>.all</a:t>
+            </a:r>
+            <a:r>
+              <a:rPr lang="hu-HU" dirty="0">
+                <a:solidFill>
+                  <a:srgbClr val="262626"/>
+                </a:solidFill>
+                <a:effectLst/>
+                <a:latin typeface="JetBrains Mono"/>
+              </a:rPr>
+              <a:t> </a:t>
+            </a:r>
+            <a:r>
+              <a:rPr lang="hu-HU" b="1" dirty="0">
+                <a:solidFill>
+                  <a:srgbClr val="262626"/>
+                </a:solidFill>
+                <a:effectLst/>
+                <a:latin typeface="JetBrains Mono"/>
+              </a:rPr>
+              <a:t>{ </a:t>
+            </a:r>
+            <a:r>
+              <a:rPr lang="hu-HU" dirty="0">
+                <a:solidFill>
+                  <a:srgbClr val="262626"/>
+                </a:solidFill>
+                <a:effectLst/>
+                <a:latin typeface="JetBrains Mono"/>
+              </a:rPr>
+              <a:t>(</a:t>
+            </a:r>
+            <a:r>
+              <a:rPr lang="hu-HU" b="1" dirty="0" err="1">
+                <a:solidFill>
+                  <a:srgbClr val="262626"/>
+                </a:solidFill>
+                <a:effectLst/>
+                <a:latin typeface="JetBrains Mono"/>
+              </a:rPr>
+              <a:t>it</a:t>
+            </a:r>
+            <a:r>
+              <a:rPr lang="hu-HU" dirty="0" err="1">
+                <a:solidFill>
+                  <a:srgbClr val="262626"/>
+                </a:solidFill>
+                <a:effectLst/>
+                <a:latin typeface="JetBrains Mono"/>
+              </a:rPr>
+              <a:t>.</a:t>
+            </a:r>
+            <a:r>
+              <a:rPr lang="hu-HU" i="1" dirty="0" err="1">
+                <a:solidFill>
+                  <a:srgbClr val="660E7A"/>
+                </a:solidFill>
+                <a:effectLst/>
+                <a:latin typeface="JetBrains Mono"/>
+              </a:rPr>
+              <a:t>jsonObject</a:t>
+            </a:r>
+            <a:r>
+              <a:rPr lang="hu-HU" i="1" dirty="0">
+                <a:solidFill>
+                  <a:srgbClr val="660E7A"/>
+                </a:solidFill>
+                <a:effectLst/>
+                <a:latin typeface="JetBrains Mono"/>
+              </a:rPr>
+              <a:t> </a:t>
+            </a:r>
+            <a:r>
+              <a:rPr lang="hu-HU" b="1" dirty="0" err="1">
+                <a:solidFill>
+                  <a:srgbClr val="006666"/>
+                </a:solidFill>
+                <a:latin typeface="JetBrains Mono"/>
+              </a:rPr>
+              <a:t>jqx</a:t>
+            </a:r>
+            <a:r>
+              <a:rPr lang="hu-HU" b="1" dirty="0">
+                <a:solidFill>
+                  <a:srgbClr val="660E7A"/>
+                </a:solidFill>
+                <a:effectLst/>
+                <a:latin typeface="JetBrains Mono"/>
+              </a:rPr>
+              <a:t> </a:t>
+            </a:r>
+            <a:r>
+              <a:rPr lang="hu-HU" dirty="0">
+                <a:solidFill>
+                  <a:srgbClr val="00733B"/>
+                </a:solidFill>
+                <a:effectLst/>
+                <a:latin typeface="JetBrains Mono"/>
+              </a:rPr>
+              <a:t>"/</a:t>
+            </a:r>
+            <a:r>
+              <a:rPr lang="hu-HU" dirty="0" err="1">
+                <a:solidFill>
+                  <a:srgbClr val="00733B"/>
+                </a:solidFill>
+                <a:effectLst/>
+                <a:latin typeface="JetBrains Mono"/>
+              </a:rPr>
+              <a:t>resources</a:t>
+            </a:r>
+            <a:r>
+              <a:rPr lang="hu-HU" dirty="0">
+                <a:solidFill>
+                  <a:srgbClr val="00733B"/>
+                </a:solidFill>
+                <a:effectLst/>
+                <a:latin typeface="JetBrains Mono"/>
+              </a:rPr>
+              <a:t>/"</a:t>
+            </a:r>
+            <a:r>
+              <a:rPr lang="hu-HU" dirty="0">
+                <a:solidFill>
+                  <a:srgbClr val="262626"/>
+                </a:solidFill>
+                <a:effectLst/>
+                <a:latin typeface="JetBrains Mono"/>
+              </a:rPr>
+              <a:t>).</a:t>
+            </a:r>
+            <a:r>
+              <a:rPr lang="hu-HU" i="1" dirty="0" err="1">
+                <a:solidFill>
+                  <a:srgbClr val="660E7A"/>
+                </a:solidFill>
+                <a:effectLst/>
+                <a:latin typeface="JetBrains Mono"/>
+              </a:rPr>
+              <a:t>jsonObject</a:t>
+            </a:r>
+            <a:r>
+              <a:rPr lang="hu-HU" dirty="0" err="1">
+                <a:solidFill>
+                  <a:srgbClr val="262626"/>
+                </a:solidFill>
+                <a:effectLst/>
+                <a:latin typeface="JetBrains Mono"/>
+              </a:rPr>
+              <a:t>.isNotEmpty</a:t>
+            </a:r>
+            <a:r>
+              <a:rPr lang="hu-HU" dirty="0">
+                <a:solidFill>
+                  <a:srgbClr val="262626"/>
+                </a:solidFill>
+                <a:effectLst/>
+                <a:latin typeface="JetBrains Mono"/>
+              </a:rPr>
+              <a:t>() </a:t>
+            </a:r>
+            <a:r>
+              <a:rPr lang="hu-HU" b="1" dirty="0">
+                <a:solidFill>
+                  <a:srgbClr val="262626"/>
+                </a:solidFill>
+                <a:effectLst/>
+                <a:latin typeface="JetBrains Mono"/>
+              </a:rPr>
+              <a:t>}</a:t>
+            </a:r>
+            <a:br>
+              <a:rPr lang="hu-HU" b="1" dirty="0">
+                <a:solidFill>
+                  <a:srgbClr val="262626"/>
+                </a:solidFill>
+                <a:effectLst/>
+                <a:latin typeface="JetBrains Mono"/>
+              </a:rPr>
+            </a:br>
+            <a:r>
+              <a:rPr lang="hu-HU" b="1" dirty="0">
+                <a:solidFill>
+                  <a:srgbClr val="262626"/>
+                </a:solidFill>
+                <a:effectLst/>
+                <a:latin typeface="JetBrains Mono"/>
+              </a:rPr>
+              <a:t>        }</a:t>
+            </a:r>
+            <a:br>
+              <a:rPr lang="hu-HU" b="1" dirty="0">
+                <a:solidFill>
+                  <a:srgbClr val="262626"/>
+                </a:solidFill>
+                <a:effectLst/>
+                <a:latin typeface="JetBrains Mono"/>
+              </a:rPr>
+            </a:br>
+            <a:r>
+              <a:rPr lang="hu-HU" b="1" dirty="0">
+                <a:solidFill>
+                  <a:srgbClr val="262626"/>
+                </a:solidFill>
+                <a:effectLst/>
+                <a:latin typeface="JetBrains Mono"/>
+              </a:rPr>
+              <a:t>        </a:t>
+            </a:r>
+            <a:r>
+              <a:rPr lang="hu-HU" b="1" dirty="0">
+                <a:solidFill>
+                  <a:srgbClr val="660E7A"/>
+                </a:solidFill>
+                <a:effectLst/>
+                <a:latin typeface="JetBrains Mono"/>
+              </a:rPr>
+              <a:t>status </a:t>
+            </a:r>
+            <a:r>
+              <a:rPr lang="hu-HU" b="1" dirty="0">
+                <a:solidFill>
+                  <a:srgbClr val="262626"/>
+                </a:solidFill>
+                <a:effectLst/>
+                <a:latin typeface="JetBrains Mono"/>
+              </a:rPr>
+              <a:t>{</a:t>
+            </a:r>
+            <a:br>
+              <a:rPr lang="hu-HU" b="1" dirty="0">
+                <a:solidFill>
+                  <a:srgbClr val="262626"/>
+                </a:solidFill>
+                <a:effectLst/>
+                <a:latin typeface="JetBrains Mono"/>
+              </a:rPr>
+            </a:br>
+            <a:r>
+              <a:rPr lang="hu-HU" b="1" dirty="0">
+                <a:solidFill>
+                  <a:srgbClr val="262626"/>
+                </a:solidFill>
+                <a:effectLst/>
+                <a:latin typeface="JetBrains Mono"/>
+              </a:rPr>
+              <a:t>            </a:t>
+            </a:r>
+            <a:r>
+              <a:rPr lang="hu-HU" dirty="0" err="1">
+                <a:solidFill>
+                  <a:srgbClr val="660E7A"/>
+                </a:solidFill>
+                <a:effectLst/>
+                <a:latin typeface="JetBrains Mono"/>
+              </a:rPr>
+              <a:t>message</a:t>
+            </a:r>
+            <a:r>
+              <a:rPr lang="hu-HU" dirty="0">
+                <a:solidFill>
+                  <a:srgbClr val="660E7A"/>
+                </a:solidFill>
+                <a:effectLst/>
+                <a:latin typeface="JetBrains Mono"/>
+              </a:rPr>
+              <a:t> </a:t>
+            </a:r>
+            <a:r>
+              <a:rPr lang="hu-HU" dirty="0">
+                <a:solidFill>
+                  <a:srgbClr val="262626"/>
+                </a:solidFill>
+                <a:effectLst/>
+                <a:latin typeface="JetBrains Mono"/>
+              </a:rPr>
+              <a:t>= </a:t>
+            </a:r>
+            <a:r>
+              <a:rPr lang="hu-HU" dirty="0">
+                <a:solidFill>
+                  <a:srgbClr val="00733B"/>
+                </a:solidFill>
+                <a:effectLst/>
+                <a:latin typeface="JetBrains Mono"/>
+              </a:rPr>
+              <a:t>"</a:t>
+            </a:r>
+            <a:r>
+              <a:rPr lang="hu-HU" dirty="0" err="1">
+                <a:solidFill>
+                  <a:srgbClr val="00733B"/>
+                </a:solidFill>
+                <a:effectLst/>
+                <a:latin typeface="JetBrains Mono"/>
+              </a:rPr>
+              <a:t>Deployment</a:t>
+            </a:r>
+            <a:r>
+              <a:rPr lang="hu-HU" dirty="0">
+                <a:solidFill>
+                  <a:srgbClr val="00733B"/>
+                </a:solidFill>
+                <a:effectLst/>
+                <a:latin typeface="JetBrains Mono"/>
+              </a:rPr>
+              <a:t> must </a:t>
+            </a:r>
+            <a:r>
+              <a:rPr lang="hu-HU" dirty="0" err="1">
+                <a:solidFill>
+                  <a:srgbClr val="00733B"/>
+                </a:solidFill>
+                <a:effectLst/>
+                <a:latin typeface="JetBrains Mono"/>
+              </a:rPr>
+              <a:t>have</a:t>
+            </a:r>
+            <a:r>
+              <a:rPr lang="hu-HU" dirty="0">
+                <a:solidFill>
+                  <a:srgbClr val="00733B"/>
+                </a:solidFill>
+                <a:effectLst/>
+                <a:latin typeface="JetBrains Mono"/>
+              </a:rPr>
+              <a:t> </a:t>
+            </a:r>
+            <a:r>
+              <a:rPr lang="hu-HU" dirty="0" err="1">
+                <a:solidFill>
+                  <a:srgbClr val="00733B"/>
+                </a:solidFill>
+                <a:effectLst/>
+                <a:latin typeface="JetBrains Mono"/>
+              </a:rPr>
+              <a:t>resource</a:t>
+            </a:r>
+            <a:r>
+              <a:rPr lang="hu-HU" dirty="0">
+                <a:solidFill>
+                  <a:srgbClr val="00733B"/>
+                </a:solidFill>
+                <a:effectLst/>
+                <a:latin typeface="JetBrains Mono"/>
+              </a:rPr>
+              <a:t> </a:t>
+            </a:r>
+            <a:r>
+              <a:rPr lang="hu-HU" dirty="0" err="1">
+                <a:solidFill>
+                  <a:srgbClr val="00733B"/>
+                </a:solidFill>
+                <a:effectLst/>
+                <a:latin typeface="JetBrains Mono"/>
+              </a:rPr>
+              <a:t>definitions</a:t>
+            </a:r>
+            <a:r>
+              <a:rPr lang="hu-HU" dirty="0">
+                <a:solidFill>
+                  <a:srgbClr val="00733B"/>
+                </a:solidFill>
+                <a:effectLst/>
+                <a:latin typeface="JetBrains Mono"/>
+              </a:rPr>
+              <a:t>!"</a:t>
+            </a:r>
+            <a:br>
+              <a:rPr lang="hu-HU" dirty="0">
+                <a:solidFill>
+                  <a:srgbClr val="00733B"/>
+                </a:solidFill>
+                <a:effectLst/>
+                <a:latin typeface="JetBrains Mono"/>
+              </a:rPr>
+            </a:br>
+            <a:r>
+              <a:rPr lang="hu-HU" dirty="0">
+                <a:solidFill>
+                  <a:srgbClr val="00733B"/>
+                </a:solidFill>
+                <a:effectLst/>
+                <a:latin typeface="JetBrains Mono"/>
+              </a:rPr>
+              <a:t>        </a:t>
+            </a:r>
+            <a:r>
+              <a:rPr lang="hu-HU" b="1" dirty="0">
+                <a:solidFill>
+                  <a:srgbClr val="262626"/>
+                </a:solidFill>
+                <a:effectLst/>
+                <a:latin typeface="JetBrains Mono"/>
+              </a:rPr>
+              <a:t>}</a:t>
+            </a:r>
+            <a:br>
+              <a:rPr lang="hu-HU" b="1" dirty="0">
+                <a:solidFill>
+                  <a:srgbClr val="262626"/>
+                </a:solidFill>
+                <a:effectLst/>
+                <a:latin typeface="JetBrains Mono"/>
+              </a:rPr>
+            </a:br>
+            <a:r>
+              <a:rPr lang="hu-HU" b="1" dirty="0">
+                <a:solidFill>
+                  <a:srgbClr val="262626"/>
+                </a:solidFill>
+                <a:effectLst/>
+                <a:latin typeface="JetBrains Mono"/>
+              </a:rPr>
+              <a:t>    }</a:t>
+            </a:r>
+            <a:br>
+              <a:rPr lang="hu-HU" b="1" dirty="0">
+                <a:solidFill>
+                  <a:srgbClr val="262626"/>
+                </a:solidFill>
+                <a:effectLst/>
+                <a:latin typeface="JetBrains Mono"/>
+              </a:rPr>
+            </a:br>
+            <a:r>
+              <a:rPr lang="hu-HU" b="1" dirty="0">
+                <a:solidFill>
+                  <a:srgbClr val="262626"/>
+                </a:solidFill>
+                <a:effectLst/>
+                <a:latin typeface="JetBrains Mono"/>
+              </a:rPr>
+              <a:t>}</a:t>
+            </a:r>
+            <a:endParaRPr lang="hu-HU" dirty="0">
+              <a:solidFill>
+                <a:srgbClr val="262626"/>
+              </a:solidFill>
+              <a:effectLst/>
+              <a:latin typeface="JetBrains Mono"/>
+            </a:endParaRPr>
+          </a:p>
+        </p:txBody>
+      </p:sp>
+    </p:spTree>
+    <p:extLst>
+      <p:ext uri="{BB962C8B-B14F-4D97-AF65-F5344CB8AC3E}">
+        <p14:creationId xmlns:p14="http://schemas.microsoft.com/office/powerpoint/2010/main" val="3912539148"/>
+      </p:ext>
+    </p:extLst>
+  </p:cSld>
+  <p:clrMapOvr>
+    <a:overrideClrMapping bg1="lt1" tx1="dk1" bg2="lt2" tx2="dk2" accent1="accent1" accent2="accent2" accent3="accent3" accent4="accent4" accent5="accent5" accent6="accent6" hlink="hlink" folHlink="folHlink"/>
+  </p:clrMapOvr>
+</p:sld>
+</file>
+
+<file path=ppt/slides/slide11.xml><?xml version="1.0" encoding="utf-8"?>
+<p:sld xmlns:a="http://schemas.openxmlformats.org/drawingml/2006/main" xmlns:r="http://schemas.openxmlformats.org/officeDocument/2006/relationships" xmlns:p="http://schemas.openxmlformats.org/presentationml/2006/main">
+  <p:cSld>
+    <p:bg>
+      <p:bgPr>
+        <a:gradFill rotWithShape="1">
+          <a:gsLst>
+            <a:gs pos="10000">
+              <a:schemeClr val="bg1">
+                <a:tint val="97000"/>
+                <a:hueMod val="92000"/>
+                <a:satMod val="169000"/>
+                <a:lumMod val="164000"/>
+              </a:schemeClr>
+            </a:gs>
+            <a:gs pos="100000">
+              <a:schemeClr val="bg1">
+                <a:shade val="96000"/>
+                <a:satMod val="120000"/>
+                <a:lumMod val="90000"/>
+              </a:schemeClr>
+            </a:gs>
+          </a:gsLst>
+          <a:lin ang="6120000" scaled="1"/>
+        </a:gradFill>
+        <a:effectLst/>
+      </p:bgPr>
+    </p:bg>
+    <p:spTree>
+      <p:nvGrpSpPr>
+        <p:cNvPr id="1" name=""/>
+        <p:cNvGrpSpPr/>
+        <p:nvPr/>
+      </p:nvGrpSpPr>
+      <p:grpSpPr>
+        <a:xfrm>
+          <a:off x="0" y="0"/>
+          <a:ext cx="0" cy="0"/>
+          <a:chOff x="0" y="0"/>
+          <a:chExt cx="0" cy="0"/>
+        </a:xfrm>
+      </p:grpSpPr>
+      <p:sp>
+        <p:nvSpPr>
+          <p:cNvPr id="2" name="Cím 1">
+            <a:extLst>
+              <a:ext uri="{FF2B5EF4-FFF2-40B4-BE49-F238E27FC236}">
+                <a16:creationId xmlns:a16="http://schemas.microsoft.com/office/drawing/2014/main" id="{552C482A-5E1B-432A-9E2C-1F447702DF85}"/>
+              </a:ext>
+            </a:extLst>
+          </p:cNvPr>
+          <p:cNvSpPr>
+            <a:spLocks noGrp="1"/>
+          </p:cNvSpPr>
+          <p:nvPr>
+            <p:ph type="title"/>
+          </p:nvPr>
+        </p:nvSpPr>
+        <p:spPr>
+          <a:xfrm>
+            <a:off x="333177" y="379030"/>
+            <a:ext cx="8534400" cy="862914"/>
+          </a:xfrm>
+        </p:spPr>
+        <p:txBody>
+          <a:bodyPr>
+            <a:normAutofit/>
+          </a:bodyPr>
+          <a:lstStyle/>
+          <a:p>
+            <a:r>
+              <a:rPr lang="hu-HU" sz="4000" cap="none" dirty="0"/>
+              <a:t>Nyelv – Esemény módosítás</a:t>
+            </a:r>
+          </a:p>
+        </p:txBody>
+      </p:sp>
+      <p:sp>
+        <p:nvSpPr>
+          <p:cNvPr id="4" name="Szövegdoboz 3">
+            <a:extLst>
+              <a:ext uri="{FF2B5EF4-FFF2-40B4-BE49-F238E27FC236}">
+                <a16:creationId xmlns:a16="http://schemas.microsoft.com/office/drawing/2014/main" id="{9E2FA5E6-1ABE-A99D-3523-CDD677B81755}"/>
+              </a:ext>
+            </a:extLst>
+          </p:cNvPr>
+          <p:cNvSpPr txBox="1"/>
+          <p:nvPr/>
+        </p:nvSpPr>
+        <p:spPr>
+          <a:xfrm>
+            <a:off x="333177" y="1367195"/>
+            <a:ext cx="8534400" cy="3693319"/>
+          </a:xfrm>
+          <a:prstGeom prst="rect">
+            <a:avLst/>
+          </a:prstGeom>
+        </p:spPr>
+        <p:style>
+          <a:lnRef idx="2">
+            <a:schemeClr val="accent1"/>
+          </a:lnRef>
+          <a:fillRef idx="1">
+            <a:schemeClr val="lt1"/>
+          </a:fillRef>
+          <a:effectRef idx="0">
+            <a:schemeClr val="accent1"/>
+          </a:effectRef>
+          <a:fontRef idx="minor">
+            <a:schemeClr val="dk1"/>
+          </a:fontRef>
+        </p:style>
+        <p:txBody>
+          <a:bodyPr wrap="square">
+            <a:spAutoFit/>
+          </a:bodyPr>
+          <a:lstStyle/>
+          <a:p>
+            <a:r>
+              <a:rPr lang="hu-HU" b="1" dirty="0" err="1">
+                <a:solidFill>
+                  <a:srgbClr val="660E7A"/>
+                </a:solidFill>
+                <a:effectLst/>
+                <a:latin typeface="JetBrains Mono"/>
+              </a:rPr>
+              <a:t>webhook</a:t>
+            </a:r>
+            <a:r>
+              <a:rPr lang="hu-HU" dirty="0">
+                <a:solidFill>
+                  <a:srgbClr val="262626"/>
+                </a:solidFill>
+                <a:effectLst/>
+                <a:latin typeface="JetBrains Mono"/>
+              </a:rPr>
+              <a:t>(</a:t>
+            </a:r>
+            <a:r>
+              <a:rPr lang="hu-HU" dirty="0">
+                <a:solidFill>
+                  <a:srgbClr val="00733B"/>
+                </a:solidFill>
+                <a:effectLst/>
+                <a:latin typeface="JetBrains Mono"/>
+              </a:rPr>
+              <a:t>"</a:t>
+            </a:r>
+            <a:r>
+              <a:rPr lang="hu-HU" dirty="0" err="1">
+                <a:solidFill>
+                  <a:srgbClr val="00733B"/>
+                </a:solidFill>
+                <a:effectLst/>
+                <a:latin typeface="JetBrains Mono"/>
+              </a:rPr>
               <a:t>cut-history</a:t>
             </a:r>
             <a:r>
@@ -30225,7 +33571,7 @@
 </p:sld>
 </file>
 
-<file path=ppt/slides/slide11.xml><?xml version="1.0" encoding="utf-8"?>
+<file path=ppt/slides/slide12.xml><?xml version="1.0" encoding="utf-8"?>
 <p:sld xmlns:a="http://schemas.openxmlformats.org/drawingml/2006/main" xmlns:r="http://schemas.openxmlformats.org/officeDocument/2006/relationships" xmlns:p="http://schemas.openxmlformats.org/presentationml/2006/main">
   <p:cSld>
     <p:bg>
@@ -31891,7 +35237,7 @@
 </p:sld>
 </file>
 
-<file path=ppt/slides/slide12.xml><?xml version="1.0" encoding="utf-8"?>
+<file path=ppt/slides/slide13.xml><?xml version="1.0" encoding="utf-8"?>
 <p:sld xmlns:a="http://schemas.openxmlformats.org/drawingml/2006/main" xmlns:r="http://schemas.openxmlformats.org/officeDocument/2006/relationships" xmlns:p="http://schemas.openxmlformats.org/presentationml/2006/main">
   <p:cSld>
     <p:bg>
@@ -33709,7 +37055,7 @@
 </p:sld>
 </file>
 
-<file path=ppt/slides/slide13.xml><?xml version="1.0" encoding="utf-8"?>
+<file path=ppt/slides/slide14.xml><?xml version="1.0" encoding="utf-8"?>
 <p:sld xmlns:a="http://schemas.openxmlformats.org/drawingml/2006/main" xmlns:r="http://schemas.openxmlformats.org/officeDocument/2006/relationships" xmlns:p="http://schemas.openxmlformats.org/presentationml/2006/main">
   <p:cSld>
     <p:bg>
@@ -35465,7 +38811,7 @@
 </p:sld>
 </file>
 
-<file path=ppt/slides/slide14.xml><?xml version="1.0" encoding="utf-8"?>
+<file path=ppt/slides/slide15.xml><?xml version="1.0" encoding="utf-8"?>
 <p:sld xmlns:a="http://schemas.openxmlformats.org/drawingml/2006/main" xmlns:r="http://schemas.openxmlformats.org/officeDocument/2006/relationships" xmlns:p="http://schemas.openxmlformats.org/presentationml/2006/main">
   <p:cSld>
     <p:bg>
@@ -35654,7 +39000,7 @@
                 </a:solidFill>
                 <a:latin typeface="Century Gothic" panose="020B0502020202020204"/>
               </a:rPr>
-              <a:t>~40</a:t>
+              <a:t>20~40</a:t>
             </a:r>
             <a:r>
               <a:rPr lang="hu-HU" sz="3000" dirty="0">
@@ -35684,7 +39030,35 @@
                 </a:solidFill>
                 <a:latin typeface="Century Gothic" panose="020B0502020202020204"/>
               </a:rPr>
-              <a:t>Indítás: ~5 másodperc</a:t>
+              <a:t>Indítás: </a:t>
+            </a:r>
+            <a:r>
+              <a:rPr lang="en-US" sz="3000" dirty="0">
+                <a:solidFill>
+                  <a:prstClr val="black">
+                    <a:hueOff val="0"/>
+                    <a:satOff val="0"/>
+                    <a:lumOff val="0"/>
+                    <a:alphaOff val="0"/>
+                  </a:prstClr>
+                </a:solidFill>
+                <a:latin typeface="Century Gothic" panose="020B0502020202020204"/>
+              </a:rPr>
+              <a:t>2</a:t>
+            </a:r>
+            <a:r>
+              <a:rPr lang="hu-HU" sz="3000" dirty="0">
+                <a:solidFill>
+                  <a:prstClr val="black">
+                    <a:hueOff val="0"/>
+                    <a:satOff val="0"/>
+                    <a:lumOff val="0"/>
+                    <a:alphaOff val="0"/>
+                  </a:prstClr>
+                </a:solidFill>
+                <a:latin typeface="Century Gothic" panose="020B0502020202020204"/>
+              </a:rPr>
+              <a:t>~5 másodperc</a:t>
             </a:r>
           </a:p>
           <a:p>
@@ -35718,7 +39092,7 @@
 </p:sld>
 </file>
 
-<file path=ppt/slides/slide15.xml><?xml version="1.0" encoding="utf-8"?>
+<file path=ppt/slides/slide16.xml><?xml version="1.0" encoding="utf-8"?>
 <p:sld xmlns:a="http://schemas.openxmlformats.org/drawingml/2006/main" xmlns:r="http://schemas.openxmlformats.org/officeDocument/2006/relationships" xmlns:p="http://schemas.openxmlformats.org/presentationml/2006/main">
   <p:cSld>
     <p:bg>
@@ -35840,7 +39214,7 @@
 </p:sld>
 </file>
 
-<file path=ppt/slides/slide16.xml><?xml version="1.0" encoding="utf-8"?>
+<file path=ppt/slides/slide17.xml><?xml version="1.0" encoding="utf-8"?>
 <p:sld xmlns:a="http://schemas.openxmlformats.org/drawingml/2006/main" xmlns:r="http://schemas.openxmlformats.org/officeDocument/2006/relationships" xmlns:p="http://schemas.openxmlformats.org/presentationml/2006/main" showMasterSp="0">
   <p:cSld>
     <p:bg>
@@ -35930,7 +39304,7 @@
           <p:nvPr>
             <p:extLst>
               <p:ext uri="{D42A27DB-BD31-4B8C-83A1-F6EECF244321}">
-                <p14:modId xmlns:p14="http://schemas.microsoft.com/office/powerpoint/2010/main" val="1532851738"/>
+                <p14:modId xmlns:p14="http://schemas.microsoft.com/office/powerpoint/2010/main" val="1471783089"/>
               </p:ext>
             </p:extLst>
           </p:nvPr>
@@ -35958,7 +39332,7 @@
 </p:sld>
 </file>
 
-<file path=ppt/slides/slide17.xml><?xml version="1.0" encoding="utf-8"?>
+<file path=ppt/slides/slide18.xml><?xml version="1.0" encoding="utf-8"?>
 <p:sld xmlns:a="http://schemas.openxmlformats.org/drawingml/2006/main" xmlns:r="http://schemas.openxmlformats.org/officeDocument/2006/relationships" xmlns:p="http://schemas.openxmlformats.org/presentationml/2006/main" showMasterSp="0">
   <p:cSld>
     <p:bg>
@@ -37424,14 +40798,14 @@
           <p:nvPr>
             <p:extLst>
               <p:ext uri="{D42A27DB-BD31-4B8C-83A1-F6EECF244321}">
-                <p14:modId xmlns:p14="http://schemas.microsoft.com/office/powerpoint/2010/main" val="369050657"/>
+                <p14:modId xmlns:p14="http://schemas.microsoft.com/office/powerpoint/2010/main" val="3779039318"/>
               </p:ext>
             </p:extLst>
           </p:nvPr>
         </p:nvGraphicFramePr>
         <p:xfrm>
           <a:off x="333178" y="2278354"/>
-          <a:ext cx="8534399" cy="3018774"/>
+          <a:ext cx="8534399" cy="2501485"/>
         </p:xfrm>
         <a:graphic>
           <a:graphicData uri="http://schemas.openxmlformats.org/drawingml/2006/diagram">
@@ -37587,6 +40961,34 @@
           </p:txBody>
         </p:sp>
       </p:grpSp>
+      <p:graphicFrame>
+        <p:nvGraphicFramePr>
+          <p:cNvPr id="12" name="Szövegdoboz 2">
+            <a:extLst>
+              <a:ext uri="{FF2B5EF4-FFF2-40B4-BE49-F238E27FC236}">
+                <a16:creationId xmlns:a16="http://schemas.microsoft.com/office/drawing/2014/main" id="{7DA50AC3-D31E-4308-D42C-E91DAAC4C5F4}"/>
+              </a:ext>
+            </a:extLst>
+          </p:cNvPr>
+          <p:cNvGraphicFramePr/>
+          <p:nvPr>
+            <p:extLst>
+              <p:ext uri="{D42A27DB-BD31-4B8C-83A1-F6EECF244321}">
+                <p14:modId xmlns:p14="http://schemas.microsoft.com/office/powerpoint/2010/main" val="1209085483"/>
+              </p:ext>
+            </p:extLst>
+          </p:nvPr>
+        </p:nvGraphicFramePr>
+        <p:xfrm>
+          <a:off x="5796611" y="4325092"/>
+          <a:ext cx="2959081" cy="2269747"/>
+        </p:xfrm>
+        <a:graphic>
+          <a:graphicData uri="http://schemas.openxmlformats.org/drawingml/2006/diagram">
+            <dgm:relIds xmlns:dgm="http://schemas.openxmlformats.org/drawingml/2006/diagram" xmlns:r="http://schemas.openxmlformats.org/officeDocument/2006/relationships" r:dm="rId9" r:lo="rId10" r:qs="rId11" r:cs="rId12"/>
+          </a:graphicData>
+        </a:graphic>
+      </p:graphicFrame>
     </p:spTree>
     <p:extLst>
       <p:ext uri="{BB962C8B-B14F-4D97-AF65-F5344CB8AC3E}">
@@ -37809,7 +41211,7 @@
           <p:nvPr>
             <p:extLst>
               <p:ext uri="{D42A27DB-BD31-4B8C-83A1-F6EECF244321}">
-                <p14:modId xmlns:p14="http://schemas.microsoft.com/office/powerpoint/2010/main" val="3410461994"/>
+                <p14:modId xmlns:p14="http://schemas.microsoft.com/office/powerpoint/2010/main" val="459464679"/>
               </p:ext>
             </p:extLst>
           </p:nvPr>
@@ -39791,7 +43193,7 @@
 </file>
 
 <file path=ppt/slides/slide9.xml><?xml version="1.0" encoding="utf-8"?>
-<p:sld xmlns:a="http://schemas.openxmlformats.org/drawingml/2006/main" xmlns:r="http://schemas.openxmlformats.org/officeDocument/2006/relationships" xmlns:p="http://schemas.openxmlformats.org/presentationml/2006/main">
+<p:sld xmlns:a="http://schemas.openxmlformats.org/drawingml/2006/main" xmlns:r="http://schemas.openxmlformats.org/officeDocument/2006/relationships" xmlns:p="http://schemas.openxmlformats.org/presentationml/2006/main" showMasterSp="0">
   <p:cSld>
     <p:bg>
       <p:bgPr>
@@ -39834,1148 +43236,177 @@
       </p:grpSpPr>
       <p:sp>
         <p:nvSpPr>
-          <p:cNvPr id="2" name="Cím 1">
+          <p:cNvPr id="6" name="Cím 1">
             <a:extLst>
               <a:ext uri="{FF2B5EF4-FFF2-40B4-BE49-F238E27FC236}">
-                <a16:creationId xmlns:a16="http://schemas.microsoft.com/office/drawing/2014/main" id="{552C482A-5E1B-432A-9E2C-1F447702DF85}"/>
+                <a16:creationId xmlns:a16="http://schemas.microsoft.com/office/drawing/2014/main" id="{F501E9B0-65A9-F5BE-F8D8-8577BD1C8BAB}"/>
               </a:ext>
             </a:extLst>
           </p:cNvPr>
-          <p:cNvSpPr>
-            <a:spLocks noGrp="1"/>
+          <p:cNvSpPr txBox="1">
+            <a:spLocks/>
           </p:cNvSpPr>
-          <p:nvPr>
-            <p:ph type="title"/>
-          </p:nvPr>
+          <p:nvPr/>
         </p:nvSpPr>
         <p:spPr>
           <a:xfrm>
             <a:off x="333177" y="379030"/>
             <a:ext cx="8534400" cy="862914"/>
           </a:xfrm>
+          <a:prstGeom prst="rect">
+            <a:avLst/>
+          </a:prstGeom>
+          <a:effectLst/>
         </p:spPr>
         <p:txBody>
-          <a:bodyPr>
-            <a:normAutofit/>
+          <a:bodyPr vert="horz" lIns="91440" tIns="45720" rIns="91440" bIns="45720" rtlCol="0" anchor="ctr">
+            <a:normAutofit fontScale="92500"/>
           </a:bodyPr>
-          <a:lstStyle/>
+          <a:lstStyle>
+            <a:lvl1pPr algn="l" defTabSz="457200" rtl="0" eaLnBrk="1" latinLnBrk="0" hangingPunct="1">
+              <a:spcBef>
+                <a:spcPct val="0"/>
+              </a:spcBef>
+              <a:buNone/>
+              <a:defRPr sz="3200" kern="1200" cap="all">
+                <a:ln w="3175" cmpd="sng">
+                  <a:noFill/>
+                </a:ln>
+                <a:solidFill>
+                  <a:schemeClr val="tx1"/>
+                </a:solidFill>
+                <a:effectLst/>
+                <a:latin typeface="+mj-lt"/>
+                <a:ea typeface="+mj-ea"/>
+                <a:cs typeface="+mj-cs"/>
+              </a:defRPr>
+            </a:lvl1pPr>
+            <a:lvl2pPr eaLnBrk="1" hangingPunct="1">
+              <a:defRPr>
+                <a:solidFill>
+                  <a:schemeClr val="tx2"/>
+                </a:solidFill>
+              </a:defRPr>
+            </a:lvl2pPr>
+            <a:lvl3pPr eaLnBrk="1" hangingPunct="1">
+              <a:defRPr>
+                <a:solidFill>
+                  <a:schemeClr val="tx2"/>
+                </a:solidFill>
+              </a:defRPr>
+            </a:lvl3pPr>
+            <a:lvl4pPr eaLnBrk="1" hangingPunct="1">
+              <a:defRPr>
+                <a:solidFill>
+                  <a:schemeClr val="tx2"/>
+                </a:solidFill>
+              </a:defRPr>
+            </a:lvl4pPr>
+            <a:lvl5pPr eaLnBrk="1" hangingPunct="1">
+              <a:defRPr>
+                <a:solidFill>
+                  <a:schemeClr val="tx2"/>
+                </a:solidFill>
+              </a:defRPr>
+            </a:lvl5pPr>
+            <a:lvl6pPr eaLnBrk="1" hangingPunct="1">
+              <a:defRPr>
+                <a:solidFill>
+                  <a:schemeClr val="tx2"/>
+                </a:solidFill>
+              </a:defRPr>
+            </a:lvl6pPr>
+            <a:lvl7pPr eaLnBrk="1" hangingPunct="1">
+              <a:defRPr>
+                <a:solidFill>
+                  <a:schemeClr val="tx2"/>
+                </a:solidFill>
+              </a:defRPr>
+            </a:lvl7pPr>
+            <a:lvl8pPr eaLnBrk="1" hangingPunct="1">
+              <a:defRPr>
+                <a:solidFill>
+                  <a:schemeClr val="tx2"/>
+                </a:solidFill>
+              </a:defRPr>
+            </a:lvl8pPr>
+            <a:lvl9pPr eaLnBrk="1" hangingPunct="1">
+              <a:defRPr>
+                <a:solidFill>
+                  <a:schemeClr val="tx2"/>
+                </a:solidFill>
+              </a:defRPr>
+            </a:lvl9pPr>
+          </a:lstStyle>
           <a:p>
             <a:r>
-              <a:rPr lang="hu-HU" sz="4000" cap="none" dirty="0"/>
-              <a:t>Nyelv – Esemény </a:t>
-            </a:r>
-            <a:r>
-              <a:rPr lang="hu-HU" sz="4000" cap="none" dirty="0" err="1"/>
-              <a:t>validálás</a:t>
+              <a:rPr lang="en-US" sz="4000" cap="none" dirty="0" err="1"/>
+              <a:t>Események</a:t>
+            </a:r>
+            <a:r>
+              <a:rPr lang="en-US" sz="4000" cap="none" dirty="0"/>
+              <a:t> </a:t>
+            </a:r>
+            <a:r>
+              <a:rPr lang="en-US" sz="4000" cap="none" dirty="0" err="1"/>
+              <a:t>figyelése</a:t>
+            </a:r>
+            <a:r>
+              <a:rPr lang="en-US" sz="4000" cap="none" dirty="0"/>
+              <a:t> - </a:t>
+            </a:r>
+            <a:r>
+              <a:rPr lang="en-US" sz="4000" cap="none" dirty="0" err="1"/>
+              <a:t>Webhookok</a:t>
             </a:r>
             <a:endParaRPr lang="hu-HU" sz="4000" cap="none" dirty="0"/>
           </a:p>
         </p:txBody>
       </p:sp>
-      <p:sp>
-        <p:nvSpPr>
-          <p:cNvPr id="4" name="Szövegdoboz 3">
+      <p:pic>
+        <p:nvPicPr>
+          <p:cNvPr id="15" name="Kép 14">
             <a:extLst>
               <a:ext uri="{FF2B5EF4-FFF2-40B4-BE49-F238E27FC236}">
-                <a16:creationId xmlns:a16="http://schemas.microsoft.com/office/drawing/2014/main" id="{9E2FA5E6-1ABE-A99D-3523-CDD677B81755}"/>
+                <a16:creationId xmlns:a16="http://schemas.microsoft.com/office/drawing/2014/main" id="{6BA58945-A061-1898-CAB6-3B23580E76E5}"/>
               </a:ext>
             </a:extLst>
           </p:cNvPr>
-          <p:cNvSpPr txBox="1"/>
+          <p:cNvPicPr>
+            <a:picLocks noChangeAspect="1"/>
+          </p:cNvPicPr>
           <p:nvPr/>
-        </p:nvSpPr>
+        </p:nvPicPr>
+        <p:blipFill>
+          <a:blip r:embed="rId3"/>
+          <a:stretch>
+            <a:fillRect/>
+          </a:stretch>
+        </p:blipFill>
         <p:spPr>
           <a:xfrm>
-            <a:off x="333177" y="1367195"/>
-            <a:ext cx="8534400" cy="3693319"/>
+            <a:off x="526518" y="1351105"/>
+            <a:ext cx="8090963" cy="4990078"/>
           </a:xfrm>
           <a:prstGeom prst="rect">
             <a:avLst/>
           </a:prstGeom>
+          <a:ln>
+            <a:noFill/>
+          </a:ln>
+          <a:effectLst>
+            <a:outerShdw blurRad="190500" algn="tl" rotWithShape="0">
+              <a:srgbClr val="000000">
+                <a:alpha val="70000"/>
+              </a:srgbClr>
+            </a:outerShdw>
+          </a:effectLst>
         </p:spPr>
-        <p:style>
-          <a:lnRef idx="2">
-            <a:schemeClr val="accent1"/>
-          </a:lnRef>
-          <a:fillRef idx="1">
-            <a:schemeClr val="lt1"/>
-          </a:fillRef>
-          <a:effectRef idx="0">
-            <a:schemeClr val="accent1"/>
-          </a:effectRef>
-          <a:fontRef idx="minor">
-            <a:schemeClr val="dk1"/>
-          </a:fontRef>
-        </p:style>
-        <p:txBody>
-          <a:bodyPr wrap="square">
-            <a:spAutoFit/>
-          </a:bodyPr>
-          <a:lstStyle/>
-          <a:p>
-            <a:r>
-              <a:rPr lang="hu-HU" b="1" dirty="0" err="1">
-                <a:solidFill>
-                  <a:srgbClr val="660E7A"/>
-                </a:solidFill>
-                <a:effectLst/>
-                <a:latin typeface="JetBrains Mono"/>
-              </a:rPr>
-              <a:t>webhook</a:t>
-            </a:r>
-            <a:r>
-              <a:rPr lang="hu-HU" dirty="0">
-                <a:solidFill>
-                  <a:srgbClr val="262626"/>
-                </a:solidFill>
-                <a:effectLst/>
-                <a:latin typeface="JetBrains Mono"/>
-              </a:rPr>
-              <a:t>(</a:t>
-            </a:r>
-            <a:r>
-              <a:rPr lang="hu-HU" dirty="0">
-                <a:solidFill>
-                  <a:srgbClr val="00733B"/>
-                </a:solidFill>
-                <a:effectLst/>
-                <a:latin typeface="JetBrains Mono"/>
-              </a:rPr>
-              <a:t>"</a:t>
-            </a:r>
-            <a:r>
-              <a:rPr lang="hu-HU" dirty="0" err="1">
-                <a:solidFill>
-                  <a:srgbClr val="00733B"/>
-                </a:solidFill>
-                <a:effectLst/>
-                <a:latin typeface="JetBrains Mono"/>
-              </a:rPr>
-              <a:t>deny</a:t>
-            </a:r>
-            <a:r>
-              <a:rPr lang="hu-HU" dirty="0">
-                <a:solidFill>
-                  <a:srgbClr val="00733B"/>
-                </a:solidFill>
-                <a:effectLst/>
-                <a:latin typeface="JetBrains Mono"/>
-              </a:rPr>
-              <a:t>-no-</a:t>
-            </a:r>
-            <a:r>
-              <a:rPr lang="hu-HU" dirty="0" err="1">
-                <a:solidFill>
-                  <a:srgbClr val="00733B"/>
-                </a:solidFill>
-                <a:effectLst/>
-                <a:latin typeface="JetBrains Mono"/>
-              </a:rPr>
-              <a:t>resources</a:t>
-            </a:r>
-            <a:r>
-              <a:rPr lang="hu-HU" dirty="0">
-                <a:solidFill>
-                  <a:srgbClr val="00733B"/>
-                </a:solidFill>
-                <a:effectLst/>
-                <a:latin typeface="JetBrains Mono"/>
-              </a:rPr>
-              <a:t>"</a:t>
-            </a:r>
-            <a:r>
-              <a:rPr lang="hu-HU" dirty="0">
-                <a:solidFill>
-                  <a:srgbClr val="262626"/>
-                </a:solidFill>
-                <a:effectLst/>
-                <a:latin typeface="JetBrains Mono"/>
-              </a:rPr>
-              <a:t>, </a:t>
-            </a:r>
-            <a:r>
-              <a:rPr lang="hu-HU" i="1" dirty="0" err="1">
-                <a:solidFill>
-                  <a:srgbClr val="660E7A"/>
-                </a:solidFill>
-                <a:effectLst/>
-                <a:latin typeface="JetBrains Mono"/>
-              </a:rPr>
-              <a:t>defaults</a:t>
-            </a:r>
-            <a:r>
-              <a:rPr lang="hu-HU" dirty="0">
-                <a:solidFill>
-                  <a:srgbClr val="262626"/>
-                </a:solidFill>
-                <a:effectLst/>
-                <a:latin typeface="JetBrains Mono"/>
-              </a:rPr>
-              <a:t>) </a:t>
-            </a:r>
-            <a:r>
-              <a:rPr lang="hu-HU" b="1" dirty="0">
-                <a:solidFill>
-                  <a:srgbClr val="262626"/>
-                </a:solidFill>
-                <a:effectLst/>
-                <a:latin typeface="JetBrains Mono"/>
-              </a:rPr>
-              <a:t>{</a:t>
-            </a:r>
-          </a:p>
-          <a:p>
-            <a:r>
-              <a:rPr lang="hu-HU" b="1" dirty="0">
-                <a:solidFill>
-                  <a:srgbClr val="262626"/>
-                </a:solidFill>
-                <a:effectLst/>
-                <a:latin typeface="JetBrains Mono"/>
-              </a:rPr>
-              <a:t>    </a:t>
-            </a:r>
-            <a:r>
-              <a:rPr lang="hu-HU" b="1" dirty="0" err="1">
-                <a:solidFill>
-                  <a:srgbClr val="006666"/>
-                </a:solidFill>
-                <a:effectLst/>
-                <a:latin typeface="JetBrains Mono"/>
-              </a:rPr>
-              <a:t>operations</a:t>
-            </a:r>
-            <a:r>
-              <a:rPr lang="hu-HU" dirty="0">
-                <a:solidFill>
-                  <a:srgbClr val="262626"/>
-                </a:solidFill>
-                <a:effectLst/>
-                <a:latin typeface="JetBrains Mono"/>
-              </a:rPr>
-              <a:t>(</a:t>
-            </a:r>
-            <a:r>
-              <a:rPr lang="hu-HU" b="1" dirty="0">
-                <a:solidFill>
-                  <a:srgbClr val="000080"/>
-                </a:solidFill>
-                <a:effectLst/>
-                <a:latin typeface="JetBrains Mono"/>
-              </a:rPr>
-              <a:t>CREATE</a:t>
-            </a:r>
-            <a:r>
-              <a:rPr lang="hu-HU" dirty="0">
-                <a:solidFill>
-                  <a:srgbClr val="262626"/>
-                </a:solidFill>
-                <a:effectLst/>
-                <a:latin typeface="JetBrains Mono"/>
-              </a:rPr>
-              <a:t>, </a:t>
-            </a:r>
-            <a:r>
-              <a:rPr lang="hu-HU" b="1" dirty="0">
-                <a:solidFill>
-                  <a:srgbClr val="000080"/>
-                </a:solidFill>
-                <a:effectLst/>
-                <a:latin typeface="JetBrains Mono"/>
-              </a:rPr>
-              <a:t>UPDATE</a:t>
-            </a:r>
-            <a:r>
-              <a:rPr lang="hu-HU" dirty="0">
-                <a:solidFill>
-                  <a:srgbClr val="262626"/>
-                </a:solidFill>
-                <a:effectLst/>
-                <a:latin typeface="JetBrains Mono"/>
-              </a:rPr>
-              <a:t>)</a:t>
-            </a:r>
-            <a:br>
-              <a:rPr lang="hu-HU" dirty="0">
-                <a:solidFill>
-                  <a:srgbClr val="262626"/>
-                </a:solidFill>
-                <a:effectLst/>
-                <a:latin typeface="JetBrains Mono"/>
-              </a:rPr>
-            </a:br>
-            <a:r>
-              <a:rPr lang="hu-HU" dirty="0">
-                <a:solidFill>
-                  <a:srgbClr val="262626"/>
-                </a:solidFill>
-                <a:effectLst/>
-                <a:latin typeface="JetBrains Mono"/>
-              </a:rPr>
-              <a:t>    </a:t>
-            </a:r>
-            <a:r>
-              <a:rPr lang="hu-HU" b="1" dirty="0" err="1">
-                <a:solidFill>
-                  <a:srgbClr val="006666"/>
-                </a:solidFill>
-                <a:effectLst/>
-                <a:latin typeface="JetBrains Mono"/>
-              </a:rPr>
-              <a:t>resources</a:t>
-            </a:r>
-            <a:r>
-              <a:rPr lang="hu-HU" dirty="0">
-                <a:solidFill>
-                  <a:srgbClr val="262626"/>
-                </a:solidFill>
-                <a:effectLst/>
-                <a:latin typeface="JetBrains Mono"/>
-              </a:rPr>
-              <a:t>(</a:t>
-            </a:r>
-            <a:r>
-              <a:rPr lang="hu-HU" b="1" dirty="0">
-                <a:solidFill>
-                  <a:srgbClr val="000080"/>
-                </a:solidFill>
-                <a:effectLst/>
-                <a:latin typeface="JetBrains Mono"/>
-              </a:rPr>
-              <a:t>DEPLOYMENTS</a:t>
-            </a:r>
-            <a:r>
-              <a:rPr lang="hu-HU" dirty="0">
-                <a:solidFill>
-                  <a:srgbClr val="262626"/>
-                </a:solidFill>
-                <a:effectLst/>
-                <a:latin typeface="JetBrains Mono"/>
-              </a:rPr>
-              <a:t>)</a:t>
-            </a:r>
-            <a:br>
-              <a:rPr lang="hu-HU" b="1" dirty="0">
-                <a:solidFill>
-                  <a:srgbClr val="262626"/>
-                </a:solidFill>
-                <a:effectLst/>
-                <a:latin typeface="JetBrains Mono"/>
-              </a:rPr>
-            </a:br>
-            <a:r>
-              <a:rPr lang="hu-HU" b="1" dirty="0">
-                <a:solidFill>
-                  <a:srgbClr val="262626"/>
-                </a:solidFill>
-                <a:effectLst/>
-                <a:latin typeface="JetBrains Mono"/>
-              </a:rPr>
-              <a:t>    </a:t>
-            </a:r>
-            <a:r>
-              <a:rPr lang="hu-HU" b="1" dirty="0" err="1">
-                <a:solidFill>
-                  <a:srgbClr val="660E7A"/>
-                </a:solidFill>
-                <a:effectLst/>
-                <a:latin typeface="JetBrains Mono"/>
-              </a:rPr>
-              <a:t>behavior</a:t>
-            </a:r>
-            <a:r>
-              <a:rPr lang="hu-HU" b="1" dirty="0">
-                <a:solidFill>
-                  <a:srgbClr val="660E7A"/>
-                </a:solidFill>
-                <a:effectLst/>
-                <a:latin typeface="JetBrains Mono"/>
-              </a:rPr>
-              <a:t> </a:t>
-            </a:r>
-            <a:r>
-              <a:rPr lang="hu-HU" b="1" dirty="0">
-                <a:solidFill>
-                  <a:srgbClr val="262626"/>
-                </a:solidFill>
-                <a:effectLst/>
-                <a:latin typeface="JetBrains Mono"/>
-              </a:rPr>
-              <a:t>{</a:t>
-            </a:r>
-            <a:br>
-              <a:rPr lang="hu-HU" b="1" dirty="0">
-                <a:solidFill>
-                  <a:srgbClr val="262626"/>
-                </a:solidFill>
-                <a:effectLst/>
-                <a:latin typeface="JetBrains Mono"/>
-              </a:rPr>
-            </a:br>
-            <a:r>
-              <a:rPr lang="hu-HU" b="1" dirty="0">
-                <a:solidFill>
-                  <a:srgbClr val="262626"/>
-                </a:solidFill>
-                <a:effectLst/>
-                <a:latin typeface="JetBrains Mono"/>
-              </a:rPr>
-              <a:t>        </a:t>
-            </a:r>
-            <a:r>
-              <a:rPr lang="hu-HU" dirty="0" err="1">
-                <a:solidFill>
-                  <a:srgbClr val="000080"/>
-                </a:solidFill>
-                <a:effectLst/>
-                <a:latin typeface="JetBrains Mono"/>
-              </a:rPr>
-              <a:t>val</a:t>
-            </a:r>
-            <a:r>
-              <a:rPr lang="hu-HU" dirty="0">
-                <a:solidFill>
-                  <a:srgbClr val="000080"/>
-                </a:solidFill>
-                <a:effectLst/>
-                <a:latin typeface="JetBrains Mono"/>
-              </a:rPr>
-              <a:t> </a:t>
-            </a:r>
-            <a:r>
-              <a:rPr lang="hu-HU" dirty="0" err="1">
-                <a:solidFill>
-                  <a:srgbClr val="000000"/>
-                </a:solidFill>
-                <a:effectLst/>
-                <a:latin typeface="JetBrains Mono"/>
-              </a:rPr>
-              <a:t>containers</a:t>
-            </a:r>
-            <a:r>
-              <a:rPr lang="hu-HU" dirty="0">
-                <a:solidFill>
-                  <a:srgbClr val="000000"/>
-                </a:solidFill>
-                <a:effectLst/>
-                <a:latin typeface="JetBrains Mono"/>
-              </a:rPr>
-              <a:t> </a:t>
-            </a:r>
-            <a:r>
-              <a:rPr lang="hu-HU" dirty="0">
-                <a:solidFill>
-                  <a:srgbClr val="262626"/>
-                </a:solidFill>
-                <a:effectLst/>
-                <a:latin typeface="JetBrains Mono"/>
-              </a:rPr>
-              <a:t>= (</a:t>
-            </a:r>
-            <a:r>
-              <a:rPr lang="hu-HU" dirty="0" err="1">
-                <a:solidFill>
-                  <a:srgbClr val="660E7A"/>
-                </a:solidFill>
-                <a:effectLst/>
-                <a:latin typeface="JetBrains Mono"/>
-              </a:rPr>
-              <a:t>request</a:t>
-            </a:r>
-            <a:r>
-              <a:rPr lang="hu-HU" dirty="0">
-                <a:solidFill>
-                  <a:srgbClr val="660E7A"/>
-                </a:solidFill>
-                <a:effectLst/>
-                <a:latin typeface="JetBrains Mono"/>
-              </a:rPr>
-              <a:t> </a:t>
-            </a:r>
-            <a:r>
-              <a:rPr lang="hu-HU" b="1" dirty="0" err="1">
-                <a:solidFill>
-                  <a:srgbClr val="006666"/>
-                </a:solidFill>
-                <a:latin typeface="JetBrains Mono"/>
-              </a:rPr>
-              <a:t>jqx</a:t>
-            </a:r>
-            <a:r>
-              <a:rPr lang="hu-HU" b="1" dirty="0">
-                <a:solidFill>
-                  <a:srgbClr val="660E7A"/>
-                </a:solidFill>
-                <a:effectLst/>
-                <a:latin typeface="JetBrains Mono"/>
-              </a:rPr>
-              <a:t> </a:t>
-            </a:r>
-            <a:r>
-              <a:rPr lang="hu-HU" dirty="0">
-                <a:solidFill>
-                  <a:srgbClr val="00733B"/>
-                </a:solidFill>
-                <a:effectLst/>
-                <a:latin typeface="JetBrains Mono"/>
-              </a:rPr>
-              <a:t>"/</a:t>
-            </a:r>
-            <a:r>
-              <a:rPr lang="hu-HU" dirty="0" err="1">
-                <a:solidFill>
-                  <a:srgbClr val="00733B"/>
-                </a:solidFill>
-                <a:effectLst/>
-                <a:latin typeface="JetBrains Mono"/>
-              </a:rPr>
-              <a:t>object</a:t>
-            </a:r>
-            <a:r>
-              <a:rPr lang="hu-HU" dirty="0">
-                <a:solidFill>
-                  <a:srgbClr val="00733B"/>
-                </a:solidFill>
-                <a:effectLst/>
-                <a:latin typeface="JetBrains Mono"/>
-              </a:rPr>
-              <a:t>/</a:t>
-            </a:r>
-            <a:r>
-              <a:rPr lang="hu-HU" dirty="0" err="1">
-                <a:solidFill>
-                  <a:srgbClr val="00733B"/>
-                </a:solidFill>
-                <a:effectLst/>
-                <a:latin typeface="JetBrains Mono"/>
-              </a:rPr>
-              <a:t>spec</a:t>
-            </a:r>
-            <a:r>
-              <a:rPr lang="hu-HU" dirty="0">
-                <a:solidFill>
-                  <a:srgbClr val="00733B"/>
-                </a:solidFill>
-                <a:effectLst/>
-                <a:latin typeface="JetBrains Mono"/>
-              </a:rPr>
-              <a:t>/</a:t>
-            </a:r>
-            <a:r>
-              <a:rPr lang="hu-HU" dirty="0" err="1">
-                <a:solidFill>
-                  <a:srgbClr val="00733B"/>
-                </a:solidFill>
-                <a:effectLst/>
-                <a:latin typeface="JetBrains Mono"/>
-              </a:rPr>
-              <a:t>template</a:t>
-            </a:r>
-            <a:r>
-              <a:rPr lang="hu-HU" dirty="0">
-                <a:solidFill>
-                  <a:srgbClr val="00733B"/>
-                </a:solidFill>
-                <a:effectLst/>
-                <a:latin typeface="JetBrains Mono"/>
-              </a:rPr>
-              <a:t>/</a:t>
-            </a:r>
-            <a:r>
-              <a:rPr lang="hu-HU" dirty="0" err="1">
-                <a:solidFill>
-                  <a:srgbClr val="00733B"/>
-                </a:solidFill>
-                <a:effectLst/>
-                <a:latin typeface="JetBrains Mono"/>
-              </a:rPr>
-              <a:t>spec</a:t>
-            </a:r>
-            <a:r>
-              <a:rPr lang="hu-HU" dirty="0">
-                <a:solidFill>
-                  <a:srgbClr val="00733B"/>
-                </a:solidFill>
-                <a:effectLst/>
-                <a:latin typeface="JetBrains Mono"/>
-              </a:rPr>
-              <a:t>/</a:t>
-            </a:r>
-            <a:r>
-              <a:rPr lang="hu-HU" dirty="0" err="1">
-                <a:solidFill>
-                  <a:srgbClr val="00733B"/>
-                </a:solidFill>
-                <a:effectLst/>
-                <a:latin typeface="JetBrains Mono"/>
-              </a:rPr>
-              <a:t>containers</a:t>
-            </a:r>
-            <a:r>
-              <a:rPr lang="hu-HU" dirty="0">
-                <a:solidFill>
-                  <a:srgbClr val="00733B"/>
-                </a:solidFill>
-                <a:effectLst/>
-                <a:latin typeface="JetBrains Mono"/>
-              </a:rPr>
-              <a:t>"</a:t>
-            </a:r>
-            <a:r>
-              <a:rPr lang="hu-HU" dirty="0">
-                <a:solidFill>
-                  <a:srgbClr val="262626"/>
-                </a:solidFill>
-                <a:effectLst/>
-                <a:latin typeface="JetBrains Mono"/>
-              </a:rPr>
-              <a:t>).</a:t>
-            </a:r>
-            <a:r>
-              <a:rPr lang="hu-HU" i="1" dirty="0" err="1">
-                <a:solidFill>
-                  <a:srgbClr val="660E7A"/>
-                </a:solidFill>
-                <a:effectLst/>
-                <a:latin typeface="JetBrains Mono"/>
-              </a:rPr>
-              <a:t>jsonArray</a:t>
-            </a:r>
-            <a:br>
-              <a:rPr lang="hu-HU" i="1" dirty="0">
-                <a:solidFill>
-                  <a:srgbClr val="660E7A"/>
-                </a:solidFill>
-                <a:effectLst/>
-                <a:latin typeface="JetBrains Mono"/>
-              </a:rPr>
-            </a:br>
-            <a:r>
-              <a:rPr lang="hu-HU" i="1" dirty="0">
-                <a:solidFill>
-                  <a:srgbClr val="660E7A"/>
-                </a:solidFill>
-                <a:effectLst/>
-                <a:latin typeface="JetBrains Mono"/>
-              </a:rPr>
-              <a:t>        </a:t>
-            </a:r>
-            <a:r>
-              <a:rPr lang="hu-HU" b="1" dirty="0" err="1">
-                <a:solidFill>
-                  <a:srgbClr val="660E7A"/>
-                </a:solidFill>
-                <a:effectLst/>
-                <a:latin typeface="JetBrains Mono"/>
-              </a:rPr>
-              <a:t>allowed</a:t>
-            </a:r>
-            <a:r>
-              <a:rPr lang="hu-HU" b="1" dirty="0">
-                <a:solidFill>
-                  <a:srgbClr val="660E7A"/>
-                </a:solidFill>
-                <a:effectLst/>
-                <a:latin typeface="JetBrains Mono"/>
-              </a:rPr>
-              <a:t> </a:t>
-            </a:r>
-            <a:r>
-              <a:rPr lang="hu-HU" b="1" dirty="0">
-                <a:solidFill>
-                  <a:srgbClr val="262626"/>
-                </a:solidFill>
-                <a:effectLst/>
-                <a:latin typeface="JetBrains Mono"/>
-              </a:rPr>
-              <a:t>{</a:t>
-            </a:r>
-            <a:br>
-              <a:rPr lang="hu-HU" b="1" dirty="0">
-                <a:solidFill>
-                  <a:srgbClr val="262626"/>
-                </a:solidFill>
-                <a:effectLst/>
-                <a:latin typeface="JetBrains Mono"/>
-              </a:rPr>
-            </a:br>
-            <a:r>
-              <a:rPr lang="hu-HU" b="1" dirty="0">
-                <a:solidFill>
-                  <a:srgbClr val="262626"/>
-                </a:solidFill>
-                <a:effectLst/>
-                <a:latin typeface="JetBrains Mono"/>
-              </a:rPr>
-              <a:t>            </a:t>
-            </a:r>
-            <a:r>
-              <a:rPr lang="hu-HU" dirty="0" err="1">
-                <a:solidFill>
-                  <a:srgbClr val="000000"/>
-                </a:solidFill>
-                <a:effectLst/>
-                <a:latin typeface="JetBrains Mono"/>
-              </a:rPr>
-              <a:t>containers</a:t>
-            </a:r>
-            <a:r>
-              <a:rPr lang="hu-HU" dirty="0" err="1">
-                <a:solidFill>
-                  <a:srgbClr val="262626"/>
-                </a:solidFill>
-                <a:effectLst/>
-                <a:latin typeface="JetBrains Mono"/>
-              </a:rPr>
-              <a:t>.all</a:t>
-            </a:r>
-            <a:r>
-              <a:rPr lang="hu-HU" dirty="0">
-                <a:solidFill>
-                  <a:srgbClr val="262626"/>
-                </a:solidFill>
-                <a:effectLst/>
-                <a:latin typeface="JetBrains Mono"/>
-              </a:rPr>
-              <a:t> </a:t>
-            </a:r>
-            <a:r>
-              <a:rPr lang="hu-HU" b="1" dirty="0">
-                <a:solidFill>
-                  <a:srgbClr val="262626"/>
-                </a:solidFill>
-                <a:effectLst/>
-                <a:latin typeface="JetBrains Mono"/>
-              </a:rPr>
-              <a:t>{ </a:t>
-            </a:r>
-            <a:r>
-              <a:rPr lang="hu-HU" dirty="0">
-                <a:solidFill>
-                  <a:srgbClr val="262626"/>
-                </a:solidFill>
-                <a:effectLst/>
-                <a:latin typeface="JetBrains Mono"/>
-              </a:rPr>
-              <a:t>(</a:t>
-            </a:r>
-            <a:r>
-              <a:rPr lang="hu-HU" b="1" dirty="0" err="1">
-                <a:solidFill>
-                  <a:srgbClr val="262626"/>
-                </a:solidFill>
-                <a:effectLst/>
-                <a:latin typeface="JetBrains Mono"/>
-              </a:rPr>
-              <a:t>it</a:t>
-            </a:r>
-            <a:r>
-              <a:rPr lang="hu-HU" dirty="0" err="1">
-                <a:solidFill>
-                  <a:srgbClr val="262626"/>
-                </a:solidFill>
-                <a:effectLst/>
-                <a:latin typeface="JetBrains Mono"/>
-              </a:rPr>
-              <a:t>.</a:t>
-            </a:r>
-            <a:r>
-              <a:rPr lang="hu-HU" i="1" dirty="0" err="1">
-                <a:solidFill>
-                  <a:srgbClr val="660E7A"/>
-                </a:solidFill>
-                <a:effectLst/>
-                <a:latin typeface="JetBrains Mono"/>
-              </a:rPr>
-              <a:t>jsonObject</a:t>
-            </a:r>
-            <a:r>
-              <a:rPr lang="hu-HU" i="1" dirty="0">
-                <a:solidFill>
-                  <a:srgbClr val="660E7A"/>
-                </a:solidFill>
-                <a:effectLst/>
-                <a:latin typeface="JetBrains Mono"/>
-              </a:rPr>
-              <a:t> </a:t>
-            </a:r>
-            <a:r>
-              <a:rPr lang="hu-HU" b="1" dirty="0" err="1">
-                <a:solidFill>
-                  <a:srgbClr val="006666"/>
-                </a:solidFill>
-                <a:latin typeface="JetBrains Mono"/>
-              </a:rPr>
-              <a:t>jqx</a:t>
-            </a:r>
-            <a:r>
-              <a:rPr lang="hu-HU" b="1" dirty="0">
-                <a:solidFill>
-                  <a:srgbClr val="660E7A"/>
-                </a:solidFill>
-                <a:effectLst/>
-                <a:latin typeface="JetBrains Mono"/>
-              </a:rPr>
-              <a:t> </a:t>
-            </a:r>
-            <a:r>
-              <a:rPr lang="hu-HU" dirty="0">
-                <a:solidFill>
-                  <a:srgbClr val="00733B"/>
-                </a:solidFill>
-                <a:effectLst/>
-                <a:latin typeface="JetBrains Mono"/>
-              </a:rPr>
-              <a:t>"/</a:t>
-            </a:r>
-            <a:r>
-              <a:rPr lang="hu-HU" dirty="0" err="1">
-                <a:solidFill>
-                  <a:srgbClr val="00733B"/>
-                </a:solidFill>
-                <a:effectLst/>
-                <a:latin typeface="JetBrains Mono"/>
-              </a:rPr>
-              <a:t>resources</a:t>
-            </a:r>
-            <a:r>
-              <a:rPr lang="hu-HU" dirty="0">
-                <a:solidFill>
-                  <a:srgbClr val="00733B"/>
-                </a:solidFill>
-                <a:effectLst/>
-                <a:latin typeface="JetBrains Mono"/>
-              </a:rPr>
-              <a:t>/"</a:t>
-            </a:r>
-            <a:r>
-              <a:rPr lang="hu-HU" dirty="0">
-                <a:solidFill>
-                  <a:srgbClr val="262626"/>
-                </a:solidFill>
-                <a:effectLst/>
-                <a:latin typeface="JetBrains Mono"/>
-              </a:rPr>
-              <a:t>).</a:t>
-            </a:r>
-            <a:r>
-              <a:rPr lang="hu-HU" i="1" dirty="0" err="1">
-                <a:solidFill>
-                  <a:srgbClr val="660E7A"/>
-                </a:solidFill>
-                <a:effectLst/>
-                <a:latin typeface="JetBrains Mono"/>
-              </a:rPr>
-              <a:t>jsonObject</a:t>
-            </a:r>
-            <a:r>
-              <a:rPr lang="hu-HU" dirty="0" err="1">
-                <a:solidFill>
-                  <a:srgbClr val="262626"/>
-                </a:solidFill>
-                <a:effectLst/>
-                <a:latin typeface="JetBrains Mono"/>
-              </a:rPr>
-              <a:t>.isNotEmpty</a:t>
-            </a:r>
-            <a:r>
-              <a:rPr lang="hu-HU" dirty="0">
-                <a:solidFill>
-                  <a:srgbClr val="262626"/>
-                </a:solidFill>
-                <a:effectLst/>
-                <a:latin typeface="JetBrains Mono"/>
-              </a:rPr>
-              <a:t>() </a:t>
-            </a:r>
-            <a:r>
-              <a:rPr lang="hu-HU" b="1" dirty="0">
-                <a:solidFill>
-                  <a:srgbClr val="262626"/>
-                </a:solidFill>
-                <a:effectLst/>
-                <a:latin typeface="JetBrains Mono"/>
-              </a:rPr>
-              <a:t>}</a:t>
-            </a:r>
-            <a:br>
-              <a:rPr lang="hu-HU" b="1" dirty="0">
-                <a:solidFill>
-                  <a:srgbClr val="262626"/>
-                </a:solidFill>
-                <a:effectLst/>
-                <a:latin typeface="JetBrains Mono"/>
-              </a:rPr>
-            </a:br>
-            <a:r>
-              <a:rPr lang="hu-HU" b="1" dirty="0">
-                <a:solidFill>
-                  <a:srgbClr val="262626"/>
-                </a:solidFill>
-                <a:effectLst/>
-                <a:latin typeface="JetBrains Mono"/>
-              </a:rPr>
-              <a:t>        }</a:t>
-            </a:r>
-            <a:br>
-              <a:rPr lang="hu-HU" b="1" dirty="0">
-                <a:solidFill>
-                  <a:srgbClr val="262626"/>
-                </a:solidFill>
-                <a:effectLst/>
-                <a:latin typeface="JetBrains Mono"/>
-              </a:rPr>
-            </a:br>
-            <a:r>
-              <a:rPr lang="hu-HU" b="1" dirty="0">
-                <a:solidFill>
-                  <a:srgbClr val="262626"/>
-                </a:solidFill>
-                <a:effectLst/>
-                <a:latin typeface="JetBrains Mono"/>
-              </a:rPr>
-              <a:t>        </a:t>
-            </a:r>
-            <a:r>
-              <a:rPr lang="hu-HU" b="1" dirty="0">
-                <a:solidFill>
-                  <a:srgbClr val="660E7A"/>
-                </a:solidFill>
-                <a:effectLst/>
-                <a:latin typeface="JetBrains Mono"/>
-              </a:rPr>
-              <a:t>status </a:t>
-            </a:r>
-            <a:r>
-              <a:rPr lang="hu-HU" b="1" dirty="0">
-                <a:solidFill>
-                  <a:srgbClr val="262626"/>
-                </a:solidFill>
-                <a:effectLst/>
-                <a:latin typeface="JetBrains Mono"/>
-              </a:rPr>
-              <a:t>{</a:t>
-            </a:r>
-            <a:br>
-              <a:rPr lang="hu-HU" b="1" dirty="0">
-                <a:solidFill>
-                  <a:srgbClr val="262626"/>
-                </a:solidFill>
-                <a:effectLst/>
-                <a:latin typeface="JetBrains Mono"/>
-              </a:rPr>
-            </a:br>
-            <a:r>
-              <a:rPr lang="hu-HU" b="1" dirty="0">
-                <a:solidFill>
-                  <a:srgbClr val="262626"/>
-                </a:solidFill>
-                <a:effectLst/>
-                <a:latin typeface="JetBrains Mono"/>
-              </a:rPr>
-              <a:t>            </a:t>
-            </a:r>
-            <a:r>
-              <a:rPr lang="hu-HU" dirty="0" err="1">
-                <a:solidFill>
-                  <a:srgbClr val="660E7A"/>
-                </a:solidFill>
-                <a:effectLst/>
-                <a:latin typeface="JetBrains Mono"/>
-              </a:rPr>
-              <a:t>message</a:t>
-            </a:r>
-            <a:r>
-              <a:rPr lang="hu-HU" dirty="0">
-                <a:solidFill>
-                  <a:srgbClr val="660E7A"/>
-                </a:solidFill>
-                <a:effectLst/>
-                <a:latin typeface="JetBrains Mono"/>
-              </a:rPr>
-              <a:t> </a:t>
-            </a:r>
-            <a:r>
-              <a:rPr lang="hu-HU" dirty="0">
-                <a:solidFill>
-                  <a:srgbClr val="262626"/>
-                </a:solidFill>
-                <a:effectLst/>
-                <a:latin typeface="JetBrains Mono"/>
-              </a:rPr>
-              <a:t>= </a:t>
-            </a:r>
-            <a:r>
-              <a:rPr lang="hu-HU" dirty="0">
-                <a:solidFill>
-                  <a:srgbClr val="00733B"/>
-                </a:solidFill>
-                <a:effectLst/>
-                <a:latin typeface="JetBrains Mono"/>
-              </a:rPr>
-              <a:t>"</a:t>
-            </a:r>
-            <a:r>
-              <a:rPr lang="hu-HU" dirty="0" err="1">
-                <a:solidFill>
-                  <a:srgbClr val="00733B"/>
-                </a:solidFill>
-                <a:effectLst/>
-                <a:latin typeface="JetBrains Mono"/>
-              </a:rPr>
-              <a:t>Deployment</a:t>
-            </a:r>
-            <a:r>
-              <a:rPr lang="hu-HU" dirty="0">
-                <a:solidFill>
-                  <a:srgbClr val="00733B"/>
-                </a:solidFill>
-                <a:effectLst/>
-                <a:latin typeface="JetBrains Mono"/>
-              </a:rPr>
-              <a:t> must </a:t>
-            </a:r>
-            <a:r>
-              <a:rPr lang="hu-HU" dirty="0" err="1">
-                <a:solidFill>
-                  <a:srgbClr val="00733B"/>
-                </a:solidFill>
-                <a:effectLst/>
-                <a:latin typeface="JetBrains Mono"/>
-              </a:rPr>
-              <a:t>have</a:t>
-            </a:r>
-            <a:r>
-              <a:rPr lang="hu-HU" dirty="0">
-                <a:solidFill>
-                  <a:srgbClr val="00733B"/>
-                </a:solidFill>
-                <a:effectLst/>
-                <a:latin typeface="JetBrains Mono"/>
-              </a:rPr>
-              <a:t> </a:t>
-            </a:r>
-            <a:r>
-              <a:rPr lang="hu-HU" dirty="0" err="1">
-                <a:solidFill>
-                  <a:srgbClr val="00733B"/>
-                </a:solidFill>
-                <a:effectLst/>
-                <a:latin typeface="JetBrains Mono"/>
-              </a:rPr>
-              <a:t>resource</a:t>
-            </a:r>
-            <a:r>
-              <a:rPr lang="hu-HU" dirty="0">
-                <a:solidFill>
-                  <a:srgbClr val="00733B"/>
-                </a:solidFill>
-                <a:effectLst/>
-                <a:latin typeface="JetBrains Mono"/>
-              </a:rPr>
-              <a:t> </a:t>
-            </a:r>
-            <a:r>
-              <a:rPr lang="hu-HU" dirty="0" err="1">
-                <a:solidFill>
-                  <a:srgbClr val="00733B"/>
-                </a:solidFill>
-                <a:effectLst/>
-                <a:latin typeface="JetBrains Mono"/>
-              </a:rPr>
-              <a:t>definitions</a:t>
-            </a:r>
-            <a:r>
-              <a:rPr lang="hu-HU" dirty="0">
-                <a:solidFill>
-                  <a:srgbClr val="00733B"/>
-                </a:solidFill>
-                <a:effectLst/>
-                <a:latin typeface="JetBrains Mono"/>
-              </a:rPr>
-              <a:t>!"</a:t>
-            </a:r>
-            <a:br>
-              <a:rPr lang="hu-HU" dirty="0">
-                <a:solidFill>
-                  <a:srgbClr val="00733B"/>
-                </a:solidFill>
-                <a:effectLst/>
-                <a:latin typeface="JetBrains Mono"/>
-              </a:rPr>
-            </a:br>
-            <a:r>
-              <a:rPr lang="hu-HU" dirty="0">
-                <a:solidFill>
-                  <a:srgbClr val="00733B"/>
-                </a:solidFill>
-                <a:effectLst/>
-                <a:latin typeface="JetBrains Mono"/>
-              </a:rPr>
-              <a:t>        </a:t>
-            </a:r>
-            <a:r>
-              <a:rPr lang="hu-HU" b="1" dirty="0">
-                <a:solidFill>
-                  <a:srgbClr val="262626"/>
-                </a:solidFill>
-                <a:effectLst/>
-                <a:latin typeface="JetBrains Mono"/>
-              </a:rPr>
-              <a:t>}</a:t>
-            </a:r>
-            <a:br>
-              <a:rPr lang="hu-HU" b="1" dirty="0">
-                <a:solidFill>
-                  <a:srgbClr val="262626"/>
-                </a:solidFill>
-                <a:effectLst/>
-                <a:latin typeface="JetBrains Mono"/>
-              </a:rPr>
-            </a:br>
-            <a:r>
-              <a:rPr lang="hu-HU" b="1" dirty="0">
-                <a:solidFill>
-                  <a:srgbClr val="262626"/>
-                </a:solidFill>
-                <a:effectLst/>
-                <a:latin typeface="JetBrains Mono"/>
-              </a:rPr>
-              <a:t>    }</a:t>
-            </a:r>
-            <a:br>
-              <a:rPr lang="hu-HU" b="1" dirty="0">
-                <a:solidFill>
-                  <a:srgbClr val="262626"/>
-                </a:solidFill>
-                <a:effectLst/>
-                <a:latin typeface="JetBrains Mono"/>
-              </a:rPr>
-            </a:br>
-            <a:r>
-              <a:rPr lang="hu-HU" b="1" dirty="0">
-                <a:solidFill>
-                  <a:srgbClr val="262626"/>
-                </a:solidFill>
-                <a:effectLst/>
-                <a:latin typeface="JetBrains Mono"/>
-              </a:rPr>
-              <a:t>}</a:t>
-            </a:r>
-            <a:endParaRPr lang="hu-HU" dirty="0">
-              <a:solidFill>
-                <a:srgbClr val="262626"/>
-              </a:solidFill>
-              <a:effectLst/>
-              <a:latin typeface="JetBrains Mono"/>
-            </a:endParaRPr>
-          </a:p>
-        </p:txBody>
-      </p:sp>
+      </p:pic>
     </p:spTree>
     <p:extLst>
       <p:ext uri="{BB962C8B-B14F-4D97-AF65-F5344CB8AC3E}">
-        <p14:creationId xmlns:p14="http://schemas.microsoft.com/office/powerpoint/2010/main" val="3912539148"/>
+        <p14:creationId xmlns:p14="http://schemas.microsoft.com/office/powerpoint/2010/main" val="785499863"/>
       </p:ext>
     </p:extLst>
   </p:cSld>
